--- a/PresentaciónTFG_Adrián_Pizarro_Serrano.pptx
+++ b/PresentaciónTFG_Adrián_Pizarro_Serrano.pptx
@@ -27,21 +27,21 @@
   <p:notesSz cx="6858000" cy="9144000"/>
   <p:embeddedFontLst>
     <p:embeddedFont>
-      <p:font typeface="Poppins" panose="020B0604020202020204" charset="0"/>
+      <p:font typeface="Montserrat" panose="020B0604020202020204" charset="0"/>
       <p:regular r:id="rId17"/>
       <p:bold r:id="rId18"/>
       <p:italic r:id="rId19"/>
       <p:boldItalic r:id="rId20"/>
     </p:embeddedFont>
     <p:embeddedFont>
-      <p:font typeface="Montserrat" panose="020B0604020202020204" charset="0"/>
+      <p:font typeface="Montserrat Light" panose="020B0604020202020204" charset="0"/>
       <p:regular r:id="rId21"/>
       <p:bold r:id="rId22"/>
       <p:italic r:id="rId23"/>
       <p:boldItalic r:id="rId24"/>
     </p:embeddedFont>
     <p:embeddedFont>
-      <p:font typeface="Montserrat Light" panose="020B0604020202020204" charset="0"/>
+      <p:font typeface="Poppins" panose="020B0604020202020204" charset="0"/>
       <p:regular r:id="rId25"/>
       <p:bold r:id="rId26"/>
       <p:italic r:id="rId27"/>
@@ -12707,11 +12707,11 @@
           </a:lstStyle>
           <a:p>
             <a:r>
-              <a:rPr lang="es-ES" sz="2400" dirty="0" smtClean="0"/>
+              <a:rPr lang="es-ES" sz="2400" dirty="0"/>
               <a:t>C</a:t>
             </a:r>
             <a:r>
-              <a:rPr lang="es-ES" dirty="0" smtClean="0"/>
+              <a:rPr lang="es-ES" dirty="0"/>
               <a:t>ONCLUSIONES</a:t>
             </a:r>
             <a:endParaRPr lang="es-ES" sz="1000" dirty="0"/>
@@ -13237,7 +13237,7 @@
                 <a:hlinkClick r:id="rId3">
                   <a:extLst>
                     <a:ext uri="{A12FA001-AC4F-418D-AE19-62706E023703}">
-                      <ahyp:hlinkClr xmlns:ahyp="http://schemas.microsoft.com/office/drawing/2018/hyperlinkcolor" xmlns="" val="tx"/>
+                      <ahyp:hlinkClr xmlns:ahyp="http://schemas.microsoft.com/office/drawing/2018/hyperlinkcolor" val="tx"/>
                     </a:ext>
                   </a:extLst>
                 </a:hlinkClick>
@@ -14088,14 +14088,13 @@
           </a:lstStyle>
           <a:p>
             <a:r>
-              <a:rPr lang="es-ES" sz="2400" dirty="0" smtClean="0"/>
+              <a:rPr lang="es-ES" sz="2400" dirty="0"/>
               <a:t>V</a:t>
             </a:r>
             <a:r>
-              <a:rPr lang="es-ES" dirty="0" smtClean="0"/>
+              <a:rPr lang="es-ES" dirty="0"/>
               <a:t>ISUALIZACIÓN DE DATOS</a:t>
             </a:r>
-            <a:endParaRPr lang="es-ES" dirty="0"/>
           </a:p>
         </p:txBody>
       </p:sp>
@@ -14156,7 +14155,6 @@
               <a:rPr lang="es-ES" sz="1800" dirty="0"/>
               <a:t>Consiste en generar un entorno de apariencia real mediante la tecnología. Tiene el fin de hacer sentir al usuario que está dentro del mismo y ofrecerle nuevas posibilidades.</a:t>
             </a:r>
-            <a:endParaRPr lang="es-ES" sz="1800" dirty="0"/>
           </a:p>
         </p:txBody>
       </p:sp>
@@ -14512,14 +14510,13 @@
           </a:lstStyle>
           <a:p>
             <a:r>
-              <a:rPr lang="es-ES" sz="2400" dirty="0" smtClean="0"/>
+              <a:rPr lang="es-ES" sz="2400" dirty="0"/>
               <a:t>R</a:t>
             </a:r>
             <a:r>
-              <a:rPr lang="es-ES" dirty="0" smtClean="0"/>
+              <a:rPr lang="es-ES" dirty="0"/>
               <a:t>EALIDAD VIRTUAL</a:t>
             </a:r>
-            <a:endParaRPr lang="es-ES" dirty="0"/>
           </a:p>
         </p:txBody>
       </p:sp>
@@ -15025,14 +15022,13 @@
           </a:lstStyle>
           <a:p>
             <a:r>
-              <a:rPr lang="es-ES" sz="2400" dirty="0" smtClean="0"/>
+              <a:rPr lang="es-ES" sz="2400" dirty="0"/>
               <a:t>O</a:t>
             </a:r>
             <a:r>
-              <a:rPr lang="es-ES" dirty="0" smtClean="0"/>
+              <a:rPr lang="es-ES" dirty="0"/>
               <a:t>BJETIVOS</a:t>
             </a:r>
-            <a:endParaRPr lang="es-ES" dirty="0"/>
           </a:p>
         </p:txBody>
       </p:sp>
@@ -15096,7 +15092,7 @@
               <a:buNone/>
             </a:pPr>
             <a:r>
-              <a:rPr lang="es-ES" sz="1400" b="1" dirty="0" smtClean="0">
+              <a:rPr lang="es-ES" sz="1400" b="1" dirty="0">
                 <a:latin typeface="Montserrat"/>
                 <a:ea typeface="Montserrat"/>
                 <a:cs typeface="Montserrat"/>
@@ -15105,7 +15101,7 @@
               <a:t>         A-</a:t>
             </a:r>
             <a:r>
-              <a:rPr lang="es-ES" sz="1400" b="1" dirty="0" err="1" smtClean="0">
+              <a:rPr lang="es-ES" sz="1400" b="1" dirty="0" err="1">
                 <a:latin typeface="Montserrat"/>
                 <a:ea typeface="Montserrat"/>
                 <a:cs typeface="Montserrat"/>
@@ -15203,11 +15199,7 @@
             </a:r>
             <a:r>
               <a:rPr lang="es-ES" sz="1400" dirty="0"/>
-              <a:t>Además, sirve para que los navegadores puedan interpretar mejor el código JavaScript </a:t>
-            </a:r>
-            <a:r>
-              <a:rPr lang="es-ES" sz="1400" dirty="0" smtClean="0"/>
-              <a:t>desarrollado.</a:t>
+              <a:t>Además, sirve para que los navegadores puedan interpretar mejor el código JavaScript desarrollado.</a:t>
             </a:r>
             <a:endParaRPr sz="1400" dirty="0"/>
           </a:p>
@@ -15247,7 +15239,7 @@
               </a:spcAft>
               <a:buNone/>
             </a:pPr>
-            <a:endParaRPr lang="es-ES" sz="1400" dirty="0" smtClean="0"/>
+            <a:endParaRPr lang="es-ES" sz="1400" dirty="0"/>
           </a:p>
           <a:p>
             <a:pPr marL="0" lvl="0" indent="0" algn="l" rtl="0">
@@ -15260,20 +15252,8 @@
               <a:buNone/>
             </a:pPr>
             <a:r>
-              <a:rPr lang="es-ES" sz="1400" dirty="0" smtClean="0"/>
-              <a:t>Servidor </a:t>
-            </a:r>
-            <a:r>
               <a:rPr lang="es-ES" sz="1400" dirty="0"/>
-              <a:t>Web </a:t>
-            </a:r>
-            <a:r>
-              <a:rPr lang="es-ES" sz="1400" dirty="0" smtClean="0"/>
-              <a:t>en </a:t>
-            </a:r>
-            <a:r>
-              <a:rPr lang="es-ES" sz="1400" dirty="0"/>
-              <a:t>C++ que nos permite desarrollar en el lado del servidor con JavaScript</a:t>
+              <a:t>Servidor Web en C++ que nos permite desarrollar en el lado del servidor con JavaScript</a:t>
             </a:r>
             <a:r>
               <a:rPr lang="en" sz="1400" dirty="0"/>
@@ -15444,7 +15424,7 @@
               <a:buNone/>
             </a:pPr>
             <a:r>
-              <a:rPr lang="es-ES" sz="1400" b="1" dirty="0" smtClean="0">
+              <a:rPr lang="es-ES" sz="1400" b="1" dirty="0">
                 <a:latin typeface="Montserrat"/>
                 <a:ea typeface="Montserrat"/>
                 <a:cs typeface="Montserrat"/>
@@ -15471,11 +15451,7 @@
             </a:pPr>
             <a:r>
               <a:rPr lang="es-ES" sz="1400" dirty="0"/>
-              <a:t>Lenguaje de marcado para construir páginas web. Nace en 2014 como mejora de HTML incluyendo nuevas etiquetas y mejoras en la </a:t>
-            </a:r>
-            <a:r>
-              <a:rPr lang="es-ES" sz="1400" dirty="0" smtClean="0"/>
-              <a:t>API.</a:t>
+              <a:t>Lenguaje de marcado para construir páginas web. Nace en 2014 como mejora de HTML incluyendo nuevas etiquetas y mejoras en la API.</a:t>
             </a:r>
             <a:endParaRPr sz="1400" dirty="0"/>
           </a:p>
@@ -15510,7 +15486,7 @@
               <a:buNone/>
             </a:pPr>
             <a:r>
-              <a:rPr lang="es-ES" sz="1400" b="1" dirty="0" smtClean="0">
+              <a:rPr lang="es-ES" sz="1400" b="1" dirty="0">
                 <a:latin typeface="Montserrat"/>
                 <a:ea typeface="Montserrat"/>
                 <a:cs typeface="Montserrat"/>
@@ -15839,11 +15815,11 @@
           </a:lstStyle>
           <a:p>
             <a:r>
-              <a:rPr lang="es-ES" sz="2400" dirty="0" smtClean="0"/>
+              <a:rPr lang="es-ES" sz="2400" dirty="0"/>
               <a:t>T</a:t>
             </a:r>
             <a:r>
-              <a:rPr lang="es-ES" dirty="0" smtClean="0"/>
+              <a:rPr lang="es-ES" dirty="0"/>
               <a:t>ECNOLOGÍAS USADAS</a:t>
             </a:r>
             <a:endParaRPr lang="es-ES" sz="1400" dirty="0"/>
@@ -16141,7 +16117,7 @@
         </p:nvGrpSpPr>
         <p:grpSpPr>
           <a:xfrm>
-            <a:off x="4101806" y="925703"/>
+            <a:off x="4564087" y="925703"/>
             <a:ext cx="3867544" cy="2310089"/>
             <a:chOff x="4108032" y="1274925"/>
             <a:chExt cx="3867544" cy="2310089"/>
@@ -16439,377 +16415,7 @@
                     <a:cs typeface="Montserrat"/>
                     <a:sym typeface="Montserrat"/>
                   </a:rPr>
-                  <a:t>Se comienza a trabajar en el API para </a:t>
-                </a:r>
-                <a:r>
-                  <a:rPr lang="es-ES" dirty="0" smtClean="0">
-                    <a:solidFill>
-                      <a:schemeClr val="dk1"/>
-                    </a:solidFill>
-                    <a:latin typeface="Montserrat"/>
-                    <a:ea typeface="Montserrat"/>
-                    <a:cs typeface="Montserrat"/>
-                    <a:sym typeface="Montserrat"/>
-                  </a:rPr>
-                  <a:t>filtrar, </a:t>
-                </a:r>
-                <a:r>
-                  <a:rPr lang="es-ES" dirty="0">
-                    <a:solidFill>
-                      <a:schemeClr val="dk1"/>
-                    </a:solidFill>
-                    <a:latin typeface="Montserrat"/>
-                    <a:ea typeface="Montserrat"/>
-                    <a:cs typeface="Montserrat"/>
-                    <a:sym typeface="Montserrat"/>
-                  </a:rPr>
-                  <a:t>refrescar gráficos de manera dinámica y la inclusión de más visualizaciones y </a:t>
-                </a:r>
-                <a:r>
-                  <a:rPr lang="es-ES" dirty="0" smtClean="0">
-                    <a:solidFill>
-                      <a:schemeClr val="dk1"/>
-                    </a:solidFill>
-                    <a:latin typeface="Montserrat"/>
-                    <a:ea typeface="Montserrat"/>
-                    <a:cs typeface="Montserrat"/>
-                    <a:sym typeface="Montserrat"/>
-                  </a:rPr>
-                  <a:t>configuración</a:t>
-                </a:r>
-                <a:r>
-                  <a:rPr lang="en" dirty="0" smtClean="0">
-                    <a:solidFill>
-                      <a:schemeClr val="dk1"/>
-                    </a:solidFill>
-                    <a:latin typeface="Montserrat"/>
-                    <a:ea typeface="Montserrat"/>
-                    <a:cs typeface="Montserrat"/>
-                    <a:sym typeface="Montserrat"/>
-                  </a:rPr>
-                  <a:t>.</a:t>
-                </a:r>
-                <a:endParaRPr b="1" dirty="0">
-                  <a:solidFill>
-                    <a:schemeClr val="dk1"/>
-                  </a:solidFill>
-                  <a:latin typeface="Montserrat"/>
-                  <a:ea typeface="Montserrat"/>
-                  <a:cs typeface="Montserrat"/>
-                  <a:sym typeface="Montserrat"/>
-                </a:endParaRPr>
-              </a:p>
-            </p:txBody>
-          </p:sp>
-        </p:grpSp>
-      </p:grpSp>
-      <p:grpSp>
-        <p:nvGrpSpPr>
-          <p:cNvPr id="476" name="Google Shape;476;p28"/>
-          <p:cNvGrpSpPr/>
-          <p:nvPr/>
-        </p:nvGrpSpPr>
-        <p:grpSpPr>
-          <a:xfrm>
-            <a:off x="5602014" y="2353368"/>
-            <a:ext cx="3541986" cy="1671435"/>
-            <a:chOff x="5614964" y="2702596"/>
-            <a:chExt cx="3541986" cy="1671435"/>
-          </a:xfrm>
-        </p:grpSpPr>
-        <p:sp>
-          <p:nvSpPr>
-            <p:cNvPr id="477" name="Google Shape;477;p28"/>
-            <p:cNvSpPr/>
-            <p:nvPr/>
-          </p:nvSpPr>
-          <p:spPr>
-            <a:xfrm>
-              <a:off x="6807650" y="3079475"/>
-              <a:ext cx="2349300" cy="133500"/>
-            </a:xfrm>
-            <a:prstGeom prst="rect">
-              <a:avLst/>
-            </a:prstGeom>
-            <a:solidFill>
-              <a:schemeClr val="dk1"/>
-            </a:solidFill>
-            <a:ln>
-              <a:noFill/>
-            </a:ln>
-          </p:spPr>
-          <p:txBody>
-            <a:bodyPr spcFirstLastPara="1" wrap="square" lIns="91425" tIns="91425" rIns="91425" bIns="91425" anchor="ctr" anchorCtr="0">
-              <a:noAutofit/>
-            </a:bodyPr>
-            <a:lstStyle/>
-            <a:p>
-              <a:pPr marL="0" lvl="0" indent="0" algn="l" rtl="0">
-                <a:spcBef>
-                  <a:spcPts val="0"/>
-                </a:spcBef>
-                <a:spcAft>
-                  <a:spcPts val="0"/>
-                </a:spcAft>
-                <a:buNone/>
-              </a:pPr>
-              <a:endParaRPr/>
-            </a:p>
-          </p:txBody>
-        </p:sp>
-        <p:grpSp>
-          <p:nvGrpSpPr>
-            <p:cNvPr id="478" name="Google Shape;478;p28"/>
-            <p:cNvGrpSpPr/>
-            <p:nvPr/>
-          </p:nvGrpSpPr>
-          <p:grpSpPr>
-            <a:xfrm>
-              <a:off x="5614964" y="2702596"/>
-              <a:ext cx="3426372" cy="1671435"/>
-              <a:chOff x="5614964" y="2702596"/>
-              <a:chExt cx="3426372" cy="1671435"/>
-            </a:xfrm>
-          </p:grpSpPr>
-          <p:grpSp>
-            <p:nvGrpSpPr>
-              <p:cNvPr id="479" name="Google Shape;479;p28"/>
-              <p:cNvGrpSpPr/>
-              <p:nvPr/>
-            </p:nvGrpSpPr>
-            <p:grpSpPr>
-              <a:xfrm rot="10800000">
-                <a:off x="6760035" y="3079467"/>
-                <a:ext cx="92400" cy="411825"/>
-                <a:chOff x="2070100" y="2563700"/>
-                <a:chExt cx="92400" cy="411825"/>
-              </a:xfrm>
-            </p:grpSpPr>
-            <p:cxnSp>
-              <p:nvCxnSpPr>
-                <p:cNvPr id="480" name="Google Shape;480;p28"/>
-                <p:cNvCxnSpPr/>
-                <p:nvPr/>
-              </p:nvCxnSpPr>
-              <p:spPr>
-                <a:xfrm>
-                  <a:off x="2116300" y="2616125"/>
-                  <a:ext cx="0" cy="359400"/>
-                </a:xfrm>
-                <a:prstGeom prst="straightConnector1">
-                  <a:avLst/>
-                </a:prstGeom>
-                <a:noFill/>
-                <a:ln w="9525" cap="flat" cmpd="sng">
-                  <a:solidFill>
-                    <a:schemeClr val="dk1"/>
-                  </a:solidFill>
-                  <a:prstDash val="solid"/>
-                  <a:round/>
-                  <a:headEnd type="none" w="sm" len="sm"/>
-                  <a:tailEnd type="none" w="sm" len="sm"/>
-                </a:ln>
-              </p:spPr>
-            </p:cxnSp>
-            <p:sp>
-              <p:nvSpPr>
-                <p:cNvPr id="481" name="Google Shape;481;p28"/>
-                <p:cNvSpPr/>
-                <p:nvPr/>
-              </p:nvSpPr>
-              <p:spPr>
-                <a:xfrm>
-                  <a:off x="2070100" y="2563700"/>
-                  <a:ext cx="92400" cy="92400"/>
-                </a:xfrm>
-                <a:prstGeom prst="ellipse">
-                  <a:avLst/>
-                </a:prstGeom>
-                <a:solidFill>
-                  <a:schemeClr val="dk1"/>
-                </a:solidFill>
-                <a:ln>
-                  <a:noFill/>
-                </a:ln>
-              </p:spPr>
-              <p:txBody>
-                <a:bodyPr spcFirstLastPara="1" wrap="square" lIns="91425" tIns="91425" rIns="91425" bIns="91425" anchor="ctr" anchorCtr="0">
-                  <a:noAutofit/>
-                </a:bodyPr>
-                <a:lstStyle/>
-                <a:p>
-                  <a:pPr marL="0" lvl="0" indent="0" algn="l" rtl="0">
-                    <a:spcBef>
-                      <a:spcPts val="0"/>
-                    </a:spcBef>
-                    <a:spcAft>
-                      <a:spcPts val="0"/>
-                    </a:spcAft>
-                    <a:buNone/>
-                  </a:pPr>
-                  <a:endParaRPr/>
-                </a:p>
-              </p:txBody>
-            </p:sp>
-          </p:grpSp>
-          <p:sp>
-            <p:nvSpPr>
-              <p:cNvPr id="482" name="Google Shape;482;p28"/>
-              <p:cNvSpPr txBox="1"/>
-              <p:nvPr/>
-            </p:nvSpPr>
-            <p:spPr>
-              <a:xfrm>
-                <a:off x="6435809" y="2702596"/>
-                <a:ext cx="825797" cy="371400"/>
-              </a:xfrm>
-              <a:prstGeom prst="rect">
-                <a:avLst/>
-              </a:prstGeom>
-              <a:noFill/>
-              <a:ln>
-                <a:noFill/>
-              </a:ln>
-            </p:spPr>
-            <p:txBody>
-              <a:bodyPr spcFirstLastPara="1" wrap="square" lIns="91425" tIns="91425" rIns="91425" bIns="91425" anchor="t" anchorCtr="0">
-                <a:noAutofit/>
-              </a:bodyPr>
-              <a:lstStyle/>
-              <a:p>
-                <a:pPr marL="0" lvl="0" indent="0" algn="ctr" rtl="0">
-                  <a:lnSpc>
-                    <a:spcPct val="115000"/>
-                  </a:lnSpc>
-                  <a:spcBef>
-                    <a:spcPts val="0"/>
-                  </a:spcBef>
-                  <a:spcAft>
-                    <a:spcPts val="1600"/>
-                  </a:spcAft>
-                  <a:buNone/>
-                </a:pPr>
-                <a:r>
-                  <a:rPr lang="en" sz="1200" b="1" dirty="0">
-                    <a:solidFill>
-                      <a:schemeClr val="dk1"/>
-                    </a:solidFill>
-                    <a:latin typeface="Montserrat"/>
-                    <a:ea typeface="Montserrat"/>
-                    <a:cs typeface="Montserrat"/>
-                    <a:sym typeface="Montserrat"/>
-                  </a:rPr>
-                  <a:t>05/2019</a:t>
-                </a:r>
-                <a:endParaRPr sz="1200" b="1" dirty="0">
-                  <a:solidFill>
-                    <a:schemeClr val="dk1"/>
-                  </a:solidFill>
-                  <a:latin typeface="Montserrat"/>
-                  <a:ea typeface="Montserrat"/>
-                  <a:cs typeface="Montserrat"/>
-                  <a:sym typeface="Montserrat"/>
-                </a:endParaRPr>
-              </a:p>
-            </p:txBody>
-          </p:sp>
-          <p:sp>
-            <p:nvSpPr>
-              <p:cNvPr id="483" name="Google Shape;483;p28"/>
-              <p:cNvSpPr txBox="1"/>
-              <p:nvPr/>
-            </p:nvSpPr>
-            <p:spPr>
-              <a:xfrm>
-                <a:off x="5614964" y="3430231"/>
-                <a:ext cx="3426372" cy="943800"/>
-              </a:xfrm>
-              <a:prstGeom prst="rect">
-                <a:avLst/>
-              </a:prstGeom>
-              <a:noFill/>
-              <a:ln>
-                <a:noFill/>
-              </a:ln>
-            </p:spPr>
-            <p:txBody>
-              <a:bodyPr spcFirstLastPara="1" wrap="square" lIns="91425" tIns="91425" rIns="91425" bIns="91425" anchor="t" anchorCtr="0">
-                <a:noAutofit/>
-              </a:bodyPr>
-              <a:lstStyle/>
-              <a:p>
-                <a:pPr marL="0" lvl="0" indent="0" algn="l" rtl="0">
-                  <a:spcBef>
-                    <a:spcPts val="0"/>
-                  </a:spcBef>
-                  <a:spcAft>
-                    <a:spcPts val="0"/>
-                  </a:spcAft>
-                  <a:buNone/>
-                </a:pPr>
-                <a:r>
-                  <a:rPr lang="es-ES" b="1" dirty="0">
-                    <a:solidFill>
-                      <a:schemeClr val="dk1"/>
-                    </a:solidFill>
-                    <a:latin typeface="Montserrat"/>
-                    <a:ea typeface="Montserrat"/>
-                    <a:cs typeface="Montserrat"/>
-                    <a:sym typeface="Montserrat"/>
-                  </a:rPr>
-                  <a:t>Fin desarrollo del proyecto</a:t>
-                </a:r>
-                <a:endParaRPr b="1" dirty="0">
-                  <a:solidFill>
-                    <a:schemeClr val="dk1"/>
-                  </a:solidFill>
-                  <a:latin typeface="Montserrat"/>
-                  <a:ea typeface="Montserrat"/>
-                  <a:cs typeface="Montserrat"/>
-                  <a:sym typeface="Montserrat"/>
-                </a:endParaRPr>
-              </a:p>
-              <a:p>
-                <a:pPr marL="0" lvl="0" indent="0" algn="l" rtl="0">
-                  <a:spcBef>
-                    <a:spcPts val="0"/>
-                  </a:spcBef>
-                  <a:spcAft>
-                    <a:spcPts val="0"/>
-                  </a:spcAft>
-                  <a:buNone/>
-                </a:pPr>
-                <a:endParaRPr b="1" dirty="0">
-                  <a:solidFill>
-                    <a:schemeClr val="dk1"/>
-                  </a:solidFill>
-                  <a:latin typeface="Montserrat"/>
-                  <a:ea typeface="Montserrat"/>
-                  <a:cs typeface="Montserrat"/>
-                  <a:sym typeface="Montserrat"/>
-                </a:endParaRPr>
-              </a:p>
-              <a:p>
-                <a:pPr marL="0" lvl="0" indent="0" algn="l" rtl="0">
-                  <a:spcBef>
-                    <a:spcPts val="0"/>
-                  </a:spcBef>
-                  <a:spcAft>
-                    <a:spcPts val="1600"/>
-                  </a:spcAft>
-                  <a:buNone/>
-                </a:pPr>
-                <a:r>
-                  <a:rPr lang="es-ES" dirty="0">
-                    <a:solidFill>
-                      <a:schemeClr val="dk1"/>
-                    </a:solidFill>
-                    <a:latin typeface="Montserrat"/>
-                    <a:ea typeface="Montserrat"/>
-                    <a:cs typeface="Montserrat"/>
-                    <a:sym typeface="Montserrat"/>
-                  </a:rPr>
-                  <a:t>Inicio de la documentación y memoria del proyecto, así como realización de una web con demos</a:t>
+                  <a:t>Se comienza a trabajar en el API para filtrar, refrescar gráficos de manera dinámica y la inclusión de más visualizaciones y configuración</a:t>
                 </a:r>
                 <a:r>
                   <a:rPr lang="en" dirty="0">
@@ -16839,16 +16445,295 @@
       </p:grpSp>
       <p:grpSp>
         <p:nvGrpSpPr>
+          <p:cNvPr id="478" name="Google Shape;478;p28"/>
+          <p:cNvGrpSpPr/>
+          <p:nvPr/>
+        </p:nvGrpSpPr>
+        <p:grpSpPr>
+          <a:xfrm>
+            <a:off x="5760228" y="2351205"/>
+            <a:ext cx="3426372" cy="1732509"/>
+            <a:chOff x="5317993" y="2702596"/>
+            <a:chExt cx="3426372" cy="1732509"/>
+          </a:xfrm>
+        </p:grpSpPr>
+        <p:grpSp>
+          <p:nvGrpSpPr>
+            <p:cNvPr id="479" name="Google Shape;479;p28"/>
+            <p:cNvGrpSpPr/>
+            <p:nvPr/>
+          </p:nvGrpSpPr>
+          <p:grpSpPr>
+            <a:xfrm rot="10800000">
+              <a:off x="6760035" y="3079467"/>
+              <a:ext cx="92400" cy="411825"/>
+              <a:chOff x="2070100" y="2563700"/>
+              <a:chExt cx="92400" cy="411825"/>
+            </a:xfrm>
+          </p:grpSpPr>
+          <p:cxnSp>
+            <p:nvCxnSpPr>
+              <p:cNvPr id="480" name="Google Shape;480;p28"/>
+              <p:cNvCxnSpPr/>
+              <p:nvPr/>
+            </p:nvCxnSpPr>
+            <p:spPr>
+              <a:xfrm>
+                <a:off x="2116300" y="2616125"/>
+                <a:ext cx="0" cy="359400"/>
+              </a:xfrm>
+              <a:prstGeom prst="straightConnector1">
+                <a:avLst/>
+              </a:prstGeom>
+              <a:noFill/>
+              <a:ln w="9525" cap="flat" cmpd="sng">
+                <a:solidFill>
+                  <a:schemeClr val="dk1"/>
+                </a:solidFill>
+                <a:prstDash val="solid"/>
+                <a:round/>
+                <a:headEnd type="none" w="sm" len="sm"/>
+                <a:tailEnd type="none" w="sm" len="sm"/>
+              </a:ln>
+            </p:spPr>
+          </p:cxnSp>
+          <p:sp>
+            <p:nvSpPr>
+              <p:cNvPr id="481" name="Google Shape;481;p28"/>
+              <p:cNvSpPr/>
+              <p:nvPr/>
+            </p:nvSpPr>
+            <p:spPr>
+              <a:xfrm>
+                <a:off x="2070100" y="2563700"/>
+                <a:ext cx="92400" cy="92400"/>
+              </a:xfrm>
+              <a:prstGeom prst="ellipse">
+                <a:avLst/>
+              </a:prstGeom>
+              <a:solidFill>
+                <a:schemeClr val="dk1"/>
+              </a:solidFill>
+              <a:ln>
+                <a:noFill/>
+              </a:ln>
+            </p:spPr>
+            <p:txBody>
+              <a:bodyPr spcFirstLastPara="1" wrap="square" lIns="91425" tIns="91425" rIns="91425" bIns="91425" anchor="ctr" anchorCtr="0">
+                <a:noAutofit/>
+              </a:bodyPr>
+              <a:lstStyle/>
+              <a:p>
+                <a:pPr marL="0" lvl="0" indent="0" algn="l" rtl="0">
+                  <a:spcBef>
+                    <a:spcPts val="0"/>
+                  </a:spcBef>
+                  <a:spcAft>
+                    <a:spcPts val="0"/>
+                  </a:spcAft>
+                  <a:buNone/>
+                </a:pPr>
+                <a:endParaRPr/>
+              </a:p>
+            </p:txBody>
+          </p:sp>
+        </p:grpSp>
+        <p:sp>
+          <p:nvSpPr>
+            <p:cNvPr id="482" name="Google Shape;482;p28"/>
+            <p:cNvSpPr txBox="1"/>
+            <p:nvPr/>
+          </p:nvSpPr>
+          <p:spPr>
+            <a:xfrm>
+              <a:off x="6435809" y="2702596"/>
+              <a:ext cx="825797" cy="371400"/>
+            </a:xfrm>
+            <a:prstGeom prst="rect">
+              <a:avLst/>
+            </a:prstGeom>
+            <a:noFill/>
+            <a:ln>
+              <a:noFill/>
+            </a:ln>
+          </p:spPr>
+          <p:txBody>
+            <a:bodyPr spcFirstLastPara="1" wrap="square" lIns="91425" tIns="91425" rIns="91425" bIns="91425" anchor="t" anchorCtr="0">
+              <a:noAutofit/>
+            </a:bodyPr>
+            <a:lstStyle/>
+            <a:p>
+              <a:pPr marL="0" lvl="0" indent="0" algn="ctr" rtl="0">
+                <a:lnSpc>
+                  <a:spcPct val="115000"/>
+                </a:lnSpc>
+                <a:spcBef>
+                  <a:spcPts val="0"/>
+                </a:spcBef>
+                <a:spcAft>
+                  <a:spcPts val="1600"/>
+                </a:spcAft>
+                <a:buNone/>
+              </a:pPr>
+              <a:r>
+                <a:rPr lang="en" sz="1200" b="1" dirty="0">
+                  <a:solidFill>
+                    <a:schemeClr val="dk1"/>
+                  </a:solidFill>
+                  <a:latin typeface="Montserrat"/>
+                  <a:ea typeface="Montserrat"/>
+                  <a:cs typeface="Montserrat"/>
+                  <a:sym typeface="Montserrat"/>
+                </a:rPr>
+                <a:t>05/2019</a:t>
+              </a:r>
+              <a:endParaRPr sz="1200" b="1" dirty="0">
+                <a:solidFill>
+                  <a:schemeClr val="dk1"/>
+                </a:solidFill>
+                <a:latin typeface="Montserrat"/>
+                <a:ea typeface="Montserrat"/>
+                <a:cs typeface="Montserrat"/>
+                <a:sym typeface="Montserrat"/>
+              </a:endParaRPr>
+            </a:p>
+          </p:txBody>
+        </p:sp>
+        <p:sp>
+          <p:nvSpPr>
+            <p:cNvPr id="483" name="Google Shape;483;p28"/>
+            <p:cNvSpPr txBox="1"/>
+            <p:nvPr/>
+          </p:nvSpPr>
+          <p:spPr>
+            <a:xfrm>
+              <a:off x="5317993" y="3491305"/>
+              <a:ext cx="3426372" cy="943800"/>
+            </a:xfrm>
+            <a:prstGeom prst="rect">
+              <a:avLst/>
+            </a:prstGeom>
+            <a:noFill/>
+            <a:ln>
+              <a:noFill/>
+            </a:ln>
+          </p:spPr>
+          <p:txBody>
+            <a:bodyPr spcFirstLastPara="1" wrap="square" lIns="91425" tIns="91425" rIns="91425" bIns="91425" anchor="t" anchorCtr="0">
+              <a:noAutofit/>
+            </a:bodyPr>
+            <a:lstStyle/>
+            <a:p>
+              <a:pPr marL="0" lvl="0" indent="0" algn="l" rtl="0">
+                <a:spcBef>
+                  <a:spcPts val="0"/>
+                </a:spcBef>
+                <a:spcAft>
+                  <a:spcPts val="0"/>
+                </a:spcAft>
+                <a:buNone/>
+              </a:pPr>
+              <a:r>
+                <a:rPr lang="es-ES" b="1" dirty="0">
+                  <a:solidFill>
+                    <a:schemeClr val="dk1"/>
+                  </a:solidFill>
+                  <a:latin typeface="Montserrat"/>
+                  <a:ea typeface="Montserrat"/>
+                  <a:cs typeface="Montserrat"/>
+                  <a:sym typeface="Montserrat"/>
+                </a:rPr>
+                <a:t>Fin desarrollo del proyecto</a:t>
+              </a:r>
+              <a:endParaRPr b="1" dirty="0">
+                <a:solidFill>
+                  <a:schemeClr val="dk1"/>
+                </a:solidFill>
+                <a:latin typeface="Montserrat"/>
+                <a:ea typeface="Montserrat"/>
+                <a:cs typeface="Montserrat"/>
+                <a:sym typeface="Montserrat"/>
+              </a:endParaRPr>
+            </a:p>
+            <a:p>
+              <a:pPr marL="0" lvl="0" indent="0" algn="l" rtl="0">
+                <a:spcBef>
+                  <a:spcPts val="0"/>
+                </a:spcBef>
+                <a:spcAft>
+                  <a:spcPts val="0"/>
+                </a:spcAft>
+                <a:buNone/>
+              </a:pPr>
+              <a:endParaRPr b="1" dirty="0">
+                <a:solidFill>
+                  <a:schemeClr val="dk1"/>
+                </a:solidFill>
+                <a:latin typeface="Montserrat"/>
+                <a:ea typeface="Montserrat"/>
+                <a:cs typeface="Montserrat"/>
+                <a:sym typeface="Montserrat"/>
+              </a:endParaRPr>
+            </a:p>
+            <a:p>
+              <a:pPr marL="0" lvl="0" indent="0" algn="l" rtl="0">
+                <a:spcBef>
+                  <a:spcPts val="0"/>
+                </a:spcBef>
+                <a:spcAft>
+                  <a:spcPts val="1600"/>
+                </a:spcAft>
+                <a:buNone/>
+              </a:pPr>
+              <a:r>
+                <a:rPr lang="es-ES" dirty="0">
+                  <a:solidFill>
+                    <a:schemeClr val="dk1"/>
+                  </a:solidFill>
+                  <a:latin typeface="Montserrat"/>
+                  <a:ea typeface="Montserrat"/>
+                  <a:cs typeface="Montserrat"/>
+                  <a:sym typeface="Montserrat"/>
+                </a:rPr>
+                <a:t>Inicio de la documentación y memoria del proyecto, así como realización de una web con demos</a:t>
+              </a:r>
+              <a:r>
+                <a:rPr lang="en" dirty="0">
+                  <a:solidFill>
+                    <a:schemeClr val="dk1"/>
+                  </a:solidFill>
+                  <a:latin typeface="Montserrat"/>
+                  <a:ea typeface="Montserrat"/>
+                  <a:cs typeface="Montserrat"/>
+                  <a:sym typeface="Montserrat"/>
+                </a:rPr>
+                <a:t>.</a:t>
+              </a:r>
+              <a:endParaRPr b="1" dirty="0">
+                <a:solidFill>
+                  <a:schemeClr val="dk1"/>
+                </a:solidFill>
+                <a:latin typeface="Montserrat"/>
+                <a:ea typeface="Montserrat"/>
+                <a:cs typeface="Montserrat"/>
+                <a:sym typeface="Montserrat"/>
+              </a:endParaRPr>
+            </a:p>
+          </p:txBody>
+        </p:sp>
+      </p:grpSp>
+      <p:grpSp>
+        <p:nvGrpSpPr>
           <p:cNvPr id="484" name="Google Shape;484;p28"/>
           <p:cNvGrpSpPr/>
           <p:nvPr/>
         </p:nvGrpSpPr>
         <p:grpSpPr>
           <a:xfrm>
-            <a:off x="490214" y="920787"/>
-            <a:ext cx="2925648" cy="2315005"/>
-            <a:chOff x="495991" y="1271658"/>
-            <a:chExt cx="2925648" cy="2315005"/>
+            <a:off x="780617" y="927290"/>
+            <a:ext cx="2912072" cy="2308502"/>
+            <a:chOff x="303287" y="1278161"/>
+            <a:chExt cx="2912072" cy="2308502"/>
           </a:xfrm>
         </p:grpSpPr>
         <p:sp>
@@ -16899,10 +16784,10 @@
           </p:nvGrpSpPr>
           <p:grpSpPr>
             <a:xfrm>
-              <a:off x="495991" y="1271658"/>
-              <a:ext cx="2925648" cy="2315005"/>
-              <a:chOff x="495991" y="1271658"/>
-              <a:chExt cx="2925648" cy="2315005"/>
+              <a:off x="303287" y="1278161"/>
+              <a:ext cx="2912072" cy="2308502"/>
+              <a:chOff x="303287" y="1278161"/>
+              <a:chExt cx="2912072" cy="2308502"/>
             </a:xfrm>
           </p:grpSpPr>
           <p:sp>
@@ -17055,7 +16940,7 @@
             </p:nvSpPr>
             <p:spPr>
               <a:xfrm>
-                <a:off x="509567" y="1271658"/>
+                <a:off x="303287" y="1278161"/>
                 <a:ext cx="2912072" cy="943800"/>
               </a:xfrm>
               <a:prstGeom prst="rect">
@@ -17200,10 +17085,10 @@
         </p:nvGrpSpPr>
         <p:grpSpPr>
           <a:xfrm>
-            <a:off x="1959826" y="2351189"/>
-            <a:ext cx="3027455" cy="1669272"/>
-            <a:chOff x="1970382" y="2702596"/>
-            <a:chExt cx="3027455" cy="1669272"/>
+            <a:off x="1670669" y="2353368"/>
+            <a:ext cx="3629090" cy="1729645"/>
+            <a:chOff x="1220262" y="2702596"/>
+            <a:chExt cx="3629090" cy="1729645"/>
           </a:xfrm>
         </p:grpSpPr>
         <p:sp>
@@ -17254,10 +17139,10 @@
           </p:nvGrpSpPr>
           <p:grpSpPr>
             <a:xfrm>
-              <a:off x="1970382" y="2702596"/>
-              <a:ext cx="3027455" cy="1669272"/>
-              <a:chOff x="1970382" y="2702596"/>
-              <a:chExt cx="3027455" cy="1669272"/>
+              <a:off x="1220262" y="2702596"/>
+              <a:ext cx="3027455" cy="1729645"/>
+              <a:chOff x="1220262" y="2702596"/>
+              <a:chExt cx="3027455" cy="1729645"/>
             </a:xfrm>
           </p:grpSpPr>
           <p:sp>
@@ -17410,7 +17295,7 @@
             </p:nvSpPr>
             <p:spPr>
               <a:xfrm>
-                <a:off x="1970382" y="3428068"/>
+                <a:off x="1220262" y="3488441"/>
                 <a:ext cx="3027455" cy="943800"/>
               </a:xfrm>
               <a:prstGeom prst="rect">
@@ -17498,31 +17383,7 @@
                     <a:cs typeface="Montserrat"/>
                     <a:sym typeface="Montserrat"/>
                   </a:rPr>
-                  <a:t>Actualización de la librería y refactorización </a:t>
-                </a:r>
-                <a:r>
-                  <a:rPr lang="es-ES" dirty="0" smtClean="0">
-                    <a:solidFill>
-                      <a:schemeClr val="dk1"/>
-                    </a:solidFill>
-                    <a:latin typeface="Montserrat"/>
-                    <a:ea typeface="Montserrat"/>
-                    <a:cs typeface="Montserrat"/>
-                    <a:sym typeface="Montserrat"/>
-                  </a:rPr>
-                  <a:t>del </a:t>
-                </a:r>
-                <a:r>
-                  <a:rPr lang="es-ES" dirty="0">
-                    <a:solidFill>
-                      <a:schemeClr val="dk1"/>
-                    </a:solidFill>
-                    <a:latin typeface="Montserrat"/>
-                    <a:ea typeface="Montserrat"/>
-                    <a:cs typeface="Montserrat"/>
-                    <a:sym typeface="Montserrat"/>
-                  </a:rPr>
-                  <a:t>código en base a los estándares propuestos por A-</a:t>
+                  <a:t>Actualización de la librería y refactorización del código en base a los estándares propuestos por A-</a:t>
                 </a:r>
                 <a:r>
                   <a:rPr lang="es-ES" dirty="0" err="1">
@@ -17872,11 +17733,11 @@
           </a:lstStyle>
           <a:p>
             <a:r>
-              <a:rPr lang="es-ES" sz="2400" dirty="0" smtClean="0"/>
+              <a:rPr lang="es-ES" sz="2400" dirty="0"/>
               <a:t>F</a:t>
             </a:r>
             <a:r>
-              <a:rPr lang="es-ES" dirty="0" smtClean="0"/>
+              <a:rPr lang="es-ES" dirty="0"/>
               <a:t>ASES DEL PROYECTO</a:t>
             </a:r>
             <a:endParaRPr lang="es-ES" sz="1100" dirty="0"/>
@@ -18074,20 +17935,8 @@
               <a:t>. </a:t>
             </a:r>
             <a:r>
-              <a:rPr lang="es-ES" sz="1800" dirty="0" smtClean="0"/>
-              <a:t>Utilizando </a:t>
-            </a:r>
-            <a:r>
               <a:rPr lang="es-ES" sz="1800" dirty="0"/>
-              <a:t>HTML </a:t>
-            </a:r>
-            <a:r>
-              <a:rPr lang="es-ES" sz="1800" dirty="0" smtClean="0"/>
-              <a:t>y </a:t>
-            </a:r>
-            <a:r>
-              <a:rPr lang="es-ES" sz="1800" dirty="0"/>
-              <a:t>JavaScript en el cliente.</a:t>
+              <a:t>Utilizando HTML y JavaScript en el cliente.</a:t>
             </a:r>
             <a:endParaRPr sz="1800" dirty="0"/>
           </a:p>
@@ -18445,11 +18294,11 @@
           </a:lstStyle>
           <a:p>
             <a:r>
-              <a:rPr lang="es-ES" sz="2400" dirty="0" smtClean="0"/>
+              <a:rPr lang="es-ES" sz="2400" dirty="0"/>
               <a:t>M</a:t>
             </a:r>
             <a:r>
-              <a:rPr lang="es-ES" dirty="0" smtClean="0"/>
+              <a:rPr lang="es-ES" dirty="0"/>
               <a:t>ETODOLOGÍA Y ARQUITECTURA</a:t>
             </a:r>
             <a:endParaRPr lang="es-ES" sz="1000" dirty="0"/>

--- a/PresentaciónTFG_Adrián_Pizarro_Serrano.pptx
+++ b/PresentaciónTFG_Adrián_Pizarro_Serrano.pptx
@@ -5,7 +5,7 @@
     <p:sldMasterId id="2147483658" r:id="rId1"/>
   </p:sldMasterIdLst>
   <p:notesMasterIdLst>
-    <p:notesMasterId r:id="rId16"/>
+    <p:notesMasterId r:id="rId17"/>
   </p:notesMasterIdLst>
   <p:sldIdLst>
     <p:sldId id="256" r:id="rId2"/>
@@ -18,34 +18,35 @@
     <p:sldId id="263" r:id="rId9"/>
     <p:sldId id="285" r:id="rId10"/>
     <p:sldId id="287" r:id="rId11"/>
-    <p:sldId id="271" r:id="rId12"/>
-    <p:sldId id="279" r:id="rId13"/>
-    <p:sldId id="275" r:id="rId14"/>
-    <p:sldId id="278" r:id="rId15"/>
+    <p:sldId id="277" r:id="rId12"/>
+    <p:sldId id="271" r:id="rId13"/>
+    <p:sldId id="279" r:id="rId14"/>
+    <p:sldId id="275" r:id="rId15"/>
+    <p:sldId id="278" r:id="rId16"/>
   </p:sldIdLst>
   <p:sldSz cx="9144000" cy="5143500" type="screen16x9"/>
   <p:notesSz cx="6858000" cy="9144000"/>
   <p:embeddedFontLst>
     <p:embeddedFont>
       <p:font typeface="Montserrat" panose="020B0604020202020204" charset="0"/>
-      <p:regular r:id="rId17"/>
-      <p:bold r:id="rId18"/>
-      <p:italic r:id="rId19"/>
-      <p:boldItalic r:id="rId20"/>
+      <p:regular r:id="rId18"/>
+      <p:bold r:id="rId19"/>
+      <p:italic r:id="rId20"/>
+      <p:boldItalic r:id="rId21"/>
     </p:embeddedFont>
     <p:embeddedFont>
       <p:font typeface="Montserrat Light" panose="020B0604020202020204" charset="0"/>
-      <p:regular r:id="rId21"/>
-      <p:bold r:id="rId22"/>
-      <p:italic r:id="rId23"/>
-      <p:boldItalic r:id="rId24"/>
+      <p:regular r:id="rId22"/>
+      <p:bold r:id="rId23"/>
+      <p:italic r:id="rId24"/>
+      <p:boldItalic r:id="rId25"/>
     </p:embeddedFont>
     <p:embeddedFont>
       <p:font typeface="Poppins" panose="020B0604020202020204" charset="0"/>
-      <p:regular r:id="rId25"/>
-      <p:bold r:id="rId26"/>
-      <p:italic r:id="rId27"/>
-      <p:boldItalic r:id="rId28"/>
+      <p:regular r:id="rId26"/>
+      <p:bold r:id="rId27"/>
+      <p:italic r:id="rId28"/>
+      <p:boldItalic r:id="rId29"/>
     </p:embeddedFont>
   </p:embeddedFontLst>
   <p:defaultTextStyle>
@@ -944,6 +945,110 @@
   <p:cSld>
     <p:spTree>
       <p:nvGrpSpPr>
+        <p:cNvPr id="1" name="Shape 543"/>
+        <p:cNvGrpSpPr/>
+        <p:nvPr/>
+      </p:nvGrpSpPr>
+      <p:grpSpPr>
+        <a:xfrm>
+          <a:off x="0" y="0"/>
+          <a:ext cx="0" cy="0"/>
+          <a:chOff x="0" y="0"/>
+          <a:chExt cx="0" cy="0"/>
+        </a:xfrm>
+      </p:grpSpPr>
+      <p:sp>
+        <p:nvSpPr>
+          <p:cNvPr id="544" name="Google Shape;544;g35ed75ccf_0113:notes"/>
+          <p:cNvSpPr>
+            <a:spLocks noGrp="1" noRot="1" noChangeAspect="1"/>
+          </p:cNvSpPr>
+          <p:nvPr>
+            <p:ph type="sldImg" idx="2"/>
+          </p:nvPr>
+        </p:nvSpPr>
+        <p:spPr>
+          <a:xfrm>
+            <a:off x="381000" y="685800"/>
+            <a:ext cx="6096000" cy="3429000"/>
+          </a:xfrm>
+          <a:custGeom>
+            <a:avLst/>
+            <a:gdLst/>
+            <a:ahLst/>
+            <a:cxnLst/>
+            <a:rect l="l" t="t" r="r" b="b"/>
+            <a:pathLst>
+              <a:path w="120000" h="120000" extrusionOk="0">
+                <a:moveTo>
+                  <a:pt x="0" y="0"/>
+                </a:moveTo>
+                <a:lnTo>
+                  <a:pt x="120000" y="0"/>
+                </a:lnTo>
+                <a:lnTo>
+                  <a:pt x="120000" y="120000"/>
+                </a:lnTo>
+                <a:lnTo>
+                  <a:pt x="0" y="120000"/>
+                </a:lnTo>
+                <a:close/>
+              </a:path>
+            </a:pathLst>
+          </a:custGeom>
+        </p:spPr>
+      </p:sp>
+      <p:sp>
+        <p:nvSpPr>
+          <p:cNvPr id="545" name="Google Shape;545;g35ed75ccf_0113:notes"/>
+          <p:cNvSpPr txBox="1">
+            <a:spLocks noGrp="1"/>
+          </p:cNvSpPr>
+          <p:nvPr>
+            <p:ph type="body" idx="1"/>
+          </p:nvPr>
+        </p:nvSpPr>
+        <p:spPr>
+          <a:xfrm>
+            <a:off x="685800" y="4343400"/>
+            <a:ext cx="5486400" cy="4114800"/>
+          </a:xfrm>
+          <a:prstGeom prst="rect">
+            <a:avLst/>
+          </a:prstGeom>
+        </p:spPr>
+        <p:txBody>
+          <a:bodyPr spcFirstLastPara="1" wrap="square" lIns="91425" tIns="91425" rIns="91425" bIns="91425" anchor="t" anchorCtr="0">
+            <a:noAutofit/>
+          </a:bodyPr>
+          <a:lstStyle/>
+          <a:p>
+            <a:pPr marL="0" lvl="0" indent="0" algn="l" rtl="0">
+              <a:spcBef>
+                <a:spcPts val="0"/>
+              </a:spcBef>
+              <a:spcAft>
+                <a:spcPts val="0"/>
+              </a:spcAft>
+              <a:buNone/>
+            </a:pPr>
+            <a:endParaRPr/>
+          </a:p>
+        </p:txBody>
+      </p:sp>
+    </p:spTree>
+  </p:cSld>
+  <p:clrMapOvr>
+    <a:masterClrMapping/>
+  </p:clrMapOvr>
+</p:notes>
+</file>
+
+<file path=ppt/notesSlides/notesSlide12.xml><?xml version="1.0" encoding="utf-8"?>
+<p:notes xmlns:a="http://schemas.openxmlformats.org/drawingml/2006/main" xmlns:r="http://schemas.openxmlformats.org/officeDocument/2006/relationships" xmlns:p="http://schemas.openxmlformats.org/presentationml/2006/main" showMasterSp="0" showMasterPhAnim="0">
+  <p:cSld>
+    <p:spTree>
+      <p:nvGrpSpPr>
         <p:cNvPr id="1" name="Shape 451"/>
         <p:cNvGrpSpPr/>
         <p:nvPr/>
@@ -1043,7 +1148,7 @@
 </p:notes>
 </file>
 
-<file path=ppt/notesSlides/notesSlide12.xml><?xml version="1.0" encoding="utf-8"?>
+<file path=ppt/notesSlides/notesSlide13.xml><?xml version="1.0" encoding="utf-8"?>
 <p:notes xmlns:a="http://schemas.openxmlformats.org/drawingml/2006/main" xmlns:r="http://schemas.openxmlformats.org/officeDocument/2006/relationships" xmlns:p="http://schemas.openxmlformats.org/presentationml/2006/main" showMasterSp="0" showMasterPhAnim="0">
   <p:cSld>
     <p:spTree>
@@ -1147,7 +1252,7 @@
 </p:notes>
 </file>
 
-<file path=ppt/notesSlides/notesSlide13.xml><?xml version="1.0" encoding="utf-8"?>
+<file path=ppt/notesSlides/notesSlide14.xml><?xml version="1.0" encoding="utf-8"?>
 <p:notes xmlns:a="http://schemas.openxmlformats.org/drawingml/2006/main" xmlns:r="http://schemas.openxmlformats.org/officeDocument/2006/relationships" xmlns:p="http://schemas.openxmlformats.org/presentationml/2006/main" showMasterSp="0" showMasterPhAnim="0">
   <p:cSld>
     <p:spTree>
@@ -1251,7 +1356,7 @@
 </p:notes>
 </file>
 
-<file path=ppt/notesSlides/notesSlide14.xml><?xml version="1.0" encoding="utf-8"?>
+<file path=ppt/notesSlides/notesSlide15.xml><?xml version="1.0" encoding="utf-8"?>
 <p:notes xmlns:a="http://schemas.openxmlformats.org/drawingml/2006/main" xmlns:r="http://schemas.openxmlformats.org/officeDocument/2006/relationships" xmlns:p="http://schemas.openxmlformats.org/presentationml/2006/main" showMasterSp="0" showMasterPhAnim="0">
   <p:cSld>
     <p:spTree>
@@ -11556,6 +11661,673 @@
   <p:cSld>
     <p:spTree>
       <p:nvGrpSpPr>
+        <p:cNvPr id="1" name="Shape 546"/>
+        <p:cNvGrpSpPr/>
+        <p:nvPr/>
+      </p:nvGrpSpPr>
+      <p:grpSpPr>
+        <a:xfrm>
+          <a:off x="0" y="0"/>
+          <a:ext cx="0" cy="0"/>
+          <a:chOff x="0" y="0"/>
+          <a:chExt cx="0" cy="0"/>
+        </a:xfrm>
+      </p:grpSpPr>
+      <p:sp>
+        <p:nvSpPr>
+          <p:cNvPr id="547" name="Google Shape;547;p33"/>
+          <p:cNvSpPr/>
+          <p:nvPr/>
+        </p:nvSpPr>
+        <p:spPr>
+          <a:xfrm>
+            <a:off x="2340026" y="621152"/>
+            <a:ext cx="4930902" cy="3838764"/>
+          </a:xfrm>
+          <a:custGeom>
+            <a:avLst/>
+            <a:gdLst/>
+            <a:ahLst/>
+            <a:cxnLst/>
+            <a:rect l="l" t="t" r="r" b="b"/>
+            <a:pathLst>
+              <a:path w="143434" h="111665" extrusionOk="0">
+                <a:moveTo>
+                  <a:pt x="71751" y="2308"/>
+                </a:moveTo>
+                <a:lnTo>
+                  <a:pt x="71887" y="2376"/>
+                </a:lnTo>
+                <a:lnTo>
+                  <a:pt x="72091" y="2444"/>
+                </a:lnTo>
+                <a:lnTo>
+                  <a:pt x="72159" y="2647"/>
+                </a:lnTo>
+                <a:lnTo>
+                  <a:pt x="72226" y="2783"/>
+                </a:lnTo>
+                <a:lnTo>
+                  <a:pt x="72159" y="2987"/>
+                </a:lnTo>
+                <a:lnTo>
+                  <a:pt x="72091" y="3190"/>
+                </a:lnTo>
+                <a:lnTo>
+                  <a:pt x="71887" y="3258"/>
+                </a:lnTo>
+                <a:lnTo>
+                  <a:pt x="71751" y="3326"/>
+                </a:lnTo>
+                <a:lnTo>
+                  <a:pt x="71548" y="3258"/>
+                </a:lnTo>
+                <a:lnTo>
+                  <a:pt x="71344" y="3190"/>
+                </a:lnTo>
+                <a:lnTo>
+                  <a:pt x="71276" y="2987"/>
+                </a:lnTo>
+                <a:lnTo>
+                  <a:pt x="71208" y="2783"/>
+                </a:lnTo>
+                <a:lnTo>
+                  <a:pt x="71276" y="2647"/>
+                </a:lnTo>
+                <a:lnTo>
+                  <a:pt x="71344" y="2444"/>
+                </a:lnTo>
+                <a:lnTo>
+                  <a:pt x="71548" y="2376"/>
+                </a:lnTo>
+                <a:lnTo>
+                  <a:pt x="71751" y="2308"/>
+                </a:lnTo>
+                <a:close/>
+                <a:moveTo>
+                  <a:pt x="137528" y="5906"/>
+                </a:moveTo>
+                <a:lnTo>
+                  <a:pt x="137596" y="5974"/>
+                </a:lnTo>
+                <a:lnTo>
+                  <a:pt x="137596" y="89604"/>
+                </a:lnTo>
+                <a:lnTo>
+                  <a:pt x="5906" y="89604"/>
+                </a:lnTo>
+                <a:lnTo>
+                  <a:pt x="5906" y="5974"/>
+                </a:lnTo>
+                <a:lnTo>
+                  <a:pt x="5906" y="5906"/>
+                </a:lnTo>
+                <a:close/>
+                <a:moveTo>
+                  <a:pt x="3530" y="0"/>
+                </a:moveTo>
+                <a:lnTo>
+                  <a:pt x="3191" y="68"/>
+                </a:lnTo>
+                <a:lnTo>
+                  <a:pt x="2444" y="339"/>
+                </a:lnTo>
+                <a:lnTo>
+                  <a:pt x="1766" y="679"/>
+                </a:lnTo>
+                <a:lnTo>
+                  <a:pt x="1155" y="1154"/>
+                </a:lnTo>
+                <a:lnTo>
+                  <a:pt x="679" y="1765"/>
+                </a:lnTo>
+                <a:lnTo>
+                  <a:pt x="272" y="2444"/>
+                </a:lnTo>
+                <a:lnTo>
+                  <a:pt x="69" y="3190"/>
+                </a:lnTo>
+                <a:lnTo>
+                  <a:pt x="1" y="3598"/>
+                </a:lnTo>
+                <a:lnTo>
+                  <a:pt x="1" y="4005"/>
+                </a:lnTo>
+                <a:lnTo>
+                  <a:pt x="1" y="91572"/>
+                </a:lnTo>
+                <a:lnTo>
+                  <a:pt x="1" y="91979"/>
+                </a:lnTo>
+                <a:lnTo>
+                  <a:pt x="69" y="92319"/>
+                </a:lnTo>
+                <a:lnTo>
+                  <a:pt x="272" y="93065"/>
+                </a:lnTo>
+                <a:lnTo>
+                  <a:pt x="679" y="93744"/>
+                </a:lnTo>
+                <a:lnTo>
+                  <a:pt x="1155" y="94355"/>
+                </a:lnTo>
+                <a:lnTo>
+                  <a:pt x="1766" y="94830"/>
+                </a:lnTo>
+                <a:lnTo>
+                  <a:pt x="2444" y="95238"/>
+                </a:lnTo>
+                <a:lnTo>
+                  <a:pt x="3191" y="95441"/>
+                </a:lnTo>
+                <a:lnTo>
+                  <a:pt x="3530" y="95509"/>
+                </a:lnTo>
+                <a:lnTo>
+                  <a:pt x="139904" y="95509"/>
+                </a:lnTo>
+                <a:lnTo>
+                  <a:pt x="140311" y="95441"/>
+                </a:lnTo>
+                <a:lnTo>
+                  <a:pt x="141058" y="95238"/>
+                </a:lnTo>
+                <a:lnTo>
+                  <a:pt x="141737" y="94830"/>
+                </a:lnTo>
+                <a:lnTo>
+                  <a:pt x="142280" y="94355"/>
+                </a:lnTo>
+                <a:lnTo>
+                  <a:pt x="142755" y="93744"/>
+                </a:lnTo>
+                <a:lnTo>
+                  <a:pt x="143162" y="93065"/>
+                </a:lnTo>
+                <a:lnTo>
+                  <a:pt x="143366" y="92319"/>
+                </a:lnTo>
+                <a:lnTo>
+                  <a:pt x="143434" y="91979"/>
+                </a:lnTo>
+                <a:lnTo>
+                  <a:pt x="143434" y="91572"/>
+                </a:lnTo>
+                <a:lnTo>
+                  <a:pt x="143434" y="4005"/>
+                </a:lnTo>
+                <a:lnTo>
+                  <a:pt x="143434" y="3598"/>
+                </a:lnTo>
+                <a:lnTo>
+                  <a:pt x="143366" y="3190"/>
+                </a:lnTo>
+                <a:lnTo>
+                  <a:pt x="143162" y="2444"/>
+                </a:lnTo>
+                <a:lnTo>
+                  <a:pt x="142755" y="1765"/>
+                </a:lnTo>
+                <a:lnTo>
+                  <a:pt x="142280" y="1154"/>
+                </a:lnTo>
+                <a:lnTo>
+                  <a:pt x="141737" y="679"/>
+                </a:lnTo>
+                <a:lnTo>
+                  <a:pt x="141058" y="339"/>
+                </a:lnTo>
+                <a:lnTo>
+                  <a:pt x="140311" y="68"/>
+                </a:lnTo>
+                <a:lnTo>
+                  <a:pt x="139904" y="0"/>
+                </a:lnTo>
+                <a:close/>
+                <a:moveTo>
+                  <a:pt x="55324" y="95713"/>
+                </a:moveTo>
+                <a:lnTo>
+                  <a:pt x="55052" y="98971"/>
+                </a:lnTo>
+                <a:lnTo>
+                  <a:pt x="54713" y="102297"/>
+                </a:lnTo>
+                <a:lnTo>
+                  <a:pt x="54374" y="105284"/>
+                </a:lnTo>
+                <a:lnTo>
+                  <a:pt x="53966" y="107388"/>
+                </a:lnTo>
+                <a:lnTo>
+                  <a:pt x="53763" y="108203"/>
+                </a:lnTo>
+                <a:lnTo>
+                  <a:pt x="53627" y="108746"/>
+                </a:lnTo>
+                <a:lnTo>
+                  <a:pt x="53423" y="109153"/>
+                </a:lnTo>
+                <a:lnTo>
+                  <a:pt x="53220" y="109357"/>
+                </a:lnTo>
+                <a:lnTo>
+                  <a:pt x="52677" y="109493"/>
+                </a:lnTo>
+                <a:lnTo>
+                  <a:pt x="51794" y="109696"/>
+                </a:lnTo>
+                <a:lnTo>
+                  <a:pt x="49690" y="110036"/>
+                </a:lnTo>
+                <a:lnTo>
+                  <a:pt x="48061" y="110307"/>
+                </a:lnTo>
+                <a:lnTo>
+                  <a:pt x="47450" y="110443"/>
+                </a:lnTo>
+                <a:lnTo>
+                  <a:pt x="47110" y="110511"/>
+                </a:lnTo>
+                <a:lnTo>
+                  <a:pt x="47042" y="110579"/>
+                </a:lnTo>
+                <a:lnTo>
+                  <a:pt x="47042" y="110783"/>
+                </a:lnTo>
+                <a:lnTo>
+                  <a:pt x="47110" y="110850"/>
+                </a:lnTo>
+                <a:lnTo>
+                  <a:pt x="47585" y="110918"/>
+                </a:lnTo>
+                <a:lnTo>
+                  <a:pt x="48400" y="110986"/>
+                </a:lnTo>
+                <a:lnTo>
+                  <a:pt x="51387" y="111054"/>
+                </a:lnTo>
+                <a:lnTo>
+                  <a:pt x="56071" y="111122"/>
+                </a:lnTo>
+                <a:lnTo>
+                  <a:pt x="87092" y="111122"/>
+                </a:lnTo>
+                <a:lnTo>
+                  <a:pt x="91708" y="111054"/>
+                </a:lnTo>
+                <a:lnTo>
+                  <a:pt x="94695" y="110986"/>
+                </a:lnTo>
+                <a:lnTo>
+                  <a:pt x="95578" y="110918"/>
+                </a:lnTo>
+                <a:lnTo>
+                  <a:pt x="96053" y="110850"/>
+                </a:lnTo>
+                <a:lnTo>
+                  <a:pt x="96121" y="110783"/>
+                </a:lnTo>
+                <a:lnTo>
+                  <a:pt x="96121" y="110579"/>
+                </a:lnTo>
+                <a:lnTo>
+                  <a:pt x="96053" y="110511"/>
+                </a:lnTo>
+                <a:lnTo>
+                  <a:pt x="95713" y="110443"/>
+                </a:lnTo>
+                <a:lnTo>
+                  <a:pt x="95102" y="110307"/>
+                </a:lnTo>
+                <a:lnTo>
+                  <a:pt x="93473" y="110036"/>
+                </a:lnTo>
+                <a:lnTo>
+                  <a:pt x="91369" y="109696"/>
+                </a:lnTo>
+                <a:lnTo>
+                  <a:pt x="90487" y="109493"/>
+                </a:lnTo>
+                <a:lnTo>
+                  <a:pt x="89943" y="109357"/>
+                </a:lnTo>
+                <a:lnTo>
+                  <a:pt x="89740" y="109153"/>
+                </a:lnTo>
+                <a:lnTo>
+                  <a:pt x="89536" y="108746"/>
+                </a:lnTo>
+                <a:lnTo>
+                  <a:pt x="89333" y="108203"/>
+                </a:lnTo>
+                <a:lnTo>
+                  <a:pt x="89197" y="107388"/>
+                </a:lnTo>
+                <a:lnTo>
+                  <a:pt x="88789" y="105284"/>
+                </a:lnTo>
+                <a:lnTo>
+                  <a:pt x="88382" y="102297"/>
+                </a:lnTo>
+                <a:lnTo>
+                  <a:pt x="88043" y="98971"/>
+                </a:lnTo>
+                <a:lnTo>
+                  <a:pt x="87839" y="95713"/>
+                </a:lnTo>
+                <a:close/>
+                <a:moveTo>
+                  <a:pt x="47450" y="111054"/>
+                </a:moveTo>
+                <a:lnTo>
+                  <a:pt x="47450" y="111122"/>
+                </a:lnTo>
+                <a:lnTo>
+                  <a:pt x="47450" y="111393"/>
+                </a:lnTo>
+                <a:lnTo>
+                  <a:pt x="47518" y="111461"/>
+                </a:lnTo>
+                <a:lnTo>
+                  <a:pt x="48807" y="111529"/>
+                </a:lnTo>
+                <a:lnTo>
+                  <a:pt x="52473" y="111597"/>
+                </a:lnTo>
+                <a:lnTo>
+                  <a:pt x="62384" y="111665"/>
+                </a:lnTo>
+                <a:lnTo>
+                  <a:pt x="80779" y="111665"/>
+                </a:lnTo>
+                <a:lnTo>
+                  <a:pt x="90622" y="111597"/>
+                </a:lnTo>
+                <a:lnTo>
+                  <a:pt x="94356" y="111529"/>
+                </a:lnTo>
+                <a:lnTo>
+                  <a:pt x="95646" y="111461"/>
+                </a:lnTo>
+                <a:lnTo>
+                  <a:pt x="95713" y="111393"/>
+                </a:lnTo>
+                <a:lnTo>
+                  <a:pt x="95713" y="111122"/>
+                </a:lnTo>
+                <a:lnTo>
+                  <a:pt x="95646" y="111054"/>
+                </a:lnTo>
+                <a:lnTo>
+                  <a:pt x="94084" y="111122"/>
+                </a:lnTo>
+                <a:lnTo>
+                  <a:pt x="91233" y="111190"/>
+                </a:lnTo>
+                <a:lnTo>
+                  <a:pt x="80847" y="111258"/>
+                </a:lnTo>
+                <a:lnTo>
+                  <a:pt x="62316" y="111258"/>
+                </a:lnTo>
+                <a:lnTo>
+                  <a:pt x="51930" y="111190"/>
+                </a:lnTo>
+                <a:lnTo>
+                  <a:pt x="49079" y="111122"/>
+                </a:lnTo>
+                <a:lnTo>
+                  <a:pt x="47518" y="111054"/>
+                </a:lnTo>
+                <a:close/>
+              </a:path>
+            </a:pathLst>
+          </a:custGeom>
+          <a:solidFill>
+            <a:schemeClr val="dk1"/>
+          </a:solidFill>
+          <a:ln>
+            <a:noFill/>
+          </a:ln>
+          <a:effectLst>
+            <a:outerShdw blurRad="171450" dist="38100" dir="5400000" algn="bl" rotWithShape="0">
+              <a:schemeClr val="dk1">
+                <a:alpha val="20000"/>
+              </a:schemeClr>
+            </a:outerShdw>
+          </a:effectLst>
+        </p:spPr>
+        <p:txBody>
+          <a:bodyPr spcFirstLastPara="1" wrap="square" lIns="91425" tIns="91425" rIns="91425" bIns="91425" anchor="ctr" anchorCtr="0">
+            <a:noAutofit/>
+          </a:bodyPr>
+          <a:lstStyle/>
+          <a:p>
+            <a:pPr marL="0" lvl="0" indent="0" algn="l" rtl="0">
+              <a:spcBef>
+                <a:spcPts val="0"/>
+              </a:spcBef>
+              <a:spcAft>
+                <a:spcPts val="0"/>
+              </a:spcAft>
+              <a:buNone/>
+            </a:pPr>
+            <a:endParaRPr/>
+          </a:p>
+        </p:txBody>
+      </p:sp>
+      <p:sp>
+        <p:nvSpPr>
+          <p:cNvPr id="548" name="Google Shape;548;p33"/>
+          <p:cNvSpPr/>
+          <p:nvPr/>
+        </p:nvSpPr>
+        <p:spPr>
+          <a:xfrm>
+            <a:off x="2546375" y="825013"/>
+            <a:ext cx="4518300" cy="2885100"/>
+          </a:xfrm>
+          <a:prstGeom prst="rect">
+            <a:avLst/>
+          </a:prstGeom>
+          <a:noFill/>
+          <a:ln>
+            <a:noFill/>
+          </a:ln>
+        </p:spPr>
+        <p:txBody>
+          <a:bodyPr spcFirstLastPara="1" wrap="square" lIns="91425" tIns="91425" rIns="91425" bIns="91425" anchor="ctr" anchorCtr="0">
+            <a:noAutofit/>
+          </a:bodyPr>
+          <a:lstStyle/>
+          <a:p>
+            <a:pPr marL="0" lvl="0" indent="0" algn="ctr" rtl="0">
+              <a:spcBef>
+                <a:spcPts val="0"/>
+              </a:spcBef>
+              <a:spcAft>
+                <a:spcPts val="0"/>
+              </a:spcAft>
+              <a:buNone/>
+            </a:pPr>
+            <a:r>
+              <a:rPr lang="en" sz="1000">
+                <a:solidFill>
+                  <a:schemeClr val="lt1"/>
+                </a:solidFill>
+                <a:latin typeface="Montserrat"/>
+                <a:ea typeface="Montserrat"/>
+                <a:cs typeface="Montserrat"/>
+                <a:sym typeface="Montserrat"/>
+              </a:rPr>
+              <a:t>Place your screenshot here</a:t>
+            </a:r>
+            <a:endParaRPr sz="1000">
+              <a:solidFill>
+                <a:schemeClr val="lt1"/>
+              </a:solidFill>
+              <a:latin typeface="Montserrat"/>
+              <a:ea typeface="Montserrat"/>
+              <a:cs typeface="Montserrat"/>
+              <a:sym typeface="Montserrat"/>
+            </a:endParaRPr>
+          </a:p>
+        </p:txBody>
+      </p:sp>
+      <p:sp>
+        <p:nvSpPr>
+          <p:cNvPr id="549" name="Google Shape;549;p33"/>
+          <p:cNvSpPr txBox="1">
+            <a:spLocks noGrp="1"/>
+          </p:cNvSpPr>
+          <p:nvPr>
+            <p:ph type="sldNum" idx="12"/>
+          </p:nvPr>
+        </p:nvSpPr>
+        <p:spPr>
+          <a:xfrm>
+            <a:off x="8729400" y="4734075"/>
+            <a:ext cx="414600" cy="409500"/>
+          </a:xfrm>
+          <a:prstGeom prst="rect">
+            <a:avLst/>
+          </a:prstGeom>
+        </p:spPr>
+        <p:txBody>
+          <a:bodyPr spcFirstLastPara="1" wrap="square" lIns="0" tIns="0" rIns="0" bIns="0" anchor="ctr" anchorCtr="0">
+            <a:noAutofit/>
+          </a:bodyPr>
+          <a:lstStyle/>
+          <a:p>
+            <a:pPr marL="0" lvl="0" indent="0" algn="ctr" rtl="0">
+              <a:spcBef>
+                <a:spcPts val="0"/>
+              </a:spcBef>
+              <a:spcAft>
+                <a:spcPts val="0"/>
+              </a:spcAft>
+              <a:buNone/>
+            </a:pPr>
+            <a:fld id="{00000000-1234-1234-1234-123412341234}" type="slidenum">
+              <a:rPr lang="en"/>
+              <a:t>11</a:t>
+            </a:fld>
+            <a:endParaRPr/>
+          </a:p>
+        </p:txBody>
+      </p:sp>
+      <p:sp>
+        <p:nvSpPr>
+          <p:cNvPr id="550" name="Google Shape;550;p33"/>
+          <p:cNvSpPr txBox="1">
+            <a:spLocks noGrp="1"/>
+          </p:cNvSpPr>
+          <p:nvPr>
+            <p:ph type="body" idx="4294967295"/>
+          </p:nvPr>
+        </p:nvSpPr>
+        <p:spPr>
+          <a:xfrm>
+            <a:off x="457200" y="959625"/>
+            <a:ext cx="1562100" cy="1609800"/>
+          </a:xfrm>
+          <a:prstGeom prst="rect">
+            <a:avLst/>
+          </a:prstGeom>
+        </p:spPr>
+        <p:txBody>
+          <a:bodyPr spcFirstLastPara="1" wrap="square" lIns="0" tIns="0" rIns="0" bIns="0" anchor="t" anchorCtr="0">
+            <a:noAutofit/>
+          </a:bodyPr>
+          <a:lstStyle/>
+          <a:p>
+            <a:pPr marL="0" lvl="0" indent="0" algn="l" rtl="0">
+              <a:spcBef>
+                <a:spcPts val="600"/>
+              </a:spcBef>
+              <a:spcAft>
+                <a:spcPts val="0"/>
+              </a:spcAft>
+              <a:buNone/>
+            </a:pPr>
+            <a:r>
+              <a:rPr lang="en" sz="1200" b="1">
+                <a:latin typeface="Poppins"/>
+                <a:ea typeface="Poppins"/>
+                <a:cs typeface="Poppins"/>
+                <a:sym typeface="Poppins"/>
+              </a:rPr>
+              <a:t>DESKTOP PROJECT</a:t>
+            </a:r>
+            <a:endParaRPr sz="1200" b="1">
+              <a:latin typeface="Poppins"/>
+              <a:ea typeface="Poppins"/>
+              <a:cs typeface="Poppins"/>
+              <a:sym typeface="Poppins"/>
+            </a:endParaRPr>
+          </a:p>
+          <a:p>
+            <a:pPr marL="0" lvl="0" indent="0" algn="l" rtl="0">
+              <a:spcBef>
+                <a:spcPts val="600"/>
+              </a:spcBef>
+              <a:spcAft>
+                <a:spcPts val="0"/>
+              </a:spcAft>
+              <a:buNone/>
+            </a:pPr>
+            <a:r>
+              <a:rPr lang="en" sz="1200"/>
+              <a:t>Show and explain your web, app or software projects using these gadget templates.</a:t>
+            </a:r>
+            <a:endParaRPr sz="1200"/>
+          </a:p>
+        </p:txBody>
+      </p:sp>
+      <p:pic>
+        <p:nvPicPr>
+          <p:cNvPr id="3" name="Imagen 2" descr="Imagen que contiene colorido, papalote, instrumento, vuelo&#10;&#10;Descripción generada automáticamente">
+            <a:extLst>
+              <a:ext uri="{FF2B5EF4-FFF2-40B4-BE49-F238E27FC236}">
+                <a16:creationId xmlns:a16="http://schemas.microsoft.com/office/drawing/2014/main" id="{A928D51E-201A-40CF-8AD3-AA1A65DBA16A}"/>
+              </a:ext>
+            </a:extLst>
+          </p:cNvPr>
+          <p:cNvPicPr>
+            <a:picLocks noChangeAspect="1"/>
+          </p:cNvPicPr>
+          <p:nvPr/>
+        </p:nvPicPr>
+        <p:blipFill>
+          <a:blip r:embed="rId3"/>
+          <a:stretch>
+            <a:fillRect/>
+          </a:stretch>
+        </p:blipFill>
+        <p:spPr>
+          <a:xfrm>
+            <a:off x="2499224" y="781834"/>
+            <a:ext cx="4565452" cy="2928279"/>
+          </a:xfrm>
+          <a:prstGeom prst="rect">
+            <a:avLst/>
+          </a:prstGeom>
+        </p:spPr>
+      </p:pic>
+    </p:spTree>
+  </p:cSld>
+  <p:clrMapOvr>
+    <a:masterClrMapping/>
+  </p:clrMapOvr>
+</p:sld>
+</file>
+
+<file path=ppt/slides/slide12.xml><?xml version="1.0" encoding="utf-8"?>
+<p:sld xmlns:a="http://schemas.openxmlformats.org/drawingml/2006/main" xmlns:r="http://schemas.openxmlformats.org/officeDocument/2006/relationships" xmlns:p="http://schemas.openxmlformats.org/presentationml/2006/main">
+  <p:cSld>
+    <p:spTree>
+      <p:nvGrpSpPr>
         <p:cNvPr id="1" name="Shape 454"/>
         <p:cNvGrpSpPr/>
         <p:nvPr/>
@@ -11890,7 +12662,7 @@
             </a:pPr>
             <a:fld id="{00000000-1234-1234-1234-123412341234}" type="slidenum">
               <a:rPr lang="en"/>
-              <a:t>11</a:t>
+              <a:t>12</a:t>
             </a:fld>
             <a:endParaRPr/>
           </a:p>
@@ -12234,7 +13006,7 @@
 </p:sld>
 </file>
 
-<file path=ppt/slides/slide12.xml><?xml version="1.0" encoding="utf-8"?>
+<file path=ppt/slides/slide13.xml><?xml version="1.0" encoding="utf-8"?>
 <p:sld xmlns:a="http://schemas.openxmlformats.org/drawingml/2006/main" xmlns:r="http://schemas.openxmlformats.org/officeDocument/2006/relationships" xmlns:p="http://schemas.openxmlformats.org/presentationml/2006/main">
   <p:cSld>
     <p:spTree>
@@ -12391,7 +13163,7 @@
             </a:pPr>
             <a:fld id="{00000000-1234-1234-1234-123412341234}" type="slidenum">
               <a:rPr lang="en"/>
-              <a:t>12</a:t>
+              <a:t>13</a:t>
             </a:fld>
             <a:endParaRPr/>
           </a:p>
@@ -12726,7 +13498,7 @@
 </p:sld>
 </file>
 
-<file path=ppt/slides/slide13.xml><?xml version="1.0" encoding="utf-8"?>
+<file path=ppt/slides/slide14.xml><?xml version="1.0" encoding="utf-8"?>
 <p:sld xmlns:a="http://schemas.openxmlformats.org/drawingml/2006/main" xmlns:r="http://schemas.openxmlformats.org/officeDocument/2006/relationships" xmlns:p="http://schemas.openxmlformats.org/presentationml/2006/main">
   <p:cSld>
     <p:bg>
@@ -12911,7 +13683,7 @@
             </a:pPr>
             <a:fld id="{00000000-1234-1234-1234-123412341234}" type="slidenum">
               <a:rPr lang="en"/>
-              <a:t>13</a:t>
+              <a:t>14</a:t>
             </a:fld>
             <a:endParaRPr/>
           </a:p>
@@ -12991,7 +13763,7 @@
 </p:sld>
 </file>
 
-<file path=ppt/slides/slide14.xml><?xml version="1.0" encoding="utf-8"?>
+<file path=ppt/slides/slide15.xml><?xml version="1.0" encoding="utf-8"?>
 <p:sld xmlns:a="http://schemas.openxmlformats.org/drawingml/2006/main" xmlns:r="http://schemas.openxmlformats.org/officeDocument/2006/relationships" xmlns:p="http://schemas.openxmlformats.org/presentationml/2006/main">
   <p:cSld>
     <p:spTree>
@@ -13044,7 +13816,7 @@
             </a:pPr>
             <a:fld id="{00000000-1234-1234-1234-123412341234}" type="slidenum">
               <a:rPr lang="en"/>
-              <a:t>14</a:t>
+              <a:t>15</a:t>
             </a:fld>
             <a:endParaRPr/>
           </a:p>

--- a/PresentaciónTFG_Adrián_Pizarro_Serrano.pptx
+++ b/PresentaciónTFG_Adrián_Pizarro_Serrano.pptx
@@ -5,7 +5,7 @@
     <p:sldMasterId id="2147483658" r:id="rId1"/>
   </p:sldMasterIdLst>
   <p:notesMasterIdLst>
-    <p:notesMasterId r:id="rId17"/>
+    <p:notesMasterId r:id="rId19"/>
   </p:notesMasterIdLst>
   <p:sldIdLst>
     <p:sldId id="256" r:id="rId2"/>
@@ -14,39 +14,41 @@
     <p:sldId id="288" r:id="rId5"/>
     <p:sldId id="261" r:id="rId6"/>
     <p:sldId id="273" r:id="rId7"/>
-    <p:sldId id="272" r:id="rId8"/>
-    <p:sldId id="263" r:id="rId9"/>
-    <p:sldId id="285" r:id="rId10"/>
-    <p:sldId id="287" r:id="rId11"/>
-    <p:sldId id="277" r:id="rId12"/>
-    <p:sldId id="271" r:id="rId13"/>
-    <p:sldId id="279" r:id="rId14"/>
+    <p:sldId id="289" r:id="rId8"/>
+    <p:sldId id="290" r:id="rId9"/>
+    <p:sldId id="272" r:id="rId10"/>
+    <p:sldId id="263" r:id="rId11"/>
+    <p:sldId id="285" r:id="rId12"/>
+    <p:sldId id="287" r:id="rId13"/>
+    <p:sldId id="291" r:id="rId14"/>
     <p:sldId id="275" r:id="rId15"/>
-    <p:sldId id="278" r:id="rId16"/>
+    <p:sldId id="279" r:id="rId16"/>
+    <p:sldId id="271" r:id="rId17"/>
+    <p:sldId id="278" r:id="rId18"/>
   </p:sldIdLst>
   <p:sldSz cx="9144000" cy="5143500" type="screen16x9"/>
   <p:notesSz cx="6858000" cy="9144000"/>
   <p:embeddedFontLst>
     <p:embeddedFont>
       <p:font typeface="Montserrat" panose="020B0604020202020204" charset="0"/>
-      <p:regular r:id="rId18"/>
-      <p:bold r:id="rId19"/>
-      <p:italic r:id="rId20"/>
-      <p:boldItalic r:id="rId21"/>
+      <p:regular r:id="rId20"/>
+      <p:bold r:id="rId21"/>
+      <p:italic r:id="rId22"/>
+      <p:boldItalic r:id="rId23"/>
     </p:embeddedFont>
     <p:embeddedFont>
       <p:font typeface="Montserrat Light" panose="020B0604020202020204" charset="0"/>
-      <p:regular r:id="rId22"/>
-      <p:bold r:id="rId23"/>
-      <p:italic r:id="rId24"/>
-      <p:boldItalic r:id="rId25"/>
+      <p:regular r:id="rId24"/>
+      <p:bold r:id="rId25"/>
+      <p:italic r:id="rId26"/>
+      <p:boldItalic r:id="rId27"/>
     </p:embeddedFont>
     <p:embeddedFont>
       <p:font typeface="Poppins" panose="020B0604020202020204" charset="0"/>
-      <p:regular r:id="rId26"/>
-      <p:bold r:id="rId27"/>
-      <p:italic r:id="rId28"/>
-      <p:boldItalic r:id="rId29"/>
+      <p:regular r:id="rId28"/>
+      <p:bold r:id="rId29"/>
+      <p:italic r:id="rId30"/>
+      <p:boldItalic r:id="rId31"/>
     </p:embeddedFont>
   </p:embeddedFontLst>
   <p:defaultTextStyle>
@@ -836,6 +838,110 @@
   <p:cSld>
     <p:spTree>
       <p:nvGrpSpPr>
+        <p:cNvPr id="1" name="Shape 368"/>
+        <p:cNvGrpSpPr/>
+        <p:nvPr/>
+      </p:nvGrpSpPr>
+      <p:grpSpPr>
+        <a:xfrm>
+          <a:off x="0" y="0"/>
+          <a:ext cx="0" cy="0"/>
+          <a:chOff x="0" y="0"/>
+          <a:chExt cx="0" cy="0"/>
+        </a:xfrm>
+      </p:grpSpPr>
+      <p:sp>
+        <p:nvSpPr>
+          <p:cNvPr id="369" name="Google Shape;369;g35f391192_017:notes"/>
+          <p:cNvSpPr>
+            <a:spLocks noGrp="1" noRot="1" noChangeAspect="1"/>
+          </p:cNvSpPr>
+          <p:nvPr>
+            <p:ph type="sldImg" idx="2"/>
+          </p:nvPr>
+        </p:nvSpPr>
+        <p:spPr>
+          <a:xfrm>
+            <a:off x="381000" y="685800"/>
+            <a:ext cx="6096000" cy="3429000"/>
+          </a:xfrm>
+          <a:custGeom>
+            <a:avLst/>
+            <a:gdLst/>
+            <a:ahLst/>
+            <a:cxnLst/>
+            <a:rect l="l" t="t" r="r" b="b"/>
+            <a:pathLst>
+              <a:path w="120000" h="120000" extrusionOk="0">
+                <a:moveTo>
+                  <a:pt x="0" y="0"/>
+                </a:moveTo>
+                <a:lnTo>
+                  <a:pt x="120000" y="0"/>
+                </a:lnTo>
+                <a:lnTo>
+                  <a:pt x="120000" y="120000"/>
+                </a:lnTo>
+                <a:lnTo>
+                  <a:pt x="0" y="120000"/>
+                </a:lnTo>
+                <a:close/>
+              </a:path>
+            </a:pathLst>
+          </a:custGeom>
+        </p:spPr>
+      </p:sp>
+      <p:sp>
+        <p:nvSpPr>
+          <p:cNvPr id="370" name="Google Shape;370;g35f391192_017:notes"/>
+          <p:cNvSpPr txBox="1">
+            <a:spLocks noGrp="1"/>
+          </p:cNvSpPr>
+          <p:nvPr>
+            <p:ph type="body" idx="1"/>
+          </p:nvPr>
+        </p:nvSpPr>
+        <p:spPr>
+          <a:xfrm>
+            <a:off x="685800" y="4343400"/>
+            <a:ext cx="5486400" cy="4114800"/>
+          </a:xfrm>
+          <a:prstGeom prst="rect">
+            <a:avLst/>
+          </a:prstGeom>
+        </p:spPr>
+        <p:txBody>
+          <a:bodyPr spcFirstLastPara="1" wrap="square" lIns="91425" tIns="91425" rIns="91425" bIns="91425" anchor="t" anchorCtr="0">
+            <a:noAutofit/>
+          </a:bodyPr>
+          <a:lstStyle/>
+          <a:p>
+            <a:pPr marL="0" lvl="0" indent="0" algn="l" rtl="0">
+              <a:spcBef>
+                <a:spcPts val="0"/>
+              </a:spcBef>
+              <a:spcAft>
+                <a:spcPts val="0"/>
+              </a:spcAft>
+              <a:buNone/>
+            </a:pPr>
+            <a:endParaRPr/>
+          </a:p>
+        </p:txBody>
+      </p:sp>
+    </p:spTree>
+  </p:cSld>
+  <p:clrMapOvr>
+    <a:masterClrMapping/>
+  </p:clrMapOvr>
+</p:notes>
+</file>
+
+<file path=ppt/notesSlides/notesSlide11.xml><?xml version="1.0" encoding="utf-8"?>
+<p:notes xmlns:a="http://schemas.openxmlformats.org/drawingml/2006/main" xmlns:r="http://schemas.openxmlformats.org/officeDocument/2006/relationships" xmlns:p="http://schemas.openxmlformats.org/presentationml/2006/main" showMasterSp="0" showMasterPhAnim="0">
+  <p:cSld>
+    <p:spTree>
+      <p:nvGrpSpPr>
         <p:cNvPr id="1" name="Shape 519"/>
         <p:cNvGrpSpPr/>
         <p:nvPr/>
@@ -930,7 +1036,7 @@
     </p:spTree>
     <p:extLst>
       <p:ext uri="{BB962C8B-B14F-4D97-AF65-F5344CB8AC3E}">
-        <p14:creationId xmlns:p14="http://schemas.microsoft.com/office/powerpoint/2010/main" val="2922469602"/>
+        <p14:creationId xmlns:p14="http://schemas.microsoft.com/office/powerpoint/2010/main" val="1651584358"/>
       </p:ext>
     </p:extLst>
   </p:cSld>
@@ -940,12 +1046,12 @@
 </p:notes>
 </file>
 
-<file path=ppt/notesSlides/notesSlide11.xml><?xml version="1.0" encoding="utf-8"?>
+<file path=ppt/notesSlides/notesSlide12.xml><?xml version="1.0" encoding="utf-8"?>
 <p:notes xmlns:a="http://schemas.openxmlformats.org/drawingml/2006/main" xmlns:r="http://schemas.openxmlformats.org/officeDocument/2006/relationships" xmlns:p="http://schemas.openxmlformats.org/presentationml/2006/main" showMasterSp="0" showMasterPhAnim="0">
   <p:cSld>
     <p:spTree>
       <p:nvGrpSpPr>
-        <p:cNvPr id="1" name="Shape 543"/>
+        <p:cNvPr id="1" name="Shape 519"/>
         <p:cNvGrpSpPr/>
         <p:nvPr/>
       </p:nvGrpSpPr>
@@ -959,7 +1065,7 @@
       </p:grpSpPr>
       <p:sp>
         <p:nvSpPr>
-          <p:cNvPr id="544" name="Google Shape;544;g35ed75ccf_0113:notes"/>
+          <p:cNvPr id="520" name="Google Shape;520;g35ed75ccf_087:notes"/>
           <p:cNvSpPr>
             <a:spLocks noGrp="1" noRot="1" noChangeAspect="1"/>
           </p:cNvSpPr>
@@ -1000,7 +1106,7 @@
       </p:sp>
       <p:sp>
         <p:nvSpPr>
-          <p:cNvPr id="545" name="Google Shape;545;g35ed75ccf_0113:notes"/>
+          <p:cNvPr id="521" name="Google Shape;521;g35ed75ccf_087:notes"/>
           <p:cNvSpPr txBox="1">
             <a:spLocks noGrp="1"/>
           </p:cNvSpPr>
@@ -1037,6 +1143,11 @@
         </p:txBody>
       </p:sp>
     </p:spTree>
+    <p:extLst>
+      <p:ext uri="{BB962C8B-B14F-4D97-AF65-F5344CB8AC3E}">
+        <p14:creationId xmlns:p14="http://schemas.microsoft.com/office/powerpoint/2010/main" val="2922469602"/>
+      </p:ext>
+    </p:extLst>
   </p:cSld>
   <p:clrMapOvr>
     <a:masterClrMapping/>
@@ -1044,12 +1155,12 @@
 </p:notes>
 </file>
 
-<file path=ppt/notesSlides/notesSlide12.xml><?xml version="1.0" encoding="utf-8"?>
+<file path=ppt/notesSlides/notesSlide13.xml><?xml version="1.0" encoding="utf-8"?>
 <p:notes xmlns:a="http://schemas.openxmlformats.org/drawingml/2006/main" xmlns:r="http://schemas.openxmlformats.org/officeDocument/2006/relationships" xmlns:p="http://schemas.openxmlformats.org/presentationml/2006/main" showMasterSp="0" showMasterPhAnim="0">
   <p:cSld>
     <p:spTree>
       <p:nvGrpSpPr>
-        <p:cNvPr id="1" name="Shape 451"/>
+        <p:cNvPr id="1" name="Shape 519"/>
         <p:cNvGrpSpPr/>
         <p:nvPr/>
       </p:nvGrpSpPr>
@@ -1063,7 +1174,7 @@
       </p:grpSpPr>
       <p:sp>
         <p:nvSpPr>
-          <p:cNvPr id="452" name="Google Shape;452;g35ed75ccf_033:notes"/>
+          <p:cNvPr id="520" name="Google Shape;520;g35ed75ccf_087:notes"/>
           <p:cNvSpPr>
             <a:spLocks noGrp="1" noRot="1" noChangeAspect="1"/>
           </p:cNvSpPr>
@@ -1104,7 +1215,7 @@
       </p:sp>
       <p:sp>
         <p:nvSpPr>
-          <p:cNvPr id="453" name="Google Shape;453;g35ed75ccf_033:notes"/>
+          <p:cNvPr id="521" name="Google Shape;521;g35ed75ccf_087:notes"/>
           <p:cNvSpPr txBox="1">
             <a:spLocks noGrp="1"/>
           </p:cNvSpPr>
@@ -1136,115 +1247,16 @@
               </a:spcAft>
               <a:buNone/>
             </a:pPr>
-            <a:endParaRPr dirty="0"/>
-          </a:p>
-        </p:txBody>
-      </p:sp>
-    </p:spTree>
-  </p:cSld>
-  <p:clrMapOvr>
-    <a:masterClrMapping/>
-  </p:clrMapOvr>
-</p:notes>
-</file>
-
-<file path=ppt/notesSlides/notesSlide13.xml><?xml version="1.0" encoding="utf-8"?>
-<p:notes xmlns:a="http://schemas.openxmlformats.org/drawingml/2006/main" xmlns:r="http://schemas.openxmlformats.org/officeDocument/2006/relationships" xmlns:p="http://schemas.openxmlformats.org/presentationml/2006/main" showMasterSp="0" showMasterPhAnim="0">
-  <p:cSld>
-    <p:spTree>
-      <p:nvGrpSpPr>
-        <p:cNvPr id="1" name="Shape 558"/>
-        <p:cNvGrpSpPr/>
-        <p:nvPr/>
-      </p:nvGrpSpPr>
-      <p:grpSpPr>
-        <a:xfrm>
-          <a:off x="0" y="0"/>
-          <a:ext cx="0" cy="0"/>
-          <a:chOff x="0" y="0"/>
-          <a:chExt cx="0" cy="0"/>
-        </a:xfrm>
-      </p:grpSpPr>
-      <p:sp>
-        <p:nvSpPr>
-          <p:cNvPr id="559" name="Google Shape;559;g35ed75ccf_0134:notes"/>
-          <p:cNvSpPr>
-            <a:spLocks noGrp="1" noRot="1" noChangeAspect="1"/>
-          </p:cNvSpPr>
-          <p:nvPr>
-            <p:ph type="sldImg" idx="2"/>
-          </p:nvPr>
-        </p:nvSpPr>
-        <p:spPr>
-          <a:xfrm>
-            <a:off x="381000" y="685800"/>
-            <a:ext cx="6096000" cy="3429000"/>
-          </a:xfrm>
-          <a:custGeom>
-            <a:avLst/>
-            <a:gdLst/>
-            <a:ahLst/>
-            <a:cxnLst/>
-            <a:rect l="l" t="t" r="r" b="b"/>
-            <a:pathLst>
-              <a:path w="120000" h="120000" extrusionOk="0">
-                <a:moveTo>
-                  <a:pt x="0" y="0"/>
-                </a:moveTo>
-                <a:lnTo>
-                  <a:pt x="120000" y="0"/>
-                </a:lnTo>
-                <a:lnTo>
-                  <a:pt x="120000" y="120000"/>
-                </a:lnTo>
-                <a:lnTo>
-                  <a:pt x="0" y="120000"/>
-                </a:lnTo>
-                <a:close/>
-              </a:path>
-            </a:pathLst>
-          </a:custGeom>
-        </p:spPr>
-      </p:sp>
-      <p:sp>
-        <p:nvSpPr>
-          <p:cNvPr id="560" name="Google Shape;560;g35ed75ccf_0134:notes"/>
-          <p:cNvSpPr txBox="1">
-            <a:spLocks noGrp="1"/>
-          </p:cNvSpPr>
-          <p:nvPr>
-            <p:ph type="body" idx="1"/>
-          </p:nvPr>
-        </p:nvSpPr>
-        <p:spPr>
-          <a:xfrm>
-            <a:off x="685800" y="4343400"/>
-            <a:ext cx="5486400" cy="4114800"/>
-          </a:xfrm>
-          <a:prstGeom prst="rect">
-            <a:avLst/>
-          </a:prstGeom>
-        </p:spPr>
-        <p:txBody>
-          <a:bodyPr spcFirstLastPara="1" wrap="square" lIns="91425" tIns="91425" rIns="91425" bIns="91425" anchor="t" anchorCtr="0">
-            <a:noAutofit/>
-          </a:bodyPr>
-          <a:lstStyle/>
-          <a:p>
-            <a:pPr marL="0" lvl="0" indent="0" algn="l" rtl="0">
-              <a:spcBef>
-                <a:spcPts val="0"/>
-              </a:spcBef>
-              <a:spcAft>
-                <a:spcPts val="0"/>
-              </a:spcAft>
-              <a:buNone/>
-            </a:pPr>
             <a:endParaRPr/>
           </a:p>
         </p:txBody>
       </p:sp>
     </p:spTree>
+    <p:extLst>
+      <p:ext uri="{BB962C8B-B14F-4D97-AF65-F5344CB8AC3E}">
+        <p14:creationId xmlns:p14="http://schemas.microsoft.com/office/powerpoint/2010/main" val="2922469602"/>
+      </p:ext>
+    </p:extLst>
   </p:cSld>
   <p:clrMapOvr>
     <a:masterClrMapping/>
@@ -1357,6 +1369,214 @@
 </file>
 
 <file path=ppt/notesSlides/notesSlide15.xml><?xml version="1.0" encoding="utf-8"?>
+<p:notes xmlns:a="http://schemas.openxmlformats.org/drawingml/2006/main" xmlns:r="http://schemas.openxmlformats.org/officeDocument/2006/relationships" xmlns:p="http://schemas.openxmlformats.org/presentationml/2006/main" showMasterSp="0" showMasterPhAnim="0">
+  <p:cSld>
+    <p:spTree>
+      <p:nvGrpSpPr>
+        <p:cNvPr id="1" name="Shape 558"/>
+        <p:cNvGrpSpPr/>
+        <p:nvPr/>
+      </p:nvGrpSpPr>
+      <p:grpSpPr>
+        <a:xfrm>
+          <a:off x="0" y="0"/>
+          <a:ext cx="0" cy="0"/>
+          <a:chOff x="0" y="0"/>
+          <a:chExt cx="0" cy="0"/>
+        </a:xfrm>
+      </p:grpSpPr>
+      <p:sp>
+        <p:nvSpPr>
+          <p:cNvPr id="559" name="Google Shape;559;g35ed75ccf_0134:notes"/>
+          <p:cNvSpPr>
+            <a:spLocks noGrp="1" noRot="1" noChangeAspect="1"/>
+          </p:cNvSpPr>
+          <p:nvPr>
+            <p:ph type="sldImg" idx="2"/>
+          </p:nvPr>
+        </p:nvSpPr>
+        <p:spPr>
+          <a:xfrm>
+            <a:off x="381000" y="685800"/>
+            <a:ext cx="6096000" cy="3429000"/>
+          </a:xfrm>
+          <a:custGeom>
+            <a:avLst/>
+            <a:gdLst/>
+            <a:ahLst/>
+            <a:cxnLst/>
+            <a:rect l="l" t="t" r="r" b="b"/>
+            <a:pathLst>
+              <a:path w="120000" h="120000" extrusionOk="0">
+                <a:moveTo>
+                  <a:pt x="0" y="0"/>
+                </a:moveTo>
+                <a:lnTo>
+                  <a:pt x="120000" y="0"/>
+                </a:lnTo>
+                <a:lnTo>
+                  <a:pt x="120000" y="120000"/>
+                </a:lnTo>
+                <a:lnTo>
+                  <a:pt x="0" y="120000"/>
+                </a:lnTo>
+                <a:close/>
+              </a:path>
+            </a:pathLst>
+          </a:custGeom>
+        </p:spPr>
+      </p:sp>
+      <p:sp>
+        <p:nvSpPr>
+          <p:cNvPr id="560" name="Google Shape;560;g35ed75ccf_0134:notes"/>
+          <p:cNvSpPr txBox="1">
+            <a:spLocks noGrp="1"/>
+          </p:cNvSpPr>
+          <p:nvPr>
+            <p:ph type="body" idx="1"/>
+          </p:nvPr>
+        </p:nvSpPr>
+        <p:spPr>
+          <a:xfrm>
+            <a:off x="685800" y="4343400"/>
+            <a:ext cx="5486400" cy="4114800"/>
+          </a:xfrm>
+          <a:prstGeom prst="rect">
+            <a:avLst/>
+          </a:prstGeom>
+        </p:spPr>
+        <p:txBody>
+          <a:bodyPr spcFirstLastPara="1" wrap="square" lIns="91425" tIns="91425" rIns="91425" bIns="91425" anchor="t" anchorCtr="0">
+            <a:noAutofit/>
+          </a:bodyPr>
+          <a:lstStyle/>
+          <a:p>
+            <a:pPr marL="0" lvl="0" indent="0" algn="l" rtl="0">
+              <a:spcBef>
+                <a:spcPts val="0"/>
+              </a:spcBef>
+              <a:spcAft>
+                <a:spcPts val="0"/>
+              </a:spcAft>
+              <a:buNone/>
+            </a:pPr>
+            <a:endParaRPr/>
+          </a:p>
+        </p:txBody>
+      </p:sp>
+    </p:spTree>
+  </p:cSld>
+  <p:clrMapOvr>
+    <a:masterClrMapping/>
+  </p:clrMapOvr>
+</p:notes>
+</file>
+
+<file path=ppt/notesSlides/notesSlide16.xml><?xml version="1.0" encoding="utf-8"?>
+<p:notes xmlns:a="http://schemas.openxmlformats.org/drawingml/2006/main" xmlns:r="http://schemas.openxmlformats.org/officeDocument/2006/relationships" xmlns:p="http://schemas.openxmlformats.org/presentationml/2006/main" showMasterSp="0" showMasterPhAnim="0">
+  <p:cSld>
+    <p:spTree>
+      <p:nvGrpSpPr>
+        <p:cNvPr id="1" name="Shape 451"/>
+        <p:cNvGrpSpPr/>
+        <p:nvPr/>
+      </p:nvGrpSpPr>
+      <p:grpSpPr>
+        <a:xfrm>
+          <a:off x="0" y="0"/>
+          <a:ext cx="0" cy="0"/>
+          <a:chOff x="0" y="0"/>
+          <a:chExt cx="0" cy="0"/>
+        </a:xfrm>
+      </p:grpSpPr>
+      <p:sp>
+        <p:nvSpPr>
+          <p:cNvPr id="452" name="Google Shape;452;g35ed75ccf_033:notes"/>
+          <p:cNvSpPr>
+            <a:spLocks noGrp="1" noRot="1" noChangeAspect="1"/>
+          </p:cNvSpPr>
+          <p:nvPr>
+            <p:ph type="sldImg" idx="2"/>
+          </p:nvPr>
+        </p:nvSpPr>
+        <p:spPr>
+          <a:xfrm>
+            <a:off x="381000" y="685800"/>
+            <a:ext cx="6096000" cy="3429000"/>
+          </a:xfrm>
+          <a:custGeom>
+            <a:avLst/>
+            <a:gdLst/>
+            <a:ahLst/>
+            <a:cxnLst/>
+            <a:rect l="l" t="t" r="r" b="b"/>
+            <a:pathLst>
+              <a:path w="120000" h="120000" extrusionOk="0">
+                <a:moveTo>
+                  <a:pt x="0" y="0"/>
+                </a:moveTo>
+                <a:lnTo>
+                  <a:pt x="120000" y="0"/>
+                </a:lnTo>
+                <a:lnTo>
+                  <a:pt x="120000" y="120000"/>
+                </a:lnTo>
+                <a:lnTo>
+                  <a:pt x="0" y="120000"/>
+                </a:lnTo>
+                <a:close/>
+              </a:path>
+            </a:pathLst>
+          </a:custGeom>
+        </p:spPr>
+      </p:sp>
+      <p:sp>
+        <p:nvSpPr>
+          <p:cNvPr id="453" name="Google Shape;453;g35ed75ccf_033:notes"/>
+          <p:cNvSpPr txBox="1">
+            <a:spLocks noGrp="1"/>
+          </p:cNvSpPr>
+          <p:nvPr>
+            <p:ph type="body" idx="1"/>
+          </p:nvPr>
+        </p:nvSpPr>
+        <p:spPr>
+          <a:xfrm>
+            <a:off x="685800" y="4343400"/>
+            <a:ext cx="5486400" cy="4114800"/>
+          </a:xfrm>
+          <a:prstGeom prst="rect">
+            <a:avLst/>
+          </a:prstGeom>
+        </p:spPr>
+        <p:txBody>
+          <a:bodyPr spcFirstLastPara="1" wrap="square" lIns="91425" tIns="91425" rIns="91425" bIns="91425" anchor="t" anchorCtr="0">
+            <a:noAutofit/>
+          </a:bodyPr>
+          <a:lstStyle/>
+          <a:p>
+            <a:pPr marL="0" lvl="0" indent="0" algn="l" rtl="0">
+              <a:spcBef>
+                <a:spcPts val="0"/>
+              </a:spcBef>
+              <a:spcAft>
+                <a:spcPts val="0"/>
+              </a:spcAft>
+              <a:buNone/>
+            </a:pPr>
+            <a:endParaRPr dirty="0"/>
+          </a:p>
+        </p:txBody>
+      </p:sp>
+    </p:spTree>
+  </p:cSld>
+  <p:clrMapOvr>
+    <a:masterClrMapping/>
+  </p:clrMapOvr>
+</p:notes>
+</file>
+
+<file path=ppt/notesSlides/notesSlide17.xml><?xml version="1.0" encoding="utf-8"?>
 <p:notes xmlns:a="http://schemas.openxmlformats.org/drawingml/2006/main" xmlns:r="http://schemas.openxmlformats.org/officeDocument/2006/relationships" xmlns:p="http://schemas.openxmlformats.org/presentationml/2006/main" showMasterSp="0" showMasterPhAnim="0">
   <p:cSld>
     <p:spTree>
@@ -1995,7 +2215,7 @@
   <p:cSld>
     <p:spTree>
       <p:nvGrpSpPr>
-        <p:cNvPr id="1" name="Shape 462"/>
+        <p:cNvPr id="1" name="Shape 368"/>
         <p:cNvGrpSpPr/>
         <p:nvPr/>
       </p:nvGrpSpPr>
@@ -2009,7 +2229,7 @@
       </p:grpSpPr>
       <p:sp>
         <p:nvSpPr>
-          <p:cNvPr id="463" name="Google Shape;463;g35ed75ccf_044:notes"/>
+          <p:cNvPr id="369" name="Google Shape;369;g35f391192_017:notes"/>
           <p:cNvSpPr>
             <a:spLocks noGrp="1" noRot="1" noChangeAspect="1"/>
           </p:cNvSpPr>
@@ -2050,7 +2270,7 @@
       </p:sp>
       <p:sp>
         <p:nvSpPr>
-          <p:cNvPr id="464" name="Google Shape;464;g35ed75ccf_044:notes"/>
+          <p:cNvPr id="370" name="Google Shape;370;g35f391192_017:notes"/>
           <p:cNvSpPr txBox="1">
             <a:spLocks noGrp="1"/>
           </p:cNvSpPr>
@@ -2203,7 +2423,7 @@
   <p:cSld>
     <p:spTree>
       <p:nvGrpSpPr>
-        <p:cNvPr id="1" name="Shape 519"/>
+        <p:cNvPr id="1" name="Shape 462"/>
         <p:cNvGrpSpPr/>
         <p:nvPr/>
       </p:nvGrpSpPr>
@@ -2217,7 +2437,7 @@
       </p:grpSpPr>
       <p:sp>
         <p:nvSpPr>
-          <p:cNvPr id="520" name="Google Shape;520;g35ed75ccf_087:notes"/>
+          <p:cNvPr id="463" name="Google Shape;463;g35ed75ccf_044:notes"/>
           <p:cNvSpPr>
             <a:spLocks noGrp="1" noRot="1" noChangeAspect="1"/>
           </p:cNvSpPr>
@@ -2258,7 +2478,7 @@
       </p:sp>
       <p:sp>
         <p:nvSpPr>
-          <p:cNvPr id="521" name="Google Shape;521;g35ed75ccf_087:notes"/>
+          <p:cNvPr id="464" name="Google Shape;464;g35ed75ccf_044:notes"/>
           <p:cNvSpPr txBox="1">
             <a:spLocks noGrp="1"/>
           </p:cNvSpPr>
@@ -2295,11 +2515,6 @@
         </p:txBody>
       </p:sp>
     </p:spTree>
-    <p:extLst>
-      <p:ext uri="{BB962C8B-B14F-4D97-AF65-F5344CB8AC3E}">
-        <p14:creationId xmlns:p14="http://schemas.microsoft.com/office/powerpoint/2010/main" val="1651584358"/>
-      </p:ext>
-    </p:extLst>
   </p:cSld>
   <p:clrMapOvr>
     <a:masterClrMapping/>
@@ -10045,8 +10260,8 @@
         </p:blipFill>
         <p:spPr>
           <a:xfrm>
-            <a:off x="6914777" y="4222157"/>
-            <a:ext cx="1974857" cy="753533"/>
+            <a:off x="7648014" y="4538387"/>
+            <a:ext cx="1322305" cy="504543"/>
           </a:xfrm>
           <a:prstGeom prst="rect">
             <a:avLst/>
@@ -10523,7 +10738,18 @@
                 <a:cs typeface="Poppins"/>
                 <a:sym typeface="Poppins"/>
               </a:rPr>
-              <a:t>2020</a:t>
+              <a:t>Curso Académico</a:t>
+            </a:r>
+            <a:r>
+              <a:rPr lang="es-ES" dirty="0">
+                <a:solidFill>
+                  <a:schemeClr val="dk1"/>
+                </a:solidFill>
+                <a:latin typeface="Poppins"/>
+                <a:cs typeface="Poppins"/>
+                <a:sym typeface="Poppins"/>
+              </a:rPr>
+              <a:t>: 2019-2020</a:t>
             </a:r>
           </a:p>
         </p:txBody>
@@ -10587,6 +10813,1497 @@
 </file>
 
 <file path=ppt/slides/slide10.xml><?xml version="1.0" encoding="utf-8"?>
+<p:sld xmlns:a="http://schemas.openxmlformats.org/drawingml/2006/main" xmlns:r="http://schemas.openxmlformats.org/officeDocument/2006/relationships" xmlns:p="http://schemas.openxmlformats.org/presentationml/2006/main">
+  <p:cSld>
+    <p:spTree>
+      <p:nvGrpSpPr>
+        <p:cNvPr id="1" name="Shape 371"/>
+        <p:cNvGrpSpPr/>
+        <p:nvPr/>
+      </p:nvGrpSpPr>
+      <p:grpSpPr>
+        <a:xfrm>
+          <a:off x="0" y="0"/>
+          <a:ext cx="0" cy="0"/>
+          <a:chOff x="0" y="0"/>
+          <a:chExt cx="0" cy="0"/>
+        </a:xfrm>
+      </p:grpSpPr>
+      <p:sp>
+        <p:nvSpPr>
+          <p:cNvPr id="372" name="Google Shape;372;p19"/>
+          <p:cNvSpPr txBox="1">
+            <a:spLocks noGrp="1"/>
+          </p:cNvSpPr>
+          <p:nvPr>
+            <p:ph type="body" idx="1"/>
+          </p:nvPr>
+        </p:nvSpPr>
+        <p:spPr>
+          <a:xfrm>
+            <a:off x="776450" y="1524375"/>
+            <a:ext cx="3795550" cy="3077100"/>
+          </a:xfrm>
+          <a:prstGeom prst="rect">
+            <a:avLst/>
+          </a:prstGeom>
+        </p:spPr>
+        <p:txBody>
+          <a:bodyPr spcFirstLastPara="1" wrap="square" lIns="0" tIns="0" rIns="0" bIns="0" anchor="t" anchorCtr="0">
+            <a:noAutofit/>
+          </a:bodyPr>
+          <a:lstStyle/>
+          <a:p>
+            <a:pPr marL="0" lvl="0" indent="0" algn="l" rtl="0">
+              <a:spcBef>
+                <a:spcPts val="600"/>
+              </a:spcBef>
+              <a:spcAft>
+                <a:spcPts val="0"/>
+              </a:spcAft>
+              <a:buNone/>
+            </a:pPr>
+            <a:r>
+              <a:rPr lang="es-ES" sz="1800" b="1" dirty="0">
+                <a:latin typeface="Montserrat"/>
+                <a:ea typeface="Montserrat"/>
+                <a:cs typeface="Montserrat"/>
+                <a:sym typeface="Montserrat"/>
+              </a:rPr>
+              <a:t>SCRUM</a:t>
+            </a:r>
+            <a:endParaRPr sz="1800" b="1" dirty="0">
+              <a:latin typeface="Montserrat"/>
+              <a:ea typeface="Montserrat"/>
+              <a:cs typeface="Montserrat"/>
+              <a:sym typeface="Montserrat"/>
+            </a:endParaRPr>
+          </a:p>
+          <a:p>
+            <a:pPr marL="0" lvl="0" indent="0" algn="l" rtl="0">
+              <a:spcBef>
+                <a:spcPts val="600"/>
+              </a:spcBef>
+              <a:spcAft>
+                <a:spcPts val="0"/>
+              </a:spcAft>
+              <a:buNone/>
+            </a:pPr>
+            <a:r>
+              <a:rPr lang="es-ES" sz="1600" dirty="0"/>
+              <a:t>Versión simplificada donde se han mantenido reuniones periódicas en las cuales el tutor desempeñaba el papel de cliente y el autor el de desarrollador</a:t>
+            </a:r>
+            <a:r>
+              <a:rPr lang="en" sz="1600" dirty="0"/>
+              <a:t>.</a:t>
+            </a:r>
+            <a:endParaRPr sz="1600" dirty="0"/>
+          </a:p>
+        </p:txBody>
+      </p:sp>
+      <p:sp>
+        <p:nvSpPr>
+          <p:cNvPr id="374" name="Google Shape;374;p19"/>
+          <p:cNvSpPr txBox="1">
+            <a:spLocks noGrp="1"/>
+          </p:cNvSpPr>
+          <p:nvPr>
+            <p:ph type="body" idx="2"/>
+          </p:nvPr>
+        </p:nvSpPr>
+        <p:spPr>
+          <a:xfrm>
+            <a:off x="4924823" y="1524375"/>
+            <a:ext cx="3587400" cy="3077100"/>
+          </a:xfrm>
+          <a:prstGeom prst="rect">
+            <a:avLst/>
+          </a:prstGeom>
+        </p:spPr>
+        <p:txBody>
+          <a:bodyPr spcFirstLastPara="1" wrap="square" lIns="0" tIns="0" rIns="0" bIns="0" anchor="t" anchorCtr="0">
+            <a:noAutofit/>
+          </a:bodyPr>
+          <a:lstStyle/>
+          <a:p>
+            <a:pPr marL="0" lvl="0" indent="0" algn="l" rtl="0">
+              <a:spcBef>
+                <a:spcPts val="600"/>
+              </a:spcBef>
+              <a:spcAft>
+                <a:spcPts val="0"/>
+              </a:spcAft>
+              <a:buNone/>
+            </a:pPr>
+            <a:r>
+              <a:rPr lang="es-ES" sz="1800" b="1" dirty="0">
+                <a:latin typeface="Montserrat"/>
+                <a:ea typeface="Montserrat"/>
+                <a:cs typeface="Montserrat"/>
+                <a:sym typeface="Montserrat"/>
+              </a:rPr>
+              <a:t>Aplicación web </a:t>
+            </a:r>
+            <a:r>
+              <a:rPr lang="es-ES" sz="1800" b="1" dirty="0" err="1">
+                <a:latin typeface="Montserrat"/>
+                <a:ea typeface="Montserrat"/>
+                <a:cs typeface="Montserrat"/>
+                <a:sym typeface="Montserrat"/>
+              </a:rPr>
+              <a:t>NodeJs</a:t>
+            </a:r>
+            <a:endParaRPr sz="1800" b="1" dirty="0">
+              <a:latin typeface="Montserrat"/>
+              <a:ea typeface="Montserrat"/>
+              <a:cs typeface="Montserrat"/>
+              <a:sym typeface="Montserrat"/>
+            </a:endParaRPr>
+          </a:p>
+          <a:p>
+            <a:pPr marL="0" lvl="0" indent="0" algn="l" rtl="0">
+              <a:spcBef>
+                <a:spcPts val="600"/>
+              </a:spcBef>
+              <a:spcAft>
+                <a:spcPts val="0"/>
+              </a:spcAft>
+              <a:buNone/>
+            </a:pPr>
+            <a:r>
+              <a:rPr lang="es-ES" sz="1600" dirty="0"/>
+              <a:t>Arquitectura web con </a:t>
+            </a:r>
+            <a:r>
+              <a:rPr lang="es-ES" sz="1600" dirty="0" err="1"/>
+              <a:t>NodeJS</a:t>
+            </a:r>
+            <a:r>
+              <a:rPr lang="es-ES" sz="1600" dirty="0"/>
+              <a:t> como servidor y </a:t>
+            </a:r>
+            <a:r>
+              <a:rPr lang="es-ES" sz="1600" dirty="0" err="1"/>
+              <a:t>npm</a:t>
+            </a:r>
+            <a:r>
+              <a:rPr lang="es-ES" sz="1600" dirty="0"/>
+              <a:t> como gestor de dependencias</a:t>
+            </a:r>
+            <a:r>
+              <a:rPr lang="en" sz="1600" dirty="0"/>
+              <a:t>. </a:t>
+            </a:r>
+            <a:r>
+              <a:rPr lang="es-ES" sz="1600" dirty="0"/>
+              <a:t>Utilizando HTML y JavaScript en el cliente.</a:t>
+            </a:r>
+            <a:endParaRPr sz="1600" dirty="0"/>
+          </a:p>
+        </p:txBody>
+      </p:sp>
+      <p:sp>
+        <p:nvSpPr>
+          <p:cNvPr id="7" name="Google Shape;345;p17"/>
+          <p:cNvSpPr txBox="1">
+            <a:spLocks/>
+          </p:cNvSpPr>
+          <p:nvPr/>
+        </p:nvSpPr>
+        <p:spPr>
+          <a:xfrm>
+            <a:off x="776450" y="127746"/>
+            <a:ext cx="3921674" cy="392165"/>
+          </a:xfrm>
+          <a:prstGeom prst="rect">
+            <a:avLst/>
+          </a:prstGeom>
+          <a:noFill/>
+          <a:ln>
+            <a:noFill/>
+          </a:ln>
+        </p:spPr>
+        <p:txBody>
+          <a:bodyPr spcFirstLastPara="1" wrap="square" lIns="0" tIns="0" rIns="0" bIns="0" anchor="b" anchorCtr="0">
+            <a:noAutofit/>
+          </a:bodyPr>
+          <a:lstStyle>
+            <a:defPPr marR="0" lvl="0" algn="l" rtl="0">
+              <a:lnSpc>
+                <a:spcPct val="100000"/>
+              </a:lnSpc>
+              <a:spcBef>
+                <a:spcPts val="0"/>
+              </a:spcBef>
+              <a:spcAft>
+                <a:spcPts val="0"/>
+              </a:spcAft>
+            </a:defPPr>
+            <a:lvl1pPr marR="0" lvl="0" algn="l" rtl="0">
+              <a:lnSpc>
+                <a:spcPct val="100000"/>
+              </a:lnSpc>
+              <a:spcBef>
+                <a:spcPts val="0"/>
+              </a:spcBef>
+              <a:spcAft>
+                <a:spcPts val="0"/>
+              </a:spcAft>
+              <a:buClr>
+                <a:schemeClr val="dk1"/>
+              </a:buClr>
+              <a:buSzPts val="1800"/>
+              <a:buFont typeface="Poppins"/>
+              <a:buNone/>
+              <a:defRPr sz="1800" b="1" i="0" u="none" strike="noStrike" cap="none">
+                <a:solidFill>
+                  <a:schemeClr val="dk1"/>
+                </a:solidFill>
+                <a:latin typeface="Poppins"/>
+                <a:ea typeface="Poppins"/>
+                <a:cs typeface="Poppins"/>
+                <a:sym typeface="Poppins"/>
+              </a:defRPr>
+            </a:lvl1pPr>
+            <a:lvl2pPr marR="0" lvl="1" algn="l" rtl="0">
+              <a:lnSpc>
+                <a:spcPct val="100000"/>
+              </a:lnSpc>
+              <a:spcBef>
+                <a:spcPts val="0"/>
+              </a:spcBef>
+              <a:spcAft>
+                <a:spcPts val="0"/>
+              </a:spcAft>
+              <a:buClr>
+                <a:schemeClr val="dk1"/>
+              </a:buClr>
+              <a:buSzPts val="1800"/>
+              <a:buFont typeface="Poppins"/>
+              <a:buNone/>
+              <a:defRPr sz="1800" b="1" i="0" u="none" strike="noStrike" cap="none">
+                <a:solidFill>
+                  <a:schemeClr val="dk1"/>
+                </a:solidFill>
+                <a:latin typeface="Poppins"/>
+                <a:ea typeface="Poppins"/>
+                <a:cs typeface="Poppins"/>
+                <a:sym typeface="Poppins"/>
+              </a:defRPr>
+            </a:lvl2pPr>
+            <a:lvl3pPr marR="0" lvl="2" algn="l" rtl="0">
+              <a:lnSpc>
+                <a:spcPct val="100000"/>
+              </a:lnSpc>
+              <a:spcBef>
+                <a:spcPts val="0"/>
+              </a:spcBef>
+              <a:spcAft>
+                <a:spcPts val="0"/>
+              </a:spcAft>
+              <a:buClr>
+                <a:schemeClr val="dk1"/>
+              </a:buClr>
+              <a:buSzPts val="1800"/>
+              <a:buFont typeface="Poppins"/>
+              <a:buNone/>
+              <a:defRPr sz="1800" b="1" i="0" u="none" strike="noStrike" cap="none">
+                <a:solidFill>
+                  <a:schemeClr val="dk1"/>
+                </a:solidFill>
+                <a:latin typeface="Poppins"/>
+                <a:ea typeface="Poppins"/>
+                <a:cs typeface="Poppins"/>
+                <a:sym typeface="Poppins"/>
+              </a:defRPr>
+            </a:lvl3pPr>
+            <a:lvl4pPr marR="0" lvl="3" algn="l" rtl="0">
+              <a:lnSpc>
+                <a:spcPct val="100000"/>
+              </a:lnSpc>
+              <a:spcBef>
+                <a:spcPts val="0"/>
+              </a:spcBef>
+              <a:spcAft>
+                <a:spcPts val="0"/>
+              </a:spcAft>
+              <a:buClr>
+                <a:schemeClr val="dk1"/>
+              </a:buClr>
+              <a:buSzPts val="1800"/>
+              <a:buFont typeface="Poppins"/>
+              <a:buNone/>
+              <a:defRPr sz="1800" b="1" i="0" u="none" strike="noStrike" cap="none">
+                <a:solidFill>
+                  <a:schemeClr val="dk1"/>
+                </a:solidFill>
+                <a:latin typeface="Poppins"/>
+                <a:ea typeface="Poppins"/>
+                <a:cs typeface="Poppins"/>
+                <a:sym typeface="Poppins"/>
+              </a:defRPr>
+            </a:lvl4pPr>
+            <a:lvl5pPr marR="0" lvl="4" algn="l" rtl="0">
+              <a:lnSpc>
+                <a:spcPct val="100000"/>
+              </a:lnSpc>
+              <a:spcBef>
+                <a:spcPts val="0"/>
+              </a:spcBef>
+              <a:spcAft>
+                <a:spcPts val="0"/>
+              </a:spcAft>
+              <a:buClr>
+                <a:schemeClr val="dk1"/>
+              </a:buClr>
+              <a:buSzPts val="1800"/>
+              <a:buFont typeface="Poppins"/>
+              <a:buNone/>
+              <a:defRPr sz="1800" b="1" i="0" u="none" strike="noStrike" cap="none">
+                <a:solidFill>
+                  <a:schemeClr val="dk1"/>
+                </a:solidFill>
+                <a:latin typeface="Poppins"/>
+                <a:ea typeface="Poppins"/>
+                <a:cs typeface="Poppins"/>
+                <a:sym typeface="Poppins"/>
+              </a:defRPr>
+            </a:lvl5pPr>
+            <a:lvl6pPr marR="0" lvl="5" algn="l" rtl="0">
+              <a:lnSpc>
+                <a:spcPct val="100000"/>
+              </a:lnSpc>
+              <a:spcBef>
+                <a:spcPts val="0"/>
+              </a:spcBef>
+              <a:spcAft>
+                <a:spcPts val="0"/>
+              </a:spcAft>
+              <a:buClr>
+                <a:schemeClr val="dk1"/>
+              </a:buClr>
+              <a:buSzPts val="1800"/>
+              <a:buFont typeface="Poppins"/>
+              <a:buNone/>
+              <a:defRPr sz="1800" b="1" i="0" u="none" strike="noStrike" cap="none">
+                <a:solidFill>
+                  <a:schemeClr val="dk1"/>
+                </a:solidFill>
+                <a:latin typeface="Poppins"/>
+                <a:ea typeface="Poppins"/>
+                <a:cs typeface="Poppins"/>
+                <a:sym typeface="Poppins"/>
+              </a:defRPr>
+            </a:lvl6pPr>
+            <a:lvl7pPr marR="0" lvl="6" algn="l" rtl="0">
+              <a:lnSpc>
+                <a:spcPct val="100000"/>
+              </a:lnSpc>
+              <a:spcBef>
+                <a:spcPts val="0"/>
+              </a:spcBef>
+              <a:spcAft>
+                <a:spcPts val="0"/>
+              </a:spcAft>
+              <a:buClr>
+                <a:schemeClr val="dk1"/>
+              </a:buClr>
+              <a:buSzPts val="1800"/>
+              <a:buFont typeface="Poppins"/>
+              <a:buNone/>
+              <a:defRPr sz="1800" b="1" i="0" u="none" strike="noStrike" cap="none">
+                <a:solidFill>
+                  <a:schemeClr val="dk1"/>
+                </a:solidFill>
+                <a:latin typeface="Poppins"/>
+                <a:ea typeface="Poppins"/>
+                <a:cs typeface="Poppins"/>
+                <a:sym typeface="Poppins"/>
+              </a:defRPr>
+            </a:lvl7pPr>
+            <a:lvl8pPr marR="0" lvl="7" algn="l" rtl="0">
+              <a:lnSpc>
+                <a:spcPct val="100000"/>
+              </a:lnSpc>
+              <a:spcBef>
+                <a:spcPts val="0"/>
+              </a:spcBef>
+              <a:spcAft>
+                <a:spcPts val="0"/>
+              </a:spcAft>
+              <a:buClr>
+                <a:schemeClr val="dk1"/>
+              </a:buClr>
+              <a:buSzPts val="1800"/>
+              <a:buFont typeface="Poppins"/>
+              <a:buNone/>
+              <a:defRPr sz="1800" b="1" i="0" u="none" strike="noStrike" cap="none">
+                <a:solidFill>
+                  <a:schemeClr val="dk1"/>
+                </a:solidFill>
+                <a:latin typeface="Poppins"/>
+                <a:ea typeface="Poppins"/>
+                <a:cs typeface="Poppins"/>
+                <a:sym typeface="Poppins"/>
+              </a:defRPr>
+            </a:lvl8pPr>
+            <a:lvl9pPr marR="0" lvl="8" algn="l" rtl="0">
+              <a:lnSpc>
+                <a:spcPct val="100000"/>
+              </a:lnSpc>
+              <a:spcBef>
+                <a:spcPts val="0"/>
+              </a:spcBef>
+              <a:spcAft>
+                <a:spcPts val="0"/>
+              </a:spcAft>
+              <a:buClr>
+                <a:schemeClr val="dk1"/>
+              </a:buClr>
+              <a:buSzPts val="1800"/>
+              <a:buFont typeface="Poppins"/>
+              <a:buNone/>
+              <a:defRPr sz="1800" b="1" i="0" u="none" strike="noStrike" cap="none">
+                <a:solidFill>
+                  <a:schemeClr val="dk1"/>
+                </a:solidFill>
+                <a:latin typeface="Poppins"/>
+                <a:ea typeface="Poppins"/>
+                <a:cs typeface="Poppins"/>
+                <a:sym typeface="Poppins"/>
+              </a:defRPr>
+            </a:lvl9pPr>
+          </a:lstStyle>
+          <a:p>
+            <a:r>
+              <a:rPr lang="es-ES" sz="2400" dirty="0"/>
+              <a:t>M</a:t>
+            </a:r>
+            <a:r>
+              <a:rPr lang="es-ES" dirty="0"/>
+              <a:t>ETODOLOGÍA Y ARQUITECTURA</a:t>
+            </a:r>
+            <a:endParaRPr lang="es-ES" sz="1000" dirty="0"/>
+          </a:p>
+        </p:txBody>
+      </p:sp>
+      <p:pic>
+        <p:nvPicPr>
+          <p:cNvPr id="2" name="Imagen 1">
+            <a:extLst>
+              <a:ext uri="{FF2B5EF4-FFF2-40B4-BE49-F238E27FC236}">
+                <a16:creationId xmlns:a16="http://schemas.microsoft.com/office/drawing/2014/main" id="{8FA4401C-CCF7-4D30-90DE-9F3216134F9D}"/>
+              </a:ext>
+            </a:extLst>
+          </p:cNvPr>
+          <p:cNvPicPr>
+            <a:picLocks noChangeAspect="1"/>
+          </p:cNvPicPr>
+          <p:nvPr/>
+        </p:nvPicPr>
+        <p:blipFill>
+          <a:blip r:embed="rId3" cstate="email">
+            <a:extLst>
+              <a:ext uri="{28A0092B-C50C-407E-A947-70E740481C1C}">
+                <a14:useLocalDpi xmlns:a14="http://schemas.microsoft.com/office/drawing/2010/main" val="0"/>
+              </a:ext>
+            </a:extLst>
+          </a:blip>
+          <a:stretch>
+            <a:fillRect/>
+          </a:stretch>
+        </p:blipFill>
+        <p:spPr>
+          <a:xfrm>
+            <a:off x="7648014" y="4538387"/>
+            <a:ext cx="1322305" cy="504543"/>
+          </a:xfrm>
+          <a:prstGeom prst="rect">
+            <a:avLst/>
+          </a:prstGeom>
+        </p:spPr>
+      </p:pic>
+    </p:spTree>
+  </p:cSld>
+  <p:clrMapOvr>
+    <a:masterClrMapping/>
+  </p:clrMapOvr>
+</p:sld>
+</file>
+
+<file path=ppt/slides/slide11.xml><?xml version="1.0" encoding="utf-8"?>
+<p:sld xmlns:a="http://schemas.openxmlformats.org/drawingml/2006/main" xmlns:r="http://schemas.openxmlformats.org/officeDocument/2006/relationships" xmlns:p="http://schemas.openxmlformats.org/presentationml/2006/main">
+  <p:cSld>
+    <p:bg>
+      <p:bgPr>
+        <a:gradFill>
+          <a:gsLst>
+            <a:gs pos="0">
+              <a:schemeClr val="bg1">
+                <a:lumMod val="95000"/>
+              </a:schemeClr>
+            </a:gs>
+            <a:gs pos="62000">
+              <a:schemeClr val="tx2">
+                <a:lumMod val="90000"/>
+              </a:schemeClr>
+            </a:gs>
+            <a:gs pos="100000">
+              <a:schemeClr val="accent2"/>
+            </a:gs>
+          </a:gsLst>
+          <a:path path="circle">
+            <a:fillToRect r="100000" b="100000"/>
+          </a:path>
+          <a:tileRect l="-100000" t="-100000"/>
+        </a:gradFill>
+        <a:effectLst/>
+      </p:bgPr>
+    </p:bg>
+    <p:spTree>
+      <p:nvGrpSpPr>
+        <p:cNvPr id="1" name="Shape 522"/>
+        <p:cNvGrpSpPr/>
+        <p:nvPr/>
+      </p:nvGrpSpPr>
+      <p:grpSpPr>
+        <a:xfrm>
+          <a:off x="0" y="0"/>
+          <a:ext cx="0" cy="0"/>
+          <a:chOff x="0" y="0"/>
+          <a:chExt cx="0" cy="0"/>
+        </a:xfrm>
+      </p:grpSpPr>
+      <p:sp>
+        <p:nvSpPr>
+          <p:cNvPr id="523" name="Google Shape;523;p31"/>
+          <p:cNvSpPr txBox="1">
+            <a:spLocks noGrp="1"/>
+          </p:cNvSpPr>
+          <p:nvPr>
+            <p:ph type="body" idx="4294967295"/>
+          </p:nvPr>
+        </p:nvSpPr>
+        <p:spPr>
+          <a:xfrm>
+            <a:off x="457200" y="959624"/>
+            <a:ext cx="3507748" cy="3393957"/>
+          </a:xfrm>
+          <a:prstGeom prst="rect">
+            <a:avLst/>
+          </a:prstGeom>
+        </p:spPr>
+        <p:txBody>
+          <a:bodyPr spcFirstLastPara="1" wrap="square" lIns="0" tIns="0" rIns="0" bIns="0" anchor="t" anchorCtr="0">
+            <a:noAutofit/>
+          </a:bodyPr>
+          <a:lstStyle/>
+          <a:p>
+            <a:pPr marL="0" lvl="0" indent="0" algn="l" rtl="0">
+              <a:spcBef>
+                <a:spcPts val="600"/>
+              </a:spcBef>
+              <a:spcAft>
+                <a:spcPts val="0"/>
+              </a:spcAft>
+              <a:buNone/>
+            </a:pPr>
+            <a:r>
+              <a:rPr lang="es-ES" sz="1800" b="1" dirty="0">
+                <a:latin typeface="Poppins"/>
+                <a:ea typeface="Poppins"/>
+                <a:cs typeface="Poppins"/>
+                <a:sym typeface="Poppins"/>
+              </a:rPr>
+              <a:t>Múltiples dispositivos I</a:t>
+            </a:r>
+            <a:endParaRPr sz="1800" b="1" dirty="0">
+              <a:latin typeface="Poppins"/>
+              <a:ea typeface="Poppins"/>
+              <a:cs typeface="Poppins"/>
+              <a:sym typeface="Poppins"/>
+            </a:endParaRPr>
+          </a:p>
+          <a:p>
+            <a:pPr marL="0" lvl="0" indent="0" algn="l" rtl="0">
+              <a:spcBef>
+                <a:spcPts val="600"/>
+              </a:spcBef>
+              <a:spcAft>
+                <a:spcPts val="0"/>
+              </a:spcAft>
+              <a:buNone/>
+            </a:pPr>
+            <a:r>
+              <a:rPr lang="es-ES" sz="1600" dirty="0"/>
+              <a:t>Puede ser visualizado en cualquier navegador, ya sea escritorio, móvil o tableta</a:t>
+            </a:r>
+            <a:r>
+              <a:rPr lang="en" sz="1600" dirty="0"/>
+              <a:t>. </a:t>
+            </a:r>
+            <a:r>
+              <a:rPr lang="es-ES" sz="1600" dirty="0"/>
+              <a:t>Además, en cualquier dispositivo de realidad virtual. </a:t>
+            </a:r>
+          </a:p>
+          <a:p>
+            <a:pPr marL="0" lvl="0" indent="0" algn="l" rtl="0">
+              <a:spcBef>
+                <a:spcPts val="600"/>
+              </a:spcBef>
+              <a:spcAft>
+                <a:spcPts val="0"/>
+              </a:spcAft>
+              <a:buNone/>
+            </a:pPr>
+            <a:endParaRPr lang="es-ES" sz="1200" dirty="0"/>
+          </a:p>
+          <a:p>
+            <a:pPr marL="0" lvl="0" indent="0" algn="l" rtl="0">
+              <a:spcBef>
+                <a:spcPts val="600"/>
+              </a:spcBef>
+              <a:spcAft>
+                <a:spcPts val="0"/>
+              </a:spcAft>
+              <a:buNone/>
+            </a:pPr>
+            <a:endParaRPr lang="es-ES" sz="1200" dirty="0"/>
+          </a:p>
+          <a:p>
+            <a:pPr marL="0" lvl="0" indent="0" algn="l" rtl="0">
+              <a:spcBef>
+                <a:spcPts val="600"/>
+              </a:spcBef>
+              <a:spcAft>
+                <a:spcPts val="0"/>
+              </a:spcAft>
+              <a:buNone/>
+            </a:pPr>
+            <a:r>
+              <a:rPr lang="es-ES" sz="1200" dirty="0"/>
+              <a:t>Android con Navegador Chrome</a:t>
+            </a:r>
+            <a:endParaRPr sz="1200" dirty="0"/>
+          </a:p>
+        </p:txBody>
+      </p:sp>
+      <p:grpSp>
+        <p:nvGrpSpPr>
+          <p:cNvPr id="526" name="Google Shape;526;p31"/>
+          <p:cNvGrpSpPr/>
+          <p:nvPr/>
+        </p:nvGrpSpPr>
+        <p:grpSpPr>
+          <a:xfrm>
+            <a:off x="4756238" y="368953"/>
+            <a:ext cx="1975330" cy="4097226"/>
+            <a:chOff x="2547150" y="238125"/>
+            <a:chExt cx="2525675" cy="5238750"/>
+          </a:xfrm>
+        </p:grpSpPr>
+        <p:sp>
+          <p:nvSpPr>
+            <p:cNvPr id="527" name="Google Shape;527;p31"/>
+            <p:cNvSpPr/>
+            <p:nvPr/>
+          </p:nvSpPr>
+          <p:spPr>
+            <a:xfrm>
+              <a:off x="2547150" y="238125"/>
+              <a:ext cx="2525675" cy="5238750"/>
+            </a:xfrm>
+            <a:custGeom>
+              <a:avLst/>
+              <a:gdLst/>
+              <a:ahLst/>
+              <a:cxnLst/>
+              <a:rect l="l" t="t" r="r" b="b"/>
+              <a:pathLst>
+                <a:path w="101027" h="209550" extrusionOk="0">
+                  <a:moveTo>
+                    <a:pt x="98629" y="18886"/>
+                  </a:moveTo>
+                  <a:lnTo>
+                    <a:pt x="98629" y="190364"/>
+                  </a:lnTo>
+                  <a:lnTo>
+                    <a:pt x="2398" y="190364"/>
+                  </a:lnTo>
+                  <a:lnTo>
+                    <a:pt x="2398" y="18886"/>
+                  </a:lnTo>
+                  <a:close/>
+                  <a:moveTo>
+                    <a:pt x="10343" y="0"/>
+                  </a:moveTo>
+                  <a:lnTo>
+                    <a:pt x="9293" y="75"/>
+                  </a:lnTo>
+                  <a:lnTo>
+                    <a:pt x="8244" y="225"/>
+                  </a:lnTo>
+                  <a:lnTo>
+                    <a:pt x="7270" y="450"/>
+                  </a:lnTo>
+                  <a:lnTo>
+                    <a:pt x="6295" y="824"/>
+                  </a:lnTo>
+                  <a:lnTo>
+                    <a:pt x="5396" y="1274"/>
+                  </a:lnTo>
+                  <a:lnTo>
+                    <a:pt x="4572" y="1799"/>
+                  </a:lnTo>
+                  <a:lnTo>
+                    <a:pt x="3747" y="2398"/>
+                  </a:lnTo>
+                  <a:lnTo>
+                    <a:pt x="2998" y="3073"/>
+                  </a:lnTo>
+                  <a:lnTo>
+                    <a:pt x="2323" y="3747"/>
+                  </a:lnTo>
+                  <a:lnTo>
+                    <a:pt x="1724" y="4572"/>
+                  </a:lnTo>
+                  <a:lnTo>
+                    <a:pt x="1199" y="5396"/>
+                  </a:lnTo>
+                  <a:lnTo>
+                    <a:pt x="824" y="6370"/>
+                  </a:lnTo>
+                  <a:lnTo>
+                    <a:pt x="450" y="7270"/>
+                  </a:lnTo>
+                  <a:lnTo>
+                    <a:pt x="225" y="8319"/>
+                  </a:lnTo>
+                  <a:lnTo>
+                    <a:pt x="0" y="9293"/>
+                  </a:lnTo>
+                  <a:lnTo>
+                    <a:pt x="0" y="10343"/>
+                  </a:lnTo>
+                  <a:lnTo>
+                    <a:pt x="0" y="199207"/>
+                  </a:lnTo>
+                  <a:lnTo>
+                    <a:pt x="0" y="200257"/>
+                  </a:lnTo>
+                  <a:lnTo>
+                    <a:pt x="225" y="201231"/>
+                  </a:lnTo>
+                  <a:lnTo>
+                    <a:pt x="450" y="202280"/>
+                  </a:lnTo>
+                  <a:lnTo>
+                    <a:pt x="824" y="203180"/>
+                  </a:lnTo>
+                  <a:lnTo>
+                    <a:pt x="1199" y="204154"/>
+                  </a:lnTo>
+                  <a:lnTo>
+                    <a:pt x="1724" y="204978"/>
+                  </a:lnTo>
+                  <a:lnTo>
+                    <a:pt x="2323" y="205803"/>
+                  </a:lnTo>
+                  <a:lnTo>
+                    <a:pt x="2998" y="206477"/>
+                  </a:lnTo>
+                  <a:lnTo>
+                    <a:pt x="3747" y="207152"/>
+                  </a:lnTo>
+                  <a:lnTo>
+                    <a:pt x="4572" y="207751"/>
+                  </a:lnTo>
+                  <a:lnTo>
+                    <a:pt x="5396" y="208276"/>
+                  </a:lnTo>
+                  <a:lnTo>
+                    <a:pt x="6295" y="208726"/>
+                  </a:lnTo>
+                  <a:lnTo>
+                    <a:pt x="7270" y="209100"/>
+                  </a:lnTo>
+                  <a:lnTo>
+                    <a:pt x="8244" y="209325"/>
+                  </a:lnTo>
+                  <a:lnTo>
+                    <a:pt x="9293" y="209475"/>
+                  </a:lnTo>
+                  <a:lnTo>
+                    <a:pt x="10343" y="209550"/>
+                  </a:lnTo>
+                  <a:lnTo>
+                    <a:pt x="90610" y="209550"/>
+                  </a:lnTo>
+                  <a:lnTo>
+                    <a:pt x="91659" y="209475"/>
+                  </a:lnTo>
+                  <a:lnTo>
+                    <a:pt x="92708" y="209325"/>
+                  </a:lnTo>
+                  <a:lnTo>
+                    <a:pt x="93682" y="209100"/>
+                  </a:lnTo>
+                  <a:lnTo>
+                    <a:pt x="94657" y="208726"/>
+                  </a:lnTo>
+                  <a:lnTo>
+                    <a:pt x="95556" y="208276"/>
+                  </a:lnTo>
+                  <a:lnTo>
+                    <a:pt x="96455" y="207751"/>
+                  </a:lnTo>
+                  <a:lnTo>
+                    <a:pt x="97205" y="207152"/>
+                  </a:lnTo>
+                  <a:lnTo>
+                    <a:pt x="97954" y="206477"/>
+                  </a:lnTo>
+                  <a:lnTo>
+                    <a:pt x="98629" y="205803"/>
+                  </a:lnTo>
+                  <a:lnTo>
+                    <a:pt x="99228" y="204978"/>
+                  </a:lnTo>
+                  <a:lnTo>
+                    <a:pt x="99753" y="204154"/>
+                  </a:lnTo>
+                  <a:lnTo>
+                    <a:pt x="100203" y="203180"/>
+                  </a:lnTo>
+                  <a:lnTo>
+                    <a:pt x="100577" y="202280"/>
+                  </a:lnTo>
+                  <a:lnTo>
+                    <a:pt x="100802" y="201231"/>
+                  </a:lnTo>
+                  <a:lnTo>
+                    <a:pt x="100952" y="200257"/>
+                  </a:lnTo>
+                  <a:lnTo>
+                    <a:pt x="101027" y="199207"/>
+                  </a:lnTo>
+                  <a:lnTo>
+                    <a:pt x="101027" y="10343"/>
+                  </a:lnTo>
+                  <a:lnTo>
+                    <a:pt x="100952" y="9293"/>
+                  </a:lnTo>
+                  <a:lnTo>
+                    <a:pt x="100802" y="8319"/>
+                  </a:lnTo>
+                  <a:lnTo>
+                    <a:pt x="100577" y="7270"/>
+                  </a:lnTo>
+                  <a:lnTo>
+                    <a:pt x="100203" y="6370"/>
+                  </a:lnTo>
+                  <a:lnTo>
+                    <a:pt x="99753" y="5396"/>
+                  </a:lnTo>
+                  <a:lnTo>
+                    <a:pt x="99228" y="4572"/>
+                  </a:lnTo>
+                  <a:lnTo>
+                    <a:pt x="98629" y="3747"/>
+                  </a:lnTo>
+                  <a:lnTo>
+                    <a:pt x="97954" y="3073"/>
+                  </a:lnTo>
+                  <a:lnTo>
+                    <a:pt x="97205" y="2398"/>
+                  </a:lnTo>
+                  <a:lnTo>
+                    <a:pt x="96455" y="1799"/>
+                  </a:lnTo>
+                  <a:lnTo>
+                    <a:pt x="95556" y="1274"/>
+                  </a:lnTo>
+                  <a:lnTo>
+                    <a:pt x="94657" y="824"/>
+                  </a:lnTo>
+                  <a:lnTo>
+                    <a:pt x="93682" y="450"/>
+                  </a:lnTo>
+                  <a:lnTo>
+                    <a:pt x="92708" y="225"/>
+                  </a:lnTo>
+                  <a:lnTo>
+                    <a:pt x="91659" y="75"/>
+                  </a:lnTo>
+                  <a:lnTo>
+                    <a:pt x="90610" y="0"/>
+                  </a:lnTo>
+                  <a:close/>
+                </a:path>
+              </a:pathLst>
+            </a:custGeom>
+            <a:solidFill>
+              <a:schemeClr val="dk1"/>
+            </a:solidFill>
+            <a:ln>
+              <a:noFill/>
+            </a:ln>
+            <a:effectLst>
+              <a:outerShdw blurRad="200025" dist="57150" dir="5400000" algn="bl" rotWithShape="0">
+                <a:schemeClr val="dk1">
+                  <a:alpha val="20000"/>
+                </a:schemeClr>
+              </a:outerShdw>
+            </a:effectLst>
+          </p:spPr>
+          <p:txBody>
+            <a:bodyPr spcFirstLastPara="1" wrap="square" lIns="91425" tIns="91425" rIns="91425" bIns="91425" anchor="ctr" anchorCtr="0">
+              <a:noAutofit/>
+            </a:bodyPr>
+            <a:lstStyle/>
+            <a:p>
+              <a:pPr marL="0" lvl="0" indent="0" algn="l" rtl="0">
+                <a:spcBef>
+                  <a:spcPts val="0"/>
+                </a:spcBef>
+                <a:spcAft>
+                  <a:spcPts val="0"/>
+                </a:spcAft>
+                <a:buNone/>
+              </a:pPr>
+              <a:endParaRPr/>
+            </a:p>
+          </p:txBody>
+        </p:sp>
+        <p:sp>
+          <p:nvSpPr>
+            <p:cNvPr id="528" name="Google Shape;528;p31"/>
+            <p:cNvSpPr/>
+            <p:nvPr/>
+          </p:nvSpPr>
+          <p:spPr>
+            <a:xfrm>
+              <a:off x="3557025" y="5147100"/>
+              <a:ext cx="504050" cy="179900"/>
+            </a:xfrm>
+            <a:custGeom>
+              <a:avLst/>
+              <a:gdLst/>
+              <a:ahLst/>
+              <a:cxnLst/>
+              <a:rect l="l" t="t" r="r" b="b"/>
+              <a:pathLst>
+                <a:path w="20162" h="7196" extrusionOk="0">
+                  <a:moveTo>
+                    <a:pt x="3598" y="0"/>
+                  </a:moveTo>
+                  <a:lnTo>
+                    <a:pt x="2849" y="75"/>
+                  </a:lnTo>
+                  <a:lnTo>
+                    <a:pt x="2174" y="300"/>
+                  </a:lnTo>
+                  <a:lnTo>
+                    <a:pt x="1575" y="600"/>
+                  </a:lnTo>
+                  <a:lnTo>
+                    <a:pt x="1050" y="1050"/>
+                  </a:lnTo>
+                  <a:lnTo>
+                    <a:pt x="600" y="1574"/>
+                  </a:lnTo>
+                  <a:lnTo>
+                    <a:pt x="301" y="2174"/>
+                  </a:lnTo>
+                  <a:lnTo>
+                    <a:pt x="76" y="2848"/>
+                  </a:lnTo>
+                  <a:lnTo>
+                    <a:pt x="1" y="3598"/>
+                  </a:lnTo>
+                  <a:lnTo>
+                    <a:pt x="76" y="4347"/>
+                  </a:lnTo>
+                  <a:lnTo>
+                    <a:pt x="301" y="5022"/>
+                  </a:lnTo>
+                  <a:lnTo>
+                    <a:pt x="600" y="5621"/>
+                  </a:lnTo>
+                  <a:lnTo>
+                    <a:pt x="1050" y="6146"/>
+                  </a:lnTo>
+                  <a:lnTo>
+                    <a:pt x="1575" y="6596"/>
+                  </a:lnTo>
+                  <a:lnTo>
+                    <a:pt x="2174" y="6896"/>
+                  </a:lnTo>
+                  <a:lnTo>
+                    <a:pt x="2849" y="7120"/>
+                  </a:lnTo>
+                  <a:lnTo>
+                    <a:pt x="3598" y="7195"/>
+                  </a:lnTo>
+                  <a:lnTo>
+                    <a:pt x="16639" y="7195"/>
+                  </a:lnTo>
+                  <a:lnTo>
+                    <a:pt x="17313" y="7120"/>
+                  </a:lnTo>
+                  <a:lnTo>
+                    <a:pt x="17988" y="6896"/>
+                  </a:lnTo>
+                  <a:lnTo>
+                    <a:pt x="18587" y="6596"/>
+                  </a:lnTo>
+                  <a:lnTo>
+                    <a:pt x="19112" y="6146"/>
+                  </a:lnTo>
+                  <a:lnTo>
+                    <a:pt x="19562" y="5621"/>
+                  </a:lnTo>
+                  <a:lnTo>
+                    <a:pt x="19861" y="5022"/>
+                  </a:lnTo>
+                  <a:lnTo>
+                    <a:pt x="20086" y="4347"/>
+                  </a:lnTo>
+                  <a:lnTo>
+                    <a:pt x="20161" y="3598"/>
+                  </a:lnTo>
+                  <a:lnTo>
+                    <a:pt x="20086" y="2848"/>
+                  </a:lnTo>
+                  <a:lnTo>
+                    <a:pt x="19861" y="2174"/>
+                  </a:lnTo>
+                  <a:lnTo>
+                    <a:pt x="19562" y="1574"/>
+                  </a:lnTo>
+                  <a:lnTo>
+                    <a:pt x="19112" y="1050"/>
+                  </a:lnTo>
+                  <a:lnTo>
+                    <a:pt x="18587" y="600"/>
+                  </a:lnTo>
+                  <a:lnTo>
+                    <a:pt x="17988" y="300"/>
+                  </a:lnTo>
+                  <a:lnTo>
+                    <a:pt x="17313" y="75"/>
+                  </a:lnTo>
+                  <a:lnTo>
+                    <a:pt x="16639" y="0"/>
+                  </a:lnTo>
+                  <a:close/>
+                </a:path>
+              </a:pathLst>
+            </a:custGeom>
+            <a:solidFill>
+              <a:schemeClr val="dk2"/>
+            </a:solidFill>
+            <a:ln>
+              <a:noFill/>
+            </a:ln>
+          </p:spPr>
+          <p:txBody>
+            <a:bodyPr spcFirstLastPara="1" wrap="square" lIns="91425" tIns="91425" rIns="91425" bIns="91425" anchor="ctr" anchorCtr="0">
+              <a:noAutofit/>
+            </a:bodyPr>
+            <a:lstStyle/>
+            <a:p>
+              <a:pPr marL="0" lvl="0" indent="0" algn="l" rtl="0">
+                <a:spcBef>
+                  <a:spcPts val="0"/>
+                </a:spcBef>
+                <a:spcAft>
+                  <a:spcPts val="0"/>
+                </a:spcAft>
+                <a:buNone/>
+              </a:pPr>
+              <a:endParaRPr/>
+            </a:p>
+          </p:txBody>
+        </p:sp>
+        <p:sp>
+          <p:nvSpPr>
+            <p:cNvPr id="529" name="Google Shape;529;p31"/>
+            <p:cNvSpPr/>
+            <p:nvPr/>
+          </p:nvSpPr>
+          <p:spPr>
+            <a:xfrm>
+              <a:off x="3008050" y="423600"/>
+              <a:ext cx="99325" cy="99325"/>
+            </a:xfrm>
+            <a:custGeom>
+              <a:avLst/>
+              <a:gdLst/>
+              <a:ahLst/>
+              <a:cxnLst/>
+              <a:rect l="l" t="t" r="r" b="b"/>
+              <a:pathLst>
+                <a:path w="3973" h="3973" extrusionOk="0">
+                  <a:moveTo>
+                    <a:pt x="2024" y="1"/>
+                  </a:moveTo>
+                  <a:lnTo>
+                    <a:pt x="1575" y="76"/>
+                  </a:lnTo>
+                  <a:lnTo>
+                    <a:pt x="1200" y="151"/>
+                  </a:lnTo>
+                  <a:lnTo>
+                    <a:pt x="900" y="375"/>
+                  </a:lnTo>
+                  <a:lnTo>
+                    <a:pt x="600" y="600"/>
+                  </a:lnTo>
+                  <a:lnTo>
+                    <a:pt x="375" y="900"/>
+                  </a:lnTo>
+                  <a:lnTo>
+                    <a:pt x="151" y="1200"/>
+                  </a:lnTo>
+                  <a:lnTo>
+                    <a:pt x="76" y="1575"/>
+                  </a:lnTo>
+                  <a:lnTo>
+                    <a:pt x="1" y="2024"/>
+                  </a:lnTo>
+                  <a:lnTo>
+                    <a:pt x="76" y="2399"/>
+                  </a:lnTo>
+                  <a:lnTo>
+                    <a:pt x="151" y="2774"/>
+                  </a:lnTo>
+                  <a:lnTo>
+                    <a:pt x="375" y="3073"/>
+                  </a:lnTo>
+                  <a:lnTo>
+                    <a:pt x="600" y="3373"/>
+                  </a:lnTo>
+                  <a:lnTo>
+                    <a:pt x="900" y="3673"/>
+                  </a:lnTo>
+                  <a:lnTo>
+                    <a:pt x="1200" y="3823"/>
+                  </a:lnTo>
+                  <a:lnTo>
+                    <a:pt x="1575" y="3973"/>
+                  </a:lnTo>
+                  <a:lnTo>
+                    <a:pt x="2399" y="3973"/>
+                  </a:lnTo>
+                  <a:lnTo>
+                    <a:pt x="2774" y="3823"/>
+                  </a:lnTo>
+                  <a:lnTo>
+                    <a:pt x="3073" y="3673"/>
+                  </a:lnTo>
+                  <a:lnTo>
+                    <a:pt x="3373" y="3373"/>
+                  </a:lnTo>
+                  <a:lnTo>
+                    <a:pt x="3598" y="3073"/>
+                  </a:lnTo>
+                  <a:lnTo>
+                    <a:pt x="3823" y="2774"/>
+                  </a:lnTo>
+                  <a:lnTo>
+                    <a:pt x="3898" y="2399"/>
+                  </a:lnTo>
+                  <a:lnTo>
+                    <a:pt x="3973" y="2024"/>
+                  </a:lnTo>
+                  <a:lnTo>
+                    <a:pt x="3898" y="1575"/>
+                  </a:lnTo>
+                  <a:lnTo>
+                    <a:pt x="3823" y="1200"/>
+                  </a:lnTo>
+                  <a:lnTo>
+                    <a:pt x="3598" y="900"/>
+                  </a:lnTo>
+                  <a:lnTo>
+                    <a:pt x="3373" y="600"/>
+                  </a:lnTo>
+                  <a:lnTo>
+                    <a:pt x="3073" y="375"/>
+                  </a:lnTo>
+                  <a:lnTo>
+                    <a:pt x="2774" y="151"/>
+                  </a:lnTo>
+                  <a:lnTo>
+                    <a:pt x="2399" y="76"/>
+                  </a:lnTo>
+                  <a:lnTo>
+                    <a:pt x="2024" y="1"/>
+                  </a:lnTo>
+                  <a:close/>
+                </a:path>
+              </a:pathLst>
+            </a:custGeom>
+            <a:solidFill>
+              <a:schemeClr val="dk2"/>
+            </a:solidFill>
+            <a:ln>
+              <a:noFill/>
+            </a:ln>
+          </p:spPr>
+          <p:txBody>
+            <a:bodyPr spcFirstLastPara="1" wrap="square" lIns="91425" tIns="91425" rIns="91425" bIns="91425" anchor="ctr" anchorCtr="0">
+              <a:noAutofit/>
+            </a:bodyPr>
+            <a:lstStyle/>
+            <a:p>
+              <a:pPr marL="0" lvl="0" indent="0" algn="l" rtl="0">
+                <a:spcBef>
+                  <a:spcPts val="0"/>
+                </a:spcBef>
+                <a:spcAft>
+                  <a:spcPts val="0"/>
+                </a:spcAft>
+                <a:buNone/>
+              </a:pPr>
+              <a:endParaRPr/>
+            </a:p>
+          </p:txBody>
+        </p:sp>
+        <p:sp>
+          <p:nvSpPr>
+            <p:cNvPr id="530" name="Google Shape;530;p31"/>
+            <p:cNvSpPr/>
+            <p:nvPr/>
+          </p:nvSpPr>
+          <p:spPr>
+            <a:xfrm>
+              <a:off x="3566400" y="434850"/>
+              <a:ext cx="487175" cy="76850"/>
+            </a:xfrm>
+            <a:custGeom>
+              <a:avLst/>
+              <a:gdLst/>
+              <a:ahLst/>
+              <a:cxnLst/>
+              <a:rect l="l" t="t" r="r" b="b"/>
+              <a:pathLst>
+                <a:path w="19487" h="3074" extrusionOk="0">
+                  <a:moveTo>
+                    <a:pt x="1275" y="0"/>
+                  </a:moveTo>
+                  <a:lnTo>
+                    <a:pt x="1050" y="75"/>
+                  </a:lnTo>
+                  <a:lnTo>
+                    <a:pt x="750" y="150"/>
+                  </a:lnTo>
+                  <a:lnTo>
+                    <a:pt x="525" y="300"/>
+                  </a:lnTo>
+                  <a:lnTo>
+                    <a:pt x="375" y="450"/>
+                  </a:lnTo>
+                  <a:lnTo>
+                    <a:pt x="225" y="675"/>
+                  </a:lnTo>
+                  <a:lnTo>
+                    <a:pt x="75" y="975"/>
+                  </a:lnTo>
+                  <a:lnTo>
+                    <a:pt x="1" y="1274"/>
+                  </a:lnTo>
+                  <a:lnTo>
+                    <a:pt x="1" y="1574"/>
+                  </a:lnTo>
+                  <a:lnTo>
+                    <a:pt x="1" y="1874"/>
+                  </a:lnTo>
+                  <a:lnTo>
+                    <a:pt x="75" y="2174"/>
+                  </a:lnTo>
+                  <a:lnTo>
+                    <a:pt x="225" y="2399"/>
+                  </a:lnTo>
+                  <a:lnTo>
+                    <a:pt x="375" y="2623"/>
+                  </a:lnTo>
+                  <a:lnTo>
+                    <a:pt x="525" y="2773"/>
+                  </a:lnTo>
+                  <a:lnTo>
+                    <a:pt x="750" y="2923"/>
+                  </a:lnTo>
+                  <a:lnTo>
+                    <a:pt x="1050" y="2998"/>
+                  </a:lnTo>
+                  <a:lnTo>
+                    <a:pt x="1275" y="3073"/>
+                  </a:lnTo>
+                  <a:lnTo>
+                    <a:pt x="18137" y="3073"/>
+                  </a:lnTo>
+                  <a:lnTo>
+                    <a:pt x="18437" y="2998"/>
+                  </a:lnTo>
+                  <a:lnTo>
+                    <a:pt x="18662" y="2923"/>
+                  </a:lnTo>
+                  <a:lnTo>
+                    <a:pt x="18887" y="2773"/>
+                  </a:lnTo>
+                  <a:lnTo>
+                    <a:pt x="19112" y="2623"/>
+                  </a:lnTo>
+                  <a:lnTo>
+                    <a:pt x="19262" y="2399"/>
+                  </a:lnTo>
+                  <a:lnTo>
+                    <a:pt x="19337" y="2174"/>
+                  </a:lnTo>
+                  <a:lnTo>
+                    <a:pt x="19412" y="1874"/>
+                  </a:lnTo>
+                  <a:lnTo>
+                    <a:pt x="19486" y="1574"/>
+                  </a:lnTo>
+                  <a:lnTo>
+                    <a:pt x="19412" y="1274"/>
+                  </a:lnTo>
+                  <a:lnTo>
+                    <a:pt x="19337" y="975"/>
+                  </a:lnTo>
+                  <a:lnTo>
+                    <a:pt x="19262" y="675"/>
+                  </a:lnTo>
+                  <a:lnTo>
+                    <a:pt x="19112" y="450"/>
+                  </a:lnTo>
+                  <a:lnTo>
+                    <a:pt x="18887" y="300"/>
+                  </a:lnTo>
+                  <a:lnTo>
+                    <a:pt x="18662" y="150"/>
+                  </a:lnTo>
+                  <a:lnTo>
+                    <a:pt x="18437" y="75"/>
+                  </a:lnTo>
+                  <a:lnTo>
+                    <a:pt x="18137" y="0"/>
+                  </a:lnTo>
+                  <a:close/>
+                </a:path>
+              </a:pathLst>
+            </a:custGeom>
+            <a:solidFill>
+              <a:schemeClr val="dk2"/>
+            </a:solidFill>
+            <a:ln>
+              <a:noFill/>
+            </a:ln>
+          </p:spPr>
+          <p:txBody>
+            <a:bodyPr spcFirstLastPara="1" wrap="square" lIns="91425" tIns="91425" rIns="91425" bIns="91425" anchor="ctr" anchorCtr="0">
+              <a:noAutofit/>
+            </a:bodyPr>
+            <a:lstStyle/>
+            <a:p>
+              <a:pPr marL="0" lvl="0" indent="0" algn="l" rtl="0">
+                <a:spcBef>
+                  <a:spcPts val="0"/>
+                </a:spcBef>
+                <a:spcAft>
+                  <a:spcPts val="0"/>
+                </a:spcAft>
+                <a:buNone/>
+              </a:pPr>
+              <a:endParaRPr/>
+            </a:p>
+          </p:txBody>
+        </p:sp>
+      </p:grpSp>
+      <p:pic>
+        <p:nvPicPr>
+          <p:cNvPr id="3" name="Imagen 2" descr="Imagen que contiene dibujo&#10;&#10;Descripción generada automáticamente">
+            <a:extLst>
+              <a:ext uri="{FF2B5EF4-FFF2-40B4-BE49-F238E27FC236}">
+                <a16:creationId xmlns:a16="http://schemas.microsoft.com/office/drawing/2014/main" id="{6293E412-3FF4-441A-8FC6-ED9CB125EE62}"/>
+              </a:ext>
+            </a:extLst>
+          </p:cNvPr>
+          <p:cNvPicPr>
+            <a:picLocks noChangeAspect="1"/>
+          </p:cNvPicPr>
+          <p:nvPr/>
+        </p:nvPicPr>
+        <p:blipFill>
+          <a:blip r:embed="rId3"/>
+          <a:stretch>
+            <a:fillRect/>
+          </a:stretch>
+        </p:blipFill>
+        <p:spPr>
+          <a:xfrm>
+            <a:off x="4805371" y="748967"/>
+            <a:ext cx="1870799" cy="3337197"/>
+          </a:xfrm>
+          <a:prstGeom prst="rect">
+            <a:avLst/>
+          </a:prstGeom>
+        </p:spPr>
+      </p:pic>
+      <p:pic>
+        <p:nvPicPr>
+          <p:cNvPr id="2" name="Imagen 1">
+            <a:extLst>
+              <a:ext uri="{FF2B5EF4-FFF2-40B4-BE49-F238E27FC236}">
+                <a16:creationId xmlns:a16="http://schemas.microsoft.com/office/drawing/2014/main" id="{97E8C895-9B5F-47CA-AD31-BEAB59C7BCF2}"/>
+              </a:ext>
+            </a:extLst>
+          </p:cNvPr>
+          <p:cNvPicPr>
+            <a:picLocks noChangeAspect="1"/>
+          </p:cNvPicPr>
+          <p:nvPr/>
+        </p:nvPicPr>
+        <p:blipFill>
+          <a:blip r:embed="rId4" cstate="email">
+            <a:extLst>
+              <a:ext uri="{28A0092B-C50C-407E-A947-70E740481C1C}">
+                <a14:useLocalDpi xmlns:a14="http://schemas.microsoft.com/office/drawing/2010/main" val="0"/>
+              </a:ext>
+            </a:extLst>
+          </a:blip>
+          <a:stretch>
+            <a:fillRect/>
+          </a:stretch>
+        </p:blipFill>
+        <p:spPr>
+          <a:xfrm>
+            <a:off x="7648014" y="4538387"/>
+            <a:ext cx="1322305" cy="504543"/>
+          </a:xfrm>
+          <a:prstGeom prst="rect">
+            <a:avLst/>
+          </a:prstGeom>
+        </p:spPr>
+      </p:pic>
+    </p:spTree>
+    <p:extLst>
+      <p:ext uri="{BB962C8B-B14F-4D97-AF65-F5344CB8AC3E}">
+        <p14:creationId xmlns:p14="http://schemas.microsoft.com/office/powerpoint/2010/main" val="3817581"/>
+      </p:ext>
+    </p:extLst>
+  </p:cSld>
+  <p:clrMapOvr>
+    <a:masterClrMapping/>
+  </p:clrMapOvr>
+</p:sld>
+</file>
+
+<file path=ppt/slides/slide12.xml><?xml version="1.0" encoding="utf-8"?>
 <p:sld xmlns:a="http://schemas.openxmlformats.org/drawingml/2006/main" xmlns:r="http://schemas.openxmlformats.org/officeDocument/2006/relationships" xmlns:p="http://schemas.openxmlformats.org/presentationml/2006/main">
   <p:cSld>
     <p:bg>
@@ -10690,10 +12407,10 @@
               <a:buNone/>
             </a:pPr>
             <a:r>
-              <a:rPr lang="es-ES" sz="1800" dirty="0"/>
+              <a:rPr lang="es-ES" sz="1600" dirty="0"/>
               <a:t>iPad con navegador Safari</a:t>
             </a:r>
-            <a:endParaRPr sz="1800" dirty="0"/>
+            <a:endParaRPr sz="1600" dirty="0"/>
           </a:p>
         </p:txBody>
       </p:sp>
@@ -10755,84 +12472,6 @@
           </a:p>
         </p:txBody>
       </p:sp>
-      <p:sp>
-        <p:nvSpPr>
-          <p:cNvPr id="525" name="Google Shape;525;p31"/>
-          <p:cNvSpPr txBox="1">
-            <a:spLocks noGrp="1"/>
-          </p:cNvSpPr>
-          <p:nvPr>
-            <p:ph type="sldNum" idx="12"/>
-          </p:nvPr>
-        </p:nvSpPr>
-        <p:spPr>
-          <a:xfrm>
-            <a:off x="8729400" y="4734075"/>
-            <a:ext cx="414600" cy="409500"/>
-          </a:xfrm>
-          <a:prstGeom prst="rect">
-            <a:avLst/>
-          </a:prstGeom>
-        </p:spPr>
-        <p:txBody>
-          <a:bodyPr spcFirstLastPara="1" wrap="square" lIns="0" tIns="0" rIns="0" bIns="0" anchor="ctr" anchorCtr="0">
-            <a:noAutofit/>
-          </a:bodyPr>
-          <a:lstStyle/>
-          <a:p>
-            <a:pPr marL="0" lvl="0" indent="0" algn="ctr" rtl="0">
-              <a:spcBef>
-                <a:spcPts val="0"/>
-              </a:spcBef>
-              <a:spcAft>
-                <a:spcPts val="0"/>
-              </a:spcAft>
-              <a:buNone/>
-            </a:pPr>
-            <a:fld id="{00000000-1234-1234-1234-123412341234}" type="slidenum">
-              <a:rPr lang="en"/>
-              <a:t>10</a:t>
-            </a:fld>
-            <a:endParaRPr/>
-          </a:p>
-        </p:txBody>
-      </p:sp>
-      <p:pic>
-        <p:nvPicPr>
-          <p:cNvPr id="12" name="Imagen 11">
-            <a:extLst>
-              <a:ext uri="{FF2B5EF4-FFF2-40B4-BE49-F238E27FC236}">
-                <a16:creationId xmlns:a16="http://schemas.microsoft.com/office/drawing/2014/main" id="{5E7C90B0-86DB-47F2-8BDB-6302A77EAD3B}"/>
-              </a:ext>
-            </a:extLst>
-          </p:cNvPr>
-          <p:cNvPicPr>
-            <a:picLocks noChangeAspect="1"/>
-          </p:cNvPicPr>
-          <p:nvPr/>
-        </p:nvPicPr>
-        <p:blipFill>
-          <a:blip r:embed="rId3" cstate="email">
-            <a:extLst>
-              <a:ext uri="{28A0092B-C50C-407E-A947-70E740481C1C}">
-                <a14:useLocalDpi xmlns:a14="http://schemas.microsoft.com/office/drawing/2010/main" val="0"/>
-              </a:ext>
-            </a:extLst>
-          </a:blip>
-          <a:stretch>
-            <a:fillRect/>
-          </a:stretch>
-        </p:blipFill>
-        <p:spPr>
-          <a:xfrm>
-            <a:off x="6961843" y="4020421"/>
-            <a:ext cx="1974857" cy="753533"/>
-          </a:xfrm>
-          <a:prstGeom prst="rect">
-            <a:avLst/>
-          </a:prstGeom>
-        </p:spPr>
-      </p:pic>
       <p:grpSp>
         <p:nvGrpSpPr>
           <p:cNvPr id="13" name="Google Shape;537;p32">
@@ -11628,7 +13267,7 @@
           <p:nvPr/>
         </p:nvPicPr>
         <p:blipFill>
-          <a:blip r:embed="rId4"/>
+          <a:blip r:embed="rId3"/>
           <a:stretch>
             <a:fillRect/>
           </a:stretch>
@@ -11637,6 +13276,42 @@
           <a:xfrm>
             <a:off x="4180802" y="1113657"/>
             <a:ext cx="3186934" cy="2390201"/>
+          </a:xfrm>
+          <a:prstGeom prst="rect">
+            <a:avLst/>
+          </a:prstGeom>
+        </p:spPr>
+      </p:pic>
+      <p:pic>
+        <p:nvPicPr>
+          <p:cNvPr id="2" name="Imagen 1">
+            <a:extLst>
+              <a:ext uri="{FF2B5EF4-FFF2-40B4-BE49-F238E27FC236}">
+                <a16:creationId xmlns:a16="http://schemas.microsoft.com/office/drawing/2014/main" id="{D84413C2-EE4B-4E92-8DCD-0A9CB3E7B867}"/>
+              </a:ext>
+            </a:extLst>
+          </p:cNvPr>
+          <p:cNvPicPr>
+            <a:picLocks noChangeAspect="1"/>
+          </p:cNvPicPr>
+          <p:nvPr/>
+        </p:nvPicPr>
+        <p:blipFill>
+          <a:blip r:embed="rId4" cstate="email">
+            <a:extLst>
+              <a:ext uri="{28A0092B-C50C-407E-A947-70E740481C1C}">
+                <a14:useLocalDpi xmlns:a14="http://schemas.microsoft.com/office/drawing/2010/main" val="0"/>
+              </a:ext>
+            </a:extLst>
+          </a:blip>
+          <a:stretch>
+            <a:fillRect/>
+          </a:stretch>
+        </p:blipFill>
+        <p:spPr>
+          <a:xfrm>
+            <a:off x="7648014" y="4538387"/>
+            <a:ext cx="1322305" cy="504543"/>
           </a:xfrm>
           <a:prstGeom prst="rect">
             <a:avLst/>
@@ -11656,12 +13331,38 @@
 </p:sld>
 </file>
 
-<file path=ppt/slides/slide11.xml><?xml version="1.0" encoding="utf-8"?>
+<file path=ppt/slides/slide13.xml><?xml version="1.0" encoding="utf-8"?>
 <p:sld xmlns:a="http://schemas.openxmlformats.org/drawingml/2006/main" xmlns:r="http://schemas.openxmlformats.org/officeDocument/2006/relationships" xmlns:p="http://schemas.openxmlformats.org/presentationml/2006/main">
   <p:cSld>
+    <p:bg>
+      <p:bgPr>
+        <a:gradFill>
+          <a:gsLst>
+            <a:gs pos="0">
+              <a:schemeClr val="lt1">
+                <a:lumMod val="95000"/>
+              </a:schemeClr>
+            </a:gs>
+            <a:gs pos="62000">
+              <a:schemeClr val="tx2">
+                <a:lumMod val="90000"/>
+              </a:schemeClr>
+            </a:gs>
+            <a:gs pos="100000">
+              <a:schemeClr val="accent2"/>
+            </a:gs>
+          </a:gsLst>
+          <a:path path="circle">
+            <a:fillToRect r="100000" b="100000"/>
+          </a:path>
+          <a:tileRect l="-100000" t="-100000"/>
+        </a:gradFill>
+        <a:effectLst/>
+      </p:bgPr>
+    </p:bg>
     <p:spTree>
       <p:nvGrpSpPr>
-        <p:cNvPr id="1" name="Shape 546"/>
+        <p:cNvPr id="1" name="Shape 522"/>
         <p:cNvGrpSpPr/>
         <p:nvPr/>
       </p:nvGrpSpPr>
@@ -11675,13 +13376,113 @@
       </p:grpSpPr>
       <p:sp>
         <p:nvSpPr>
-          <p:cNvPr id="547" name="Google Shape;547;p33"/>
+          <p:cNvPr id="524" name="Google Shape;524;p31"/>
+          <p:cNvSpPr/>
+          <p:nvPr/>
+        </p:nvSpPr>
+        <p:spPr>
+          <a:xfrm rot="16200000">
+            <a:off x="3832082" y="867271"/>
+            <a:ext cx="1870800" cy="3227751"/>
+          </a:xfrm>
+          <a:prstGeom prst="rect">
+            <a:avLst/>
+          </a:prstGeom>
+          <a:noFill/>
+          <a:ln>
+            <a:noFill/>
+          </a:ln>
+        </p:spPr>
+        <p:txBody>
+          <a:bodyPr spcFirstLastPara="1" wrap="square" lIns="91425" tIns="91425" rIns="91425" bIns="91425" anchor="ctr" anchorCtr="0">
+            <a:noAutofit/>
+          </a:bodyPr>
+          <a:lstStyle/>
+          <a:p>
+            <a:pPr marL="0" lvl="0" indent="0" algn="ctr" rtl="0">
+              <a:spcBef>
+                <a:spcPts val="0"/>
+              </a:spcBef>
+              <a:spcAft>
+                <a:spcPts val="0"/>
+              </a:spcAft>
+              <a:buNone/>
+            </a:pPr>
+            <a:r>
+              <a:rPr lang="en" sz="1000" dirty="0">
+                <a:solidFill>
+                  <a:schemeClr val="lt1"/>
+                </a:solidFill>
+                <a:latin typeface="Montserrat"/>
+                <a:ea typeface="Montserrat"/>
+                <a:cs typeface="Montserrat"/>
+                <a:sym typeface="Montserrat"/>
+              </a:rPr>
+              <a:t>Place your screenshot here</a:t>
+            </a:r>
+            <a:endParaRPr sz="1000" dirty="0">
+              <a:solidFill>
+                <a:schemeClr val="lt1"/>
+              </a:solidFill>
+              <a:latin typeface="Montserrat"/>
+              <a:ea typeface="Montserrat"/>
+              <a:cs typeface="Montserrat"/>
+              <a:sym typeface="Montserrat"/>
+            </a:endParaRPr>
+          </a:p>
+        </p:txBody>
+      </p:sp>
+      <p:pic>
+        <p:nvPicPr>
+          <p:cNvPr id="2" name="Imagen 1">
+            <a:extLst>
+              <a:ext uri="{FF2B5EF4-FFF2-40B4-BE49-F238E27FC236}">
+                <a16:creationId xmlns:a16="http://schemas.microsoft.com/office/drawing/2014/main" id="{D84413C2-EE4B-4E92-8DCD-0A9CB3E7B867}"/>
+              </a:ext>
+            </a:extLst>
+          </p:cNvPr>
+          <p:cNvPicPr>
+            <a:picLocks noChangeAspect="1"/>
+          </p:cNvPicPr>
+          <p:nvPr/>
+        </p:nvPicPr>
+        <p:blipFill>
+          <a:blip r:embed="rId3" cstate="email">
+            <a:extLst>
+              <a:ext uri="{28A0092B-C50C-407E-A947-70E740481C1C}">
+                <a14:useLocalDpi xmlns:a14="http://schemas.microsoft.com/office/drawing/2010/main" val="0"/>
+              </a:ext>
+            </a:extLst>
+          </a:blip>
+          <a:stretch>
+            <a:fillRect/>
+          </a:stretch>
+        </p:blipFill>
+        <p:spPr>
+          <a:xfrm>
+            <a:off x="7648014" y="4538387"/>
+            <a:ext cx="1322305" cy="504543"/>
+          </a:xfrm>
+          <a:prstGeom prst="rect">
+            <a:avLst/>
+          </a:prstGeom>
+        </p:spPr>
+      </p:pic>
+      <p:sp>
+        <p:nvSpPr>
+          <p:cNvPr id="3" name="Google Shape;547;p33">
+            <a:extLst>
+              <a:ext uri="{FF2B5EF4-FFF2-40B4-BE49-F238E27FC236}">
+                <a16:creationId xmlns:a16="http://schemas.microsoft.com/office/drawing/2014/main" id="{BF86298D-C7F5-4336-BE1D-58A91BDC504C}"/>
+              </a:ext>
+            </a:extLst>
+          </p:cNvPr>
           <p:cNvSpPr/>
           <p:nvPr/>
         </p:nvSpPr>
         <p:spPr>
           <a:xfrm>
-            <a:off x="2340026" y="621152"/>
+            <a:off x="3308222" y="621152"/>
             <a:ext cx="4930902" cy="3838764"/>
           </a:xfrm>
           <a:custGeom>
@@ -12117,180 +13918,12 @@
           </a:p>
         </p:txBody>
       </p:sp>
-      <p:sp>
-        <p:nvSpPr>
-          <p:cNvPr id="548" name="Google Shape;548;p33"/>
-          <p:cNvSpPr/>
-          <p:nvPr/>
-        </p:nvSpPr>
-        <p:spPr>
-          <a:xfrm>
-            <a:off x="2546375" y="825013"/>
-            <a:ext cx="4518300" cy="2885100"/>
-          </a:xfrm>
-          <a:prstGeom prst="rect">
-            <a:avLst/>
-          </a:prstGeom>
-          <a:noFill/>
-          <a:ln>
-            <a:noFill/>
-          </a:ln>
-        </p:spPr>
-        <p:txBody>
-          <a:bodyPr spcFirstLastPara="1" wrap="square" lIns="91425" tIns="91425" rIns="91425" bIns="91425" anchor="ctr" anchorCtr="0">
-            <a:noAutofit/>
-          </a:bodyPr>
-          <a:lstStyle/>
-          <a:p>
-            <a:pPr marL="0" lvl="0" indent="0" algn="ctr" rtl="0">
-              <a:spcBef>
-                <a:spcPts val="0"/>
-              </a:spcBef>
-              <a:spcAft>
-                <a:spcPts val="0"/>
-              </a:spcAft>
-              <a:buNone/>
-            </a:pPr>
-            <a:r>
-              <a:rPr lang="en" sz="1000">
-                <a:solidFill>
-                  <a:schemeClr val="lt1"/>
-                </a:solidFill>
-                <a:latin typeface="Montserrat"/>
-                <a:ea typeface="Montserrat"/>
-                <a:cs typeface="Montserrat"/>
-                <a:sym typeface="Montserrat"/>
-              </a:rPr>
-              <a:t>Place your screenshot here</a:t>
-            </a:r>
-            <a:endParaRPr sz="1000">
-              <a:solidFill>
-                <a:schemeClr val="lt1"/>
-              </a:solidFill>
-              <a:latin typeface="Montserrat"/>
-              <a:ea typeface="Montserrat"/>
-              <a:cs typeface="Montserrat"/>
-              <a:sym typeface="Montserrat"/>
-            </a:endParaRPr>
-          </a:p>
-        </p:txBody>
-      </p:sp>
-      <p:sp>
-        <p:nvSpPr>
-          <p:cNvPr id="549" name="Google Shape;549;p33"/>
-          <p:cNvSpPr txBox="1">
-            <a:spLocks noGrp="1"/>
-          </p:cNvSpPr>
-          <p:nvPr>
-            <p:ph type="sldNum" idx="12"/>
-          </p:nvPr>
-        </p:nvSpPr>
-        <p:spPr>
-          <a:xfrm>
-            <a:off x="8729400" y="4734075"/>
-            <a:ext cx="414600" cy="409500"/>
-          </a:xfrm>
-          <a:prstGeom prst="rect">
-            <a:avLst/>
-          </a:prstGeom>
-        </p:spPr>
-        <p:txBody>
-          <a:bodyPr spcFirstLastPara="1" wrap="square" lIns="0" tIns="0" rIns="0" bIns="0" anchor="ctr" anchorCtr="0">
-            <a:noAutofit/>
-          </a:bodyPr>
-          <a:lstStyle/>
-          <a:p>
-            <a:pPr marL="0" lvl="0" indent="0" algn="ctr" rtl="0">
-              <a:spcBef>
-                <a:spcPts val="0"/>
-              </a:spcBef>
-              <a:spcAft>
-                <a:spcPts val="0"/>
-              </a:spcAft>
-              <a:buNone/>
-            </a:pPr>
-            <a:fld id="{00000000-1234-1234-1234-123412341234}" type="slidenum">
-              <a:rPr lang="en"/>
-              <a:t>11</a:t>
-            </a:fld>
-            <a:endParaRPr/>
-          </a:p>
-        </p:txBody>
-      </p:sp>
-      <p:sp>
-        <p:nvSpPr>
-          <p:cNvPr id="550" name="Google Shape;550;p33"/>
-          <p:cNvSpPr txBox="1">
-            <a:spLocks noGrp="1"/>
-          </p:cNvSpPr>
-          <p:nvPr>
-            <p:ph type="body" idx="4294967295"/>
-          </p:nvPr>
-        </p:nvSpPr>
-        <p:spPr>
-          <a:xfrm>
-            <a:off x="457200" y="959625"/>
-            <a:ext cx="1562100" cy="1609800"/>
-          </a:xfrm>
-          <a:prstGeom prst="rect">
-            <a:avLst/>
-          </a:prstGeom>
-        </p:spPr>
-        <p:txBody>
-          <a:bodyPr spcFirstLastPara="1" wrap="square" lIns="0" tIns="0" rIns="0" bIns="0" anchor="t" anchorCtr="0">
-            <a:noAutofit/>
-          </a:bodyPr>
-          <a:lstStyle/>
-          <a:p>
-            <a:pPr marL="0" lvl="0" indent="0" algn="l" rtl="0">
-              <a:spcBef>
-                <a:spcPts val="600"/>
-              </a:spcBef>
-              <a:spcAft>
-                <a:spcPts val="0"/>
-              </a:spcAft>
-              <a:buNone/>
-            </a:pPr>
-            <a:r>
-              <a:rPr lang="en" sz="1200" b="1">
-                <a:latin typeface="Poppins"/>
-                <a:ea typeface="Poppins"/>
-                <a:cs typeface="Poppins"/>
-                <a:sym typeface="Poppins"/>
-              </a:rPr>
-              <a:t>DESKTOP PROJECT</a:t>
-            </a:r>
-            <a:endParaRPr sz="1200" b="1">
-              <a:latin typeface="Poppins"/>
-              <a:ea typeface="Poppins"/>
-              <a:cs typeface="Poppins"/>
-              <a:sym typeface="Poppins"/>
-            </a:endParaRPr>
-          </a:p>
-          <a:p>
-            <a:pPr marL="0" lvl="0" indent="0" algn="l" rtl="0">
-              <a:spcBef>
-                <a:spcPts val="600"/>
-              </a:spcBef>
-              <a:spcAft>
-                <a:spcPts val="0"/>
-              </a:spcAft>
-              <a:buNone/>
-            </a:pPr>
-            <a:r>
-              <a:rPr lang="en" sz="1200"/>
-              <a:t>Show and explain your web, app or software projects using these gadget templates.</a:t>
-            </a:r>
-            <a:endParaRPr sz="1200"/>
-          </a:p>
-        </p:txBody>
-      </p:sp>
       <p:pic>
         <p:nvPicPr>
-          <p:cNvPr id="3" name="Imagen 2" descr="Imagen que contiene colorido, papalote, instrumento, vuelo&#10;&#10;Descripción generada automáticamente">
+          <p:cNvPr id="5" name="Imagen 4" descr="Imagen que contiene colorido, papalote, instrumento, vuelo&#10;&#10;Descripción generada automáticamente">
             <a:extLst>
               <a:ext uri="{FF2B5EF4-FFF2-40B4-BE49-F238E27FC236}">
-                <a16:creationId xmlns:a16="http://schemas.microsoft.com/office/drawing/2014/main" id="{A928D51E-201A-40CF-8AD3-AA1A65DBA16A}"/>
+                <a16:creationId xmlns:a16="http://schemas.microsoft.com/office/drawing/2014/main" id="{50906602-82F4-4A8B-9DB6-0CEBB890C092}"/>
               </a:ext>
             </a:extLst>
           </p:cNvPr>
@@ -12300,404 +13933,15 @@
           <p:nvPr/>
         </p:nvPicPr>
         <p:blipFill>
-          <a:blip r:embed="rId3"/>
+          <a:blip r:embed="rId4"/>
           <a:stretch>
             <a:fillRect/>
           </a:stretch>
         </p:blipFill>
         <p:spPr>
           <a:xfrm>
-            <a:off x="2499224" y="781834"/>
+            <a:off x="3460704" y="781834"/>
             <a:ext cx="4565452" cy="2928279"/>
-          </a:xfrm>
-          <a:prstGeom prst="rect">
-            <a:avLst/>
-          </a:prstGeom>
-        </p:spPr>
-      </p:pic>
-    </p:spTree>
-  </p:cSld>
-  <p:clrMapOvr>
-    <a:masterClrMapping/>
-  </p:clrMapOvr>
-</p:sld>
-</file>
-
-<file path=ppt/slides/slide12.xml><?xml version="1.0" encoding="utf-8"?>
-<p:sld xmlns:a="http://schemas.openxmlformats.org/drawingml/2006/main" xmlns:r="http://schemas.openxmlformats.org/officeDocument/2006/relationships" xmlns:p="http://schemas.openxmlformats.org/presentationml/2006/main">
-  <p:cSld>
-    <p:spTree>
-      <p:nvGrpSpPr>
-        <p:cNvPr id="1" name="Shape 454"/>
-        <p:cNvGrpSpPr/>
-        <p:nvPr/>
-      </p:nvGrpSpPr>
-      <p:grpSpPr>
-        <a:xfrm>
-          <a:off x="0" y="0"/>
-          <a:ext cx="0" cy="0"/>
-          <a:chOff x="0" y="0"/>
-          <a:chExt cx="0" cy="0"/>
-        </a:xfrm>
-      </p:grpSpPr>
-      <p:sp>
-        <p:nvSpPr>
-          <p:cNvPr id="455" name="Google Shape;455;p27"/>
-          <p:cNvSpPr txBox="1">
-            <a:spLocks noGrp="1"/>
-          </p:cNvSpPr>
-          <p:nvPr>
-            <p:ph type="ctrTitle" idx="4294967295"/>
-          </p:nvPr>
-        </p:nvSpPr>
-        <p:spPr>
-          <a:xfrm>
-            <a:off x="933039" y="294558"/>
-            <a:ext cx="6798660" cy="894900"/>
-          </a:xfrm>
-          <a:prstGeom prst="rect">
-            <a:avLst/>
-          </a:prstGeom>
-        </p:spPr>
-        <p:txBody>
-          <a:bodyPr spcFirstLastPara="1" wrap="square" lIns="0" tIns="0" rIns="0" bIns="0" anchor="b" anchorCtr="0">
-            <a:noAutofit/>
-          </a:bodyPr>
-          <a:lstStyle/>
-          <a:p>
-            <a:pPr marL="0" lvl="0" indent="0" algn="l" rtl="0">
-              <a:spcBef>
-                <a:spcPts val="0"/>
-              </a:spcBef>
-              <a:spcAft>
-                <a:spcPts val="0"/>
-              </a:spcAft>
-              <a:buNone/>
-            </a:pPr>
-            <a:r>
-              <a:rPr lang="es-ES" sz="2800" dirty="0"/>
-              <a:t>102</a:t>
-            </a:r>
-            <a:r>
-              <a:rPr lang="en" sz="2800" dirty="0"/>
-              <a:t> </a:t>
-            </a:r>
-            <a:r>
-              <a:rPr lang="es-ES" sz="2800" dirty="0"/>
-              <a:t>Descargas semanales</a:t>
-            </a:r>
-            <a:endParaRPr sz="2800" dirty="0"/>
-          </a:p>
-        </p:txBody>
-      </p:sp>
-      <p:sp>
-        <p:nvSpPr>
-          <p:cNvPr id="456" name="Google Shape;456;p27"/>
-          <p:cNvSpPr txBox="1">
-            <a:spLocks noGrp="1"/>
-          </p:cNvSpPr>
-          <p:nvPr>
-            <p:ph type="subTitle" idx="4294967295"/>
-          </p:nvPr>
-        </p:nvSpPr>
-        <p:spPr>
-          <a:xfrm>
-            <a:off x="1497154" y="1343584"/>
-            <a:ext cx="5670429" cy="463200"/>
-          </a:xfrm>
-          <a:prstGeom prst="rect">
-            <a:avLst/>
-          </a:prstGeom>
-        </p:spPr>
-        <p:txBody>
-          <a:bodyPr spcFirstLastPara="1" wrap="square" lIns="0" tIns="0" rIns="0" bIns="0" anchor="t" anchorCtr="0">
-            <a:noAutofit/>
-          </a:bodyPr>
-          <a:lstStyle/>
-          <a:p>
-            <a:pPr marL="0" lvl="0" indent="0">
-              <a:buNone/>
-            </a:pPr>
-            <a:r>
-              <a:rPr lang="es-ES" sz="1800" dirty="0">
-                <a:solidFill>
-                  <a:schemeClr val="dk2"/>
-                </a:solidFill>
-              </a:rPr>
-              <a:t>De un total de 2.522 desde febrero de 2019 </a:t>
-            </a:r>
-            <a:endParaRPr sz="1800" dirty="0">
-              <a:solidFill>
-                <a:schemeClr val="dk2"/>
-              </a:solidFill>
-            </a:endParaRPr>
-          </a:p>
-        </p:txBody>
-      </p:sp>
-      <p:sp>
-        <p:nvSpPr>
-          <p:cNvPr id="457" name="Google Shape;457;p27"/>
-          <p:cNvSpPr txBox="1">
-            <a:spLocks noGrp="1"/>
-          </p:cNvSpPr>
-          <p:nvPr>
-            <p:ph type="ctrTitle" idx="4294967295"/>
-          </p:nvPr>
-        </p:nvSpPr>
-        <p:spPr>
-          <a:xfrm>
-            <a:off x="2045061" y="3214548"/>
-            <a:ext cx="5493726" cy="566773"/>
-          </a:xfrm>
-          <a:prstGeom prst="rect">
-            <a:avLst/>
-          </a:prstGeom>
-        </p:spPr>
-        <p:txBody>
-          <a:bodyPr spcFirstLastPara="1" wrap="square" lIns="0" tIns="0" rIns="0" bIns="0" anchor="b" anchorCtr="0">
-            <a:noAutofit/>
-          </a:bodyPr>
-          <a:lstStyle/>
-          <a:p>
-            <a:pPr marL="0" lvl="0" indent="0" algn="l" rtl="0">
-              <a:spcBef>
-                <a:spcPts val="0"/>
-              </a:spcBef>
-              <a:spcAft>
-                <a:spcPts val="0"/>
-              </a:spcAft>
-              <a:buNone/>
-            </a:pPr>
-            <a:r>
-              <a:rPr lang="en" sz="2800" dirty="0"/>
-              <a:t>5 </a:t>
-            </a:r>
-            <a:r>
-              <a:rPr lang="es-ES" sz="2800" dirty="0"/>
-              <a:t>proyectos la usan</a:t>
-            </a:r>
-            <a:endParaRPr sz="2800" dirty="0"/>
-          </a:p>
-        </p:txBody>
-      </p:sp>
-      <p:sp>
-        <p:nvSpPr>
-          <p:cNvPr id="458" name="Google Shape;458;p27"/>
-          <p:cNvSpPr txBox="1">
-            <a:spLocks noGrp="1"/>
-          </p:cNvSpPr>
-          <p:nvPr>
-            <p:ph type="subTitle" idx="4294967295"/>
-          </p:nvPr>
-        </p:nvSpPr>
-        <p:spPr>
-          <a:xfrm>
-            <a:off x="2721479" y="3894108"/>
-            <a:ext cx="4633115" cy="463200"/>
-          </a:xfrm>
-          <a:prstGeom prst="rect">
-            <a:avLst/>
-          </a:prstGeom>
-        </p:spPr>
-        <p:txBody>
-          <a:bodyPr spcFirstLastPara="1" wrap="square" lIns="0" tIns="0" rIns="0" bIns="0" anchor="t" anchorCtr="0">
-            <a:noAutofit/>
-          </a:bodyPr>
-          <a:lstStyle/>
-          <a:p>
-            <a:pPr marL="0" lvl="0" indent="0" algn="l" rtl="0">
-              <a:spcBef>
-                <a:spcPts val="600"/>
-              </a:spcBef>
-              <a:spcAft>
-                <a:spcPts val="0"/>
-              </a:spcAft>
-              <a:buNone/>
-            </a:pPr>
-            <a:r>
-              <a:rPr lang="es-ES" sz="1800" dirty="0">
-                <a:solidFill>
-                  <a:schemeClr val="dk2"/>
-                </a:solidFill>
-              </a:rPr>
-              <a:t>Con gran previsión en 2020</a:t>
-            </a:r>
-            <a:endParaRPr sz="1800" dirty="0">
-              <a:solidFill>
-                <a:schemeClr val="dk2"/>
-              </a:solidFill>
-            </a:endParaRPr>
-          </a:p>
-        </p:txBody>
-      </p:sp>
-      <p:sp>
-        <p:nvSpPr>
-          <p:cNvPr id="459" name="Google Shape;459;p27"/>
-          <p:cNvSpPr txBox="1">
-            <a:spLocks noGrp="1"/>
-          </p:cNvSpPr>
-          <p:nvPr>
-            <p:ph type="ctrTitle" idx="4294967295"/>
-          </p:nvPr>
-        </p:nvSpPr>
-        <p:spPr>
-          <a:xfrm>
-            <a:off x="1497154" y="1889310"/>
-            <a:ext cx="6221155" cy="650094"/>
-          </a:xfrm>
-          <a:prstGeom prst="rect">
-            <a:avLst/>
-          </a:prstGeom>
-        </p:spPr>
-        <p:txBody>
-          <a:bodyPr spcFirstLastPara="1" wrap="square" lIns="0" tIns="0" rIns="0" bIns="0" anchor="b" anchorCtr="0">
-            <a:noAutofit/>
-          </a:bodyPr>
-          <a:lstStyle/>
-          <a:p>
-            <a:pPr marL="0" lvl="0" indent="0" algn="l" rtl="0">
-              <a:spcBef>
-                <a:spcPts val="0"/>
-              </a:spcBef>
-              <a:spcAft>
-                <a:spcPts val="0"/>
-              </a:spcAft>
-              <a:buNone/>
-            </a:pPr>
-            <a:r>
-              <a:rPr lang="en" sz="2800" dirty="0"/>
-              <a:t>3 </a:t>
-            </a:r>
-            <a:r>
-              <a:rPr lang="es-ES" sz="2800" dirty="0"/>
-              <a:t>Peticiones de la comunidad</a:t>
-            </a:r>
-            <a:endParaRPr sz="2800" dirty="0"/>
-          </a:p>
-        </p:txBody>
-      </p:sp>
-      <p:sp>
-        <p:nvSpPr>
-          <p:cNvPr id="460" name="Google Shape;460;p27"/>
-          <p:cNvSpPr txBox="1">
-            <a:spLocks noGrp="1"/>
-          </p:cNvSpPr>
-          <p:nvPr>
-            <p:ph type="subTitle" idx="4294967295"/>
-          </p:nvPr>
-        </p:nvSpPr>
-        <p:spPr>
-          <a:xfrm>
-            <a:off x="2135172" y="2592382"/>
-            <a:ext cx="4875162" cy="463200"/>
-          </a:xfrm>
-          <a:prstGeom prst="rect">
-            <a:avLst/>
-          </a:prstGeom>
-        </p:spPr>
-        <p:txBody>
-          <a:bodyPr spcFirstLastPara="1" wrap="square" lIns="0" tIns="0" rIns="0" bIns="0" anchor="t" anchorCtr="0">
-            <a:noAutofit/>
-          </a:bodyPr>
-          <a:lstStyle/>
-          <a:p>
-            <a:pPr marL="0" lvl="0" indent="0" algn="l" rtl="0">
-              <a:spcBef>
-                <a:spcPts val="600"/>
-              </a:spcBef>
-              <a:spcAft>
-                <a:spcPts val="0"/>
-              </a:spcAft>
-              <a:buNone/>
-            </a:pPr>
-            <a:r>
-              <a:rPr lang="es-ES" sz="1800" dirty="0">
-                <a:solidFill>
-                  <a:schemeClr val="dk2"/>
-                </a:solidFill>
-              </a:rPr>
-              <a:t>0 incidencias abiertas</a:t>
-            </a:r>
-            <a:endParaRPr dirty="0">
-              <a:solidFill>
-                <a:schemeClr val="dk2"/>
-              </a:solidFill>
-            </a:endParaRPr>
-          </a:p>
-        </p:txBody>
-      </p:sp>
-      <p:sp>
-        <p:nvSpPr>
-          <p:cNvPr id="461" name="Google Shape;461;p27"/>
-          <p:cNvSpPr txBox="1">
-            <a:spLocks noGrp="1"/>
-          </p:cNvSpPr>
-          <p:nvPr>
-            <p:ph type="sldNum" idx="12"/>
-          </p:nvPr>
-        </p:nvSpPr>
-        <p:spPr>
-          <a:xfrm>
-            <a:off x="8729400" y="4734075"/>
-            <a:ext cx="414600" cy="409500"/>
-          </a:xfrm>
-          <a:prstGeom prst="rect">
-            <a:avLst/>
-          </a:prstGeom>
-        </p:spPr>
-        <p:txBody>
-          <a:bodyPr spcFirstLastPara="1" wrap="square" lIns="0" tIns="0" rIns="0" bIns="0" anchor="ctr" anchorCtr="0">
-            <a:noAutofit/>
-          </a:bodyPr>
-          <a:lstStyle/>
-          <a:p>
-            <a:pPr marL="0" lvl="0" indent="0" algn="ctr" rtl="0">
-              <a:spcBef>
-                <a:spcPts val="0"/>
-              </a:spcBef>
-              <a:spcAft>
-                <a:spcPts val="0"/>
-              </a:spcAft>
-              <a:buNone/>
-            </a:pPr>
-            <a:fld id="{00000000-1234-1234-1234-123412341234}" type="slidenum">
-              <a:rPr lang="en"/>
-              <a:t>12</a:t>
-            </a:fld>
-            <a:endParaRPr/>
-          </a:p>
-        </p:txBody>
-      </p:sp>
-      <p:pic>
-        <p:nvPicPr>
-          <p:cNvPr id="9" name="Imagen 8">
-            <a:extLst>
-              <a:ext uri="{FF2B5EF4-FFF2-40B4-BE49-F238E27FC236}">
-                <a16:creationId xmlns:a16="http://schemas.microsoft.com/office/drawing/2014/main" id="{3134E5AE-EA4D-4686-BD52-9AD30EA01537}"/>
-              </a:ext>
-            </a:extLst>
-          </p:cNvPr>
-          <p:cNvPicPr>
-            <a:picLocks noChangeAspect="1"/>
-          </p:cNvPicPr>
-          <p:nvPr/>
-        </p:nvPicPr>
-        <p:blipFill>
-          <a:blip r:embed="rId3" cstate="email">
-            <a:extLst>
-              <a:ext uri="{28A0092B-C50C-407E-A947-70E740481C1C}">
-                <a14:useLocalDpi xmlns:a14="http://schemas.microsoft.com/office/drawing/2010/main" val="0"/>
-              </a:ext>
-            </a:extLst>
-          </a:blip>
-          <a:stretch>
-            <a:fillRect/>
-          </a:stretch>
-        </p:blipFill>
-        <p:spPr>
-          <a:xfrm>
-            <a:off x="7010334" y="3980542"/>
-            <a:ext cx="1974857" cy="753533"/>
           </a:xfrm>
           <a:prstGeom prst="rect">
             <a:avLst/>
@@ -12706,10 +13950,10 @@
       </p:pic>
       <p:sp>
         <p:nvSpPr>
-          <p:cNvPr id="10" name="Google Shape;458;p27">
+          <p:cNvPr id="19" name="Google Shape;550;p33">
             <a:extLst>
               <a:ext uri="{FF2B5EF4-FFF2-40B4-BE49-F238E27FC236}">
-                <a16:creationId xmlns:a16="http://schemas.microsoft.com/office/drawing/2014/main" id="{56B6BD51-7714-49BE-9909-405A55E5224E}"/>
+                <a16:creationId xmlns:a16="http://schemas.microsoft.com/office/drawing/2014/main" id="{A1461B80-7B72-4CFD-A9B1-66D3C04408DE}"/>
               </a:ext>
             </a:extLst>
           </p:cNvPr>
@@ -12720,8 +13964,8 @@
         </p:nvSpPr>
         <p:spPr>
           <a:xfrm>
-            <a:off x="158809" y="4650437"/>
-            <a:ext cx="4633115" cy="463200"/>
+            <a:off x="114301" y="959625"/>
+            <a:ext cx="2823882" cy="1609800"/>
           </a:xfrm>
           <a:prstGeom prst="rect">
             <a:avLst/>
@@ -12988,509 +14232,37 @@
               <a:buNone/>
             </a:pPr>
             <a:r>
-              <a:rPr lang="es-ES" sz="1400" dirty="0">
-                <a:solidFill>
-                  <a:schemeClr val="tx1"/>
-                </a:solidFill>
+              <a:rPr lang="es-ES" sz="1800" b="1">
+                <a:latin typeface="Poppins"/>
+                <a:cs typeface="Poppins"/>
+                <a:sym typeface="Poppins"/>
               </a:rPr>
-              <a:t>Datos de GitHub y npm.org</a:t>
+              <a:t>Múltiples dispositivos III</a:t>
             </a:r>
+          </a:p>
+          <a:p>
+            <a:pPr marL="0" indent="0">
+              <a:buFont typeface="Montserrat Light"/>
+              <a:buNone/>
+            </a:pPr>
+            <a:r>
+              <a:rPr lang="es-ES" sz="1600">
+                <a:sym typeface="Poppins"/>
+              </a:rPr>
+              <a:t>Navegador Firefox</a:t>
+            </a:r>
+            <a:endParaRPr lang="es-ES" sz="1600" dirty="0">
+              <a:sym typeface="Poppins"/>
+            </a:endParaRPr>
           </a:p>
         </p:txBody>
       </p:sp>
     </p:spTree>
-  </p:cSld>
-  <p:clrMapOvr>
-    <a:masterClrMapping/>
-  </p:clrMapOvr>
-</p:sld>
-</file>
-
-<file path=ppt/slides/slide13.xml><?xml version="1.0" encoding="utf-8"?>
-<p:sld xmlns:a="http://schemas.openxmlformats.org/drawingml/2006/main" xmlns:r="http://schemas.openxmlformats.org/officeDocument/2006/relationships" xmlns:p="http://schemas.openxmlformats.org/presentationml/2006/main">
-  <p:cSld>
-    <p:spTree>
-      <p:nvGrpSpPr>
-        <p:cNvPr id="1" name="Shape 561"/>
-        <p:cNvGrpSpPr/>
-        <p:nvPr/>
-      </p:nvGrpSpPr>
-      <p:grpSpPr>
-        <a:xfrm>
-          <a:off x="0" y="0"/>
-          <a:ext cx="0" cy="0"/>
-          <a:chOff x="0" y="0"/>
-          <a:chExt cx="0" cy="0"/>
-        </a:xfrm>
-      </p:grpSpPr>
-      <p:sp>
-        <p:nvSpPr>
-          <p:cNvPr id="563" name="Google Shape;563;p35"/>
-          <p:cNvSpPr txBox="1">
-            <a:spLocks noGrp="1"/>
-          </p:cNvSpPr>
-          <p:nvPr>
-            <p:ph type="body" idx="1"/>
-          </p:nvPr>
-        </p:nvSpPr>
-        <p:spPr>
-          <a:xfrm>
-            <a:off x="776400" y="1201646"/>
-            <a:ext cx="7591200" cy="2932500"/>
-          </a:xfrm>
-          <a:prstGeom prst="rect">
-            <a:avLst/>
-          </a:prstGeom>
-        </p:spPr>
-        <p:txBody>
-          <a:bodyPr spcFirstLastPara="1" wrap="square" lIns="0" tIns="0" rIns="0" bIns="0" anchor="t" anchorCtr="0">
-            <a:noAutofit/>
-          </a:bodyPr>
-          <a:lstStyle/>
-          <a:p>
-            <a:pPr marL="0" lvl="0" indent="0" algn="l" rtl="0">
-              <a:spcBef>
-                <a:spcPts val="600"/>
-              </a:spcBef>
-              <a:spcAft>
-                <a:spcPts val="0"/>
-              </a:spcAft>
-              <a:buNone/>
-            </a:pPr>
-            <a:r>
-              <a:rPr lang="en" sz="1800" dirty="0"/>
-              <a:t>S</a:t>
-            </a:r>
-            <a:r>
-              <a:rPr lang="es-ES" sz="1800" dirty="0"/>
-              <a:t>e ha alcanzado el objetivo de crear un módulo para visualizar datos con realidad virtual en cualquier dispositivo, dónde</a:t>
-            </a:r>
-            <a:r>
-              <a:rPr lang="en" sz="1800" dirty="0"/>
-              <a:t>:</a:t>
-            </a:r>
-            <a:endParaRPr lang="es-ES" sz="1800" dirty="0"/>
-          </a:p>
-          <a:p>
-            <a:pPr marL="457200" lvl="0" indent="-381000" algn="l" rtl="0">
-              <a:lnSpc>
-                <a:spcPct val="115000"/>
-              </a:lnSpc>
-              <a:spcBef>
-                <a:spcPts val="600"/>
-              </a:spcBef>
-              <a:spcAft>
-                <a:spcPts val="0"/>
-              </a:spcAft>
-              <a:buSzPts val="2400"/>
-              <a:buChar char="❑"/>
-            </a:pPr>
-            <a:r>
-              <a:rPr lang="es-ES" sz="1800" dirty="0"/>
-              <a:t>La comunidad colabora y usa el proyecto.</a:t>
-            </a:r>
-          </a:p>
-          <a:p>
-            <a:pPr marL="457200" lvl="0" indent="-381000" algn="l" rtl="0">
-              <a:lnSpc>
-                <a:spcPct val="115000"/>
-              </a:lnSpc>
-              <a:spcBef>
-                <a:spcPts val="600"/>
-              </a:spcBef>
-              <a:spcAft>
-                <a:spcPts val="0"/>
-              </a:spcAft>
-              <a:buSzPts val="2400"/>
-              <a:buChar char="❑"/>
-            </a:pPr>
-            <a:r>
-              <a:rPr lang="es-ES" sz="1800" dirty="0"/>
-              <a:t>Hay amplias líneas futuras para mejorar el trabajo. Como por ejemplo integración con bases de datos o visualización en tiempo real.</a:t>
-            </a:r>
-          </a:p>
-          <a:p>
-            <a:pPr marL="457200" lvl="0" indent="-381000" algn="l" rtl="0">
-              <a:lnSpc>
-                <a:spcPct val="115000"/>
-              </a:lnSpc>
-              <a:spcBef>
-                <a:spcPts val="600"/>
-              </a:spcBef>
-              <a:spcAft>
-                <a:spcPts val="0"/>
-              </a:spcAft>
-              <a:buSzPts val="2400"/>
-              <a:buChar char="❑"/>
-            </a:pPr>
-            <a:endParaRPr lang="es-ES" sz="2400" dirty="0"/>
-          </a:p>
-        </p:txBody>
-      </p:sp>
-      <p:sp>
-        <p:nvSpPr>
-          <p:cNvPr id="564" name="Google Shape;564;p35"/>
-          <p:cNvSpPr txBox="1">
-            <a:spLocks noGrp="1"/>
-          </p:cNvSpPr>
-          <p:nvPr>
-            <p:ph type="sldNum" idx="12"/>
-          </p:nvPr>
-        </p:nvSpPr>
-        <p:spPr>
-          <a:xfrm>
-            <a:off x="8729400" y="4734075"/>
-            <a:ext cx="414600" cy="409500"/>
-          </a:xfrm>
-          <a:prstGeom prst="rect">
-            <a:avLst/>
-          </a:prstGeom>
-        </p:spPr>
-        <p:txBody>
-          <a:bodyPr spcFirstLastPara="1" wrap="square" lIns="0" tIns="0" rIns="0" bIns="0" anchor="ctr" anchorCtr="0">
-            <a:noAutofit/>
-          </a:bodyPr>
-          <a:lstStyle/>
-          <a:p>
-            <a:pPr marL="0" lvl="0" indent="0" algn="ctr" rtl="0">
-              <a:spcBef>
-                <a:spcPts val="0"/>
-              </a:spcBef>
-              <a:spcAft>
-                <a:spcPts val="0"/>
-              </a:spcAft>
-              <a:buNone/>
-            </a:pPr>
-            <a:fld id="{00000000-1234-1234-1234-123412341234}" type="slidenum">
-              <a:rPr lang="en"/>
-              <a:t>13</a:t>
-            </a:fld>
-            <a:endParaRPr/>
-          </a:p>
-        </p:txBody>
-      </p:sp>
-      <p:pic>
-        <p:nvPicPr>
-          <p:cNvPr id="5" name="Imagen 4">
-            <a:extLst>
-              <a:ext uri="{FF2B5EF4-FFF2-40B4-BE49-F238E27FC236}">
-                <a16:creationId xmlns:a16="http://schemas.microsoft.com/office/drawing/2014/main" id="{2AF25E4A-FC64-47D7-B056-6646F13ED9CC}"/>
-              </a:ext>
-            </a:extLst>
-          </p:cNvPr>
-          <p:cNvPicPr>
-            <a:picLocks noChangeAspect="1"/>
-          </p:cNvPicPr>
-          <p:nvPr/>
-        </p:nvPicPr>
-        <p:blipFill>
-          <a:blip r:embed="rId3" cstate="email">
-            <a:extLst>
-              <a:ext uri="{28A0092B-C50C-407E-A947-70E740481C1C}">
-                <a14:useLocalDpi xmlns:a14="http://schemas.microsoft.com/office/drawing/2010/main" val="0"/>
-              </a:ext>
-            </a:extLst>
-          </a:blip>
-          <a:stretch>
-            <a:fillRect/>
-          </a:stretch>
-        </p:blipFill>
-        <p:spPr>
-          <a:xfrm>
-            <a:off x="7010334" y="3980542"/>
-            <a:ext cx="1974857" cy="753533"/>
-          </a:xfrm>
-          <a:prstGeom prst="rect">
-            <a:avLst/>
-          </a:prstGeom>
-        </p:spPr>
-      </p:pic>
-      <p:sp>
-        <p:nvSpPr>
-          <p:cNvPr id="6" name="Google Shape;345;p17"/>
-          <p:cNvSpPr txBox="1">
-            <a:spLocks/>
-          </p:cNvSpPr>
-          <p:nvPr/>
-        </p:nvSpPr>
-        <p:spPr>
-          <a:xfrm>
-            <a:off x="776450" y="127746"/>
-            <a:ext cx="3921674" cy="392165"/>
-          </a:xfrm>
-          <a:prstGeom prst="rect">
-            <a:avLst/>
-          </a:prstGeom>
-          <a:noFill/>
-          <a:ln>
-            <a:noFill/>
-          </a:ln>
-        </p:spPr>
-        <p:txBody>
-          <a:bodyPr spcFirstLastPara="1" wrap="square" lIns="0" tIns="0" rIns="0" bIns="0" anchor="b" anchorCtr="0">
-            <a:noAutofit/>
-          </a:bodyPr>
-          <a:lstStyle>
-            <a:defPPr marR="0" lvl="0" algn="l" rtl="0">
-              <a:lnSpc>
-                <a:spcPct val="100000"/>
-              </a:lnSpc>
-              <a:spcBef>
-                <a:spcPts val="0"/>
-              </a:spcBef>
-              <a:spcAft>
-                <a:spcPts val="0"/>
-              </a:spcAft>
-            </a:defPPr>
-            <a:lvl1pPr marR="0" lvl="0" algn="l" rtl="0">
-              <a:lnSpc>
-                <a:spcPct val="100000"/>
-              </a:lnSpc>
-              <a:spcBef>
-                <a:spcPts val="0"/>
-              </a:spcBef>
-              <a:spcAft>
-                <a:spcPts val="0"/>
-              </a:spcAft>
-              <a:buClr>
-                <a:schemeClr val="dk1"/>
-              </a:buClr>
-              <a:buSzPts val="1800"/>
-              <a:buFont typeface="Poppins"/>
-              <a:buNone/>
-              <a:defRPr sz="1800" b="1" i="0" u="none" strike="noStrike" cap="none">
-                <a:solidFill>
-                  <a:schemeClr val="dk1"/>
-                </a:solidFill>
-                <a:latin typeface="Poppins"/>
-                <a:ea typeface="Poppins"/>
-                <a:cs typeface="Poppins"/>
-                <a:sym typeface="Poppins"/>
-              </a:defRPr>
-            </a:lvl1pPr>
-            <a:lvl2pPr marR="0" lvl="1" algn="l" rtl="0">
-              <a:lnSpc>
-                <a:spcPct val="100000"/>
-              </a:lnSpc>
-              <a:spcBef>
-                <a:spcPts val="0"/>
-              </a:spcBef>
-              <a:spcAft>
-                <a:spcPts val="0"/>
-              </a:spcAft>
-              <a:buClr>
-                <a:schemeClr val="dk1"/>
-              </a:buClr>
-              <a:buSzPts val="1800"/>
-              <a:buFont typeface="Poppins"/>
-              <a:buNone/>
-              <a:defRPr sz="1800" b="1" i="0" u="none" strike="noStrike" cap="none">
-                <a:solidFill>
-                  <a:schemeClr val="dk1"/>
-                </a:solidFill>
-                <a:latin typeface="Poppins"/>
-                <a:ea typeface="Poppins"/>
-                <a:cs typeface="Poppins"/>
-                <a:sym typeface="Poppins"/>
-              </a:defRPr>
-            </a:lvl2pPr>
-            <a:lvl3pPr marR="0" lvl="2" algn="l" rtl="0">
-              <a:lnSpc>
-                <a:spcPct val="100000"/>
-              </a:lnSpc>
-              <a:spcBef>
-                <a:spcPts val="0"/>
-              </a:spcBef>
-              <a:spcAft>
-                <a:spcPts val="0"/>
-              </a:spcAft>
-              <a:buClr>
-                <a:schemeClr val="dk1"/>
-              </a:buClr>
-              <a:buSzPts val="1800"/>
-              <a:buFont typeface="Poppins"/>
-              <a:buNone/>
-              <a:defRPr sz="1800" b="1" i="0" u="none" strike="noStrike" cap="none">
-                <a:solidFill>
-                  <a:schemeClr val="dk1"/>
-                </a:solidFill>
-                <a:latin typeface="Poppins"/>
-                <a:ea typeface="Poppins"/>
-                <a:cs typeface="Poppins"/>
-                <a:sym typeface="Poppins"/>
-              </a:defRPr>
-            </a:lvl3pPr>
-            <a:lvl4pPr marR="0" lvl="3" algn="l" rtl="0">
-              <a:lnSpc>
-                <a:spcPct val="100000"/>
-              </a:lnSpc>
-              <a:spcBef>
-                <a:spcPts val="0"/>
-              </a:spcBef>
-              <a:spcAft>
-                <a:spcPts val="0"/>
-              </a:spcAft>
-              <a:buClr>
-                <a:schemeClr val="dk1"/>
-              </a:buClr>
-              <a:buSzPts val="1800"/>
-              <a:buFont typeface="Poppins"/>
-              <a:buNone/>
-              <a:defRPr sz="1800" b="1" i="0" u="none" strike="noStrike" cap="none">
-                <a:solidFill>
-                  <a:schemeClr val="dk1"/>
-                </a:solidFill>
-                <a:latin typeface="Poppins"/>
-                <a:ea typeface="Poppins"/>
-                <a:cs typeface="Poppins"/>
-                <a:sym typeface="Poppins"/>
-              </a:defRPr>
-            </a:lvl4pPr>
-            <a:lvl5pPr marR="0" lvl="4" algn="l" rtl="0">
-              <a:lnSpc>
-                <a:spcPct val="100000"/>
-              </a:lnSpc>
-              <a:spcBef>
-                <a:spcPts val="0"/>
-              </a:spcBef>
-              <a:spcAft>
-                <a:spcPts val="0"/>
-              </a:spcAft>
-              <a:buClr>
-                <a:schemeClr val="dk1"/>
-              </a:buClr>
-              <a:buSzPts val="1800"/>
-              <a:buFont typeface="Poppins"/>
-              <a:buNone/>
-              <a:defRPr sz="1800" b="1" i="0" u="none" strike="noStrike" cap="none">
-                <a:solidFill>
-                  <a:schemeClr val="dk1"/>
-                </a:solidFill>
-                <a:latin typeface="Poppins"/>
-                <a:ea typeface="Poppins"/>
-                <a:cs typeface="Poppins"/>
-                <a:sym typeface="Poppins"/>
-              </a:defRPr>
-            </a:lvl5pPr>
-            <a:lvl6pPr marR="0" lvl="5" algn="l" rtl="0">
-              <a:lnSpc>
-                <a:spcPct val="100000"/>
-              </a:lnSpc>
-              <a:spcBef>
-                <a:spcPts val="0"/>
-              </a:spcBef>
-              <a:spcAft>
-                <a:spcPts val="0"/>
-              </a:spcAft>
-              <a:buClr>
-                <a:schemeClr val="dk1"/>
-              </a:buClr>
-              <a:buSzPts val="1800"/>
-              <a:buFont typeface="Poppins"/>
-              <a:buNone/>
-              <a:defRPr sz="1800" b="1" i="0" u="none" strike="noStrike" cap="none">
-                <a:solidFill>
-                  <a:schemeClr val="dk1"/>
-                </a:solidFill>
-                <a:latin typeface="Poppins"/>
-                <a:ea typeface="Poppins"/>
-                <a:cs typeface="Poppins"/>
-                <a:sym typeface="Poppins"/>
-              </a:defRPr>
-            </a:lvl6pPr>
-            <a:lvl7pPr marR="0" lvl="6" algn="l" rtl="0">
-              <a:lnSpc>
-                <a:spcPct val="100000"/>
-              </a:lnSpc>
-              <a:spcBef>
-                <a:spcPts val="0"/>
-              </a:spcBef>
-              <a:spcAft>
-                <a:spcPts val="0"/>
-              </a:spcAft>
-              <a:buClr>
-                <a:schemeClr val="dk1"/>
-              </a:buClr>
-              <a:buSzPts val="1800"/>
-              <a:buFont typeface="Poppins"/>
-              <a:buNone/>
-              <a:defRPr sz="1800" b="1" i="0" u="none" strike="noStrike" cap="none">
-                <a:solidFill>
-                  <a:schemeClr val="dk1"/>
-                </a:solidFill>
-                <a:latin typeface="Poppins"/>
-                <a:ea typeface="Poppins"/>
-                <a:cs typeface="Poppins"/>
-                <a:sym typeface="Poppins"/>
-              </a:defRPr>
-            </a:lvl7pPr>
-            <a:lvl8pPr marR="0" lvl="7" algn="l" rtl="0">
-              <a:lnSpc>
-                <a:spcPct val="100000"/>
-              </a:lnSpc>
-              <a:spcBef>
-                <a:spcPts val="0"/>
-              </a:spcBef>
-              <a:spcAft>
-                <a:spcPts val="0"/>
-              </a:spcAft>
-              <a:buClr>
-                <a:schemeClr val="dk1"/>
-              </a:buClr>
-              <a:buSzPts val="1800"/>
-              <a:buFont typeface="Poppins"/>
-              <a:buNone/>
-              <a:defRPr sz="1800" b="1" i="0" u="none" strike="noStrike" cap="none">
-                <a:solidFill>
-                  <a:schemeClr val="dk1"/>
-                </a:solidFill>
-                <a:latin typeface="Poppins"/>
-                <a:ea typeface="Poppins"/>
-                <a:cs typeface="Poppins"/>
-                <a:sym typeface="Poppins"/>
-              </a:defRPr>
-            </a:lvl8pPr>
-            <a:lvl9pPr marR="0" lvl="8" algn="l" rtl="0">
-              <a:lnSpc>
-                <a:spcPct val="100000"/>
-              </a:lnSpc>
-              <a:spcBef>
-                <a:spcPts val="0"/>
-              </a:spcBef>
-              <a:spcAft>
-                <a:spcPts val="0"/>
-              </a:spcAft>
-              <a:buClr>
-                <a:schemeClr val="dk1"/>
-              </a:buClr>
-              <a:buSzPts val="1800"/>
-              <a:buFont typeface="Poppins"/>
-              <a:buNone/>
-              <a:defRPr sz="1800" b="1" i="0" u="none" strike="noStrike" cap="none">
-                <a:solidFill>
-                  <a:schemeClr val="dk1"/>
-                </a:solidFill>
-                <a:latin typeface="Poppins"/>
-                <a:ea typeface="Poppins"/>
-                <a:cs typeface="Poppins"/>
-                <a:sym typeface="Poppins"/>
-              </a:defRPr>
-            </a:lvl9pPr>
-          </a:lstStyle>
-          <a:p>
-            <a:r>
-              <a:rPr lang="es-ES" sz="2400" dirty="0"/>
-              <a:t>C</a:t>
-            </a:r>
-            <a:r>
-              <a:rPr lang="es-ES" dirty="0"/>
-              <a:t>ONCLUSIONES</a:t>
-            </a:r>
-            <a:endParaRPr lang="es-ES" sz="1000" dirty="0"/>
-          </a:p>
-        </p:txBody>
-      </p:sp>
-    </p:spTree>
+    <p:extLst>
+      <p:ext uri="{BB962C8B-B14F-4D97-AF65-F5344CB8AC3E}">
+        <p14:creationId xmlns:p14="http://schemas.microsoft.com/office/powerpoint/2010/main" val="974398888"/>
+      </p:ext>
+    </p:extLst>
   </p:cSld>
   <p:clrMapOvr>
     <a:masterClrMapping/>
@@ -13647,48 +14419,6 @@
           </a:p>
         </p:txBody>
       </p:sp>
-      <p:sp>
-        <p:nvSpPr>
-          <p:cNvPr id="525" name="Google Shape;525;p31"/>
-          <p:cNvSpPr txBox="1">
-            <a:spLocks noGrp="1"/>
-          </p:cNvSpPr>
-          <p:nvPr>
-            <p:ph type="sldNum" idx="12"/>
-          </p:nvPr>
-        </p:nvSpPr>
-        <p:spPr>
-          <a:xfrm>
-            <a:off x="8729400" y="4734075"/>
-            <a:ext cx="414600" cy="409500"/>
-          </a:xfrm>
-          <a:prstGeom prst="rect">
-            <a:avLst/>
-          </a:prstGeom>
-        </p:spPr>
-        <p:txBody>
-          <a:bodyPr spcFirstLastPara="1" wrap="square" lIns="0" tIns="0" rIns="0" bIns="0" anchor="ctr" anchorCtr="0">
-            <a:noAutofit/>
-          </a:bodyPr>
-          <a:lstStyle/>
-          <a:p>
-            <a:pPr marL="0" lvl="0" indent="0" algn="ctr" rtl="0">
-              <a:spcBef>
-                <a:spcPts val="0"/>
-              </a:spcBef>
-              <a:spcAft>
-                <a:spcPts val="0"/>
-              </a:spcAft>
-              <a:buNone/>
-            </a:pPr>
-            <a:fld id="{00000000-1234-1234-1234-123412341234}" type="slidenum">
-              <a:rPr lang="en"/>
-              <a:t>14</a:t>
-            </a:fld>
-            <a:endParaRPr/>
-          </a:p>
-        </p:txBody>
-      </p:sp>
       <p:pic>
         <p:nvPicPr>
           <p:cNvPr id="11" name="Imagen 10" descr="Imagen que contiene tabla&#10;&#10;Descripción generada automáticamente">
@@ -13721,10 +14451,10 @@
       </p:pic>
       <p:pic>
         <p:nvPicPr>
-          <p:cNvPr id="20" name="Imagen 19">
+          <p:cNvPr id="2" name="Imagen 1">
             <a:extLst>
               <a:ext uri="{FF2B5EF4-FFF2-40B4-BE49-F238E27FC236}">
-                <a16:creationId xmlns:a16="http://schemas.microsoft.com/office/drawing/2014/main" id="{C95F840E-199B-46CA-8397-BB50D22D8BEC}"/>
+                <a16:creationId xmlns:a16="http://schemas.microsoft.com/office/drawing/2014/main" id="{9F594908-0E81-4878-B4E6-F68F87D614CB}"/>
               </a:ext>
             </a:extLst>
           </p:cNvPr>
@@ -13747,8 +14477,8 @@
         </p:blipFill>
         <p:spPr>
           <a:xfrm>
-            <a:off x="7010334" y="3980542"/>
-            <a:ext cx="1974857" cy="753533"/>
+            <a:off x="7648014" y="4538387"/>
+            <a:ext cx="1322305" cy="504543"/>
           </a:xfrm>
           <a:prstGeom prst="rect">
             <a:avLst/>
@@ -13768,7 +14498,7 @@
   <p:cSld>
     <p:spTree>
       <p:nvGrpSpPr>
-        <p:cNvPr id="1" name="Shape 554"/>
+        <p:cNvPr id="1" name="Shape 561"/>
         <p:cNvGrpSpPr/>
         <p:nvPr/>
       </p:nvGrpSpPr>
@@ -13782,46 +14512,1090 @@
       </p:grpSpPr>
       <p:sp>
         <p:nvSpPr>
-          <p:cNvPr id="555" name="Google Shape;555;p34"/>
+          <p:cNvPr id="563" name="Google Shape;563;p35"/>
           <p:cNvSpPr txBox="1">
             <a:spLocks noGrp="1"/>
           </p:cNvSpPr>
           <p:nvPr>
-            <p:ph type="sldNum" idx="12"/>
+            <p:ph type="body" idx="1"/>
           </p:nvPr>
         </p:nvSpPr>
         <p:spPr>
           <a:xfrm>
-            <a:off x="8729400" y="4734075"/>
-            <a:ext cx="414600" cy="409500"/>
+            <a:off x="776400" y="1201646"/>
+            <a:ext cx="7591200" cy="2932500"/>
           </a:xfrm>
           <a:prstGeom prst="rect">
             <a:avLst/>
           </a:prstGeom>
         </p:spPr>
         <p:txBody>
-          <a:bodyPr spcFirstLastPara="1" wrap="square" lIns="0" tIns="0" rIns="0" bIns="0" anchor="ctr" anchorCtr="0">
+          <a:bodyPr spcFirstLastPara="1" wrap="square" lIns="0" tIns="0" rIns="0" bIns="0" anchor="t" anchorCtr="0">
             <a:noAutofit/>
           </a:bodyPr>
           <a:lstStyle/>
           <a:p>
-            <a:pPr marL="0" lvl="0" indent="0" algn="ctr" rtl="0">
-              <a:spcBef>
-                <a:spcPts val="0"/>
+            <a:pPr marL="0" lvl="0" indent="0" algn="l" rtl="0">
+              <a:spcBef>
+                <a:spcPts val="600"/>
               </a:spcBef>
               <a:spcAft>
                 <a:spcPts val="0"/>
               </a:spcAft>
               <a:buNone/>
             </a:pPr>
-            <a:fld id="{00000000-1234-1234-1234-123412341234}" type="slidenum">
-              <a:rPr lang="en"/>
-              <a:t>15</a:t>
-            </a:fld>
-            <a:endParaRPr/>
+            <a:r>
+              <a:rPr lang="en" sz="1600" dirty="0"/>
+              <a:t>S</a:t>
+            </a:r>
+            <a:r>
+              <a:rPr lang="es-ES" sz="1600" dirty="0"/>
+              <a:t>e ha alcanzado el objetivo de crear un módulo para visualizar datos con realidad virtual en cualquier dispositivo y navegador web, dónde</a:t>
+            </a:r>
+            <a:r>
+              <a:rPr lang="en" sz="1600" dirty="0"/>
+              <a:t>:</a:t>
+            </a:r>
+            <a:endParaRPr lang="es-ES" sz="1600" dirty="0"/>
+          </a:p>
+          <a:p>
+            <a:pPr indent="-381000">
+              <a:lnSpc>
+                <a:spcPct val="115000"/>
+              </a:lnSpc>
+              <a:buSzPts val="2400"/>
+            </a:pPr>
+            <a:r>
+              <a:rPr lang="es-ES" sz="1600" dirty="0"/>
+              <a:t>Se ha dotado de una API para facilitar el filtrado, lectura y compresión de los datos. </a:t>
+            </a:r>
+          </a:p>
+          <a:p>
+            <a:pPr indent="-381000">
+              <a:lnSpc>
+                <a:spcPct val="115000"/>
+              </a:lnSpc>
+              <a:buSzPts val="2400"/>
+            </a:pPr>
+            <a:r>
+              <a:rPr lang="es-ES" sz="1600" dirty="0"/>
+              <a:t>Soporta grandes volúmenes de datos.</a:t>
+            </a:r>
+          </a:p>
+          <a:p>
+            <a:pPr indent="-381000">
+              <a:lnSpc>
+                <a:spcPct val="115000"/>
+              </a:lnSpc>
+              <a:buSzPts val="2400"/>
+            </a:pPr>
+            <a:r>
+              <a:rPr lang="es-ES" sz="1600" dirty="0"/>
+              <a:t>Hay amplias líneas futuras para mejorar el trabajo. Como la integración con bases de datos relacionales y no relacionales , visualización en tiempo real, etc.</a:t>
+            </a:r>
+          </a:p>
+          <a:p>
+            <a:pPr lvl="0" indent="-381000">
+              <a:lnSpc>
+                <a:spcPct val="115000"/>
+              </a:lnSpc>
+              <a:buSzPts val="2400"/>
+            </a:pPr>
+            <a:r>
+              <a:rPr lang="es-ES" sz="1600" dirty="0"/>
+              <a:t>La comunidad colabora, demanda funcionalidades y usa el proyecto.</a:t>
+            </a:r>
+            <a:endParaRPr lang="es-ES" sz="2400" dirty="0"/>
           </a:p>
         </p:txBody>
       </p:sp>
+      <p:sp>
+        <p:nvSpPr>
+          <p:cNvPr id="6" name="Google Shape;345;p17"/>
+          <p:cNvSpPr txBox="1">
+            <a:spLocks/>
+          </p:cNvSpPr>
+          <p:nvPr/>
+        </p:nvSpPr>
+        <p:spPr>
+          <a:xfrm>
+            <a:off x="776450" y="127746"/>
+            <a:ext cx="3921674" cy="392165"/>
+          </a:xfrm>
+          <a:prstGeom prst="rect">
+            <a:avLst/>
+          </a:prstGeom>
+          <a:noFill/>
+          <a:ln>
+            <a:noFill/>
+          </a:ln>
+        </p:spPr>
+        <p:txBody>
+          <a:bodyPr spcFirstLastPara="1" wrap="square" lIns="0" tIns="0" rIns="0" bIns="0" anchor="b" anchorCtr="0">
+            <a:noAutofit/>
+          </a:bodyPr>
+          <a:lstStyle>
+            <a:defPPr marR="0" lvl="0" algn="l" rtl="0">
+              <a:lnSpc>
+                <a:spcPct val="100000"/>
+              </a:lnSpc>
+              <a:spcBef>
+                <a:spcPts val="0"/>
+              </a:spcBef>
+              <a:spcAft>
+                <a:spcPts val="0"/>
+              </a:spcAft>
+            </a:defPPr>
+            <a:lvl1pPr marR="0" lvl="0" algn="l" rtl="0">
+              <a:lnSpc>
+                <a:spcPct val="100000"/>
+              </a:lnSpc>
+              <a:spcBef>
+                <a:spcPts val="0"/>
+              </a:spcBef>
+              <a:spcAft>
+                <a:spcPts val="0"/>
+              </a:spcAft>
+              <a:buClr>
+                <a:schemeClr val="dk1"/>
+              </a:buClr>
+              <a:buSzPts val="1800"/>
+              <a:buFont typeface="Poppins"/>
+              <a:buNone/>
+              <a:defRPr sz="1800" b="1" i="0" u="none" strike="noStrike" cap="none">
+                <a:solidFill>
+                  <a:schemeClr val="dk1"/>
+                </a:solidFill>
+                <a:latin typeface="Poppins"/>
+                <a:ea typeface="Poppins"/>
+                <a:cs typeface="Poppins"/>
+                <a:sym typeface="Poppins"/>
+              </a:defRPr>
+            </a:lvl1pPr>
+            <a:lvl2pPr marR="0" lvl="1" algn="l" rtl="0">
+              <a:lnSpc>
+                <a:spcPct val="100000"/>
+              </a:lnSpc>
+              <a:spcBef>
+                <a:spcPts val="0"/>
+              </a:spcBef>
+              <a:spcAft>
+                <a:spcPts val="0"/>
+              </a:spcAft>
+              <a:buClr>
+                <a:schemeClr val="dk1"/>
+              </a:buClr>
+              <a:buSzPts val="1800"/>
+              <a:buFont typeface="Poppins"/>
+              <a:buNone/>
+              <a:defRPr sz="1800" b="1" i="0" u="none" strike="noStrike" cap="none">
+                <a:solidFill>
+                  <a:schemeClr val="dk1"/>
+                </a:solidFill>
+                <a:latin typeface="Poppins"/>
+                <a:ea typeface="Poppins"/>
+                <a:cs typeface="Poppins"/>
+                <a:sym typeface="Poppins"/>
+              </a:defRPr>
+            </a:lvl2pPr>
+            <a:lvl3pPr marR="0" lvl="2" algn="l" rtl="0">
+              <a:lnSpc>
+                <a:spcPct val="100000"/>
+              </a:lnSpc>
+              <a:spcBef>
+                <a:spcPts val="0"/>
+              </a:spcBef>
+              <a:spcAft>
+                <a:spcPts val="0"/>
+              </a:spcAft>
+              <a:buClr>
+                <a:schemeClr val="dk1"/>
+              </a:buClr>
+              <a:buSzPts val="1800"/>
+              <a:buFont typeface="Poppins"/>
+              <a:buNone/>
+              <a:defRPr sz="1800" b="1" i="0" u="none" strike="noStrike" cap="none">
+                <a:solidFill>
+                  <a:schemeClr val="dk1"/>
+                </a:solidFill>
+                <a:latin typeface="Poppins"/>
+                <a:ea typeface="Poppins"/>
+                <a:cs typeface="Poppins"/>
+                <a:sym typeface="Poppins"/>
+              </a:defRPr>
+            </a:lvl3pPr>
+            <a:lvl4pPr marR="0" lvl="3" algn="l" rtl="0">
+              <a:lnSpc>
+                <a:spcPct val="100000"/>
+              </a:lnSpc>
+              <a:spcBef>
+                <a:spcPts val="0"/>
+              </a:spcBef>
+              <a:spcAft>
+                <a:spcPts val="0"/>
+              </a:spcAft>
+              <a:buClr>
+                <a:schemeClr val="dk1"/>
+              </a:buClr>
+              <a:buSzPts val="1800"/>
+              <a:buFont typeface="Poppins"/>
+              <a:buNone/>
+              <a:defRPr sz="1800" b="1" i="0" u="none" strike="noStrike" cap="none">
+                <a:solidFill>
+                  <a:schemeClr val="dk1"/>
+                </a:solidFill>
+                <a:latin typeface="Poppins"/>
+                <a:ea typeface="Poppins"/>
+                <a:cs typeface="Poppins"/>
+                <a:sym typeface="Poppins"/>
+              </a:defRPr>
+            </a:lvl4pPr>
+            <a:lvl5pPr marR="0" lvl="4" algn="l" rtl="0">
+              <a:lnSpc>
+                <a:spcPct val="100000"/>
+              </a:lnSpc>
+              <a:spcBef>
+                <a:spcPts val="0"/>
+              </a:spcBef>
+              <a:spcAft>
+                <a:spcPts val="0"/>
+              </a:spcAft>
+              <a:buClr>
+                <a:schemeClr val="dk1"/>
+              </a:buClr>
+              <a:buSzPts val="1800"/>
+              <a:buFont typeface="Poppins"/>
+              <a:buNone/>
+              <a:defRPr sz="1800" b="1" i="0" u="none" strike="noStrike" cap="none">
+                <a:solidFill>
+                  <a:schemeClr val="dk1"/>
+                </a:solidFill>
+                <a:latin typeface="Poppins"/>
+                <a:ea typeface="Poppins"/>
+                <a:cs typeface="Poppins"/>
+                <a:sym typeface="Poppins"/>
+              </a:defRPr>
+            </a:lvl5pPr>
+            <a:lvl6pPr marR="0" lvl="5" algn="l" rtl="0">
+              <a:lnSpc>
+                <a:spcPct val="100000"/>
+              </a:lnSpc>
+              <a:spcBef>
+                <a:spcPts val="0"/>
+              </a:spcBef>
+              <a:spcAft>
+                <a:spcPts val="0"/>
+              </a:spcAft>
+              <a:buClr>
+                <a:schemeClr val="dk1"/>
+              </a:buClr>
+              <a:buSzPts val="1800"/>
+              <a:buFont typeface="Poppins"/>
+              <a:buNone/>
+              <a:defRPr sz="1800" b="1" i="0" u="none" strike="noStrike" cap="none">
+                <a:solidFill>
+                  <a:schemeClr val="dk1"/>
+                </a:solidFill>
+                <a:latin typeface="Poppins"/>
+                <a:ea typeface="Poppins"/>
+                <a:cs typeface="Poppins"/>
+                <a:sym typeface="Poppins"/>
+              </a:defRPr>
+            </a:lvl6pPr>
+            <a:lvl7pPr marR="0" lvl="6" algn="l" rtl="0">
+              <a:lnSpc>
+                <a:spcPct val="100000"/>
+              </a:lnSpc>
+              <a:spcBef>
+                <a:spcPts val="0"/>
+              </a:spcBef>
+              <a:spcAft>
+                <a:spcPts val="0"/>
+              </a:spcAft>
+              <a:buClr>
+                <a:schemeClr val="dk1"/>
+              </a:buClr>
+              <a:buSzPts val="1800"/>
+              <a:buFont typeface="Poppins"/>
+              <a:buNone/>
+              <a:defRPr sz="1800" b="1" i="0" u="none" strike="noStrike" cap="none">
+                <a:solidFill>
+                  <a:schemeClr val="dk1"/>
+                </a:solidFill>
+                <a:latin typeface="Poppins"/>
+                <a:ea typeface="Poppins"/>
+                <a:cs typeface="Poppins"/>
+                <a:sym typeface="Poppins"/>
+              </a:defRPr>
+            </a:lvl7pPr>
+            <a:lvl8pPr marR="0" lvl="7" algn="l" rtl="0">
+              <a:lnSpc>
+                <a:spcPct val="100000"/>
+              </a:lnSpc>
+              <a:spcBef>
+                <a:spcPts val="0"/>
+              </a:spcBef>
+              <a:spcAft>
+                <a:spcPts val="0"/>
+              </a:spcAft>
+              <a:buClr>
+                <a:schemeClr val="dk1"/>
+              </a:buClr>
+              <a:buSzPts val="1800"/>
+              <a:buFont typeface="Poppins"/>
+              <a:buNone/>
+              <a:defRPr sz="1800" b="1" i="0" u="none" strike="noStrike" cap="none">
+                <a:solidFill>
+                  <a:schemeClr val="dk1"/>
+                </a:solidFill>
+                <a:latin typeface="Poppins"/>
+                <a:ea typeface="Poppins"/>
+                <a:cs typeface="Poppins"/>
+                <a:sym typeface="Poppins"/>
+              </a:defRPr>
+            </a:lvl8pPr>
+            <a:lvl9pPr marR="0" lvl="8" algn="l" rtl="0">
+              <a:lnSpc>
+                <a:spcPct val="100000"/>
+              </a:lnSpc>
+              <a:spcBef>
+                <a:spcPts val="0"/>
+              </a:spcBef>
+              <a:spcAft>
+                <a:spcPts val="0"/>
+              </a:spcAft>
+              <a:buClr>
+                <a:schemeClr val="dk1"/>
+              </a:buClr>
+              <a:buSzPts val="1800"/>
+              <a:buFont typeface="Poppins"/>
+              <a:buNone/>
+              <a:defRPr sz="1800" b="1" i="0" u="none" strike="noStrike" cap="none">
+                <a:solidFill>
+                  <a:schemeClr val="dk1"/>
+                </a:solidFill>
+                <a:latin typeface="Poppins"/>
+                <a:ea typeface="Poppins"/>
+                <a:cs typeface="Poppins"/>
+                <a:sym typeface="Poppins"/>
+              </a:defRPr>
+            </a:lvl9pPr>
+          </a:lstStyle>
+          <a:p>
+            <a:r>
+              <a:rPr lang="es-ES" sz="2400" dirty="0"/>
+              <a:t>C</a:t>
+            </a:r>
+            <a:r>
+              <a:rPr lang="es-ES" dirty="0"/>
+              <a:t>ONCLUSIONES</a:t>
+            </a:r>
+            <a:endParaRPr lang="es-ES" sz="1000" dirty="0"/>
+          </a:p>
+        </p:txBody>
+      </p:sp>
+      <p:pic>
+        <p:nvPicPr>
+          <p:cNvPr id="2" name="Imagen 1">
+            <a:extLst>
+              <a:ext uri="{FF2B5EF4-FFF2-40B4-BE49-F238E27FC236}">
+                <a16:creationId xmlns:a16="http://schemas.microsoft.com/office/drawing/2014/main" id="{B4E44922-9ACB-4CCC-AFAE-4B91B63139EC}"/>
+              </a:ext>
+            </a:extLst>
+          </p:cNvPr>
+          <p:cNvPicPr>
+            <a:picLocks noChangeAspect="1"/>
+          </p:cNvPicPr>
+          <p:nvPr/>
+        </p:nvPicPr>
+        <p:blipFill>
+          <a:blip r:embed="rId3" cstate="email">
+            <a:extLst>
+              <a:ext uri="{28A0092B-C50C-407E-A947-70E740481C1C}">
+                <a14:useLocalDpi xmlns:a14="http://schemas.microsoft.com/office/drawing/2010/main" val="0"/>
+              </a:ext>
+            </a:extLst>
+          </a:blip>
+          <a:stretch>
+            <a:fillRect/>
+          </a:stretch>
+        </p:blipFill>
+        <p:spPr>
+          <a:xfrm>
+            <a:off x="7648014" y="4538387"/>
+            <a:ext cx="1322305" cy="504543"/>
+          </a:xfrm>
+          <a:prstGeom prst="rect">
+            <a:avLst/>
+          </a:prstGeom>
+        </p:spPr>
+      </p:pic>
+    </p:spTree>
+  </p:cSld>
+  <p:clrMapOvr>
+    <a:masterClrMapping/>
+  </p:clrMapOvr>
+</p:sld>
+</file>
+
+<file path=ppt/slides/slide16.xml><?xml version="1.0" encoding="utf-8"?>
+<p:sld xmlns:a="http://schemas.openxmlformats.org/drawingml/2006/main" xmlns:r="http://schemas.openxmlformats.org/officeDocument/2006/relationships" xmlns:p="http://schemas.openxmlformats.org/presentationml/2006/main">
+  <p:cSld>
+    <p:spTree>
+      <p:nvGrpSpPr>
+        <p:cNvPr id="1" name="Shape 454"/>
+        <p:cNvGrpSpPr/>
+        <p:nvPr/>
+      </p:nvGrpSpPr>
+      <p:grpSpPr>
+        <a:xfrm>
+          <a:off x="0" y="0"/>
+          <a:ext cx="0" cy="0"/>
+          <a:chOff x="0" y="0"/>
+          <a:chExt cx="0" cy="0"/>
+        </a:xfrm>
+      </p:grpSpPr>
+      <p:sp>
+        <p:nvSpPr>
+          <p:cNvPr id="455" name="Google Shape;455;p27"/>
+          <p:cNvSpPr txBox="1">
+            <a:spLocks noGrp="1"/>
+          </p:cNvSpPr>
+          <p:nvPr>
+            <p:ph type="ctrTitle" idx="4294967295"/>
+          </p:nvPr>
+        </p:nvSpPr>
+        <p:spPr>
+          <a:xfrm>
+            <a:off x="933039" y="294558"/>
+            <a:ext cx="6798660" cy="894900"/>
+          </a:xfrm>
+          <a:prstGeom prst="rect">
+            <a:avLst/>
+          </a:prstGeom>
+        </p:spPr>
+        <p:txBody>
+          <a:bodyPr spcFirstLastPara="1" wrap="square" lIns="0" tIns="0" rIns="0" bIns="0" anchor="b" anchorCtr="0">
+            <a:noAutofit/>
+          </a:bodyPr>
+          <a:lstStyle/>
+          <a:p>
+            <a:pPr marL="0" lvl="0" indent="0" algn="l" rtl="0">
+              <a:spcBef>
+                <a:spcPts val="0"/>
+              </a:spcBef>
+              <a:spcAft>
+                <a:spcPts val="0"/>
+              </a:spcAft>
+              <a:buNone/>
+            </a:pPr>
+            <a:r>
+              <a:rPr lang="es-ES" sz="2800" dirty="0"/>
+              <a:t>+100</a:t>
+            </a:r>
+            <a:r>
+              <a:rPr lang="en" sz="2800" dirty="0"/>
+              <a:t> </a:t>
+            </a:r>
+            <a:r>
+              <a:rPr lang="es-ES" sz="2800" dirty="0"/>
+              <a:t>Descargas semanales</a:t>
+            </a:r>
+            <a:endParaRPr sz="2800" dirty="0"/>
+          </a:p>
+        </p:txBody>
+      </p:sp>
+      <p:sp>
+        <p:nvSpPr>
+          <p:cNvPr id="456" name="Google Shape;456;p27"/>
+          <p:cNvSpPr txBox="1">
+            <a:spLocks noGrp="1"/>
+          </p:cNvSpPr>
+          <p:nvPr>
+            <p:ph type="subTitle" idx="4294967295"/>
+          </p:nvPr>
+        </p:nvSpPr>
+        <p:spPr>
+          <a:xfrm>
+            <a:off x="1497154" y="1343584"/>
+            <a:ext cx="5670429" cy="463200"/>
+          </a:xfrm>
+          <a:prstGeom prst="rect">
+            <a:avLst/>
+          </a:prstGeom>
+        </p:spPr>
+        <p:txBody>
+          <a:bodyPr spcFirstLastPara="1" wrap="square" lIns="0" tIns="0" rIns="0" bIns="0" anchor="t" anchorCtr="0">
+            <a:noAutofit/>
+          </a:bodyPr>
+          <a:lstStyle/>
+          <a:p>
+            <a:pPr marL="0" lvl="0" indent="0">
+              <a:buNone/>
+            </a:pPr>
+            <a:r>
+              <a:rPr lang="es-ES" sz="1800" dirty="0">
+                <a:solidFill>
+                  <a:schemeClr val="dk2"/>
+                </a:solidFill>
+              </a:rPr>
+              <a:t>De un total de 2.522 desde febrero de 2019 </a:t>
+            </a:r>
+            <a:endParaRPr sz="1800" dirty="0">
+              <a:solidFill>
+                <a:schemeClr val="dk2"/>
+              </a:solidFill>
+            </a:endParaRPr>
+          </a:p>
+        </p:txBody>
+      </p:sp>
+      <p:sp>
+        <p:nvSpPr>
+          <p:cNvPr id="457" name="Google Shape;457;p27"/>
+          <p:cNvSpPr txBox="1">
+            <a:spLocks noGrp="1"/>
+          </p:cNvSpPr>
+          <p:nvPr>
+            <p:ph type="ctrTitle" idx="4294967295"/>
+          </p:nvPr>
+        </p:nvSpPr>
+        <p:spPr>
+          <a:xfrm>
+            <a:off x="2045061" y="3214548"/>
+            <a:ext cx="5493726" cy="566773"/>
+          </a:xfrm>
+          <a:prstGeom prst="rect">
+            <a:avLst/>
+          </a:prstGeom>
+        </p:spPr>
+        <p:txBody>
+          <a:bodyPr spcFirstLastPara="1" wrap="square" lIns="0" tIns="0" rIns="0" bIns="0" anchor="b" anchorCtr="0">
+            <a:noAutofit/>
+          </a:bodyPr>
+          <a:lstStyle/>
+          <a:p>
+            <a:pPr marL="0" lvl="0" indent="0" algn="l" rtl="0">
+              <a:spcBef>
+                <a:spcPts val="0"/>
+              </a:spcBef>
+              <a:spcAft>
+                <a:spcPts val="0"/>
+              </a:spcAft>
+              <a:buNone/>
+            </a:pPr>
+            <a:r>
+              <a:rPr lang="en" sz="2800" dirty="0"/>
+              <a:t>+5 </a:t>
+            </a:r>
+            <a:r>
+              <a:rPr lang="es-ES" sz="2800" dirty="0"/>
+              <a:t>proyectos la usan</a:t>
+            </a:r>
+            <a:endParaRPr sz="2800" dirty="0"/>
+          </a:p>
+        </p:txBody>
+      </p:sp>
+      <p:sp>
+        <p:nvSpPr>
+          <p:cNvPr id="458" name="Google Shape;458;p27"/>
+          <p:cNvSpPr txBox="1">
+            <a:spLocks noGrp="1"/>
+          </p:cNvSpPr>
+          <p:nvPr>
+            <p:ph type="subTitle" idx="4294967295"/>
+          </p:nvPr>
+        </p:nvSpPr>
+        <p:spPr>
+          <a:xfrm>
+            <a:off x="2721479" y="3894108"/>
+            <a:ext cx="4633115" cy="463200"/>
+          </a:xfrm>
+          <a:prstGeom prst="rect">
+            <a:avLst/>
+          </a:prstGeom>
+        </p:spPr>
+        <p:txBody>
+          <a:bodyPr spcFirstLastPara="1" wrap="square" lIns="0" tIns="0" rIns="0" bIns="0" anchor="t" anchorCtr="0">
+            <a:noAutofit/>
+          </a:bodyPr>
+          <a:lstStyle/>
+          <a:p>
+            <a:pPr marL="0" lvl="0" indent="0" algn="l" rtl="0">
+              <a:spcBef>
+                <a:spcPts val="600"/>
+              </a:spcBef>
+              <a:spcAft>
+                <a:spcPts val="0"/>
+              </a:spcAft>
+              <a:buNone/>
+            </a:pPr>
+            <a:r>
+              <a:rPr lang="es-ES" sz="1800" dirty="0">
+                <a:solidFill>
+                  <a:schemeClr val="dk2"/>
+                </a:solidFill>
+              </a:rPr>
+              <a:t>Con gran previsión en 2020</a:t>
+            </a:r>
+            <a:endParaRPr sz="1800" dirty="0">
+              <a:solidFill>
+                <a:schemeClr val="dk2"/>
+              </a:solidFill>
+            </a:endParaRPr>
+          </a:p>
+        </p:txBody>
+      </p:sp>
+      <p:sp>
+        <p:nvSpPr>
+          <p:cNvPr id="459" name="Google Shape;459;p27"/>
+          <p:cNvSpPr txBox="1">
+            <a:spLocks noGrp="1"/>
+          </p:cNvSpPr>
+          <p:nvPr>
+            <p:ph type="ctrTitle" idx="4294967295"/>
+          </p:nvPr>
+        </p:nvSpPr>
+        <p:spPr>
+          <a:xfrm>
+            <a:off x="1497154" y="1889310"/>
+            <a:ext cx="6221155" cy="650094"/>
+          </a:xfrm>
+          <a:prstGeom prst="rect">
+            <a:avLst/>
+          </a:prstGeom>
+        </p:spPr>
+        <p:txBody>
+          <a:bodyPr spcFirstLastPara="1" wrap="square" lIns="0" tIns="0" rIns="0" bIns="0" anchor="b" anchorCtr="0">
+            <a:noAutofit/>
+          </a:bodyPr>
+          <a:lstStyle/>
+          <a:p>
+            <a:pPr marL="0" lvl="0" indent="0" algn="l" rtl="0">
+              <a:spcBef>
+                <a:spcPts val="0"/>
+              </a:spcBef>
+              <a:spcAft>
+                <a:spcPts val="0"/>
+              </a:spcAft>
+              <a:buNone/>
+            </a:pPr>
+            <a:r>
+              <a:rPr lang="en" sz="2800" dirty="0"/>
+              <a:t>+5 </a:t>
+            </a:r>
+            <a:r>
+              <a:rPr lang="es-ES" sz="2800" dirty="0"/>
+              <a:t>Peticiones de la comunidad</a:t>
+            </a:r>
+            <a:endParaRPr sz="2800" dirty="0"/>
+          </a:p>
+        </p:txBody>
+      </p:sp>
+      <p:sp>
+        <p:nvSpPr>
+          <p:cNvPr id="460" name="Google Shape;460;p27"/>
+          <p:cNvSpPr txBox="1">
+            <a:spLocks noGrp="1"/>
+          </p:cNvSpPr>
+          <p:nvPr>
+            <p:ph type="subTitle" idx="4294967295"/>
+          </p:nvPr>
+        </p:nvSpPr>
+        <p:spPr>
+          <a:xfrm>
+            <a:off x="2135172" y="2592382"/>
+            <a:ext cx="4875162" cy="463200"/>
+          </a:xfrm>
+          <a:prstGeom prst="rect">
+            <a:avLst/>
+          </a:prstGeom>
+        </p:spPr>
+        <p:txBody>
+          <a:bodyPr spcFirstLastPara="1" wrap="square" lIns="0" tIns="0" rIns="0" bIns="0" anchor="t" anchorCtr="0">
+            <a:noAutofit/>
+          </a:bodyPr>
+          <a:lstStyle/>
+          <a:p>
+            <a:pPr marL="0" lvl="0" indent="0" algn="l" rtl="0">
+              <a:spcBef>
+                <a:spcPts val="600"/>
+              </a:spcBef>
+              <a:spcAft>
+                <a:spcPts val="0"/>
+              </a:spcAft>
+              <a:buNone/>
+            </a:pPr>
+            <a:r>
+              <a:rPr lang="es-ES" sz="1800" dirty="0">
+                <a:solidFill>
+                  <a:schemeClr val="dk2"/>
+                </a:solidFill>
+              </a:rPr>
+              <a:t>0 incidencias abiertas</a:t>
+            </a:r>
+            <a:endParaRPr dirty="0">
+              <a:solidFill>
+                <a:schemeClr val="dk2"/>
+              </a:solidFill>
+            </a:endParaRPr>
+          </a:p>
+        </p:txBody>
+      </p:sp>
+      <p:sp>
+        <p:nvSpPr>
+          <p:cNvPr id="10" name="Google Shape;458;p27">
+            <a:extLst>
+              <a:ext uri="{FF2B5EF4-FFF2-40B4-BE49-F238E27FC236}">
+                <a16:creationId xmlns:a16="http://schemas.microsoft.com/office/drawing/2014/main" id="{56B6BD51-7714-49BE-9909-405A55E5224E}"/>
+              </a:ext>
+            </a:extLst>
+          </p:cNvPr>
+          <p:cNvSpPr txBox="1">
+            <a:spLocks/>
+          </p:cNvSpPr>
+          <p:nvPr/>
+        </p:nvSpPr>
+        <p:spPr>
+          <a:xfrm>
+            <a:off x="158809" y="4650437"/>
+            <a:ext cx="4633115" cy="463200"/>
+          </a:xfrm>
+          <a:prstGeom prst="rect">
+            <a:avLst/>
+          </a:prstGeom>
+          <a:noFill/>
+          <a:ln>
+            <a:noFill/>
+          </a:ln>
+        </p:spPr>
+        <p:txBody>
+          <a:bodyPr spcFirstLastPara="1" wrap="square" lIns="0" tIns="0" rIns="0" bIns="0" anchor="t" anchorCtr="0">
+            <a:noAutofit/>
+          </a:bodyPr>
+          <a:lstStyle>
+            <a:defPPr marR="0" lvl="0" algn="l" rtl="0">
+              <a:lnSpc>
+                <a:spcPct val="100000"/>
+              </a:lnSpc>
+              <a:spcBef>
+                <a:spcPts val="0"/>
+              </a:spcBef>
+              <a:spcAft>
+                <a:spcPts val="0"/>
+              </a:spcAft>
+            </a:defPPr>
+            <a:lvl1pPr marL="457200" marR="0" lvl="0" indent="-355600" algn="l" rtl="0">
+              <a:lnSpc>
+                <a:spcPct val="120000"/>
+              </a:lnSpc>
+              <a:spcBef>
+                <a:spcPts val="600"/>
+              </a:spcBef>
+              <a:spcAft>
+                <a:spcPts val="0"/>
+              </a:spcAft>
+              <a:buClr>
+                <a:schemeClr val="accent6"/>
+              </a:buClr>
+              <a:buSzPts val="2000"/>
+              <a:buFont typeface="Montserrat Light"/>
+              <a:buChar char="❑"/>
+              <a:defRPr sz="2000" b="0" i="0" u="none" strike="noStrike" cap="none">
+                <a:solidFill>
+                  <a:schemeClr val="dk1"/>
+                </a:solidFill>
+                <a:latin typeface="Montserrat Light"/>
+                <a:ea typeface="Montserrat Light"/>
+                <a:cs typeface="Montserrat Light"/>
+                <a:sym typeface="Montserrat Light"/>
+              </a:defRPr>
+            </a:lvl1pPr>
+            <a:lvl2pPr marL="914400" marR="0" lvl="1" indent="-355600" algn="l" rtl="0">
+              <a:lnSpc>
+                <a:spcPct val="120000"/>
+              </a:lnSpc>
+              <a:spcBef>
+                <a:spcPts val="600"/>
+              </a:spcBef>
+              <a:spcAft>
+                <a:spcPts val="0"/>
+              </a:spcAft>
+              <a:buClr>
+                <a:schemeClr val="accent6"/>
+              </a:buClr>
+              <a:buSzPts val="2000"/>
+              <a:buFont typeface="Montserrat Light"/>
+              <a:buChar char="❏"/>
+              <a:defRPr sz="2000" b="0" i="0" u="none" strike="noStrike" cap="none">
+                <a:solidFill>
+                  <a:schemeClr val="dk1"/>
+                </a:solidFill>
+                <a:latin typeface="Montserrat Light"/>
+                <a:ea typeface="Montserrat Light"/>
+                <a:cs typeface="Montserrat Light"/>
+                <a:sym typeface="Montserrat Light"/>
+              </a:defRPr>
+            </a:lvl2pPr>
+            <a:lvl3pPr marL="1371600" marR="0" lvl="2" indent="-355600" algn="l" rtl="0">
+              <a:lnSpc>
+                <a:spcPct val="120000"/>
+              </a:lnSpc>
+              <a:spcBef>
+                <a:spcPts val="600"/>
+              </a:spcBef>
+              <a:spcAft>
+                <a:spcPts val="0"/>
+              </a:spcAft>
+              <a:buClr>
+                <a:schemeClr val="accent6"/>
+              </a:buClr>
+              <a:buSzPts val="2000"/>
+              <a:buFont typeface="Montserrat Light"/>
+              <a:buChar char="❏"/>
+              <a:defRPr sz="2000" b="0" i="0" u="none" strike="noStrike" cap="none">
+                <a:solidFill>
+                  <a:schemeClr val="dk1"/>
+                </a:solidFill>
+                <a:latin typeface="Montserrat Light"/>
+                <a:ea typeface="Montserrat Light"/>
+                <a:cs typeface="Montserrat Light"/>
+                <a:sym typeface="Montserrat Light"/>
+              </a:defRPr>
+            </a:lvl3pPr>
+            <a:lvl4pPr marL="1828800" marR="0" lvl="3" indent="-355600" algn="l" rtl="0">
+              <a:lnSpc>
+                <a:spcPct val="120000"/>
+              </a:lnSpc>
+              <a:spcBef>
+                <a:spcPts val="600"/>
+              </a:spcBef>
+              <a:spcAft>
+                <a:spcPts val="0"/>
+              </a:spcAft>
+              <a:buClr>
+                <a:schemeClr val="accent6"/>
+              </a:buClr>
+              <a:buSzPts val="2000"/>
+              <a:buFont typeface="Montserrat Light"/>
+              <a:buChar char="❏"/>
+              <a:defRPr sz="2000" b="0" i="0" u="none" strike="noStrike" cap="none">
+                <a:solidFill>
+                  <a:schemeClr val="dk1"/>
+                </a:solidFill>
+                <a:latin typeface="Montserrat Light"/>
+                <a:ea typeface="Montserrat Light"/>
+                <a:cs typeface="Montserrat Light"/>
+                <a:sym typeface="Montserrat Light"/>
+              </a:defRPr>
+            </a:lvl4pPr>
+            <a:lvl5pPr marL="2286000" marR="0" lvl="4" indent="-355600" algn="l" rtl="0">
+              <a:lnSpc>
+                <a:spcPct val="120000"/>
+              </a:lnSpc>
+              <a:spcBef>
+                <a:spcPts val="600"/>
+              </a:spcBef>
+              <a:spcAft>
+                <a:spcPts val="0"/>
+              </a:spcAft>
+              <a:buClr>
+                <a:schemeClr val="accent6"/>
+              </a:buClr>
+              <a:buSzPts val="2000"/>
+              <a:buFont typeface="Montserrat Light"/>
+              <a:buChar char="❏"/>
+              <a:defRPr sz="2000" b="0" i="0" u="none" strike="noStrike" cap="none">
+                <a:solidFill>
+                  <a:schemeClr val="dk1"/>
+                </a:solidFill>
+                <a:latin typeface="Montserrat Light"/>
+                <a:ea typeface="Montserrat Light"/>
+                <a:cs typeface="Montserrat Light"/>
+                <a:sym typeface="Montserrat Light"/>
+              </a:defRPr>
+            </a:lvl5pPr>
+            <a:lvl6pPr marL="2743200" marR="0" lvl="5" indent="-355600" algn="l" rtl="0">
+              <a:lnSpc>
+                <a:spcPct val="120000"/>
+              </a:lnSpc>
+              <a:spcBef>
+                <a:spcPts val="600"/>
+              </a:spcBef>
+              <a:spcAft>
+                <a:spcPts val="0"/>
+              </a:spcAft>
+              <a:buClr>
+                <a:schemeClr val="accent6"/>
+              </a:buClr>
+              <a:buSzPts val="2000"/>
+              <a:buFont typeface="Montserrat Light"/>
+              <a:buChar char="❏"/>
+              <a:defRPr sz="2000" b="0" i="0" u="none" strike="noStrike" cap="none">
+                <a:solidFill>
+                  <a:schemeClr val="dk1"/>
+                </a:solidFill>
+                <a:latin typeface="Montserrat Light"/>
+                <a:ea typeface="Montserrat Light"/>
+                <a:cs typeface="Montserrat Light"/>
+                <a:sym typeface="Montserrat Light"/>
+              </a:defRPr>
+            </a:lvl6pPr>
+            <a:lvl7pPr marL="3200400" marR="0" lvl="6" indent="-355600" algn="l" rtl="0">
+              <a:lnSpc>
+                <a:spcPct val="120000"/>
+              </a:lnSpc>
+              <a:spcBef>
+                <a:spcPts val="600"/>
+              </a:spcBef>
+              <a:spcAft>
+                <a:spcPts val="0"/>
+              </a:spcAft>
+              <a:buClr>
+                <a:schemeClr val="accent6"/>
+              </a:buClr>
+              <a:buSzPts val="2000"/>
+              <a:buFont typeface="Montserrat Light"/>
+              <a:buChar char="❏"/>
+              <a:defRPr sz="2000" b="0" i="0" u="none" strike="noStrike" cap="none">
+                <a:solidFill>
+                  <a:schemeClr val="dk1"/>
+                </a:solidFill>
+                <a:latin typeface="Montserrat Light"/>
+                <a:ea typeface="Montserrat Light"/>
+                <a:cs typeface="Montserrat Light"/>
+                <a:sym typeface="Montserrat Light"/>
+              </a:defRPr>
+            </a:lvl7pPr>
+            <a:lvl8pPr marL="3657600" marR="0" lvl="7" indent="-355600" algn="l" rtl="0">
+              <a:lnSpc>
+                <a:spcPct val="120000"/>
+              </a:lnSpc>
+              <a:spcBef>
+                <a:spcPts val="600"/>
+              </a:spcBef>
+              <a:spcAft>
+                <a:spcPts val="0"/>
+              </a:spcAft>
+              <a:buClr>
+                <a:schemeClr val="accent6"/>
+              </a:buClr>
+              <a:buSzPts val="2000"/>
+              <a:buFont typeface="Montserrat Light"/>
+              <a:buChar char="❏"/>
+              <a:defRPr sz="2000" b="0" i="0" u="none" strike="noStrike" cap="none">
+                <a:solidFill>
+                  <a:schemeClr val="dk1"/>
+                </a:solidFill>
+                <a:latin typeface="Montserrat Light"/>
+                <a:ea typeface="Montserrat Light"/>
+                <a:cs typeface="Montserrat Light"/>
+                <a:sym typeface="Montserrat Light"/>
+              </a:defRPr>
+            </a:lvl8pPr>
+            <a:lvl9pPr marL="4114800" marR="0" lvl="8" indent="-355600" algn="l" rtl="0">
+              <a:lnSpc>
+                <a:spcPct val="120000"/>
+              </a:lnSpc>
+              <a:spcBef>
+                <a:spcPts val="600"/>
+              </a:spcBef>
+              <a:spcAft>
+                <a:spcPts val="0"/>
+              </a:spcAft>
+              <a:buClr>
+                <a:schemeClr val="accent6"/>
+              </a:buClr>
+              <a:buSzPts val="2000"/>
+              <a:buFont typeface="Montserrat Light"/>
+              <a:buChar char="❏"/>
+              <a:defRPr sz="2000" b="0" i="0" u="none" strike="noStrike" cap="none">
+                <a:solidFill>
+                  <a:schemeClr val="dk1"/>
+                </a:solidFill>
+                <a:latin typeface="Montserrat Light"/>
+                <a:ea typeface="Montserrat Light"/>
+                <a:cs typeface="Montserrat Light"/>
+                <a:sym typeface="Montserrat Light"/>
+              </a:defRPr>
+            </a:lvl9pPr>
+          </a:lstStyle>
+          <a:p>
+            <a:pPr marL="0" indent="0">
+              <a:buFont typeface="Montserrat Light"/>
+              <a:buNone/>
+            </a:pPr>
+            <a:r>
+              <a:rPr lang="es-ES" sz="1400" dirty="0">
+                <a:solidFill>
+                  <a:schemeClr val="tx1"/>
+                </a:solidFill>
+              </a:rPr>
+              <a:t>Datos de GitHub y npm.org</a:t>
+            </a:r>
+          </a:p>
+        </p:txBody>
+      </p:sp>
+      <p:pic>
+        <p:nvPicPr>
+          <p:cNvPr id="2" name="Imagen 1">
+            <a:extLst>
+              <a:ext uri="{FF2B5EF4-FFF2-40B4-BE49-F238E27FC236}">
+                <a16:creationId xmlns:a16="http://schemas.microsoft.com/office/drawing/2014/main" id="{46A49657-2CA4-45E5-89B3-C76690A5E6FD}"/>
+              </a:ext>
+            </a:extLst>
+          </p:cNvPr>
+          <p:cNvPicPr>
+            <a:picLocks noChangeAspect="1"/>
+          </p:cNvPicPr>
+          <p:nvPr/>
+        </p:nvPicPr>
+        <p:blipFill>
+          <a:blip r:embed="rId3" cstate="email">
+            <a:extLst>
+              <a:ext uri="{28A0092B-C50C-407E-A947-70E740481C1C}">
+                <a14:useLocalDpi xmlns:a14="http://schemas.microsoft.com/office/drawing/2010/main" val="0"/>
+              </a:ext>
+            </a:extLst>
+          </a:blip>
+          <a:stretch>
+            <a:fillRect/>
+          </a:stretch>
+        </p:blipFill>
+        <p:spPr>
+          <a:xfrm>
+            <a:off x="7648014" y="4538387"/>
+            <a:ext cx="1322305" cy="504543"/>
+          </a:xfrm>
+          <a:prstGeom prst="rect">
+            <a:avLst/>
+          </a:prstGeom>
+        </p:spPr>
+      </p:pic>
+    </p:spTree>
+  </p:cSld>
+  <p:clrMapOvr>
+    <a:masterClrMapping/>
+  </p:clrMapOvr>
+</p:sld>
+</file>
+
+<file path=ppt/slides/slide17.xml><?xml version="1.0" encoding="utf-8"?>
+<p:sld xmlns:a="http://schemas.openxmlformats.org/drawingml/2006/main" xmlns:r="http://schemas.openxmlformats.org/officeDocument/2006/relationships" xmlns:p="http://schemas.openxmlformats.org/presentationml/2006/main">
+  <p:cSld>
+    <p:spTree>
+      <p:nvGrpSpPr>
+        <p:cNvPr id="1" name="Shape 554"/>
+        <p:cNvGrpSpPr/>
+        <p:nvPr/>
+      </p:nvGrpSpPr>
+      <p:grpSpPr>
+        <a:xfrm>
+          <a:off x="0" y="0"/>
+          <a:ext cx="0" cy="0"/>
+          <a:chOff x="0" y="0"/>
+          <a:chExt cx="0" cy="0"/>
+        </a:xfrm>
+      </p:grpSpPr>
       <p:sp>
         <p:nvSpPr>
           <p:cNvPr id="556" name="Google Shape;556;p34"/>
@@ -13892,8 +15666,8 @@
         </p:nvSpPr>
         <p:spPr>
           <a:xfrm>
-            <a:off x="1855509" y="2000402"/>
-            <a:ext cx="4725000" cy="2341200"/>
+            <a:off x="1855508" y="2000402"/>
+            <a:ext cx="6885079" cy="2341200"/>
           </a:xfrm>
           <a:prstGeom prst="rect">
             <a:avLst/>
@@ -13985,8 +15759,12 @@
               <a:buChar char="❑"/>
             </a:pPr>
             <a:r>
+              <a:rPr lang="es-ES" sz="1800" b="1" dirty="0"/>
+              <a:t>E-mail: </a:t>
+            </a:r>
+            <a:r>
               <a:rPr lang="es-ES" sz="1800" dirty="0" err="1"/>
-              <a:t>a.pizarros</a:t>
+              <a:t>adrianpizarroserrano</a:t>
             </a:r>
             <a:r>
               <a:rPr lang="en" sz="1800" dirty="0"/>
@@ -13994,7 +15772,7 @@
             </a:r>
             <a:r>
               <a:rPr lang="es-ES" sz="1800" dirty="0"/>
-              <a:t>alumnos.urjc.es</a:t>
+              <a:t>hotmail.com</a:t>
             </a:r>
             <a:endParaRPr sz="1800" dirty="0"/>
           </a:p>
@@ -14005,27 +15783,68 @@
               </a:spcBef>
             </a:pPr>
             <a:r>
+              <a:rPr lang="es-ES" sz="1800" b="1" dirty="0"/>
+              <a:t>Web: </a:t>
+            </a:r>
+            <a:r>
               <a:rPr lang="es-ES" sz="1800" dirty="0">
-                <a:hlinkClick r:id="rId3">
-                  <a:extLst>
-                    <a:ext uri="{A12FA001-AC4F-418D-AE19-62706E023703}">
-                      <ahyp:hlinkClr xmlns:ahyp="http://schemas.microsoft.com/office/drawing/2018/hyperlinkcolor" val="tx"/>
-                    </a:ext>
-                  </a:extLst>
-                </a:hlinkClick>
+                <a:hlinkClick r:id="rId3"/>
+              </a:rPr>
+              <a:t>https://adrixp.github.io/</a:t>
+            </a:r>
+            <a:endParaRPr lang="es-ES" sz="1800" dirty="0"/>
+          </a:p>
+          <a:p>
+            <a:pPr>
+              <a:spcBef>
+                <a:spcPts val="0"/>
+              </a:spcBef>
+            </a:pPr>
+            <a:r>
+              <a:rPr lang="es-ES" sz="1800" b="1" dirty="0"/>
+              <a:t>GitHub: </a:t>
+            </a:r>
+            <a:r>
+              <a:rPr lang="es-ES" sz="1800" dirty="0">
+                <a:hlinkClick r:id="rId4"/>
               </a:rPr>
               <a:t>https://github.com/adrixp</a:t>
             </a:r>
+            <a:endParaRPr lang="es-ES" sz="1800" dirty="0"/>
+          </a:p>
+          <a:p>
+            <a:pPr>
+              <a:spcBef>
+                <a:spcPts val="0"/>
+              </a:spcBef>
+            </a:pPr>
+            <a:endParaRPr lang="es-ES" sz="1800" dirty="0"/>
+          </a:p>
+          <a:p>
+            <a:pPr lvl="0">
+              <a:spcBef>
+                <a:spcPts val="0"/>
+              </a:spcBef>
+            </a:pPr>
+            <a:endParaRPr lang="es-ES" sz="1800" dirty="0"/>
+          </a:p>
+          <a:p>
+            <a:pPr marL="101600" lvl="0" indent="0">
+              <a:spcBef>
+                <a:spcPts val="0"/>
+              </a:spcBef>
+              <a:buNone/>
+            </a:pPr>
             <a:endParaRPr sz="1800" dirty="0"/>
           </a:p>
         </p:txBody>
       </p:sp>
       <p:pic>
         <p:nvPicPr>
-          <p:cNvPr id="6" name="Imagen 5">
+          <p:cNvPr id="2" name="Imagen 1">
             <a:extLst>
               <a:ext uri="{FF2B5EF4-FFF2-40B4-BE49-F238E27FC236}">
-                <a16:creationId xmlns:a16="http://schemas.microsoft.com/office/drawing/2014/main" id="{2EE82797-EC9E-4AA0-98DF-F17E8DA9D6B8}"/>
+                <a16:creationId xmlns:a16="http://schemas.microsoft.com/office/drawing/2014/main" id="{FCA622F0-3C76-4C41-B4FF-443683403DD2}"/>
               </a:ext>
             </a:extLst>
           </p:cNvPr>
@@ -14035,7 +15854,7 @@
           <p:nvPr/>
         </p:nvPicPr>
         <p:blipFill>
-          <a:blip r:embed="rId4" cstate="email">
+          <a:blip r:embed="rId5" cstate="email">
             <a:extLst>
               <a:ext uri="{28A0092B-C50C-407E-A947-70E740481C1C}">
                 <a14:useLocalDpi xmlns:a14="http://schemas.microsoft.com/office/drawing/2010/main" val="0"/>
@@ -14048,8 +15867,8 @@
         </p:blipFill>
         <p:spPr>
           <a:xfrm>
-            <a:off x="6961843" y="4020421"/>
-            <a:ext cx="1974857" cy="753533"/>
+            <a:off x="7648014" y="4538387"/>
+            <a:ext cx="1322305" cy="504543"/>
           </a:xfrm>
           <a:prstGeom prst="rect">
             <a:avLst/>
@@ -14163,7 +15982,7 @@
               <a:buChar char="❑"/>
             </a:pPr>
             <a:r>
-              <a:rPr lang="es-ES" sz="1800" dirty="0"/>
+              <a:rPr lang="es-ES" sz="1600" dirty="0"/>
               <a:t>Introducción</a:t>
             </a:r>
           </a:p>
@@ -14176,7 +15995,7 @@
               <a:buChar char="§"/>
             </a:pPr>
             <a:r>
-              <a:rPr lang="es-ES" sz="1400" dirty="0"/>
+              <a:rPr lang="es-ES" sz="1200" dirty="0"/>
               <a:t>Visualización de datos</a:t>
             </a:r>
           </a:p>
@@ -14189,14 +16008,14 @@
               <a:buChar char="§"/>
             </a:pPr>
             <a:r>
-              <a:rPr lang="es-ES" sz="1400" dirty="0"/>
+              <a:rPr lang="es-ES" sz="1200" dirty="0"/>
               <a:t>Realidad Virtual</a:t>
             </a:r>
             <a:r>
-              <a:rPr lang="es-ES" sz="1800" dirty="0"/>
+              <a:rPr lang="es-ES" sz="1600" dirty="0"/>
               <a:t>	</a:t>
             </a:r>
-            <a:endParaRPr sz="1800" dirty="0"/>
+            <a:endParaRPr sz="1600" dirty="0"/>
           </a:p>
           <a:p>
             <a:pPr marL="457200" lvl="0" indent="-355600" algn="l" rtl="0">
@@ -14210,10 +16029,10 @@
               <a:buChar char="❑"/>
             </a:pPr>
             <a:r>
-              <a:rPr lang="es-ES" sz="1800" dirty="0"/>
+              <a:rPr lang="es-ES" sz="1600" dirty="0"/>
               <a:t>Objetivos</a:t>
             </a:r>
-            <a:endParaRPr sz="1800" dirty="0"/>
+            <a:endParaRPr sz="1600" dirty="0"/>
           </a:p>
           <a:p>
             <a:pPr marL="457200" lvl="0" indent="-355600" algn="l" rtl="0">
@@ -14227,7 +16046,7 @@
               <a:buChar char="❑"/>
             </a:pPr>
             <a:r>
-              <a:rPr lang="es-ES" sz="1800" dirty="0"/>
+              <a:rPr lang="es-ES" sz="1600" dirty="0"/>
               <a:t>Tecnologías usadas</a:t>
             </a:r>
           </a:p>
@@ -14243,8 +16062,8 @@
               <a:buChar char="❑"/>
             </a:pPr>
             <a:r>
-              <a:rPr lang="es-ES" sz="1800" dirty="0"/>
-              <a:t>Fases del Proyecto</a:t>
+              <a:rPr lang="es-ES" sz="1600" dirty="0"/>
+              <a:t>Proyecto</a:t>
             </a:r>
           </a:p>
           <a:p>
@@ -14256,8 +16075,26 @@
               <a:buChar char="§"/>
             </a:pPr>
             <a:r>
-              <a:rPr lang="es-ES" sz="1400" dirty="0"/>
-              <a:t>Metodología e implementación</a:t>
+              <a:rPr lang="es-ES" sz="1200" dirty="0"/>
+              <a:t>A-Frame Charts </a:t>
+            </a:r>
+            <a:r>
+              <a:rPr lang="es-ES" sz="1200" dirty="0" err="1"/>
+              <a:t>Component</a:t>
+            </a:r>
+            <a:endParaRPr lang="es-ES" sz="1200" dirty="0"/>
+          </a:p>
+          <a:p>
+            <a:pPr lvl="1">
+              <a:spcBef>
+                <a:spcPts val="0"/>
+              </a:spcBef>
+              <a:buFont typeface="Wingdings" panose="05000000000000000000" pitchFamily="2" charset="2"/>
+              <a:buChar char="§"/>
+            </a:pPr>
+            <a:r>
+              <a:rPr lang="es-ES" sz="1200" dirty="0"/>
+              <a:t>Metodología y arquitectura</a:t>
             </a:r>
           </a:p>
           <a:p>
@@ -14269,8 +16106,21 @@
               <a:buChar char="§"/>
             </a:pPr>
             <a:r>
-              <a:rPr lang="es-ES" sz="1400" dirty="0"/>
-              <a:t>Comunidad y uso del módulo</a:t>
+              <a:rPr lang="es-ES" sz="1200" dirty="0"/>
+              <a:t>Fases del proyecto</a:t>
+            </a:r>
+          </a:p>
+          <a:p>
+            <a:pPr lvl="1">
+              <a:spcBef>
+                <a:spcPts val="0"/>
+              </a:spcBef>
+              <a:buFont typeface="Wingdings" panose="05000000000000000000" pitchFamily="2" charset="2"/>
+              <a:buChar char="§"/>
+            </a:pPr>
+            <a:r>
+              <a:rPr lang="es-ES" sz="1200" dirty="0"/>
+              <a:t>Casos de uso</a:t>
             </a:r>
           </a:p>
           <a:p>
@@ -14285,7 +16135,7 @@
               <a:buChar char="❑"/>
             </a:pPr>
             <a:r>
-              <a:rPr lang="es-ES" sz="1800" dirty="0"/>
+              <a:rPr lang="es-ES" sz="1600" dirty="0"/>
               <a:t>Conclusión</a:t>
             </a:r>
           </a:p>
@@ -14301,77 +16151,19 @@
               <a:buChar char="❑"/>
             </a:pPr>
             <a:r>
-              <a:rPr lang="es-ES" sz="1800" dirty="0"/>
-              <a:t>Demo</a:t>
-            </a:r>
-          </a:p>
-          <a:p>
-            <a:pPr marL="457200" lvl="0" indent="-355600" algn="l" rtl="0">
-              <a:spcBef>
-                <a:spcPts val="1000"/>
-              </a:spcBef>
-              <a:spcAft>
-                <a:spcPts val="0"/>
-              </a:spcAft>
-              <a:buSzPts val="2000"/>
-              <a:buChar char="❑"/>
-            </a:pPr>
-            <a:r>
-              <a:rPr lang="es-ES" sz="1800" dirty="0"/>
+              <a:rPr lang="es-ES" sz="1600" dirty="0"/>
               <a:t>Preguntas</a:t>
             </a:r>
-            <a:endParaRPr sz="1800" dirty="0"/>
-          </a:p>
-        </p:txBody>
-      </p:sp>
-      <p:sp>
-        <p:nvSpPr>
-          <p:cNvPr id="347" name="Google Shape;347;p17"/>
-          <p:cNvSpPr txBox="1">
-            <a:spLocks noGrp="1"/>
-          </p:cNvSpPr>
-          <p:nvPr>
-            <p:ph type="sldNum" idx="12"/>
-          </p:nvPr>
-        </p:nvSpPr>
-        <p:spPr>
-          <a:xfrm>
-            <a:off x="8729400" y="4734075"/>
-            <a:ext cx="414600" cy="409500"/>
-          </a:xfrm>
-          <a:prstGeom prst="rect">
-            <a:avLst/>
-          </a:prstGeom>
-        </p:spPr>
-        <p:txBody>
-          <a:bodyPr spcFirstLastPara="1" wrap="square" lIns="0" tIns="0" rIns="0" bIns="0" anchor="ctr" anchorCtr="0">
-            <a:noAutofit/>
-          </a:bodyPr>
-          <a:lstStyle/>
-          <a:p>
-            <a:pPr marL="0" lvl="0" indent="0" algn="ctr" rtl="0">
-              <a:spcBef>
-                <a:spcPts val="0"/>
-              </a:spcBef>
-              <a:spcAft>
-                <a:spcPts val="0"/>
-              </a:spcAft>
-              <a:buNone/>
-            </a:pPr>
-            <a:fld id="{00000000-1234-1234-1234-123412341234}" type="slidenum">
-              <a:rPr lang="en"/>
-              <a:t>2</a:t>
-            </a:fld>
-            <a:endParaRPr/>
+            <a:endParaRPr sz="1600" dirty="0"/>
           </a:p>
         </p:txBody>
       </p:sp>
       <p:pic>
         <p:nvPicPr>
-          <p:cNvPr id="5" name="Imagen 4">
+          <p:cNvPr id="2" name="Imagen 1">
             <a:extLst>
               <a:ext uri="{FF2B5EF4-FFF2-40B4-BE49-F238E27FC236}">
-                <a16:creationId xmlns:a16="http://schemas.microsoft.com/office/drawing/2014/main" id="{BBC63FE0-5E0D-41EC-8158-24F12B64389C}"/>
+                <a16:creationId xmlns:a16="http://schemas.microsoft.com/office/drawing/2014/main" id="{1E079A4A-14ED-4D53-A6E3-0913AE52AEFD}"/>
               </a:ext>
             </a:extLst>
           </p:cNvPr>
@@ -14394,8 +16186,8 @@
         </p:blipFill>
         <p:spPr>
           <a:xfrm>
-            <a:off x="6961843" y="4020421"/>
-            <a:ext cx="1974857" cy="753533"/>
+            <a:off x="7648014" y="4538387"/>
+            <a:ext cx="1322305" cy="504543"/>
           </a:xfrm>
           <a:prstGeom prst="rect">
             <a:avLst/>
@@ -14467,95 +16259,17 @@
               <a:buNone/>
             </a:pPr>
             <a:r>
-              <a:rPr lang="es-ES" sz="1800" dirty="0"/>
+              <a:rPr lang="es-ES" sz="1600" dirty="0"/>
               <a:t>Debido a la gran cantidad de datos generados en la actualidad nace el paradigma de cómo analizar dicha información, de manera clara, rápida y sencilla a través de visualizaciones</a:t>
             </a:r>
             <a:r>
-              <a:rPr lang="en" sz="1800" dirty="0"/>
+              <a:rPr lang="en" sz="1600" dirty="0"/>
               <a:t>.</a:t>
             </a:r>
-            <a:endParaRPr sz="1800" dirty="0"/>
+            <a:endParaRPr sz="1600" dirty="0"/>
           </a:p>
         </p:txBody>
       </p:sp>
-      <p:sp>
-        <p:nvSpPr>
-          <p:cNvPr id="391" name="Google Shape;391;p21"/>
-          <p:cNvSpPr txBox="1">
-            <a:spLocks noGrp="1"/>
-          </p:cNvSpPr>
-          <p:nvPr>
-            <p:ph type="sldNum" idx="12"/>
-          </p:nvPr>
-        </p:nvSpPr>
-        <p:spPr>
-          <a:xfrm>
-            <a:off x="8729400" y="4734075"/>
-            <a:ext cx="414600" cy="409500"/>
-          </a:xfrm>
-          <a:prstGeom prst="rect">
-            <a:avLst/>
-          </a:prstGeom>
-        </p:spPr>
-        <p:txBody>
-          <a:bodyPr spcFirstLastPara="1" wrap="square" lIns="0" tIns="0" rIns="0" bIns="0" anchor="ctr" anchorCtr="0">
-            <a:noAutofit/>
-          </a:bodyPr>
-          <a:lstStyle/>
-          <a:p>
-            <a:pPr marL="0" lvl="0" indent="0" algn="ctr" rtl="0">
-              <a:spcBef>
-                <a:spcPts val="0"/>
-              </a:spcBef>
-              <a:spcAft>
-                <a:spcPts val="0"/>
-              </a:spcAft>
-              <a:buNone/>
-            </a:pPr>
-            <a:fld id="{00000000-1234-1234-1234-123412341234}" type="slidenum">
-              <a:rPr lang="en"/>
-              <a:t>3</a:t>
-            </a:fld>
-            <a:endParaRPr/>
-          </a:p>
-        </p:txBody>
-      </p:sp>
-      <p:pic>
-        <p:nvPicPr>
-          <p:cNvPr id="6" name="Imagen 5">
-            <a:extLst>
-              <a:ext uri="{FF2B5EF4-FFF2-40B4-BE49-F238E27FC236}">
-                <a16:creationId xmlns:a16="http://schemas.microsoft.com/office/drawing/2014/main" id="{2E2D173C-67D6-4CEA-89C6-5A240CB309B9}"/>
-              </a:ext>
-            </a:extLst>
-          </p:cNvPr>
-          <p:cNvPicPr>
-            <a:picLocks noChangeAspect="1"/>
-          </p:cNvPicPr>
-          <p:nvPr/>
-        </p:nvPicPr>
-        <p:blipFill>
-          <a:blip r:embed="rId3" cstate="email">
-            <a:extLst>
-              <a:ext uri="{28A0092B-C50C-407E-A947-70E740481C1C}">
-                <a14:useLocalDpi xmlns:a14="http://schemas.microsoft.com/office/drawing/2010/main" val="0"/>
-              </a:ext>
-            </a:extLst>
-          </a:blip>
-          <a:stretch>
-            <a:fillRect/>
-          </a:stretch>
-        </p:blipFill>
-        <p:spPr>
-          <a:xfrm>
-            <a:off x="6961843" y="4020421"/>
-            <a:ext cx="1974857" cy="753533"/>
-          </a:xfrm>
-          <a:prstGeom prst="rect">
-            <a:avLst/>
-          </a:prstGeom>
-        </p:spPr>
-      </p:pic>
       <p:pic>
         <p:nvPicPr>
           <p:cNvPr id="4" name="Imagen 3">
@@ -14571,7 +16285,7 @@
           <p:nvPr/>
         </p:nvPicPr>
         <p:blipFill>
-          <a:blip r:embed="rId4"/>
+          <a:blip r:embed="rId3"/>
           <a:stretch>
             <a:fillRect/>
           </a:stretch>
@@ -14870,6 +16584,42 @@
           </a:p>
         </p:txBody>
       </p:sp>
+      <p:pic>
+        <p:nvPicPr>
+          <p:cNvPr id="2" name="Imagen 1">
+            <a:extLst>
+              <a:ext uri="{FF2B5EF4-FFF2-40B4-BE49-F238E27FC236}">
+                <a16:creationId xmlns:a16="http://schemas.microsoft.com/office/drawing/2014/main" id="{FFB71BF4-6D5A-4B90-A39B-664EA71BCC7A}"/>
+              </a:ext>
+            </a:extLst>
+          </p:cNvPr>
+          <p:cNvPicPr>
+            <a:picLocks noChangeAspect="1"/>
+          </p:cNvPicPr>
+          <p:nvPr/>
+        </p:nvPicPr>
+        <p:blipFill>
+          <a:blip r:embed="rId4" cstate="email">
+            <a:extLst>
+              <a:ext uri="{28A0092B-C50C-407E-A947-70E740481C1C}">
+                <a14:useLocalDpi xmlns:a14="http://schemas.microsoft.com/office/drawing/2010/main" val="0"/>
+              </a:ext>
+            </a:extLst>
+          </a:blip>
+          <a:stretch>
+            <a:fillRect/>
+          </a:stretch>
+        </p:blipFill>
+        <p:spPr>
+          <a:xfrm>
+            <a:off x="7648014" y="4538387"/>
+            <a:ext cx="1322305" cy="504543"/>
+          </a:xfrm>
+          <a:prstGeom prst="rect">
+            <a:avLst/>
+          </a:prstGeom>
+        </p:spPr>
+      </p:pic>
     </p:spTree>
   </p:cSld>
   <p:clrMapOvr>
@@ -14924,90 +16674,12 @@
               <a:buNone/>
             </a:pPr>
             <a:r>
-              <a:rPr lang="es-ES" sz="1800" dirty="0"/>
+              <a:rPr lang="es-ES" sz="1600" dirty="0"/>
               <a:t>Consiste en generar un entorno de apariencia real mediante la tecnología. Tiene el fin de hacer sentir al usuario que está dentro del mismo y ofrecerle nuevas posibilidades.</a:t>
             </a:r>
           </a:p>
         </p:txBody>
       </p:sp>
-      <p:sp>
-        <p:nvSpPr>
-          <p:cNvPr id="391" name="Google Shape;391;p21"/>
-          <p:cNvSpPr txBox="1">
-            <a:spLocks noGrp="1"/>
-          </p:cNvSpPr>
-          <p:nvPr>
-            <p:ph type="sldNum" idx="12"/>
-          </p:nvPr>
-        </p:nvSpPr>
-        <p:spPr>
-          <a:xfrm>
-            <a:off x="8729400" y="4734075"/>
-            <a:ext cx="414600" cy="409500"/>
-          </a:xfrm>
-          <a:prstGeom prst="rect">
-            <a:avLst/>
-          </a:prstGeom>
-        </p:spPr>
-        <p:txBody>
-          <a:bodyPr spcFirstLastPara="1" wrap="square" lIns="0" tIns="0" rIns="0" bIns="0" anchor="ctr" anchorCtr="0">
-            <a:noAutofit/>
-          </a:bodyPr>
-          <a:lstStyle/>
-          <a:p>
-            <a:pPr marL="0" lvl="0" indent="0" algn="ctr" rtl="0">
-              <a:spcBef>
-                <a:spcPts val="0"/>
-              </a:spcBef>
-              <a:spcAft>
-                <a:spcPts val="0"/>
-              </a:spcAft>
-              <a:buNone/>
-            </a:pPr>
-            <a:fld id="{00000000-1234-1234-1234-123412341234}" type="slidenum">
-              <a:rPr lang="en"/>
-              <a:t>4</a:t>
-            </a:fld>
-            <a:endParaRPr/>
-          </a:p>
-        </p:txBody>
-      </p:sp>
-      <p:pic>
-        <p:nvPicPr>
-          <p:cNvPr id="6" name="Imagen 5">
-            <a:extLst>
-              <a:ext uri="{FF2B5EF4-FFF2-40B4-BE49-F238E27FC236}">
-                <a16:creationId xmlns:a16="http://schemas.microsoft.com/office/drawing/2014/main" id="{2E2D173C-67D6-4CEA-89C6-5A240CB309B9}"/>
-              </a:ext>
-            </a:extLst>
-          </p:cNvPr>
-          <p:cNvPicPr>
-            <a:picLocks noChangeAspect="1"/>
-          </p:cNvPicPr>
-          <p:nvPr/>
-        </p:nvPicPr>
-        <p:blipFill>
-          <a:blip r:embed="rId3" cstate="email">
-            <a:extLst>
-              <a:ext uri="{28A0092B-C50C-407E-A947-70E740481C1C}">
-                <a14:useLocalDpi xmlns:a14="http://schemas.microsoft.com/office/drawing/2010/main" val="0"/>
-              </a:ext>
-            </a:extLst>
-          </a:blip>
-          <a:stretch>
-            <a:fillRect/>
-          </a:stretch>
-        </p:blipFill>
-        <p:spPr>
-          <a:xfrm>
-            <a:off x="6961843" y="4020421"/>
-            <a:ext cx="1974857" cy="753533"/>
-          </a:xfrm>
-          <a:prstGeom prst="rect">
-            <a:avLst/>
-          </a:prstGeom>
-        </p:spPr>
-      </p:pic>
       <p:sp>
         <p:nvSpPr>
           <p:cNvPr id="8" name="Google Shape;345;p17"/>
@@ -15307,7 +16979,7 @@
           <p:nvPr/>
         </p:nvPicPr>
         <p:blipFill>
-          <a:blip r:embed="rId4"/>
+          <a:blip r:embed="rId3"/>
           <a:stretch>
             <a:fillRect/>
           </a:stretch>
@@ -15316,6 +16988,42 @@
           <a:xfrm>
             <a:off x="4698124" y="1153008"/>
             <a:ext cx="4151586" cy="2497792"/>
+          </a:xfrm>
+          <a:prstGeom prst="rect">
+            <a:avLst/>
+          </a:prstGeom>
+        </p:spPr>
+      </p:pic>
+      <p:pic>
+        <p:nvPicPr>
+          <p:cNvPr id="2" name="Imagen 1">
+            <a:extLst>
+              <a:ext uri="{FF2B5EF4-FFF2-40B4-BE49-F238E27FC236}">
+                <a16:creationId xmlns:a16="http://schemas.microsoft.com/office/drawing/2014/main" id="{943D7FC2-01BE-44A2-983A-2512EB7FBAD6}"/>
+              </a:ext>
+            </a:extLst>
+          </p:cNvPr>
+          <p:cNvPicPr>
+            <a:picLocks noChangeAspect="1"/>
+          </p:cNvPicPr>
+          <p:nvPr/>
+        </p:nvPicPr>
+        <p:blipFill>
+          <a:blip r:embed="rId4" cstate="email">
+            <a:extLst>
+              <a:ext uri="{28A0092B-C50C-407E-A947-70E740481C1C}">
+                <a14:useLocalDpi xmlns:a14="http://schemas.microsoft.com/office/drawing/2010/main" val="0"/>
+              </a:ext>
+            </a:extLst>
+          </a:blip>
+          <a:stretch>
+            <a:fillRect/>
+          </a:stretch>
+        </p:blipFill>
+        <p:spPr>
+          <a:xfrm>
+            <a:off x="7648014" y="4538387"/>
+            <a:ext cx="1322305" cy="504543"/>
           </a:xfrm>
           <a:prstGeom prst="rect">
             <a:avLst/>
@@ -15364,7 +17072,7 @@
         </p:nvSpPr>
         <p:spPr>
           <a:xfrm>
-            <a:off x="776450" y="1105500"/>
+            <a:off x="776450" y="641577"/>
             <a:ext cx="7591200" cy="2932500"/>
           </a:xfrm>
           <a:prstGeom prst="rect">
@@ -15387,11 +17095,11 @@
               <a:buNone/>
             </a:pPr>
             <a:r>
-              <a:rPr lang="es-ES" sz="1800" dirty="0"/>
+              <a:rPr lang="es-ES" sz="1600" dirty="0"/>
               <a:t>Este proyecto tiene como objetivo crear un sistema para la visualización de datos en 3D compatible con cualquier navegador</a:t>
             </a:r>
             <a:r>
-              <a:rPr lang="en" sz="1800" dirty="0"/>
+              <a:rPr lang="en" sz="1600" dirty="0"/>
               <a:t>. </a:t>
             </a:r>
           </a:p>
@@ -15402,7 +17110,7 @@
               </a:spcBef>
             </a:pPr>
             <a:r>
-              <a:rPr lang="es-ES" sz="1800" dirty="0"/>
+              <a:rPr lang="es-ES" sz="1600" dirty="0"/>
               <a:t>Interacción y visionado en dispositivos de realidad virtual.</a:t>
             </a:r>
           </a:p>
@@ -15412,9 +17120,17 @@
                 <a:spcPts val="0"/>
               </a:spcBef>
             </a:pPr>
+            <a:endParaRPr lang="es-ES" sz="1600" dirty="0"/>
+          </a:p>
+          <a:p>
+            <a:pPr lvl="0">
+              <a:spcBef>
+                <a:spcPts val="0"/>
+              </a:spcBef>
+            </a:pPr>
             <a:r>
-              <a:rPr lang="es-ES" sz="1800" dirty="0"/>
-              <a:t>Herramientas para interpretar y manejar los datos.</a:t>
+              <a:rPr lang="es-ES" sz="1600" dirty="0"/>
+              <a:t>Proporcionar distintos tipos de visualizaciones que puedan convivir y actualizar sus datos dinámicamente y en paralelo.</a:t>
             </a:r>
           </a:p>
           <a:p>
@@ -15423,9 +17139,55 @@
                 <a:spcPts val="0"/>
               </a:spcBef>
             </a:pPr>
+            <a:endParaRPr lang="es-ES" sz="1600" dirty="0"/>
+          </a:p>
+          <a:p>
+            <a:pPr lvl="0">
+              <a:spcBef>
+                <a:spcPts val="0"/>
+              </a:spcBef>
+            </a:pPr>
             <a:r>
-              <a:rPr lang="es-ES" sz="1800" dirty="0"/>
-              <a:t>Permitir el consumo de distintas fuentes de datos</a:t>
+              <a:rPr lang="es-ES" sz="1600" dirty="0"/>
+              <a:t>Herramientas para ayudar a interpretar y manejar los datos.</a:t>
+            </a:r>
+          </a:p>
+          <a:p>
+            <a:pPr lvl="0">
+              <a:spcBef>
+                <a:spcPts val="0"/>
+              </a:spcBef>
+            </a:pPr>
+            <a:endParaRPr lang="es-ES" sz="1600" dirty="0"/>
+          </a:p>
+          <a:p>
+            <a:pPr lvl="0">
+              <a:spcBef>
+                <a:spcPts val="0"/>
+              </a:spcBef>
+            </a:pPr>
+            <a:r>
+              <a:rPr lang="es-ES" sz="1600" dirty="0"/>
+              <a:t>Permitir el consumo de distintas fuentes de datos.</a:t>
+            </a:r>
+          </a:p>
+          <a:p>
+            <a:pPr lvl="0">
+              <a:spcBef>
+                <a:spcPts val="0"/>
+              </a:spcBef>
+            </a:pPr>
+            <a:endParaRPr lang="es-ES" sz="1600" dirty="0"/>
+          </a:p>
+          <a:p>
+            <a:pPr lvl="0">
+              <a:spcBef>
+                <a:spcPts val="0"/>
+              </a:spcBef>
+            </a:pPr>
+            <a:r>
+              <a:rPr lang="es-ES" sz="1600" dirty="0"/>
+              <a:t>Gráficos totalmente configurables.</a:t>
             </a:r>
           </a:p>
           <a:p>
@@ -15442,84 +17204,6 @@
           </a:p>
         </p:txBody>
       </p:sp>
-      <p:sp>
-        <p:nvSpPr>
-          <p:cNvPr id="347" name="Google Shape;347;p17"/>
-          <p:cNvSpPr txBox="1">
-            <a:spLocks noGrp="1"/>
-          </p:cNvSpPr>
-          <p:nvPr>
-            <p:ph type="sldNum" idx="12"/>
-          </p:nvPr>
-        </p:nvSpPr>
-        <p:spPr>
-          <a:xfrm>
-            <a:off x="8729400" y="4734075"/>
-            <a:ext cx="414600" cy="409500"/>
-          </a:xfrm>
-          <a:prstGeom prst="rect">
-            <a:avLst/>
-          </a:prstGeom>
-        </p:spPr>
-        <p:txBody>
-          <a:bodyPr spcFirstLastPara="1" wrap="square" lIns="0" tIns="0" rIns="0" bIns="0" anchor="ctr" anchorCtr="0">
-            <a:noAutofit/>
-          </a:bodyPr>
-          <a:lstStyle/>
-          <a:p>
-            <a:pPr marL="0" lvl="0" indent="0" algn="ctr" rtl="0">
-              <a:spcBef>
-                <a:spcPts val="0"/>
-              </a:spcBef>
-              <a:spcAft>
-                <a:spcPts val="0"/>
-              </a:spcAft>
-              <a:buNone/>
-            </a:pPr>
-            <a:fld id="{00000000-1234-1234-1234-123412341234}" type="slidenum">
-              <a:rPr lang="en"/>
-              <a:t>5</a:t>
-            </a:fld>
-            <a:endParaRPr/>
-          </a:p>
-        </p:txBody>
-      </p:sp>
-      <p:pic>
-        <p:nvPicPr>
-          <p:cNvPr id="5" name="Imagen 4">
-            <a:extLst>
-              <a:ext uri="{FF2B5EF4-FFF2-40B4-BE49-F238E27FC236}">
-                <a16:creationId xmlns:a16="http://schemas.microsoft.com/office/drawing/2014/main" id="{CE9A47DB-52C3-4D30-A531-F435ED2B635D}"/>
-              </a:ext>
-            </a:extLst>
-          </p:cNvPr>
-          <p:cNvPicPr>
-            <a:picLocks noChangeAspect="1"/>
-          </p:cNvPicPr>
-          <p:nvPr/>
-        </p:nvPicPr>
-        <p:blipFill>
-          <a:blip r:embed="rId3" cstate="email">
-            <a:extLst>
-              <a:ext uri="{28A0092B-C50C-407E-A947-70E740481C1C}">
-                <a14:useLocalDpi xmlns:a14="http://schemas.microsoft.com/office/drawing/2010/main" val="0"/>
-              </a:ext>
-            </a:extLst>
-          </a:blip>
-          <a:stretch>
-            <a:fillRect/>
-          </a:stretch>
-        </p:blipFill>
-        <p:spPr>
-          <a:xfrm>
-            <a:off x="6961843" y="4020421"/>
-            <a:ext cx="1974857" cy="753533"/>
-          </a:xfrm>
-          <a:prstGeom prst="rect">
-            <a:avLst/>
-          </a:prstGeom>
-        </p:spPr>
-      </p:pic>
       <p:sp>
         <p:nvSpPr>
           <p:cNvPr id="6" name="Google Shape;345;p17"/>
@@ -15804,6 +17488,42 @@
           </a:p>
         </p:txBody>
       </p:sp>
+      <p:pic>
+        <p:nvPicPr>
+          <p:cNvPr id="2" name="Imagen 1">
+            <a:extLst>
+              <a:ext uri="{FF2B5EF4-FFF2-40B4-BE49-F238E27FC236}">
+                <a16:creationId xmlns:a16="http://schemas.microsoft.com/office/drawing/2014/main" id="{56FBCF50-49B7-4EDC-B71A-3B8597F921EF}"/>
+              </a:ext>
+            </a:extLst>
+          </p:cNvPr>
+          <p:cNvPicPr>
+            <a:picLocks noChangeAspect="1"/>
+          </p:cNvPicPr>
+          <p:nvPr/>
+        </p:nvPicPr>
+        <p:blipFill>
+          <a:blip r:embed="rId3" cstate="email">
+            <a:extLst>
+              <a:ext uri="{28A0092B-C50C-407E-A947-70E740481C1C}">
+                <a14:useLocalDpi xmlns:a14="http://schemas.microsoft.com/office/drawing/2010/main" val="0"/>
+              </a:ext>
+            </a:extLst>
+          </a:blip>
+          <a:stretch>
+            <a:fillRect/>
+          </a:stretch>
+        </p:blipFill>
+        <p:spPr>
+          <a:xfrm>
+            <a:off x="7648014" y="4538387"/>
+            <a:ext cx="1322305" cy="504543"/>
+          </a:xfrm>
+          <a:prstGeom prst="rect">
+            <a:avLst/>
+          </a:prstGeom>
+        </p:spPr>
+      </p:pic>
     </p:spTree>
   </p:cSld>
   <p:clrMapOvr>
@@ -15842,7 +17562,7 @@
         <p:spPr>
           <a:xfrm>
             <a:off x="409587" y="766159"/>
-            <a:ext cx="2327700" cy="1548300"/>
+            <a:ext cx="2299054" cy="1548300"/>
           </a:xfrm>
           <a:prstGeom prst="rect">
             <a:avLst/>
@@ -15870,16 +17590,7 @@
                 <a:cs typeface="Montserrat"/>
                 <a:sym typeface="Montserrat"/>
               </a:rPr>
-              <a:t>         A-</a:t>
-            </a:r>
-            <a:r>
-              <a:rPr lang="es-ES" sz="1400" b="1" dirty="0" err="1">
-                <a:latin typeface="Montserrat"/>
-                <a:ea typeface="Montserrat"/>
-                <a:cs typeface="Montserrat"/>
-                <a:sym typeface="Montserrat"/>
-              </a:rPr>
-              <a:t>Frame</a:t>
+              <a:t>                 A-Frame</a:t>
             </a:r>
             <a:endParaRPr sz="1400" b="1" dirty="0">
               <a:latin typeface="Montserrat"/>
@@ -15899,14 +17610,14 @@
               <a:buNone/>
             </a:pPr>
             <a:r>
-              <a:rPr lang="es-ES" sz="1400" dirty="0"/>
-              <a:t>Framework web que permite construir experiencias de realidad virtual en el navegador, así como en dispositivos de realidad virtual</a:t>
+              <a:rPr lang="es-ES" sz="1200" dirty="0"/>
+              <a:t>Framework web basado en Three.js. Sirve para construir experiencias de realidad virtual en el navegador</a:t>
             </a:r>
             <a:r>
-              <a:rPr lang="en" sz="1400" dirty="0"/>
-              <a:t>.</a:t>
+              <a:rPr lang="en" sz="1200" dirty="0"/>
+              <a:t>. </a:t>
             </a:r>
-            <a:endParaRPr sz="1400" dirty="0"/>
+            <a:endParaRPr sz="1200" dirty="0"/>
           </a:p>
         </p:txBody>
       </p:sp>
@@ -15922,7 +17633,7 @@
         </p:nvSpPr>
         <p:spPr>
           <a:xfrm>
-            <a:off x="3039361" y="766159"/>
+            <a:off x="3049409" y="766159"/>
             <a:ext cx="2634238" cy="1548300"/>
           </a:xfrm>
           <a:prstGeom prst="rect">
@@ -15944,7 +17655,7 @@
               </a:spcAft>
               <a:buNone/>
             </a:pPr>
-            <a:endParaRPr sz="1400" b="1" dirty="0">
+            <a:endParaRPr lang="es-ES" sz="1400" b="1" dirty="0">
               <a:latin typeface="Montserrat"/>
               <a:ea typeface="Montserrat"/>
               <a:cs typeface="Montserrat"/>
@@ -15962,18 +17673,17 @@
               <a:buNone/>
             </a:pPr>
             <a:r>
-              <a:rPr lang="es-ES" sz="1400" dirty="0"/>
-              <a:t>Empaquetador de módulos estáticos</a:t>
+              <a:rPr lang="es-ES" sz="1200" dirty="0"/>
+              <a:t>Biblioteca 3D basada en </a:t>
             </a:r>
             <a:r>
-              <a:rPr lang="en" sz="1400" dirty="0"/>
-              <a:t>. </a:t>
+              <a:rPr lang="es-ES" sz="1200" dirty="0" err="1"/>
+              <a:t>WebGL</a:t>
             </a:r>
             <a:r>
-              <a:rPr lang="es-ES" sz="1400" dirty="0"/>
-              <a:t>Además, sirve para que los navegadores puedan interpretar mejor el código JavaScript desarrollado.</a:t>
+              <a:rPr lang="es-ES" sz="1200" dirty="0"/>
+              <a:t>. Proporciona un API para crear escenas, sombras, materiales, texturas, etc.</a:t>
             </a:r>
-            <a:endParaRPr sz="1400" dirty="0"/>
           </a:p>
         </p:txBody>
       </p:sp>
@@ -15989,7 +17699,7 @@
         </p:nvSpPr>
         <p:spPr>
           <a:xfrm>
-            <a:off x="5975673" y="766159"/>
+            <a:off x="6070925" y="766159"/>
             <a:ext cx="3052712" cy="1548300"/>
           </a:xfrm>
           <a:prstGeom prst="rect">
@@ -16024,30 +17734,30 @@
               <a:buNone/>
             </a:pPr>
             <a:r>
-              <a:rPr lang="es-ES" sz="1400" dirty="0"/>
-              <a:t>Servidor Web en C++ que nos permite desarrollar en el lado del servidor con JavaScript</a:t>
+              <a:rPr lang="es-ES" sz="1200" dirty="0"/>
+              <a:t>Servidor que permite desarrollar en el lado del servidor con JavaScript</a:t>
             </a:r>
             <a:r>
-              <a:rPr lang="en" sz="1400" dirty="0"/>
+              <a:rPr lang="en" sz="1200" dirty="0"/>
               <a:t>. </a:t>
             </a:r>
             <a:r>
-              <a:rPr lang="es-ES" sz="1400" dirty="0"/>
+              <a:rPr lang="es-ES" sz="1200" dirty="0"/>
               <a:t>Es </a:t>
             </a:r>
             <a:r>
-              <a:rPr lang="es-ES" sz="1400" dirty="0" err="1"/>
+              <a:rPr lang="es-ES" sz="1200" dirty="0" err="1"/>
               <a:t>monohilo</a:t>
             </a:r>
             <a:r>
-              <a:rPr lang="es-ES" sz="1400" dirty="0"/>
+              <a:rPr lang="es-ES" sz="1200" dirty="0"/>
               <a:t> y atiende peticiones asíncronamente.</a:t>
             </a:r>
             <a:r>
-              <a:rPr lang="en" sz="1400" dirty="0"/>
+              <a:rPr lang="en" sz="1200" dirty="0"/>
               <a:t> </a:t>
             </a:r>
-            <a:endParaRPr sz="1400" dirty="0"/>
+            <a:endParaRPr sz="1200" dirty="0"/>
           </a:p>
           <a:p>
             <a:pPr marL="0" lvl="0" indent="0" algn="l" rtl="0">
@@ -16060,48 +17770,6 @@
               <a:buNone/>
             </a:pPr>
             <a:endParaRPr sz="1200" dirty="0"/>
-          </a:p>
-        </p:txBody>
-      </p:sp>
-      <p:sp>
-        <p:nvSpPr>
-          <p:cNvPr id="508" name="Google Shape;508;p29"/>
-          <p:cNvSpPr txBox="1">
-            <a:spLocks noGrp="1"/>
-          </p:cNvSpPr>
-          <p:nvPr>
-            <p:ph type="sldNum" idx="12"/>
-          </p:nvPr>
-        </p:nvSpPr>
-        <p:spPr>
-          <a:xfrm>
-            <a:off x="8729400" y="4734075"/>
-            <a:ext cx="414600" cy="409500"/>
-          </a:xfrm>
-          <a:prstGeom prst="rect">
-            <a:avLst/>
-          </a:prstGeom>
-        </p:spPr>
-        <p:txBody>
-          <a:bodyPr spcFirstLastPara="1" wrap="square" lIns="0" tIns="0" rIns="0" bIns="0" anchor="ctr" anchorCtr="0">
-            <a:noAutofit/>
-          </a:bodyPr>
-          <a:lstStyle/>
-          <a:p>
-            <a:pPr marL="0" lvl="0" indent="0" algn="ctr" rtl="0">
-              <a:spcBef>
-                <a:spcPts val="0"/>
-              </a:spcBef>
-              <a:spcAft>
-                <a:spcPts val="0"/>
-              </a:spcAft>
-              <a:buNone/>
-            </a:pPr>
-            <a:fld id="{00000000-1234-1234-1234-123412341234}" type="slidenum">
-              <a:rPr lang="en"/>
-              <a:t>6</a:t>
-            </a:fld>
-            <a:endParaRPr/>
           </a:p>
         </p:txBody>
       </p:sp>
@@ -16117,7 +17785,7 @@
         </p:nvSpPr>
         <p:spPr>
           <a:xfrm>
-            <a:off x="5975672" y="2895525"/>
+            <a:off x="6070925" y="2895525"/>
             <a:ext cx="2327700" cy="1548300"/>
           </a:xfrm>
           <a:prstGeom prst="rect">
@@ -16154,10 +17822,10 @@
               <a:buNone/>
             </a:pPr>
             <a:r>
-              <a:rPr lang="es-ES" sz="1400" dirty="0"/>
+              <a:rPr lang="es-ES" sz="1200" dirty="0"/>
               <a:t>Herramienta de control de versiones utilizada en este proyecto.</a:t>
             </a:r>
-            <a:endParaRPr sz="1400" dirty="0"/>
+            <a:endParaRPr sz="1200" dirty="0"/>
           </a:p>
         </p:txBody>
       </p:sp>
@@ -16173,8 +17841,8 @@
         </p:nvSpPr>
         <p:spPr>
           <a:xfrm>
-            <a:off x="3039360" y="2895525"/>
-            <a:ext cx="2741330" cy="1548300"/>
+            <a:off x="3096090" y="2895525"/>
+            <a:ext cx="2818829" cy="1548300"/>
           </a:xfrm>
           <a:prstGeom prst="rect">
             <a:avLst/>
@@ -16202,7 +17870,7 @@
                 <a:cs typeface="Montserrat"/>
                 <a:sym typeface="Montserrat"/>
               </a:rPr>
-              <a:t>           HTML5</a:t>
+              <a:t>           </a:t>
             </a:r>
             <a:endParaRPr sz="1400" b="1" dirty="0">
               <a:latin typeface="Montserrat"/>
@@ -16222,10 +17890,10 @@
               <a:buNone/>
             </a:pPr>
             <a:r>
-              <a:rPr lang="es-ES" sz="1400" dirty="0"/>
-              <a:t>Lenguaje de marcado para construir páginas web. Nace en 2014 como mejora de HTML incluyendo nuevas etiquetas y mejoras en la API.</a:t>
+              <a:rPr lang="es-ES" sz="1200" dirty="0"/>
+              <a:t>Lenguaje de marcado para construir páginas web. Incluye nuevas etiquetas y mejoras en la API respecto HTML4.</a:t>
             </a:r>
-            <a:endParaRPr sz="1400" dirty="0"/>
+            <a:endParaRPr sz="1200" dirty="0"/>
           </a:p>
         </p:txBody>
       </p:sp>
@@ -16241,8 +17909,8 @@
         </p:nvSpPr>
         <p:spPr>
           <a:xfrm>
-            <a:off x="409587" y="2895525"/>
-            <a:ext cx="2327700" cy="1548300"/>
+            <a:off x="409586" y="2895525"/>
+            <a:ext cx="2530497" cy="1548300"/>
           </a:xfrm>
           <a:prstGeom prst="rect">
             <a:avLst/>
@@ -16264,7 +17932,7 @@
                 <a:cs typeface="Montserrat"/>
                 <a:sym typeface="Montserrat"/>
               </a:rPr>
-              <a:t>          JavaScript</a:t>
+              <a:t>      </a:t>
             </a:r>
             <a:endParaRPr sz="1400" b="1" dirty="0">
               <a:latin typeface="Montserrat"/>
@@ -16278,22 +17946,22 @@
               <a:buNone/>
             </a:pPr>
             <a:r>
-              <a:rPr lang="es-ES" sz="1400" dirty="0">
+              <a:rPr lang="es-ES" sz="1200" dirty="0">
                 <a:latin typeface="Montserrat"/>
                 <a:ea typeface="Montserrat"/>
                 <a:cs typeface="Montserrat"/>
               </a:rPr>
-              <a:t>Utilizado para dotar de funcionalidad y dinamismo a páginas web, así como comunicar vista con el controlador</a:t>
+              <a:t>Lenguaje utilizado para dotar de funcionalidad a páginas web, así como comunicar vista con el controlador</a:t>
             </a:r>
             <a:r>
-              <a:rPr lang="en" sz="1400" dirty="0">
+              <a:rPr lang="en" sz="1200" dirty="0">
                 <a:latin typeface="Montserrat"/>
                 <a:ea typeface="Montserrat"/>
                 <a:cs typeface="Montserrat"/>
               </a:rPr>
               <a:t>. </a:t>
             </a:r>
-            <a:endParaRPr sz="1400" dirty="0">
+            <a:endParaRPr sz="1200" dirty="0">
               <a:latin typeface="Montserrat"/>
               <a:ea typeface="Montserrat"/>
               <a:cs typeface="Montserrat"/>
@@ -16600,10 +18268,10 @@
       </p:sp>
       <p:pic>
         <p:nvPicPr>
-          <p:cNvPr id="13" name="Imagen 12">
+          <p:cNvPr id="2" name="Imagen 1">
             <a:extLst>
               <a:ext uri="{FF2B5EF4-FFF2-40B4-BE49-F238E27FC236}">
-                <a16:creationId xmlns:a16="http://schemas.microsoft.com/office/drawing/2014/main" id="{CE9A47DB-52C3-4D30-A531-F435ED2B635D}"/>
+                <a16:creationId xmlns:a16="http://schemas.microsoft.com/office/drawing/2014/main" id="{079B6C35-0B97-468B-991F-6C4130D54E5C}"/>
               </a:ext>
             </a:extLst>
           </p:cNvPr>
@@ -16626,8 +18294,8 @@
         </p:blipFill>
         <p:spPr>
           <a:xfrm>
-            <a:off x="6741133" y="4262151"/>
-            <a:ext cx="1974857" cy="753533"/>
+            <a:off x="7648014" y="4538387"/>
+            <a:ext cx="1322305" cy="504543"/>
           </a:xfrm>
           <a:prstGeom prst="rect">
             <a:avLst/>
@@ -16636,28 +18304,28 @@
       </p:pic>
       <p:pic>
         <p:nvPicPr>
-          <p:cNvPr id="3" name="Imagen 2"/>
+          <p:cNvPr id="16" name="Imagen 15" descr="Imagen que contiene lego&#10;&#10;Descripción generada automáticamente">
+            <a:extLst>
+              <a:ext uri="{FF2B5EF4-FFF2-40B4-BE49-F238E27FC236}">
+                <a16:creationId xmlns:a16="http://schemas.microsoft.com/office/drawing/2014/main" id="{1BC7A768-3343-4E03-A8D5-9C432D3C7877}"/>
+              </a:ext>
+            </a:extLst>
+          </p:cNvPr>
           <p:cNvPicPr>
             <a:picLocks noChangeAspect="1"/>
           </p:cNvPicPr>
           <p:nvPr/>
         </p:nvPicPr>
         <p:blipFill>
-          <a:blip r:embed="rId4">
-            <a:extLst>
-              <a:ext uri="{28A0092B-C50C-407E-A947-70E740481C1C}">
-                <a14:useLocalDpi xmlns:a14="http://schemas.microsoft.com/office/drawing/2010/main" val="0"/>
-              </a:ext>
-            </a:extLst>
-          </a:blip>
+          <a:blip r:embed="rId4"/>
           <a:stretch>
             <a:fillRect/>
           </a:stretch>
         </p:blipFill>
         <p:spPr>
           <a:xfrm>
-            <a:off x="360802" y="766159"/>
-            <a:ext cx="415648" cy="371803"/>
+            <a:off x="619548" y="588513"/>
+            <a:ext cx="609969" cy="545637"/>
           </a:xfrm>
           <a:prstGeom prst="rect">
             <a:avLst/>
@@ -16666,28 +18334,28 @@
       </p:pic>
       <p:pic>
         <p:nvPicPr>
-          <p:cNvPr id="4" name="Imagen 3"/>
+          <p:cNvPr id="19" name="Imagen 18">
+            <a:extLst>
+              <a:ext uri="{FF2B5EF4-FFF2-40B4-BE49-F238E27FC236}">
+                <a16:creationId xmlns:a16="http://schemas.microsoft.com/office/drawing/2014/main" id="{BE1887E1-2620-4F0A-A599-7F2BF8096A19}"/>
+              </a:ext>
+            </a:extLst>
+          </p:cNvPr>
           <p:cNvPicPr>
             <a:picLocks noChangeAspect="1"/>
           </p:cNvPicPr>
           <p:nvPr/>
         </p:nvPicPr>
         <p:blipFill>
-          <a:blip r:embed="rId5">
-            <a:extLst>
-              <a:ext uri="{28A0092B-C50C-407E-A947-70E740481C1C}">
-                <a14:useLocalDpi xmlns:a14="http://schemas.microsoft.com/office/drawing/2010/main" val="0"/>
-              </a:ext>
-            </a:extLst>
-          </a:blip>
+          <a:blip r:embed="rId5"/>
           <a:stretch>
             <a:fillRect/>
           </a:stretch>
         </p:blipFill>
         <p:spPr>
           <a:xfrm>
-            <a:off x="3039360" y="2821953"/>
-            <a:ext cx="429862" cy="429862"/>
+            <a:off x="3497574" y="223049"/>
+            <a:ext cx="1397140" cy="1397140"/>
           </a:xfrm>
           <a:prstGeom prst="rect">
             <a:avLst/>
@@ -16696,28 +18364,28 @@
       </p:pic>
       <p:pic>
         <p:nvPicPr>
-          <p:cNvPr id="5" name="Imagen 4"/>
+          <p:cNvPr id="21" name="Imagen 20" descr="Imagen que contiene dibujo&#10;&#10;Descripción generada automáticamente">
+            <a:extLst>
+              <a:ext uri="{FF2B5EF4-FFF2-40B4-BE49-F238E27FC236}">
+                <a16:creationId xmlns:a16="http://schemas.microsoft.com/office/drawing/2014/main" id="{35CF0B61-E72E-462A-9DCC-C18309AA522F}"/>
+              </a:ext>
+            </a:extLst>
+          </p:cNvPr>
           <p:cNvPicPr>
             <a:picLocks noChangeAspect="1"/>
           </p:cNvPicPr>
           <p:nvPr/>
         </p:nvPicPr>
         <p:blipFill>
-          <a:blip r:embed="rId6">
-            <a:extLst>
-              <a:ext uri="{28A0092B-C50C-407E-A947-70E740481C1C}">
-                <a14:useLocalDpi xmlns:a14="http://schemas.microsoft.com/office/drawing/2010/main" val="0"/>
-              </a:ext>
-            </a:extLst>
-          </a:blip>
+          <a:blip r:embed="rId6"/>
           <a:stretch>
             <a:fillRect/>
           </a:stretch>
         </p:blipFill>
         <p:spPr>
           <a:xfrm>
-            <a:off x="6123057" y="766159"/>
-            <a:ext cx="618076" cy="379029"/>
+            <a:off x="6712299" y="519311"/>
+            <a:ext cx="1044952" cy="637420"/>
           </a:xfrm>
           <a:prstGeom prst="rect">
             <a:avLst/>
@@ -16726,28 +18394,28 @@
       </p:pic>
       <p:pic>
         <p:nvPicPr>
-          <p:cNvPr id="6" name="Imagen 5"/>
+          <p:cNvPr id="25" name="Imagen 24">
+            <a:extLst>
+              <a:ext uri="{FF2B5EF4-FFF2-40B4-BE49-F238E27FC236}">
+                <a16:creationId xmlns:a16="http://schemas.microsoft.com/office/drawing/2014/main" id="{02062FBF-97E4-4033-B6F4-02765DFDC081}"/>
+              </a:ext>
+            </a:extLst>
+          </p:cNvPr>
           <p:cNvPicPr>
             <a:picLocks noChangeAspect="1"/>
           </p:cNvPicPr>
           <p:nvPr/>
         </p:nvPicPr>
         <p:blipFill>
-          <a:blip r:embed="rId7">
-            <a:extLst>
-              <a:ext uri="{28A0092B-C50C-407E-A947-70E740481C1C}">
-                <a14:useLocalDpi xmlns:a14="http://schemas.microsoft.com/office/drawing/2010/main" val="0"/>
-              </a:ext>
-            </a:extLst>
-          </a:blip>
+          <a:blip r:embed="rId7"/>
           <a:stretch>
             <a:fillRect/>
           </a:stretch>
         </p:blipFill>
         <p:spPr>
           <a:xfrm>
-            <a:off x="409587" y="2826923"/>
-            <a:ext cx="419922" cy="419922"/>
+            <a:off x="688580" y="2571333"/>
+            <a:ext cx="1210431" cy="680481"/>
           </a:xfrm>
           <a:prstGeom prst="rect">
             <a:avLst/>
@@ -16756,28 +18424,28 @@
       </p:pic>
       <p:pic>
         <p:nvPicPr>
-          <p:cNvPr id="7" name="Imagen 6"/>
+          <p:cNvPr id="27" name="Imagen 26" descr="Imagen que contiene dibujo, señal, tabla&#10;&#10;Descripción generada automáticamente">
+            <a:extLst>
+              <a:ext uri="{FF2B5EF4-FFF2-40B4-BE49-F238E27FC236}">
+                <a16:creationId xmlns:a16="http://schemas.microsoft.com/office/drawing/2014/main" id="{5C3549A4-35C1-4EBB-A9F0-0B8698F9D070}"/>
+              </a:ext>
+            </a:extLst>
+          </p:cNvPr>
           <p:cNvPicPr>
             <a:picLocks noChangeAspect="1"/>
           </p:cNvPicPr>
           <p:nvPr/>
         </p:nvPicPr>
         <p:blipFill>
-          <a:blip r:embed="rId8">
-            <a:extLst>
-              <a:ext uri="{28A0092B-C50C-407E-A947-70E740481C1C}">
-                <a14:useLocalDpi xmlns:a14="http://schemas.microsoft.com/office/drawing/2010/main" val="0"/>
-              </a:ext>
-            </a:extLst>
-          </a:blip>
+          <a:blip r:embed="rId8"/>
           <a:stretch>
             <a:fillRect/>
           </a:stretch>
         </p:blipFill>
         <p:spPr>
           <a:xfrm>
-            <a:off x="3039360" y="758933"/>
-            <a:ext cx="925684" cy="359988"/>
+            <a:off x="3886342" y="2514740"/>
+            <a:ext cx="685658" cy="685658"/>
           </a:xfrm>
           <a:prstGeom prst="rect">
             <a:avLst/>
@@ -16786,28 +18454,28 @@
       </p:pic>
       <p:pic>
         <p:nvPicPr>
-          <p:cNvPr id="8" name="Imagen 7"/>
+          <p:cNvPr id="29" name="Imagen 28" descr="Imagen que contiene reloj, señal, dibujo&#10;&#10;Descripción generada automáticamente">
+            <a:extLst>
+              <a:ext uri="{FF2B5EF4-FFF2-40B4-BE49-F238E27FC236}">
+                <a16:creationId xmlns:a16="http://schemas.microsoft.com/office/drawing/2014/main" id="{DD3DB06C-89B9-4827-B4A8-3853ADF23B8F}"/>
+              </a:ext>
+            </a:extLst>
+          </p:cNvPr>
           <p:cNvPicPr>
             <a:picLocks noChangeAspect="1"/>
           </p:cNvPicPr>
           <p:nvPr/>
         </p:nvPicPr>
         <p:blipFill>
-          <a:blip r:embed="rId9">
-            <a:extLst>
-              <a:ext uri="{28A0092B-C50C-407E-A947-70E740481C1C}">
-                <a14:useLocalDpi xmlns:a14="http://schemas.microsoft.com/office/drawing/2010/main" val="0"/>
-              </a:ext>
-            </a:extLst>
-          </a:blip>
+          <a:blip r:embed="rId9"/>
           <a:stretch>
             <a:fillRect/>
           </a:stretch>
         </p:blipFill>
         <p:spPr>
           <a:xfrm>
-            <a:off x="6123057" y="2879146"/>
-            <a:ext cx="757140" cy="315475"/>
+            <a:off x="6712299" y="2754202"/>
+            <a:ext cx="1055485" cy="440752"/>
           </a:xfrm>
           <a:prstGeom prst="rect">
             <a:avLst/>
@@ -16827,7 +18495,7 @@
   <p:cSld>
     <p:spTree>
       <p:nvGrpSpPr>
-        <p:cNvPr id="1" name="Shape 465"/>
+        <p:cNvPr id="1" name="Shape 371"/>
         <p:cNvGrpSpPr/>
         <p:nvPr/>
       </p:nvGrpSpPr>
@@ -16841,46 +18509,1667 @@
       </p:grpSpPr>
       <p:sp>
         <p:nvSpPr>
-          <p:cNvPr id="467" name="Google Shape;467;p28"/>
+          <p:cNvPr id="372" name="Google Shape;372;p19"/>
           <p:cNvSpPr txBox="1">
             <a:spLocks noGrp="1"/>
           </p:cNvSpPr>
           <p:nvPr>
-            <p:ph type="sldNum" idx="12"/>
+            <p:ph type="body" idx="1"/>
           </p:nvPr>
         </p:nvSpPr>
         <p:spPr>
           <a:xfrm>
-            <a:off x="8729400" y="4734075"/>
-            <a:ext cx="414600" cy="409500"/>
+            <a:off x="374669" y="1171085"/>
+            <a:ext cx="3795550" cy="3077100"/>
           </a:xfrm>
           <a:prstGeom prst="rect">
             <a:avLst/>
           </a:prstGeom>
         </p:spPr>
         <p:txBody>
-          <a:bodyPr spcFirstLastPara="1" wrap="square" lIns="0" tIns="0" rIns="0" bIns="0" anchor="ctr" anchorCtr="0">
+          <a:bodyPr spcFirstLastPara="1" wrap="square" lIns="0" tIns="0" rIns="0" bIns="0" anchor="t" anchorCtr="0">
             <a:noAutofit/>
           </a:bodyPr>
           <a:lstStyle/>
           <a:p>
-            <a:pPr marL="0" lvl="0" indent="0" algn="ctr" rtl="0">
-              <a:spcBef>
-                <a:spcPts val="0"/>
-              </a:spcBef>
-              <a:spcAft>
-                <a:spcPts val="0"/>
-              </a:spcAft>
-              <a:buNone/>
+            <a:pPr marL="285750" indent="-285750">
+              <a:buFont typeface="Wingdings" panose="05000000000000000000" pitchFamily="2" charset="2"/>
+              <a:buChar char="v"/>
             </a:pPr>
-            <a:fld id="{00000000-1234-1234-1234-123412341234}" type="slidenum">
-              <a:rPr lang="en"/>
-              <a:t>7</a:t>
-            </a:fld>
-            <a:endParaRPr/>
+            <a:r>
+              <a:rPr lang="es-ES" sz="1400" dirty="0"/>
+              <a:t>Componente basado en A-Frame.</a:t>
+            </a:r>
+          </a:p>
+          <a:p>
+            <a:pPr marL="285750" lvl="0" indent="-285750" algn="l" rtl="0">
+              <a:spcBef>
+                <a:spcPts val="600"/>
+              </a:spcBef>
+              <a:spcAft>
+                <a:spcPts val="0"/>
+              </a:spcAft>
+              <a:buFont typeface="Wingdings" panose="05000000000000000000" pitchFamily="2" charset="2"/>
+              <a:buChar char="v"/>
+            </a:pPr>
+            <a:endParaRPr lang="es-ES" sz="1400" dirty="0"/>
+          </a:p>
+          <a:p>
+            <a:pPr marL="285750" lvl="0" indent="-285750" algn="l" rtl="0">
+              <a:spcBef>
+                <a:spcPts val="600"/>
+              </a:spcBef>
+              <a:spcAft>
+                <a:spcPts val="0"/>
+              </a:spcAft>
+              <a:buFont typeface="Wingdings" panose="05000000000000000000" pitchFamily="2" charset="2"/>
+              <a:buChar char="v"/>
+            </a:pPr>
+            <a:r>
+              <a:rPr lang="es-ES" sz="1400" dirty="0"/>
+              <a:t>API con gran cantidad de funcionalidades.</a:t>
+            </a:r>
+          </a:p>
+          <a:p>
+            <a:pPr marL="285750" lvl="0" indent="-285750" algn="l" rtl="0">
+              <a:spcBef>
+                <a:spcPts val="600"/>
+              </a:spcBef>
+              <a:spcAft>
+                <a:spcPts val="0"/>
+              </a:spcAft>
+              <a:buFont typeface="Wingdings" panose="05000000000000000000" pitchFamily="2" charset="2"/>
+              <a:buChar char="v"/>
+            </a:pPr>
+            <a:endParaRPr lang="es-ES" sz="1400" dirty="0"/>
+          </a:p>
+          <a:p>
+            <a:pPr marL="285750" lvl="0" indent="-285750" algn="l" rtl="0">
+              <a:spcBef>
+                <a:spcPts val="600"/>
+              </a:spcBef>
+              <a:spcAft>
+                <a:spcPts val="0"/>
+              </a:spcAft>
+              <a:buFont typeface="Wingdings" panose="05000000000000000000" pitchFamily="2" charset="2"/>
+              <a:buChar char="v"/>
+            </a:pPr>
+            <a:r>
+              <a:rPr lang="es-ES" sz="1400" dirty="0"/>
+              <a:t>Provee distintos tipos de gráficos.</a:t>
+            </a:r>
+          </a:p>
+          <a:p>
+            <a:pPr marL="285750" lvl="0" indent="-285750" algn="l" rtl="0">
+              <a:spcBef>
+                <a:spcPts val="600"/>
+              </a:spcBef>
+              <a:spcAft>
+                <a:spcPts val="0"/>
+              </a:spcAft>
+              <a:buFont typeface="Wingdings" panose="05000000000000000000" pitchFamily="2" charset="2"/>
+              <a:buChar char="v"/>
+            </a:pPr>
+            <a:endParaRPr lang="es-ES" sz="1400" dirty="0"/>
+          </a:p>
+          <a:p>
+            <a:pPr marL="285750" lvl="0" indent="-285750" algn="l" rtl="0">
+              <a:spcBef>
+                <a:spcPts val="600"/>
+              </a:spcBef>
+              <a:spcAft>
+                <a:spcPts val="0"/>
+              </a:spcAft>
+              <a:buFont typeface="Wingdings" panose="05000000000000000000" pitchFamily="2" charset="2"/>
+              <a:buChar char="v"/>
+            </a:pPr>
+            <a:r>
+              <a:rPr lang="es-ES" sz="1400" dirty="0"/>
+              <a:t>Leyenda y </a:t>
+            </a:r>
+            <a:r>
+              <a:rPr lang="es-ES" sz="1400" dirty="0" err="1"/>
+              <a:t>tooltips</a:t>
+            </a:r>
+            <a:r>
+              <a:rPr lang="es-ES" sz="1400" dirty="0"/>
+              <a:t>.</a:t>
+            </a:r>
+            <a:endParaRPr sz="1400" dirty="0"/>
           </a:p>
         </p:txBody>
       </p:sp>
+      <p:sp>
+        <p:nvSpPr>
+          <p:cNvPr id="374" name="Google Shape;374;p19"/>
+          <p:cNvSpPr txBox="1">
+            <a:spLocks noGrp="1"/>
+          </p:cNvSpPr>
+          <p:nvPr>
+            <p:ph type="body" idx="2"/>
+          </p:nvPr>
+        </p:nvSpPr>
+        <p:spPr>
+          <a:xfrm>
+            <a:off x="4494736" y="1171085"/>
+            <a:ext cx="4274595" cy="3077100"/>
+          </a:xfrm>
+          <a:prstGeom prst="rect">
+            <a:avLst/>
+          </a:prstGeom>
+        </p:spPr>
+        <p:txBody>
+          <a:bodyPr spcFirstLastPara="1" wrap="square" lIns="0" tIns="0" rIns="0" bIns="0" anchor="t" anchorCtr="0">
+            <a:noAutofit/>
+          </a:bodyPr>
+          <a:lstStyle/>
+          <a:p>
+            <a:pPr marL="285750" indent="-285750">
+              <a:buFont typeface="Wingdings" panose="05000000000000000000" pitchFamily="2" charset="2"/>
+              <a:buChar char="Ø"/>
+            </a:pPr>
+            <a:r>
+              <a:rPr lang="es-ES" sz="1400" dirty="0"/>
+              <a:t>Fácil integración y puesta en marcha.</a:t>
+            </a:r>
+          </a:p>
+          <a:p>
+            <a:pPr marL="285750" indent="-285750">
+              <a:buFont typeface="Wingdings" panose="05000000000000000000" pitchFamily="2" charset="2"/>
+              <a:buChar char="v"/>
+            </a:pPr>
+            <a:endParaRPr lang="es-ES" sz="1400" dirty="0"/>
+          </a:p>
+          <a:p>
+            <a:pPr marL="285750" indent="-285750">
+              <a:buFont typeface="Wingdings" panose="05000000000000000000" pitchFamily="2" charset="2"/>
+              <a:buChar char="Ø"/>
+            </a:pPr>
+            <a:r>
+              <a:rPr lang="es-ES" sz="1400" dirty="0"/>
+              <a:t>Alto rendimiento para grandes volúmenes de datos.</a:t>
+            </a:r>
+          </a:p>
+          <a:p>
+            <a:pPr marL="285750" indent="-285750">
+              <a:buFont typeface="Wingdings" panose="05000000000000000000" pitchFamily="2" charset="2"/>
+              <a:buChar char="v"/>
+            </a:pPr>
+            <a:endParaRPr lang="es-ES" sz="1400" dirty="0"/>
+          </a:p>
+          <a:p>
+            <a:pPr marL="285750" indent="-285750">
+              <a:buFont typeface="Wingdings" panose="05000000000000000000" pitchFamily="2" charset="2"/>
+              <a:buChar char="Ø"/>
+            </a:pPr>
+            <a:r>
+              <a:rPr lang="es-ES" sz="1400" dirty="0"/>
+              <a:t>Dinamismo y varios gráficos en una escena.</a:t>
+            </a:r>
+          </a:p>
+          <a:p>
+            <a:pPr marL="285750" indent="-285750">
+              <a:buFont typeface="Wingdings" panose="05000000000000000000" pitchFamily="2" charset="2"/>
+              <a:buChar char="Ø"/>
+            </a:pPr>
+            <a:endParaRPr lang="es-ES" sz="1400" dirty="0"/>
+          </a:p>
+          <a:p>
+            <a:pPr marL="285750" indent="-285750">
+              <a:buFont typeface="Wingdings" panose="05000000000000000000" pitchFamily="2" charset="2"/>
+              <a:buChar char="Ø"/>
+            </a:pPr>
+            <a:r>
+              <a:rPr lang="es-ES" sz="1400" dirty="0"/>
+              <a:t>Dispositivos de VR y </a:t>
+            </a:r>
+            <a:r>
+              <a:rPr lang="es-ES" sz="1400" dirty="0" err="1"/>
+              <a:t>responsive</a:t>
+            </a:r>
+            <a:r>
+              <a:rPr lang="es-ES" sz="1400" dirty="0"/>
+              <a:t> para cualquier navegador.</a:t>
+            </a:r>
+          </a:p>
+          <a:p>
+            <a:pPr marL="285750" indent="-285750"/>
+            <a:endParaRPr lang="es-ES" sz="1600" dirty="0"/>
+          </a:p>
+          <a:p>
+            <a:pPr marL="0" lvl="0" indent="0" algn="l" rtl="0">
+              <a:spcBef>
+                <a:spcPts val="600"/>
+              </a:spcBef>
+              <a:spcAft>
+                <a:spcPts val="0"/>
+              </a:spcAft>
+              <a:buNone/>
+            </a:pPr>
+            <a:endParaRPr sz="1600" dirty="0"/>
+          </a:p>
+        </p:txBody>
+      </p:sp>
+      <p:sp>
+        <p:nvSpPr>
+          <p:cNvPr id="7" name="Google Shape;345;p17"/>
+          <p:cNvSpPr txBox="1">
+            <a:spLocks/>
+          </p:cNvSpPr>
+          <p:nvPr/>
+        </p:nvSpPr>
+        <p:spPr>
+          <a:xfrm>
+            <a:off x="776449" y="127746"/>
+            <a:ext cx="6524895" cy="392165"/>
+          </a:xfrm>
+          <a:prstGeom prst="rect">
+            <a:avLst/>
+          </a:prstGeom>
+          <a:noFill/>
+          <a:ln>
+            <a:noFill/>
+          </a:ln>
+        </p:spPr>
+        <p:txBody>
+          <a:bodyPr spcFirstLastPara="1" wrap="square" lIns="0" tIns="0" rIns="0" bIns="0" anchor="b" anchorCtr="0">
+            <a:noAutofit/>
+          </a:bodyPr>
+          <a:lstStyle>
+            <a:defPPr marR="0" lvl="0" algn="l" rtl="0">
+              <a:lnSpc>
+                <a:spcPct val="100000"/>
+              </a:lnSpc>
+              <a:spcBef>
+                <a:spcPts val="0"/>
+              </a:spcBef>
+              <a:spcAft>
+                <a:spcPts val="0"/>
+              </a:spcAft>
+            </a:defPPr>
+            <a:lvl1pPr marR="0" lvl="0" algn="l" rtl="0">
+              <a:lnSpc>
+                <a:spcPct val="100000"/>
+              </a:lnSpc>
+              <a:spcBef>
+                <a:spcPts val="0"/>
+              </a:spcBef>
+              <a:spcAft>
+                <a:spcPts val="0"/>
+              </a:spcAft>
+              <a:buClr>
+                <a:schemeClr val="dk1"/>
+              </a:buClr>
+              <a:buSzPts val="1800"/>
+              <a:buFont typeface="Poppins"/>
+              <a:buNone/>
+              <a:defRPr sz="1800" b="1" i="0" u="none" strike="noStrike" cap="none">
+                <a:solidFill>
+                  <a:schemeClr val="dk1"/>
+                </a:solidFill>
+                <a:latin typeface="Poppins"/>
+                <a:ea typeface="Poppins"/>
+                <a:cs typeface="Poppins"/>
+                <a:sym typeface="Poppins"/>
+              </a:defRPr>
+            </a:lvl1pPr>
+            <a:lvl2pPr marR="0" lvl="1" algn="l" rtl="0">
+              <a:lnSpc>
+                <a:spcPct val="100000"/>
+              </a:lnSpc>
+              <a:spcBef>
+                <a:spcPts val="0"/>
+              </a:spcBef>
+              <a:spcAft>
+                <a:spcPts val="0"/>
+              </a:spcAft>
+              <a:buClr>
+                <a:schemeClr val="dk1"/>
+              </a:buClr>
+              <a:buSzPts val="1800"/>
+              <a:buFont typeface="Poppins"/>
+              <a:buNone/>
+              <a:defRPr sz="1800" b="1" i="0" u="none" strike="noStrike" cap="none">
+                <a:solidFill>
+                  <a:schemeClr val="dk1"/>
+                </a:solidFill>
+                <a:latin typeface="Poppins"/>
+                <a:ea typeface="Poppins"/>
+                <a:cs typeface="Poppins"/>
+                <a:sym typeface="Poppins"/>
+              </a:defRPr>
+            </a:lvl2pPr>
+            <a:lvl3pPr marR="0" lvl="2" algn="l" rtl="0">
+              <a:lnSpc>
+                <a:spcPct val="100000"/>
+              </a:lnSpc>
+              <a:spcBef>
+                <a:spcPts val="0"/>
+              </a:spcBef>
+              <a:spcAft>
+                <a:spcPts val="0"/>
+              </a:spcAft>
+              <a:buClr>
+                <a:schemeClr val="dk1"/>
+              </a:buClr>
+              <a:buSzPts val="1800"/>
+              <a:buFont typeface="Poppins"/>
+              <a:buNone/>
+              <a:defRPr sz="1800" b="1" i="0" u="none" strike="noStrike" cap="none">
+                <a:solidFill>
+                  <a:schemeClr val="dk1"/>
+                </a:solidFill>
+                <a:latin typeface="Poppins"/>
+                <a:ea typeface="Poppins"/>
+                <a:cs typeface="Poppins"/>
+                <a:sym typeface="Poppins"/>
+              </a:defRPr>
+            </a:lvl3pPr>
+            <a:lvl4pPr marR="0" lvl="3" algn="l" rtl="0">
+              <a:lnSpc>
+                <a:spcPct val="100000"/>
+              </a:lnSpc>
+              <a:spcBef>
+                <a:spcPts val="0"/>
+              </a:spcBef>
+              <a:spcAft>
+                <a:spcPts val="0"/>
+              </a:spcAft>
+              <a:buClr>
+                <a:schemeClr val="dk1"/>
+              </a:buClr>
+              <a:buSzPts val="1800"/>
+              <a:buFont typeface="Poppins"/>
+              <a:buNone/>
+              <a:defRPr sz="1800" b="1" i="0" u="none" strike="noStrike" cap="none">
+                <a:solidFill>
+                  <a:schemeClr val="dk1"/>
+                </a:solidFill>
+                <a:latin typeface="Poppins"/>
+                <a:ea typeface="Poppins"/>
+                <a:cs typeface="Poppins"/>
+                <a:sym typeface="Poppins"/>
+              </a:defRPr>
+            </a:lvl4pPr>
+            <a:lvl5pPr marR="0" lvl="4" algn="l" rtl="0">
+              <a:lnSpc>
+                <a:spcPct val="100000"/>
+              </a:lnSpc>
+              <a:spcBef>
+                <a:spcPts val="0"/>
+              </a:spcBef>
+              <a:spcAft>
+                <a:spcPts val="0"/>
+              </a:spcAft>
+              <a:buClr>
+                <a:schemeClr val="dk1"/>
+              </a:buClr>
+              <a:buSzPts val="1800"/>
+              <a:buFont typeface="Poppins"/>
+              <a:buNone/>
+              <a:defRPr sz="1800" b="1" i="0" u="none" strike="noStrike" cap="none">
+                <a:solidFill>
+                  <a:schemeClr val="dk1"/>
+                </a:solidFill>
+                <a:latin typeface="Poppins"/>
+                <a:ea typeface="Poppins"/>
+                <a:cs typeface="Poppins"/>
+                <a:sym typeface="Poppins"/>
+              </a:defRPr>
+            </a:lvl5pPr>
+            <a:lvl6pPr marR="0" lvl="5" algn="l" rtl="0">
+              <a:lnSpc>
+                <a:spcPct val="100000"/>
+              </a:lnSpc>
+              <a:spcBef>
+                <a:spcPts val="0"/>
+              </a:spcBef>
+              <a:spcAft>
+                <a:spcPts val="0"/>
+              </a:spcAft>
+              <a:buClr>
+                <a:schemeClr val="dk1"/>
+              </a:buClr>
+              <a:buSzPts val="1800"/>
+              <a:buFont typeface="Poppins"/>
+              <a:buNone/>
+              <a:defRPr sz="1800" b="1" i="0" u="none" strike="noStrike" cap="none">
+                <a:solidFill>
+                  <a:schemeClr val="dk1"/>
+                </a:solidFill>
+                <a:latin typeface="Poppins"/>
+                <a:ea typeface="Poppins"/>
+                <a:cs typeface="Poppins"/>
+                <a:sym typeface="Poppins"/>
+              </a:defRPr>
+            </a:lvl6pPr>
+            <a:lvl7pPr marR="0" lvl="6" algn="l" rtl="0">
+              <a:lnSpc>
+                <a:spcPct val="100000"/>
+              </a:lnSpc>
+              <a:spcBef>
+                <a:spcPts val="0"/>
+              </a:spcBef>
+              <a:spcAft>
+                <a:spcPts val="0"/>
+              </a:spcAft>
+              <a:buClr>
+                <a:schemeClr val="dk1"/>
+              </a:buClr>
+              <a:buSzPts val="1800"/>
+              <a:buFont typeface="Poppins"/>
+              <a:buNone/>
+              <a:defRPr sz="1800" b="1" i="0" u="none" strike="noStrike" cap="none">
+                <a:solidFill>
+                  <a:schemeClr val="dk1"/>
+                </a:solidFill>
+                <a:latin typeface="Poppins"/>
+                <a:ea typeface="Poppins"/>
+                <a:cs typeface="Poppins"/>
+                <a:sym typeface="Poppins"/>
+              </a:defRPr>
+            </a:lvl7pPr>
+            <a:lvl8pPr marR="0" lvl="7" algn="l" rtl="0">
+              <a:lnSpc>
+                <a:spcPct val="100000"/>
+              </a:lnSpc>
+              <a:spcBef>
+                <a:spcPts val="0"/>
+              </a:spcBef>
+              <a:spcAft>
+                <a:spcPts val="0"/>
+              </a:spcAft>
+              <a:buClr>
+                <a:schemeClr val="dk1"/>
+              </a:buClr>
+              <a:buSzPts val="1800"/>
+              <a:buFont typeface="Poppins"/>
+              <a:buNone/>
+              <a:defRPr sz="1800" b="1" i="0" u="none" strike="noStrike" cap="none">
+                <a:solidFill>
+                  <a:schemeClr val="dk1"/>
+                </a:solidFill>
+                <a:latin typeface="Poppins"/>
+                <a:ea typeface="Poppins"/>
+                <a:cs typeface="Poppins"/>
+                <a:sym typeface="Poppins"/>
+              </a:defRPr>
+            </a:lvl8pPr>
+            <a:lvl9pPr marR="0" lvl="8" algn="l" rtl="0">
+              <a:lnSpc>
+                <a:spcPct val="100000"/>
+              </a:lnSpc>
+              <a:spcBef>
+                <a:spcPts val="0"/>
+              </a:spcBef>
+              <a:spcAft>
+                <a:spcPts val="0"/>
+              </a:spcAft>
+              <a:buClr>
+                <a:schemeClr val="dk1"/>
+              </a:buClr>
+              <a:buSzPts val="1800"/>
+              <a:buFont typeface="Poppins"/>
+              <a:buNone/>
+              <a:defRPr sz="1800" b="1" i="0" u="none" strike="noStrike" cap="none">
+                <a:solidFill>
+                  <a:schemeClr val="dk1"/>
+                </a:solidFill>
+                <a:latin typeface="Poppins"/>
+                <a:ea typeface="Poppins"/>
+                <a:cs typeface="Poppins"/>
+                <a:sym typeface="Poppins"/>
+              </a:defRPr>
+            </a:lvl9pPr>
+          </a:lstStyle>
+          <a:p>
+            <a:r>
+              <a:rPr lang="es-ES" sz="2400" dirty="0"/>
+              <a:t>A-Frame Charts </a:t>
+            </a:r>
+            <a:r>
+              <a:rPr lang="es-ES" sz="2400" dirty="0" err="1"/>
+              <a:t>Component</a:t>
+            </a:r>
+            <a:endParaRPr lang="es-ES" sz="1000" dirty="0"/>
+          </a:p>
+        </p:txBody>
+      </p:sp>
+      <p:pic>
+        <p:nvPicPr>
+          <p:cNvPr id="2" name="Imagen 1">
+            <a:extLst>
+              <a:ext uri="{FF2B5EF4-FFF2-40B4-BE49-F238E27FC236}">
+                <a16:creationId xmlns:a16="http://schemas.microsoft.com/office/drawing/2014/main" id="{8FA4401C-CCF7-4D30-90DE-9F3216134F9D}"/>
+              </a:ext>
+            </a:extLst>
+          </p:cNvPr>
+          <p:cNvPicPr>
+            <a:picLocks noChangeAspect="1"/>
+          </p:cNvPicPr>
+          <p:nvPr/>
+        </p:nvPicPr>
+        <p:blipFill>
+          <a:blip r:embed="rId3" cstate="email">
+            <a:extLst>
+              <a:ext uri="{28A0092B-C50C-407E-A947-70E740481C1C}">
+                <a14:useLocalDpi xmlns:a14="http://schemas.microsoft.com/office/drawing/2010/main" val="0"/>
+              </a:ext>
+            </a:extLst>
+          </a:blip>
+          <a:stretch>
+            <a:fillRect/>
+          </a:stretch>
+        </p:blipFill>
+        <p:spPr>
+          <a:xfrm>
+            <a:off x="7648014" y="4538387"/>
+            <a:ext cx="1322305" cy="504543"/>
+          </a:xfrm>
+          <a:prstGeom prst="rect">
+            <a:avLst/>
+          </a:prstGeom>
+        </p:spPr>
+      </p:pic>
+    </p:spTree>
+    <p:extLst>
+      <p:ext uri="{BB962C8B-B14F-4D97-AF65-F5344CB8AC3E}">
+        <p14:creationId xmlns:p14="http://schemas.microsoft.com/office/powerpoint/2010/main" val="87354229"/>
+      </p:ext>
+    </p:extLst>
+  </p:cSld>
+  <p:clrMapOvr>
+    <a:masterClrMapping/>
+  </p:clrMapOvr>
+</p:sld>
+</file>
+
+<file path=ppt/slides/slide8.xml><?xml version="1.0" encoding="utf-8"?>
+<p:sld xmlns:a="http://schemas.openxmlformats.org/drawingml/2006/main" xmlns:r="http://schemas.openxmlformats.org/officeDocument/2006/relationships" xmlns:p="http://schemas.openxmlformats.org/presentationml/2006/main">
+  <p:cSld>
+    <p:spTree>
+      <p:nvGrpSpPr>
+        <p:cNvPr id="1" name="Shape 371"/>
+        <p:cNvGrpSpPr/>
+        <p:nvPr/>
+      </p:nvGrpSpPr>
+      <p:grpSpPr>
+        <a:xfrm>
+          <a:off x="0" y="0"/>
+          <a:ext cx="0" cy="0"/>
+          <a:chOff x="0" y="0"/>
+          <a:chExt cx="0" cy="0"/>
+        </a:xfrm>
+      </p:grpSpPr>
+      <p:sp>
+        <p:nvSpPr>
+          <p:cNvPr id="372" name="Google Shape;372;p19"/>
+          <p:cNvSpPr txBox="1">
+            <a:spLocks noGrp="1"/>
+          </p:cNvSpPr>
+          <p:nvPr>
+            <p:ph type="body" idx="1"/>
+          </p:nvPr>
+        </p:nvSpPr>
+        <p:spPr>
+          <a:xfrm>
+            <a:off x="248544" y="688574"/>
+            <a:ext cx="3795550" cy="392165"/>
+          </a:xfrm>
+          <a:prstGeom prst="rect">
+            <a:avLst/>
+          </a:prstGeom>
+        </p:spPr>
+        <p:txBody>
+          <a:bodyPr spcFirstLastPara="1" wrap="square" lIns="0" tIns="0" rIns="0" bIns="0" anchor="t" anchorCtr="0">
+            <a:noAutofit/>
+          </a:bodyPr>
+          <a:lstStyle/>
+          <a:p>
+            <a:pPr marL="0" lvl="0" indent="0" algn="l" rtl="0">
+              <a:spcBef>
+                <a:spcPts val="600"/>
+              </a:spcBef>
+              <a:spcAft>
+                <a:spcPts val="0"/>
+              </a:spcAft>
+              <a:buNone/>
+            </a:pPr>
+            <a:r>
+              <a:rPr lang="es-ES" sz="1600" dirty="0"/>
+              <a:t>Datos</a:t>
+            </a:r>
+            <a:endParaRPr sz="1600" dirty="0"/>
+          </a:p>
+        </p:txBody>
+      </p:sp>
+      <p:pic>
+        <p:nvPicPr>
+          <p:cNvPr id="2" name="Imagen 1">
+            <a:extLst>
+              <a:ext uri="{FF2B5EF4-FFF2-40B4-BE49-F238E27FC236}">
+                <a16:creationId xmlns:a16="http://schemas.microsoft.com/office/drawing/2014/main" id="{8FA4401C-CCF7-4D30-90DE-9F3216134F9D}"/>
+              </a:ext>
+            </a:extLst>
+          </p:cNvPr>
+          <p:cNvPicPr>
+            <a:picLocks noChangeAspect="1"/>
+          </p:cNvPicPr>
+          <p:nvPr/>
+        </p:nvPicPr>
+        <p:blipFill>
+          <a:blip r:embed="rId3" cstate="email">
+            <a:extLst>
+              <a:ext uri="{28A0092B-C50C-407E-A947-70E740481C1C}">
+                <a14:useLocalDpi xmlns:a14="http://schemas.microsoft.com/office/drawing/2010/main" val="0"/>
+              </a:ext>
+            </a:extLst>
+          </a:blip>
+          <a:stretch>
+            <a:fillRect/>
+          </a:stretch>
+        </p:blipFill>
+        <p:spPr>
+          <a:xfrm>
+            <a:off x="7648014" y="4538387"/>
+            <a:ext cx="1322305" cy="504543"/>
+          </a:xfrm>
+          <a:prstGeom prst="rect">
+            <a:avLst/>
+          </a:prstGeom>
+        </p:spPr>
+      </p:pic>
+      <p:pic>
+        <p:nvPicPr>
+          <p:cNvPr id="4" name="Imagen 3">
+            <a:extLst>
+              <a:ext uri="{FF2B5EF4-FFF2-40B4-BE49-F238E27FC236}">
+                <a16:creationId xmlns:a16="http://schemas.microsoft.com/office/drawing/2014/main" id="{35CF7C43-6B0F-49AF-A332-BD4CA9EF7F07}"/>
+              </a:ext>
+            </a:extLst>
+          </p:cNvPr>
+          <p:cNvPicPr>
+            <a:picLocks noChangeAspect="1"/>
+          </p:cNvPicPr>
+          <p:nvPr/>
+        </p:nvPicPr>
+        <p:blipFill>
+          <a:blip r:embed="rId4"/>
+          <a:stretch>
+            <a:fillRect/>
+          </a:stretch>
+        </p:blipFill>
+        <p:spPr>
+          <a:xfrm>
+            <a:off x="104408" y="2951690"/>
+            <a:ext cx="5742211" cy="1737565"/>
+          </a:xfrm>
+          <a:prstGeom prst="rect">
+            <a:avLst/>
+          </a:prstGeom>
+        </p:spPr>
+      </p:pic>
+      <p:pic>
+        <p:nvPicPr>
+          <p:cNvPr id="5" name="Imagen 4">
+            <a:extLst>
+              <a:ext uri="{FF2B5EF4-FFF2-40B4-BE49-F238E27FC236}">
+                <a16:creationId xmlns:a16="http://schemas.microsoft.com/office/drawing/2014/main" id="{E572131E-F548-421C-A171-AA68B324474F}"/>
+              </a:ext>
+            </a:extLst>
+          </p:cNvPr>
+          <p:cNvPicPr>
+            <a:picLocks noChangeAspect="1"/>
+          </p:cNvPicPr>
+          <p:nvPr/>
+        </p:nvPicPr>
+        <p:blipFill>
+          <a:blip r:embed="rId5"/>
+          <a:stretch>
+            <a:fillRect/>
+          </a:stretch>
+        </p:blipFill>
+        <p:spPr>
+          <a:xfrm>
+            <a:off x="5990755" y="1181099"/>
+            <a:ext cx="3092272" cy="3065319"/>
+          </a:xfrm>
+          <a:prstGeom prst="rect">
+            <a:avLst/>
+          </a:prstGeom>
+        </p:spPr>
+      </p:pic>
+      <p:pic>
+        <p:nvPicPr>
+          <p:cNvPr id="6" name="Imagen 5">
+            <a:extLst>
+              <a:ext uri="{FF2B5EF4-FFF2-40B4-BE49-F238E27FC236}">
+                <a16:creationId xmlns:a16="http://schemas.microsoft.com/office/drawing/2014/main" id="{0415DB96-31C7-48FC-A4D1-179A95E5D4DA}"/>
+              </a:ext>
+            </a:extLst>
+          </p:cNvPr>
+          <p:cNvPicPr>
+            <a:picLocks noChangeAspect="1"/>
+          </p:cNvPicPr>
+          <p:nvPr/>
+        </p:nvPicPr>
+        <p:blipFill>
+          <a:blip r:embed="rId6"/>
+          <a:stretch>
+            <a:fillRect/>
+          </a:stretch>
+        </p:blipFill>
+        <p:spPr>
+          <a:xfrm>
+            <a:off x="104408" y="1181099"/>
+            <a:ext cx="4232065" cy="1209161"/>
+          </a:xfrm>
+          <a:prstGeom prst="rect">
+            <a:avLst/>
+          </a:prstGeom>
+        </p:spPr>
+      </p:pic>
+      <p:sp>
+        <p:nvSpPr>
+          <p:cNvPr id="10" name="Google Shape;372;p19">
+            <a:extLst>
+              <a:ext uri="{FF2B5EF4-FFF2-40B4-BE49-F238E27FC236}">
+                <a16:creationId xmlns:a16="http://schemas.microsoft.com/office/drawing/2014/main" id="{3BF12D39-E448-4D96-A2C4-C064F021BDCF}"/>
+              </a:ext>
+            </a:extLst>
+          </p:cNvPr>
+          <p:cNvSpPr txBox="1">
+            <a:spLocks/>
+          </p:cNvSpPr>
+          <p:nvPr/>
+        </p:nvSpPr>
+        <p:spPr>
+          <a:xfrm>
+            <a:off x="248544" y="2559525"/>
+            <a:ext cx="3795550" cy="392165"/>
+          </a:xfrm>
+          <a:prstGeom prst="rect">
+            <a:avLst/>
+          </a:prstGeom>
+          <a:noFill/>
+          <a:ln>
+            <a:noFill/>
+          </a:ln>
+        </p:spPr>
+        <p:txBody>
+          <a:bodyPr spcFirstLastPara="1" wrap="square" lIns="0" tIns="0" rIns="0" bIns="0" anchor="t" anchorCtr="0">
+            <a:noAutofit/>
+          </a:bodyPr>
+          <a:lstStyle>
+            <a:defPPr marR="0" lvl="0" algn="l" rtl="0">
+              <a:lnSpc>
+                <a:spcPct val="100000"/>
+              </a:lnSpc>
+              <a:spcBef>
+                <a:spcPts val="0"/>
+              </a:spcBef>
+              <a:spcAft>
+                <a:spcPts val="0"/>
+              </a:spcAft>
+            </a:defPPr>
+            <a:lvl1pPr marL="457200" marR="0" lvl="0" indent="-355600" algn="l" rtl="0">
+              <a:lnSpc>
+                <a:spcPct val="120000"/>
+              </a:lnSpc>
+              <a:spcBef>
+                <a:spcPts val="600"/>
+              </a:spcBef>
+              <a:spcAft>
+                <a:spcPts val="0"/>
+              </a:spcAft>
+              <a:buClr>
+                <a:schemeClr val="accent6"/>
+              </a:buClr>
+              <a:buSzPts val="2000"/>
+              <a:buFont typeface="Montserrat Light"/>
+              <a:buChar char="❑"/>
+              <a:defRPr sz="2000" b="0" i="0" u="none" strike="noStrike" cap="none">
+                <a:solidFill>
+                  <a:schemeClr val="dk1"/>
+                </a:solidFill>
+                <a:latin typeface="Montserrat Light"/>
+                <a:ea typeface="Montserrat Light"/>
+                <a:cs typeface="Montserrat Light"/>
+                <a:sym typeface="Montserrat Light"/>
+              </a:defRPr>
+            </a:lvl1pPr>
+            <a:lvl2pPr marL="914400" marR="0" lvl="1" indent="-355600" algn="l" rtl="0">
+              <a:lnSpc>
+                <a:spcPct val="120000"/>
+              </a:lnSpc>
+              <a:spcBef>
+                <a:spcPts val="600"/>
+              </a:spcBef>
+              <a:spcAft>
+                <a:spcPts val="0"/>
+              </a:spcAft>
+              <a:buClr>
+                <a:schemeClr val="accent6"/>
+              </a:buClr>
+              <a:buSzPts val="2000"/>
+              <a:buFont typeface="Montserrat Light"/>
+              <a:buChar char="❏"/>
+              <a:defRPr sz="2000" b="0" i="0" u="none" strike="noStrike" cap="none">
+                <a:solidFill>
+                  <a:schemeClr val="dk1"/>
+                </a:solidFill>
+                <a:latin typeface="Montserrat Light"/>
+                <a:ea typeface="Montserrat Light"/>
+                <a:cs typeface="Montserrat Light"/>
+                <a:sym typeface="Montserrat Light"/>
+              </a:defRPr>
+            </a:lvl2pPr>
+            <a:lvl3pPr marL="1371600" marR="0" lvl="2" indent="-355600" algn="l" rtl="0">
+              <a:lnSpc>
+                <a:spcPct val="120000"/>
+              </a:lnSpc>
+              <a:spcBef>
+                <a:spcPts val="600"/>
+              </a:spcBef>
+              <a:spcAft>
+                <a:spcPts val="0"/>
+              </a:spcAft>
+              <a:buClr>
+                <a:schemeClr val="accent6"/>
+              </a:buClr>
+              <a:buSzPts val="2000"/>
+              <a:buFont typeface="Montserrat Light"/>
+              <a:buChar char="❏"/>
+              <a:defRPr sz="2000" b="0" i="0" u="none" strike="noStrike" cap="none">
+                <a:solidFill>
+                  <a:schemeClr val="dk1"/>
+                </a:solidFill>
+                <a:latin typeface="Montserrat Light"/>
+                <a:ea typeface="Montserrat Light"/>
+                <a:cs typeface="Montserrat Light"/>
+                <a:sym typeface="Montserrat Light"/>
+              </a:defRPr>
+            </a:lvl3pPr>
+            <a:lvl4pPr marL="1828800" marR="0" lvl="3" indent="-355600" algn="l" rtl="0">
+              <a:lnSpc>
+                <a:spcPct val="120000"/>
+              </a:lnSpc>
+              <a:spcBef>
+                <a:spcPts val="600"/>
+              </a:spcBef>
+              <a:spcAft>
+                <a:spcPts val="0"/>
+              </a:spcAft>
+              <a:buClr>
+                <a:schemeClr val="accent6"/>
+              </a:buClr>
+              <a:buSzPts val="2000"/>
+              <a:buFont typeface="Montserrat Light"/>
+              <a:buChar char="❏"/>
+              <a:defRPr sz="2000" b="0" i="0" u="none" strike="noStrike" cap="none">
+                <a:solidFill>
+                  <a:schemeClr val="dk1"/>
+                </a:solidFill>
+                <a:latin typeface="Montserrat Light"/>
+                <a:ea typeface="Montserrat Light"/>
+                <a:cs typeface="Montserrat Light"/>
+                <a:sym typeface="Montserrat Light"/>
+              </a:defRPr>
+            </a:lvl4pPr>
+            <a:lvl5pPr marL="2286000" marR="0" lvl="4" indent="-355600" algn="l" rtl="0">
+              <a:lnSpc>
+                <a:spcPct val="120000"/>
+              </a:lnSpc>
+              <a:spcBef>
+                <a:spcPts val="600"/>
+              </a:spcBef>
+              <a:spcAft>
+                <a:spcPts val="0"/>
+              </a:spcAft>
+              <a:buClr>
+                <a:schemeClr val="accent6"/>
+              </a:buClr>
+              <a:buSzPts val="2000"/>
+              <a:buFont typeface="Montserrat Light"/>
+              <a:buChar char="❏"/>
+              <a:defRPr sz="2000" b="0" i="0" u="none" strike="noStrike" cap="none">
+                <a:solidFill>
+                  <a:schemeClr val="dk1"/>
+                </a:solidFill>
+                <a:latin typeface="Montserrat Light"/>
+                <a:ea typeface="Montserrat Light"/>
+                <a:cs typeface="Montserrat Light"/>
+                <a:sym typeface="Montserrat Light"/>
+              </a:defRPr>
+            </a:lvl5pPr>
+            <a:lvl6pPr marL="2743200" marR="0" lvl="5" indent="-355600" algn="l" rtl="0">
+              <a:lnSpc>
+                <a:spcPct val="120000"/>
+              </a:lnSpc>
+              <a:spcBef>
+                <a:spcPts val="600"/>
+              </a:spcBef>
+              <a:spcAft>
+                <a:spcPts val="0"/>
+              </a:spcAft>
+              <a:buClr>
+                <a:schemeClr val="accent6"/>
+              </a:buClr>
+              <a:buSzPts val="2000"/>
+              <a:buFont typeface="Montserrat Light"/>
+              <a:buChar char="❏"/>
+              <a:defRPr sz="2000" b="0" i="0" u="none" strike="noStrike" cap="none">
+                <a:solidFill>
+                  <a:schemeClr val="dk1"/>
+                </a:solidFill>
+                <a:latin typeface="Montserrat Light"/>
+                <a:ea typeface="Montserrat Light"/>
+                <a:cs typeface="Montserrat Light"/>
+                <a:sym typeface="Montserrat Light"/>
+              </a:defRPr>
+            </a:lvl6pPr>
+            <a:lvl7pPr marL="3200400" marR="0" lvl="6" indent="-355600" algn="l" rtl="0">
+              <a:lnSpc>
+                <a:spcPct val="120000"/>
+              </a:lnSpc>
+              <a:spcBef>
+                <a:spcPts val="600"/>
+              </a:spcBef>
+              <a:spcAft>
+                <a:spcPts val="0"/>
+              </a:spcAft>
+              <a:buClr>
+                <a:schemeClr val="accent6"/>
+              </a:buClr>
+              <a:buSzPts val="2000"/>
+              <a:buFont typeface="Montserrat Light"/>
+              <a:buChar char="❏"/>
+              <a:defRPr sz="2000" b="0" i="0" u="none" strike="noStrike" cap="none">
+                <a:solidFill>
+                  <a:schemeClr val="dk1"/>
+                </a:solidFill>
+                <a:latin typeface="Montserrat Light"/>
+                <a:ea typeface="Montserrat Light"/>
+                <a:cs typeface="Montserrat Light"/>
+                <a:sym typeface="Montserrat Light"/>
+              </a:defRPr>
+            </a:lvl7pPr>
+            <a:lvl8pPr marL="3657600" marR="0" lvl="7" indent="-355600" algn="l" rtl="0">
+              <a:lnSpc>
+                <a:spcPct val="120000"/>
+              </a:lnSpc>
+              <a:spcBef>
+                <a:spcPts val="600"/>
+              </a:spcBef>
+              <a:spcAft>
+                <a:spcPts val="0"/>
+              </a:spcAft>
+              <a:buClr>
+                <a:schemeClr val="accent6"/>
+              </a:buClr>
+              <a:buSzPts val="2000"/>
+              <a:buFont typeface="Montserrat Light"/>
+              <a:buChar char="❏"/>
+              <a:defRPr sz="2000" b="0" i="0" u="none" strike="noStrike" cap="none">
+                <a:solidFill>
+                  <a:schemeClr val="dk1"/>
+                </a:solidFill>
+                <a:latin typeface="Montserrat Light"/>
+                <a:ea typeface="Montserrat Light"/>
+                <a:cs typeface="Montserrat Light"/>
+                <a:sym typeface="Montserrat Light"/>
+              </a:defRPr>
+            </a:lvl8pPr>
+            <a:lvl9pPr marL="4114800" marR="0" lvl="8" indent="-355600" algn="l" rtl="0">
+              <a:lnSpc>
+                <a:spcPct val="120000"/>
+              </a:lnSpc>
+              <a:spcBef>
+                <a:spcPts val="600"/>
+              </a:spcBef>
+              <a:spcAft>
+                <a:spcPts val="0"/>
+              </a:spcAft>
+              <a:buClr>
+                <a:schemeClr val="accent6"/>
+              </a:buClr>
+              <a:buSzPts val="2000"/>
+              <a:buFont typeface="Montserrat Light"/>
+              <a:buChar char="❏"/>
+              <a:defRPr sz="2000" b="0" i="0" u="none" strike="noStrike" cap="none">
+                <a:solidFill>
+                  <a:schemeClr val="dk1"/>
+                </a:solidFill>
+                <a:latin typeface="Montserrat Light"/>
+                <a:ea typeface="Montserrat Light"/>
+                <a:cs typeface="Montserrat Light"/>
+                <a:sym typeface="Montserrat Light"/>
+              </a:defRPr>
+            </a:lvl9pPr>
+          </a:lstStyle>
+          <a:p>
+            <a:pPr marL="0" indent="0">
+              <a:buFont typeface="Montserrat Light"/>
+              <a:buNone/>
+            </a:pPr>
+            <a:r>
+              <a:rPr lang="es-ES" sz="1600" dirty="0"/>
+              <a:t>HTML</a:t>
+            </a:r>
+          </a:p>
+        </p:txBody>
+      </p:sp>
+      <p:sp>
+        <p:nvSpPr>
+          <p:cNvPr id="11" name="Google Shape;372;p19">
+            <a:extLst>
+              <a:ext uri="{FF2B5EF4-FFF2-40B4-BE49-F238E27FC236}">
+                <a16:creationId xmlns:a16="http://schemas.microsoft.com/office/drawing/2014/main" id="{7DBD8491-C240-4EB0-99D9-7182F26B7E2F}"/>
+              </a:ext>
+            </a:extLst>
+          </p:cNvPr>
+          <p:cNvSpPr txBox="1">
+            <a:spLocks/>
+          </p:cNvSpPr>
+          <p:nvPr/>
+        </p:nvSpPr>
+        <p:spPr>
+          <a:xfrm>
+            <a:off x="6212926" y="688574"/>
+            <a:ext cx="3795550" cy="392165"/>
+          </a:xfrm>
+          <a:prstGeom prst="rect">
+            <a:avLst/>
+          </a:prstGeom>
+          <a:noFill/>
+          <a:ln>
+            <a:noFill/>
+          </a:ln>
+        </p:spPr>
+        <p:txBody>
+          <a:bodyPr spcFirstLastPara="1" wrap="square" lIns="0" tIns="0" rIns="0" bIns="0" anchor="t" anchorCtr="0">
+            <a:noAutofit/>
+          </a:bodyPr>
+          <a:lstStyle>
+            <a:defPPr marR="0" lvl="0" algn="l" rtl="0">
+              <a:lnSpc>
+                <a:spcPct val="100000"/>
+              </a:lnSpc>
+              <a:spcBef>
+                <a:spcPts val="0"/>
+              </a:spcBef>
+              <a:spcAft>
+                <a:spcPts val="0"/>
+              </a:spcAft>
+            </a:defPPr>
+            <a:lvl1pPr marL="457200" marR="0" lvl="0" indent="-355600" algn="l" rtl="0">
+              <a:lnSpc>
+                <a:spcPct val="120000"/>
+              </a:lnSpc>
+              <a:spcBef>
+                <a:spcPts val="600"/>
+              </a:spcBef>
+              <a:spcAft>
+                <a:spcPts val="0"/>
+              </a:spcAft>
+              <a:buClr>
+                <a:schemeClr val="accent6"/>
+              </a:buClr>
+              <a:buSzPts val="2000"/>
+              <a:buFont typeface="Montserrat Light"/>
+              <a:buChar char="❑"/>
+              <a:defRPr sz="2000" b="0" i="0" u="none" strike="noStrike" cap="none">
+                <a:solidFill>
+                  <a:schemeClr val="dk1"/>
+                </a:solidFill>
+                <a:latin typeface="Montserrat Light"/>
+                <a:ea typeface="Montserrat Light"/>
+                <a:cs typeface="Montserrat Light"/>
+                <a:sym typeface="Montserrat Light"/>
+              </a:defRPr>
+            </a:lvl1pPr>
+            <a:lvl2pPr marL="914400" marR="0" lvl="1" indent="-355600" algn="l" rtl="0">
+              <a:lnSpc>
+                <a:spcPct val="120000"/>
+              </a:lnSpc>
+              <a:spcBef>
+                <a:spcPts val="600"/>
+              </a:spcBef>
+              <a:spcAft>
+                <a:spcPts val="0"/>
+              </a:spcAft>
+              <a:buClr>
+                <a:schemeClr val="accent6"/>
+              </a:buClr>
+              <a:buSzPts val="2000"/>
+              <a:buFont typeface="Montserrat Light"/>
+              <a:buChar char="❏"/>
+              <a:defRPr sz="2000" b="0" i="0" u="none" strike="noStrike" cap="none">
+                <a:solidFill>
+                  <a:schemeClr val="dk1"/>
+                </a:solidFill>
+                <a:latin typeface="Montserrat Light"/>
+                <a:ea typeface="Montserrat Light"/>
+                <a:cs typeface="Montserrat Light"/>
+                <a:sym typeface="Montserrat Light"/>
+              </a:defRPr>
+            </a:lvl2pPr>
+            <a:lvl3pPr marL="1371600" marR="0" lvl="2" indent="-355600" algn="l" rtl="0">
+              <a:lnSpc>
+                <a:spcPct val="120000"/>
+              </a:lnSpc>
+              <a:spcBef>
+                <a:spcPts val="600"/>
+              </a:spcBef>
+              <a:spcAft>
+                <a:spcPts val="0"/>
+              </a:spcAft>
+              <a:buClr>
+                <a:schemeClr val="accent6"/>
+              </a:buClr>
+              <a:buSzPts val="2000"/>
+              <a:buFont typeface="Montserrat Light"/>
+              <a:buChar char="❏"/>
+              <a:defRPr sz="2000" b="0" i="0" u="none" strike="noStrike" cap="none">
+                <a:solidFill>
+                  <a:schemeClr val="dk1"/>
+                </a:solidFill>
+                <a:latin typeface="Montserrat Light"/>
+                <a:ea typeface="Montserrat Light"/>
+                <a:cs typeface="Montserrat Light"/>
+                <a:sym typeface="Montserrat Light"/>
+              </a:defRPr>
+            </a:lvl3pPr>
+            <a:lvl4pPr marL="1828800" marR="0" lvl="3" indent="-355600" algn="l" rtl="0">
+              <a:lnSpc>
+                <a:spcPct val="120000"/>
+              </a:lnSpc>
+              <a:spcBef>
+                <a:spcPts val="600"/>
+              </a:spcBef>
+              <a:spcAft>
+                <a:spcPts val="0"/>
+              </a:spcAft>
+              <a:buClr>
+                <a:schemeClr val="accent6"/>
+              </a:buClr>
+              <a:buSzPts val="2000"/>
+              <a:buFont typeface="Montserrat Light"/>
+              <a:buChar char="❏"/>
+              <a:defRPr sz="2000" b="0" i="0" u="none" strike="noStrike" cap="none">
+                <a:solidFill>
+                  <a:schemeClr val="dk1"/>
+                </a:solidFill>
+                <a:latin typeface="Montserrat Light"/>
+                <a:ea typeface="Montserrat Light"/>
+                <a:cs typeface="Montserrat Light"/>
+                <a:sym typeface="Montserrat Light"/>
+              </a:defRPr>
+            </a:lvl4pPr>
+            <a:lvl5pPr marL="2286000" marR="0" lvl="4" indent="-355600" algn="l" rtl="0">
+              <a:lnSpc>
+                <a:spcPct val="120000"/>
+              </a:lnSpc>
+              <a:spcBef>
+                <a:spcPts val="600"/>
+              </a:spcBef>
+              <a:spcAft>
+                <a:spcPts val="0"/>
+              </a:spcAft>
+              <a:buClr>
+                <a:schemeClr val="accent6"/>
+              </a:buClr>
+              <a:buSzPts val="2000"/>
+              <a:buFont typeface="Montserrat Light"/>
+              <a:buChar char="❏"/>
+              <a:defRPr sz="2000" b="0" i="0" u="none" strike="noStrike" cap="none">
+                <a:solidFill>
+                  <a:schemeClr val="dk1"/>
+                </a:solidFill>
+                <a:latin typeface="Montserrat Light"/>
+                <a:ea typeface="Montserrat Light"/>
+                <a:cs typeface="Montserrat Light"/>
+                <a:sym typeface="Montserrat Light"/>
+              </a:defRPr>
+            </a:lvl5pPr>
+            <a:lvl6pPr marL="2743200" marR="0" lvl="5" indent="-355600" algn="l" rtl="0">
+              <a:lnSpc>
+                <a:spcPct val="120000"/>
+              </a:lnSpc>
+              <a:spcBef>
+                <a:spcPts val="600"/>
+              </a:spcBef>
+              <a:spcAft>
+                <a:spcPts val="0"/>
+              </a:spcAft>
+              <a:buClr>
+                <a:schemeClr val="accent6"/>
+              </a:buClr>
+              <a:buSzPts val="2000"/>
+              <a:buFont typeface="Montserrat Light"/>
+              <a:buChar char="❏"/>
+              <a:defRPr sz="2000" b="0" i="0" u="none" strike="noStrike" cap="none">
+                <a:solidFill>
+                  <a:schemeClr val="dk1"/>
+                </a:solidFill>
+                <a:latin typeface="Montserrat Light"/>
+                <a:ea typeface="Montserrat Light"/>
+                <a:cs typeface="Montserrat Light"/>
+                <a:sym typeface="Montserrat Light"/>
+              </a:defRPr>
+            </a:lvl6pPr>
+            <a:lvl7pPr marL="3200400" marR="0" lvl="6" indent="-355600" algn="l" rtl="0">
+              <a:lnSpc>
+                <a:spcPct val="120000"/>
+              </a:lnSpc>
+              <a:spcBef>
+                <a:spcPts val="600"/>
+              </a:spcBef>
+              <a:spcAft>
+                <a:spcPts val="0"/>
+              </a:spcAft>
+              <a:buClr>
+                <a:schemeClr val="accent6"/>
+              </a:buClr>
+              <a:buSzPts val="2000"/>
+              <a:buFont typeface="Montserrat Light"/>
+              <a:buChar char="❏"/>
+              <a:defRPr sz="2000" b="0" i="0" u="none" strike="noStrike" cap="none">
+                <a:solidFill>
+                  <a:schemeClr val="dk1"/>
+                </a:solidFill>
+                <a:latin typeface="Montserrat Light"/>
+                <a:ea typeface="Montserrat Light"/>
+                <a:cs typeface="Montserrat Light"/>
+                <a:sym typeface="Montserrat Light"/>
+              </a:defRPr>
+            </a:lvl7pPr>
+            <a:lvl8pPr marL="3657600" marR="0" lvl="7" indent="-355600" algn="l" rtl="0">
+              <a:lnSpc>
+                <a:spcPct val="120000"/>
+              </a:lnSpc>
+              <a:spcBef>
+                <a:spcPts val="600"/>
+              </a:spcBef>
+              <a:spcAft>
+                <a:spcPts val="0"/>
+              </a:spcAft>
+              <a:buClr>
+                <a:schemeClr val="accent6"/>
+              </a:buClr>
+              <a:buSzPts val="2000"/>
+              <a:buFont typeface="Montserrat Light"/>
+              <a:buChar char="❏"/>
+              <a:defRPr sz="2000" b="0" i="0" u="none" strike="noStrike" cap="none">
+                <a:solidFill>
+                  <a:schemeClr val="dk1"/>
+                </a:solidFill>
+                <a:latin typeface="Montserrat Light"/>
+                <a:ea typeface="Montserrat Light"/>
+                <a:cs typeface="Montserrat Light"/>
+                <a:sym typeface="Montserrat Light"/>
+              </a:defRPr>
+            </a:lvl8pPr>
+            <a:lvl9pPr marL="4114800" marR="0" lvl="8" indent="-355600" algn="l" rtl="0">
+              <a:lnSpc>
+                <a:spcPct val="120000"/>
+              </a:lnSpc>
+              <a:spcBef>
+                <a:spcPts val="600"/>
+              </a:spcBef>
+              <a:spcAft>
+                <a:spcPts val="0"/>
+              </a:spcAft>
+              <a:buClr>
+                <a:schemeClr val="accent6"/>
+              </a:buClr>
+              <a:buSzPts val="2000"/>
+              <a:buFont typeface="Montserrat Light"/>
+              <a:buChar char="❏"/>
+              <a:defRPr sz="2000" b="0" i="0" u="none" strike="noStrike" cap="none">
+                <a:solidFill>
+                  <a:schemeClr val="dk1"/>
+                </a:solidFill>
+                <a:latin typeface="Montserrat Light"/>
+                <a:ea typeface="Montserrat Light"/>
+                <a:cs typeface="Montserrat Light"/>
+                <a:sym typeface="Montserrat Light"/>
+              </a:defRPr>
+            </a:lvl9pPr>
+          </a:lstStyle>
+          <a:p>
+            <a:pPr marL="0" indent="0">
+              <a:buFont typeface="Montserrat Light"/>
+              <a:buNone/>
+            </a:pPr>
+            <a:r>
+              <a:rPr lang="es-ES" sz="1600" dirty="0"/>
+              <a:t>Resultado</a:t>
+            </a:r>
+          </a:p>
+        </p:txBody>
+      </p:sp>
+      <p:sp>
+        <p:nvSpPr>
+          <p:cNvPr id="8" name="Google Shape;345;p17">
+            <a:extLst>
+              <a:ext uri="{FF2B5EF4-FFF2-40B4-BE49-F238E27FC236}">
+                <a16:creationId xmlns:a16="http://schemas.microsoft.com/office/drawing/2014/main" id="{58206F7C-0F4A-4C77-86E9-FE91F8DDD88B}"/>
+              </a:ext>
+            </a:extLst>
+          </p:cNvPr>
+          <p:cNvSpPr txBox="1">
+            <a:spLocks/>
+          </p:cNvSpPr>
+          <p:nvPr/>
+        </p:nvSpPr>
+        <p:spPr>
+          <a:xfrm>
+            <a:off x="776449" y="127746"/>
+            <a:ext cx="6524895" cy="392165"/>
+          </a:xfrm>
+          <a:prstGeom prst="rect">
+            <a:avLst/>
+          </a:prstGeom>
+          <a:noFill/>
+          <a:ln>
+            <a:noFill/>
+          </a:ln>
+        </p:spPr>
+        <p:txBody>
+          <a:bodyPr spcFirstLastPara="1" wrap="square" lIns="0" tIns="0" rIns="0" bIns="0" anchor="b" anchorCtr="0">
+            <a:noAutofit/>
+          </a:bodyPr>
+          <a:lstStyle>
+            <a:defPPr marR="0" lvl="0" algn="l" rtl="0">
+              <a:lnSpc>
+                <a:spcPct val="100000"/>
+              </a:lnSpc>
+              <a:spcBef>
+                <a:spcPts val="0"/>
+              </a:spcBef>
+              <a:spcAft>
+                <a:spcPts val="0"/>
+              </a:spcAft>
+            </a:defPPr>
+            <a:lvl1pPr marR="0" lvl="0" algn="l" rtl="0">
+              <a:lnSpc>
+                <a:spcPct val="100000"/>
+              </a:lnSpc>
+              <a:spcBef>
+                <a:spcPts val="0"/>
+              </a:spcBef>
+              <a:spcAft>
+                <a:spcPts val="0"/>
+              </a:spcAft>
+              <a:buClr>
+                <a:schemeClr val="dk1"/>
+              </a:buClr>
+              <a:buSzPts val="1800"/>
+              <a:buFont typeface="Poppins"/>
+              <a:buNone/>
+              <a:defRPr sz="1800" b="1" i="0" u="none" strike="noStrike" cap="none">
+                <a:solidFill>
+                  <a:schemeClr val="dk1"/>
+                </a:solidFill>
+                <a:latin typeface="Poppins"/>
+                <a:ea typeface="Poppins"/>
+                <a:cs typeface="Poppins"/>
+                <a:sym typeface="Poppins"/>
+              </a:defRPr>
+            </a:lvl1pPr>
+            <a:lvl2pPr marR="0" lvl="1" algn="l" rtl="0">
+              <a:lnSpc>
+                <a:spcPct val="100000"/>
+              </a:lnSpc>
+              <a:spcBef>
+                <a:spcPts val="0"/>
+              </a:spcBef>
+              <a:spcAft>
+                <a:spcPts val="0"/>
+              </a:spcAft>
+              <a:buClr>
+                <a:schemeClr val="dk1"/>
+              </a:buClr>
+              <a:buSzPts val="1800"/>
+              <a:buFont typeface="Poppins"/>
+              <a:buNone/>
+              <a:defRPr sz="1800" b="1" i="0" u="none" strike="noStrike" cap="none">
+                <a:solidFill>
+                  <a:schemeClr val="dk1"/>
+                </a:solidFill>
+                <a:latin typeface="Poppins"/>
+                <a:ea typeface="Poppins"/>
+                <a:cs typeface="Poppins"/>
+                <a:sym typeface="Poppins"/>
+              </a:defRPr>
+            </a:lvl2pPr>
+            <a:lvl3pPr marR="0" lvl="2" algn="l" rtl="0">
+              <a:lnSpc>
+                <a:spcPct val="100000"/>
+              </a:lnSpc>
+              <a:spcBef>
+                <a:spcPts val="0"/>
+              </a:spcBef>
+              <a:spcAft>
+                <a:spcPts val="0"/>
+              </a:spcAft>
+              <a:buClr>
+                <a:schemeClr val="dk1"/>
+              </a:buClr>
+              <a:buSzPts val="1800"/>
+              <a:buFont typeface="Poppins"/>
+              <a:buNone/>
+              <a:defRPr sz="1800" b="1" i="0" u="none" strike="noStrike" cap="none">
+                <a:solidFill>
+                  <a:schemeClr val="dk1"/>
+                </a:solidFill>
+                <a:latin typeface="Poppins"/>
+                <a:ea typeface="Poppins"/>
+                <a:cs typeface="Poppins"/>
+                <a:sym typeface="Poppins"/>
+              </a:defRPr>
+            </a:lvl3pPr>
+            <a:lvl4pPr marR="0" lvl="3" algn="l" rtl="0">
+              <a:lnSpc>
+                <a:spcPct val="100000"/>
+              </a:lnSpc>
+              <a:spcBef>
+                <a:spcPts val="0"/>
+              </a:spcBef>
+              <a:spcAft>
+                <a:spcPts val="0"/>
+              </a:spcAft>
+              <a:buClr>
+                <a:schemeClr val="dk1"/>
+              </a:buClr>
+              <a:buSzPts val="1800"/>
+              <a:buFont typeface="Poppins"/>
+              <a:buNone/>
+              <a:defRPr sz="1800" b="1" i="0" u="none" strike="noStrike" cap="none">
+                <a:solidFill>
+                  <a:schemeClr val="dk1"/>
+                </a:solidFill>
+                <a:latin typeface="Poppins"/>
+                <a:ea typeface="Poppins"/>
+                <a:cs typeface="Poppins"/>
+                <a:sym typeface="Poppins"/>
+              </a:defRPr>
+            </a:lvl4pPr>
+            <a:lvl5pPr marR="0" lvl="4" algn="l" rtl="0">
+              <a:lnSpc>
+                <a:spcPct val="100000"/>
+              </a:lnSpc>
+              <a:spcBef>
+                <a:spcPts val="0"/>
+              </a:spcBef>
+              <a:spcAft>
+                <a:spcPts val="0"/>
+              </a:spcAft>
+              <a:buClr>
+                <a:schemeClr val="dk1"/>
+              </a:buClr>
+              <a:buSzPts val="1800"/>
+              <a:buFont typeface="Poppins"/>
+              <a:buNone/>
+              <a:defRPr sz="1800" b="1" i="0" u="none" strike="noStrike" cap="none">
+                <a:solidFill>
+                  <a:schemeClr val="dk1"/>
+                </a:solidFill>
+                <a:latin typeface="Poppins"/>
+                <a:ea typeface="Poppins"/>
+                <a:cs typeface="Poppins"/>
+                <a:sym typeface="Poppins"/>
+              </a:defRPr>
+            </a:lvl5pPr>
+            <a:lvl6pPr marR="0" lvl="5" algn="l" rtl="0">
+              <a:lnSpc>
+                <a:spcPct val="100000"/>
+              </a:lnSpc>
+              <a:spcBef>
+                <a:spcPts val="0"/>
+              </a:spcBef>
+              <a:spcAft>
+                <a:spcPts val="0"/>
+              </a:spcAft>
+              <a:buClr>
+                <a:schemeClr val="dk1"/>
+              </a:buClr>
+              <a:buSzPts val="1800"/>
+              <a:buFont typeface="Poppins"/>
+              <a:buNone/>
+              <a:defRPr sz="1800" b="1" i="0" u="none" strike="noStrike" cap="none">
+                <a:solidFill>
+                  <a:schemeClr val="dk1"/>
+                </a:solidFill>
+                <a:latin typeface="Poppins"/>
+                <a:ea typeface="Poppins"/>
+                <a:cs typeface="Poppins"/>
+                <a:sym typeface="Poppins"/>
+              </a:defRPr>
+            </a:lvl6pPr>
+            <a:lvl7pPr marR="0" lvl="6" algn="l" rtl="0">
+              <a:lnSpc>
+                <a:spcPct val="100000"/>
+              </a:lnSpc>
+              <a:spcBef>
+                <a:spcPts val="0"/>
+              </a:spcBef>
+              <a:spcAft>
+                <a:spcPts val="0"/>
+              </a:spcAft>
+              <a:buClr>
+                <a:schemeClr val="dk1"/>
+              </a:buClr>
+              <a:buSzPts val="1800"/>
+              <a:buFont typeface="Poppins"/>
+              <a:buNone/>
+              <a:defRPr sz="1800" b="1" i="0" u="none" strike="noStrike" cap="none">
+                <a:solidFill>
+                  <a:schemeClr val="dk1"/>
+                </a:solidFill>
+                <a:latin typeface="Poppins"/>
+                <a:ea typeface="Poppins"/>
+                <a:cs typeface="Poppins"/>
+                <a:sym typeface="Poppins"/>
+              </a:defRPr>
+            </a:lvl7pPr>
+            <a:lvl8pPr marR="0" lvl="7" algn="l" rtl="0">
+              <a:lnSpc>
+                <a:spcPct val="100000"/>
+              </a:lnSpc>
+              <a:spcBef>
+                <a:spcPts val="0"/>
+              </a:spcBef>
+              <a:spcAft>
+                <a:spcPts val="0"/>
+              </a:spcAft>
+              <a:buClr>
+                <a:schemeClr val="dk1"/>
+              </a:buClr>
+              <a:buSzPts val="1800"/>
+              <a:buFont typeface="Poppins"/>
+              <a:buNone/>
+              <a:defRPr sz="1800" b="1" i="0" u="none" strike="noStrike" cap="none">
+                <a:solidFill>
+                  <a:schemeClr val="dk1"/>
+                </a:solidFill>
+                <a:latin typeface="Poppins"/>
+                <a:ea typeface="Poppins"/>
+                <a:cs typeface="Poppins"/>
+                <a:sym typeface="Poppins"/>
+              </a:defRPr>
+            </a:lvl8pPr>
+            <a:lvl9pPr marR="0" lvl="8" algn="l" rtl="0">
+              <a:lnSpc>
+                <a:spcPct val="100000"/>
+              </a:lnSpc>
+              <a:spcBef>
+                <a:spcPts val="0"/>
+              </a:spcBef>
+              <a:spcAft>
+                <a:spcPts val="0"/>
+              </a:spcAft>
+              <a:buClr>
+                <a:schemeClr val="dk1"/>
+              </a:buClr>
+              <a:buSzPts val="1800"/>
+              <a:buFont typeface="Poppins"/>
+              <a:buNone/>
+              <a:defRPr sz="1800" b="1" i="0" u="none" strike="noStrike" cap="none">
+                <a:solidFill>
+                  <a:schemeClr val="dk1"/>
+                </a:solidFill>
+                <a:latin typeface="Poppins"/>
+                <a:ea typeface="Poppins"/>
+                <a:cs typeface="Poppins"/>
+                <a:sym typeface="Poppins"/>
+              </a:defRPr>
+            </a:lvl9pPr>
+          </a:lstStyle>
+          <a:p>
+            <a:r>
+              <a:rPr lang="es-ES" sz="2400" dirty="0"/>
+              <a:t>A-Frame Charts </a:t>
+            </a:r>
+            <a:r>
+              <a:rPr lang="es-ES" sz="2400" dirty="0" err="1"/>
+              <a:t>Component</a:t>
+            </a:r>
+            <a:endParaRPr lang="es-ES" sz="1000" dirty="0"/>
+          </a:p>
+        </p:txBody>
+      </p:sp>
+    </p:spTree>
+    <p:extLst>
+      <p:ext uri="{BB962C8B-B14F-4D97-AF65-F5344CB8AC3E}">
+        <p14:creationId xmlns:p14="http://schemas.microsoft.com/office/powerpoint/2010/main" val="3699444348"/>
+      </p:ext>
+    </p:extLst>
+  </p:cSld>
+  <p:clrMapOvr>
+    <a:masterClrMapping/>
+  </p:clrMapOvr>
+</p:sld>
+</file>
+
+<file path=ppt/slides/slide9.xml><?xml version="1.0" encoding="utf-8"?>
+<p:sld xmlns:a="http://schemas.openxmlformats.org/drawingml/2006/main" xmlns:r="http://schemas.openxmlformats.org/officeDocument/2006/relationships" xmlns:p="http://schemas.openxmlformats.org/presentationml/2006/main">
+  <p:cSld>
+    <p:spTree>
+      <p:nvGrpSpPr>
+        <p:cNvPr id="1" name="Shape 465"/>
+        <p:cNvGrpSpPr/>
+        <p:nvPr/>
+      </p:nvGrpSpPr>
+      <p:grpSpPr>
+        <a:xfrm>
+          <a:off x="0" y="0"/>
+          <a:ext cx="0" cy="0"/>
+          <a:chOff x="0" y="0"/>
+          <a:chExt cx="0" cy="0"/>
+        </a:xfrm>
+      </p:grpSpPr>
       <p:grpSp>
         <p:nvGrpSpPr>
           <p:cNvPr id="468" name="Google Shape;468;p28"/>
@@ -16957,9 +20246,9 @@
             </p:nvGrpSpPr>
             <p:grpSpPr>
               <a:xfrm>
-                <a:off x="4808316" y="2800065"/>
+                <a:off x="4794868" y="2800065"/>
                 <a:ext cx="92400" cy="411825"/>
-                <a:chOff x="845575" y="2563700"/>
+                <a:chOff x="832127" y="2563700"/>
                 <a:chExt cx="92400" cy="411825"/>
               </a:xfrm>
             </p:grpSpPr>
@@ -16971,7 +20260,7 @@
               </p:nvCxnSpPr>
               <p:spPr>
                 <a:xfrm>
-                  <a:off x="891775" y="2616125"/>
+                  <a:off x="878327" y="2616125"/>
                   <a:ext cx="0" cy="359400"/>
                 </a:xfrm>
                 <a:prstGeom prst="straightConnector1">
@@ -16997,7 +20286,7 @@
               </p:nvSpPr>
               <p:spPr>
                 <a:xfrm>
-                  <a:off x="845575" y="2563700"/>
+                  <a:off x="832127" y="2563700"/>
                   <a:ext cx="92400" cy="92400"/>
                 </a:xfrm>
                 <a:prstGeom prst="ellipse">
@@ -17178,7 +20467,7 @@
                   <a:buNone/>
                 </a:pPr>
                 <a:r>
-                  <a:rPr lang="es-ES" dirty="0">
+                  <a:rPr lang="es-ES" sz="1200" dirty="0">
                     <a:solidFill>
                       <a:schemeClr val="dk1"/>
                     </a:solidFill>
@@ -17190,7 +20479,7 @@
                   <a:t>Se comienza a trabajar en el API para filtrar, refrescar gráficos de manera dinámica y la inclusión de más visualizaciones y configuración</a:t>
                 </a:r>
                 <a:r>
-                  <a:rPr lang="en" dirty="0">
+                  <a:rPr lang="en" sz="1200" dirty="0">
                     <a:solidFill>
                       <a:schemeClr val="dk1"/>
                     </a:solidFill>
@@ -17201,7 +20490,7 @@
                   </a:rPr>
                   <a:t>.</a:t>
                 </a:r>
-                <a:endParaRPr b="1" dirty="0">
+                <a:endParaRPr sz="1200" b="1" dirty="0">
                   <a:solidFill>
                     <a:schemeClr val="dk1"/>
                   </a:solidFill>
@@ -17237,9 +20526,9 @@
           </p:nvGrpSpPr>
           <p:grpSpPr>
             <a:xfrm rot="10800000">
-              <a:off x="6760035" y="3079467"/>
+              <a:off x="6766759" y="3079467"/>
               <a:ext cx="92400" cy="411825"/>
-              <a:chOff x="2070100" y="2563700"/>
+              <a:chOff x="2063376" y="2563700"/>
               <a:chExt cx="92400" cy="411825"/>
             </a:xfrm>
           </p:grpSpPr>
@@ -17251,7 +20540,7 @@
             </p:nvCxnSpPr>
             <p:spPr>
               <a:xfrm>
-                <a:off x="2116300" y="2616125"/>
+                <a:off x="2109576" y="2616125"/>
                 <a:ext cx="0" cy="359400"/>
               </a:xfrm>
               <a:prstGeom prst="straightConnector1">
@@ -17277,7 +20566,7 @@
             </p:nvSpPr>
             <p:spPr>
               <a:xfrm>
-                <a:off x="2070100" y="2563700"/>
+                <a:off x="2063376" y="2563700"/>
                 <a:ext cx="92400" cy="92400"/>
               </a:xfrm>
               <a:prstGeom prst="ellipse">
@@ -17458,7 +20747,7 @@
                 <a:buNone/>
               </a:pPr>
               <a:r>
-                <a:rPr lang="es-ES" dirty="0">
+                <a:rPr lang="es-ES" sz="1200" dirty="0">
                   <a:solidFill>
                     <a:schemeClr val="dk1"/>
                   </a:solidFill>
@@ -17470,7 +20759,7 @@
                 <a:t>Inicio de la documentación y memoria del proyecto, así como realización de una web con demos</a:t>
               </a:r>
               <a:r>
-                <a:rPr lang="en" dirty="0">
+                <a:rPr lang="en" sz="1200" dirty="0">
                   <a:solidFill>
                     <a:schemeClr val="dk1"/>
                   </a:solidFill>
@@ -17481,7 +20770,7 @@
                 </a:rPr>
                 <a:t>.</a:t>
               </a:r>
-              <a:endParaRPr b="1" dirty="0">
+              <a:endParaRPr sz="1200" b="1" dirty="0">
                 <a:solidFill>
                   <a:schemeClr val="dk1"/>
                 </a:solidFill>
@@ -17544,7 +20833,7 @@
                 </a:spcAft>
                 <a:buNone/>
               </a:pPr>
-              <a:endParaRPr/>
+              <a:endParaRPr dirty="0"/>
             </a:p>
           </p:txBody>
         </p:sp>
@@ -17790,7 +21079,7 @@
                   </a:spcAft>
                 </a:pPr>
                 <a:r>
-                  <a:rPr lang="es-ES" dirty="0">
+                  <a:rPr lang="es-ES" sz="1200" dirty="0">
                     <a:solidFill>
                       <a:schemeClr val="dk1"/>
                     </a:solidFill>
@@ -17802,7 +21091,7 @@
                   <a:t>Estudio de la librería A-</a:t>
                 </a:r>
                 <a:r>
-                  <a:rPr lang="es-ES" dirty="0" err="1">
+                  <a:rPr lang="es-ES" sz="1200" dirty="0" err="1">
                     <a:solidFill>
                       <a:schemeClr val="dk1"/>
                     </a:solidFill>
@@ -17814,7 +21103,7 @@
                   <a:t>Frame</a:t>
                 </a:r>
                 <a:r>
-                  <a:rPr lang="en" dirty="0">
+                  <a:rPr lang="en" sz="1200" dirty="0">
                     <a:solidFill>
                       <a:schemeClr val="dk1"/>
                     </a:solidFill>
@@ -17912,9 +21201,9 @@
           <p:grpSpPr>
             <a:xfrm>
               <a:off x="1220262" y="2702596"/>
-              <a:ext cx="3027455" cy="1729645"/>
+              <a:ext cx="3321170" cy="1729645"/>
               <a:chOff x="1220262" y="2702596"/>
-              <a:chExt cx="3027455" cy="1729645"/>
+              <a:chExt cx="3321170" cy="1729645"/>
             </a:xfrm>
           </p:grpSpPr>
           <p:sp>
@@ -18000,7 +21289,7 @@
               </p:nvCxnSpPr>
               <p:spPr>
                 <a:xfrm>
-                  <a:off x="2116300" y="2616125"/>
+                  <a:off x="2123024" y="2616125"/>
                   <a:ext cx="0" cy="359400"/>
                 </a:xfrm>
                 <a:prstGeom prst="straightConnector1">
@@ -18068,7 +21357,7 @@
             <p:spPr>
               <a:xfrm>
                 <a:off x="1220262" y="3488441"/>
-                <a:ext cx="3027455" cy="943800"/>
+                <a:ext cx="3321170" cy="943800"/>
               </a:xfrm>
               <a:prstGeom prst="rect">
                 <a:avLst/>
@@ -18146,7 +21435,7 @@
                   <a:buNone/>
                 </a:pPr>
                 <a:r>
-                  <a:rPr lang="es-ES" dirty="0">
+                  <a:rPr lang="es-ES" sz="1200" dirty="0">
                     <a:solidFill>
                       <a:schemeClr val="dk1"/>
                     </a:solidFill>
@@ -18158,7 +21447,7 @@
                   <a:t>Actualización de la librería y refactorización del código en base a los estándares propuestos por A-</a:t>
                 </a:r>
                 <a:r>
-                  <a:rPr lang="es-ES" dirty="0" err="1">
+                  <a:rPr lang="es-ES" sz="1200" dirty="0" err="1">
                     <a:solidFill>
                       <a:schemeClr val="dk1"/>
                     </a:solidFill>
@@ -18170,7 +21459,7 @@
                   <a:t>Frame</a:t>
                 </a:r>
                 <a:r>
-                  <a:rPr lang="en" dirty="0">
+                  <a:rPr lang="en" sz="1200" dirty="0">
                     <a:solidFill>
                       <a:schemeClr val="dk1"/>
                     </a:solidFill>
@@ -18181,7 +21470,7 @@
                   </a:rPr>
                   <a:t>.</a:t>
                 </a:r>
-                <a:endParaRPr b="1" dirty="0">
+                <a:endParaRPr sz="1200" b="1" dirty="0">
                   <a:solidFill>
                     <a:schemeClr val="dk1"/>
                   </a:solidFill>
@@ -18195,42 +21484,6 @@
           </p:sp>
         </p:grpSp>
       </p:grpSp>
-      <p:pic>
-        <p:nvPicPr>
-          <p:cNvPr id="36" name="Imagen 35">
-            <a:extLst>
-              <a:ext uri="{FF2B5EF4-FFF2-40B4-BE49-F238E27FC236}">
-                <a16:creationId xmlns:a16="http://schemas.microsoft.com/office/drawing/2014/main" id="{E3A3A3D3-3F1F-451C-AFBA-6EE81E896E21}"/>
-              </a:ext>
-            </a:extLst>
-          </p:cNvPr>
-          <p:cNvPicPr>
-            <a:picLocks noChangeAspect="1"/>
-          </p:cNvPicPr>
-          <p:nvPr/>
-        </p:nvPicPr>
-        <p:blipFill>
-          <a:blip r:embed="rId3" cstate="email">
-            <a:extLst>
-              <a:ext uri="{28A0092B-C50C-407E-A947-70E740481C1C}">
-                <a14:useLocalDpi xmlns:a14="http://schemas.microsoft.com/office/drawing/2010/main" val="0"/>
-              </a:ext>
-            </a:extLst>
-          </a:blip>
-          <a:stretch>
-            <a:fillRect/>
-          </a:stretch>
-        </p:blipFill>
-        <p:spPr>
-          <a:xfrm>
-            <a:off x="6663823" y="4293414"/>
-            <a:ext cx="1974857" cy="753533"/>
-          </a:xfrm>
-          <a:prstGeom prst="rect">
-            <a:avLst/>
-          </a:prstGeom>
-        </p:spPr>
-      </p:pic>
       <p:sp>
         <p:nvSpPr>
           <p:cNvPr id="37" name="Google Shape;345;p17"/>
@@ -18516,252 +21769,12 @@
           </a:p>
         </p:txBody>
       </p:sp>
-    </p:spTree>
-  </p:cSld>
-  <p:clrMapOvr>
-    <a:masterClrMapping/>
-  </p:clrMapOvr>
-</p:sld>
-</file>
-
-<file path=ppt/slides/slide8.xml><?xml version="1.0" encoding="utf-8"?>
-<p:sld xmlns:a="http://schemas.openxmlformats.org/drawingml/2006/main" xmlns:r="http://schemas.openxmlformats.org/officeDocument/2006/relationships" xmlns:p="http://schemas.openxmlformats.org/presentationml/2006/main">
-  <p:cSld>
-    <p:spTree>
-      <p:nvGrpSpPr>
-        <p:cNvPr id="1" name="Shape 371"/>
-        <p:cNvGrpSpPr/>
-        <p:nvPr/>
-      </p:nvGrpSpPr>
-      <p:grpSpPr>
-        <a:xfrm>
-          <a:off x="0" y="0"/>
-          <a:ext cx="0" cy="0"/>
-          <a:chOff x="0" y="0"/>
-          <a:chExt cx="0" cy="0"/>
-        </a:xfrm>
-      </p:grpSpPr>
-      <p:sp>
-        <p:nvSpPr>
-          <p:cNvPr id="372" name="Google Shape;372;p19"/>
-          <p:cNvSpPr txBox="1">
-            <a:spLocks noGrp="1"/>
-          </p:cNvSpPr>
-          <p:nvPr>
-            <p:ph type="body" idx="1"/>
-          </p:nvPr>
-        </p:nvSpPr>
-        <p:spPr>
-          <a:xfrm>
-            <a:off x="776450" y="1524375"/>
-            <a:ext cx="3795550" cy="3077100"/>
-          </a:xfrm>
-          <a:prstGeom prst="rect">
-            <a:avLst/>
-          </a:prstGeom>
-        </p:spPr>
-        <p:txBody>
-          <a:bodyPr spcFirstLastPara="1" wrap="square" lIns="0" tIns="0" rIns="0" bIns="0" anchor="t" anchorCtr="0">
-            <a:noAutofit/>
-          </a:bodyPr>
-          <a:lstStyle/>
-          <a:p>
-            <a:pPr marL="0" lvl="0" indent="0" algn="l" rtl="0">
-              <a:spcBef>
-                <a:spcPts val="600"/>
-              </a:spcBef>
-              <a:spcAft>
-                <a:spcPts val="0"/>
-              </a:spcAft>
-              <a:buNone/>
-            </a:pPr>
-            <a:r>
-              <a:rPr lang="es-ES" sz="1800" b="1" dirty="0">
-                <a:latin typeface="Montserrat"/>
-                <a:ea typeface="Montserrat"/>
-                <a:cs typeface="Montserrat"/>
-                <a:sym typeface="Montserrat"/>
-              </a:rPr>
-              <a:t>SCRUM</a:t>
-            </a:r>
-            <a:endParaRPr sz="1800" b="1" dirty="0">
-              <a:latin typeface="Montserrat"/>
-              <a:ea typeface="Montserrat"/>
-              <a:cs typeface="Montserrat"/>
-              <a:sym typeface="Montserrat"/>
-            </a:endParaRPr>
-          </a:p>
-          <a:p>
-            <a:pPr marL="0" lvl="0" indent="0" algn="l" rtl="0">
-              <a:spcBef>
-                <a:spcPts val="600"/>
-              </a:spcBef>
-              <a:spcAft>
-                <a:spcPts val="0"/>
-              </a:spcAft>
-              <a:buNone/>
-            </a:pPr>
-            <a:r>
-              <a:rPr lang="es-ES" sz="1800" dirty="0"/>
-              <a:t>Versión simplificada donde se han mantenido reuniones periódicas en las cuales el tutor desempeñaba el papel de cliente y el autor el de desarrollador</a:t>
-            </a:r>
-            <a:r>
-              <a:rPr lang="en" sz="1800" dirty="0"/>
-              <a:t>.</a:t>
-            </a:r>
-            <a:endParaRPr sz="1800" dirty="0"/>
-          </a:p>
-        </p:txBody>
-      </p:sp>
-      <p:sp>
-        <p:nvSpPr>
-          <p:cNvPr id="374" name="Google Shape;374;p19"/>
-          <p:cNvSpPr txBox="1">
-            <a:spLocks noGrp="1"/>
-          </p:cNvSpPr>
-          <p:nvPr>
-            <p:ph type="body" idx="2"/>
-          </p:nvPr>
-        </p:nvSpPr>
-        <p:spPr>
-          <a:xfrm>
-            <a:off x="4924823" y="1524375"/>
-            <a:ext cx="3587400" cy="3077100"/>
-          </a:xfrm>
-          <a:prstGeom prst="rect">
-            <a:avLst/>
-          </a:prstGeom>
-        </p:spPr>
-        <p:txBody>
-          <a:bodyPr spcFirstLastPara="1" wrap="square" lIns="0" tIns="0" rIns="0" bIns="0" anchor="t" anchorCtr="0">
-            <a:noAutofit/>
-          </a:bodyPr>
-          <a:lstStyle/>
-          <a:p>
-            <a:pPr marL="0" lvl="0" indent="0" algn="l" rtl="0">
-              <a:spcBef>
-                <a:spcPts val="600"/>
-              </a:spcBef>
-              <a:spcAft>
-                <a:spcPts val="0"/>
-              </a:spcAft>
-              <a:buNone/>
-            </a:pPr>
-            <a:r>
-              <a:rPr lang="es-ES" sz="1800" b="1" dirty="0">
-                <a:latin typeface="Montserrat"/>
-                <a:ea typeface="Montserrat"/>
-                <a:cs typeface="Montserrat"/>
-                <a:sym typeface="Montserrat"/>
-              </a:rPr>
-              <a:t>Aplicación web </a:t>
-            </a:r>
-            <a:r>
-              <a:rPr lang="es-ES" sz="1800" b="1" dirty="0" err="1">
-                <a:latin typeface="Montserrat"/>
-                <a:ea typeface="Montserrat"/>
-                <a:cs typeface="Montserrat"/>
-                <a:sym typeface="Montserrat"/>
-              </a:rPr>
-              <a:t>NodeJs</a:t>
-            </a:r>
-            <a:endParaRPr sz="1800" b="1" dirty="0">
-              <a:latin typeface="Montserrat"/>
-              <a:ea typeface="Montserrat"/>
-              <a:cs typeface="Montserrat"/>
-              <a:sym typeface="Montserrat"/>
-            </a:endParaRPr>
-          </a:p>
-          <a:p>
-            <a:pPr marL="0" lvl="0" indent="0" algn="l" rtl="0">
-              <a:spcBef>
-                <a:spcPts val="600"/>
-              </a:spcBef>
-              <a:spcAft>
-                <a:spcPts val="0"/>
-              </a:spcAft>
-              <a:buNone/>
-            </a:pPr>
-            <a:r>
-              <a:rPr lang="es-ES" sz="1800" dirty="0"/>
-              <a:t>Arquitectura web con </a:t>
-            </a:r>
-            <a:r>
-              <a:rPr lang="es-ES" sz="1800" dirty="0" err="1"/>
-              <a:t>NodeJS</a:t>
-            </a:r>
-            <a:r>
-              <a:rPr lang="es-ES" sz="1800" dirty="0"/>
-              <a:t> como servidor y </a:t>
-            </a:r>
-            <a:r>
-              <a:rPr lang="es-ES" sz="1800" dirty="0" err="1"/>
-              <a:t>npm</a:t>
-            </a:r>
-            <a:r>
-              <a:rPr lang="es-ES" sz="1800" dirty="0"/>
-              <a:t> como gestor de dependencias</a:t>
-            </a:r>
-            <a:r>
-              <a:rPr lang="en" sz="1800" dirty="0"/>
-              <a:t>. </a:t>
-            </a:r>
-            <a:r>
-              <a:rPr lang="es-ES" sz="1800" dirty="0"/>
-              <a:t>Utilizando HTML y JavaScript en el cliente.</a:t>
-            </a:r>
-            <a:endParaRPr sz="1800" dirty="0"/>
-          </a:p>
-        </p:txBody>
-      </p:sp>
-      <p:sp>
-        <p:nvSpPr>
-          <p:cNvPr id="375" name="Google Shape;375;p19"/>
-          <p:cNvSpPr txBox="1">
-            <a:spLocks noGrp="1"/>
-          </p:cNvSpPr>
-          <p:nvPr>
-            <p:ph type="sldNum" idx="12"/>
-          </p:nvPr>
-        </p:nvSpPr>
-        <p:spPr>
-          <a:xfrm>
-            <a:off x="8729400" y="4734075"/>
-            <a:ext cx="414600" cy="409500"/>
-          </a:xfrm>
-          <a:prstGeom prst="rect">
-            <a:avLst/>
-          </a:prstGeom>
-        </p:spPr>
-        <p:txBody>
-          <a:bodyPr spcFirstLastPara="1" wrap="square" lIns="0" tIns="0" rIns="0" bIns="0" anchor="ctr" anchorCtr="0">
-            <a:noAutofit/>
-          </a:bodyPr>
-          <a:lstStyle/>
-          <a:p>
-            <a:pPr marL="0" lvl="0" indent="0" algn="ctr" rtl="0">
-              <a:spcBef>
-                <a:spcPts val="0"/>
-              </a:spcBef>
-              <a:spcAft>
-                <a:spcPts val="0"/>
-              </a:spcAft>
-              <a:buNone/>
-            </a:pPr>
-            <a:fld id="{00000000-1234-1234-1234-123412341234}" type="slidenum">
-              <a:rPr lang="en"/>
-              <a:t>8</a:t>
-            </a:fld>
-            <a:endParaRPr/>
-          </a:p>
-        </p:txBody>
-      </p:sp>
       <p:pic>
         <p:nvPicPr>
-          <p:cNvPr id="6" name="Imagen 5">
+          <p:cNvPr id="2" name="Imagen 1">
             <a:extLst>
               <a:ext uri="{FF2B5EF4-FFF2-40B4-BE49-F238E27FC236}">
-                <a16:creationId xmlns:a16="http://schemas.microsoft.com/office/drawing/2014/main" id="{E33B4BD5-E372-4281-A87E-0FF2876D1D85}"/>
+                <a16:creationId xmlns:a16="http://schemas.microsoft.com/office/drawing/2014/main" id="{07340AFC-EADE-49B2-B841-6AE197CBDF4D}"/>
               </a:ext>
             </a:extLst>
           </p:cNvPr>
@@ -18784,1302 +21797,8 @@
         </p:blipFill>
         <p:spPr>
           <a:xfrm>
-            <a:off x="6961843" y="4020421"/>
-            <a:ext cx="1974857" cy="753533"/>
-          </a:xfrm>
-          <a:prstGeom prst="rect">
-            <a:avLst/>
-          </a:prstGeom>
-        </p:spPr>
-      </p:pic>
-      <p:sp>
-        <p:nvSpPr>
-          <p:cNvPr id="7" name="Google Shape;345;p17"/>
-          <p:cNvSpPr txBox="1">
-            <a:spLocks/>
-          </p:cNvSpPr>
-          <p:nvPr/>
-        </p:nvSpPr>
-        <p:spPr>
-          <a:xfrm>
-            <a:off x="776450" y="127746"/>
-            <a:ext cx="3921674" cy="392165"/>
-          </a:xfrm>
-          <a:prstGeom prst="rect">
-            <a:avLst/>
-          </a:prstGeom>
-          <a:noFill/>
-          <a:ln>
-            <a:noFill/>
-          </a:ln>
-        </p:spPr>
-        <p:txBody>
-          <a:bodyPr spcFirstLastPara="1" wrap="square" lIns="0" tIns="0" rIns="0" bIns="0" anchor="b" anchorCtr="0">
-            <a:noAutofit/>
-          </a:bodyPr>
-          <a:lstStyle>
-            <a:defPPr marR="0" lvl="0" algn="l" rtl="0">
-              <a:lnSpc>
-                <a:spcPct val="100000"/>
-              </a:lnSpc>
-              <a:spcBef>
-                <a:spcPts val="0"/>
-              </a:spcBef>
-              <a:spcAft>
-                <a:spcPts val="0"/>
-              </a:spcAft>
-            </a:defPPr>
-            <a:lvl1pPr marR="0" lvl="0" algn="l" rtl="0">
-              <a:lnSpc>
-                <a:spcPct val="100000"/>
-              </a:lnSpc>
-              <a:spcBef>
-                <a:spcPts val="0"/>
-              </a:spcBef>
-              <a:spcAft>
-                <a:spcPts val="0"/>
-              </a:spcAft>
-              <a:buClr>
-                <a:schemeClr val="dk1"/>
-              </a:buClr>
-              <a:buSzPts val="1800"/>
-              <a:buFont typeface="Poppins"/>
-              <a:buNone/>
-              <a:defRPr sz="1800" b="1" i="0" u="none" strike="noStrike" cap="none">
-                <a:solidFill>
-                  <a:schemeClr val="dk1"/>
-                </a:solidFill>
-                <a:latin typeface="Poppins"/>
-                <a:ea typeface="Poppins"/>
-                <a:cs typeface="Poppins"/>
-                <a:sym typeface="Poppins"/>
-              </a:defRPr>
-            </a:lvl1pPr>
-            <a:lvl2pPr marR="0" lvl="1" algn="l" rtl="0">
-              <a:lnSpc>
-                <a:spcPct val="100000"/>
-              </a:lnSpc>
-              <a:spcBef>
-                <a:spcPts val="0"/>
-              </a:spcBef>
-              <a:spcAft>
-                <a:spcPts val="0"/>
-              </a:spcAft>
-              <a:buClr>
-                <a:schemeClr val="dk1"/>
-              </a:buClr>
-              <a:buSzPts val="1800"/>
-              <a:buFont typeface="Poppins"/>
-              <a:buNone/>
-              <a:defRPr sz="1800" b="1" i="0" u="none" strike="noStrike" cap="none">
-                <a:solidFill>
-                  <a:schemeClr val="dk1"/>
-                </a:solidFill>
-                <a:latin typeface="Poppins"/>
-                <a:ea typeface="Poppins"/>
-                <a:cs typeface="Poppins"/>
-                <a:sym typeface="Poppins"/>
-              </a:defRPr>
-            </a:lvl2pPr>
-            <a:lvl3pPr marR="0" lvl="2" algn="l" rtl="0">
-              <a:lnSpc>
-                <a:spcPct val="100000"/>
-              </a:lnSpc>
-              <a:spcBef>
-                <a:spcPts val="0"/>
-              </a:spcBef>
-              <a:spcAft>
-                <a:spcPts val="0"/>
-              </a:spcAft>
-              <a:buClr>
-                <a:schemeClr val="dk1"/>
-              </a:buClr>
-              <a:buSzPts val="1800"/>
-              <a:buFont typeface="Poppins"/>
-              <a:buNone/>
-              <a:defRPr sz="1800" b="1" i="0" u="none" strike="noStrike" cap="none">
-                <a:solidFill>
-                  <a:schemeClr val="dk1"/>
-                </a:solidFill>
-                <a:latin typeface="Poppins"/>
-                <a:ea typeface="Poppins"/>
-                <a:cs typeface="Poppins"/>
-                <a:sym typeface="Poppins"/>
-              </a:defRPr>
-            </a:lvl3pPr>
-            <a:lvl4pPr marR="0" lvl="3" algn="l" rtl="0">
-              <a:lnSpc>
-                <a:spcPct val="100000"/>
-              </a:lnSpc>
-              <a:spcBef>
-                <a:spcPts val="0"/>
-              </a:spcBef>
-              <a:spcAft>
-                <a:spcPts val="0"/>
-              </a:spcAft>
-              <a:buClr>
-                <a:schemeClr val="dk1"/>
-              </a:buClr>
-              <a:buSzPts val="1800"/>
-              <a:buFont typeface="Poppins"/>
-              <a:buNone/>
-              <a:defRPr sz="1800" b="1" i="0" u="none" strike="noStrike" cap="none">
-                <a:solidFill>
-                  <a:schemeClr val="dk1"/>
-                </a:solidFill>
-                <a:latin typeface="Poppins"/>
-                <a:ea typeface="Poppins"/>
-                <a:cs typeface="Poppins"/>
-                <a:sym typeface="Poppins"/>
-              </a:defRPr>
-            </a:lvl4pPr>
-            <a:lvl5pPr marR="0" lvl="4" algn="l" rtl="0">
-              <a:lnSpc>
-                <a:spcPct val="100000"/>
-              </a:lnSpc>
-              <a:spcBef>
-                <a:spcPts val="0"/>
-              </a:spcBef>
-              <a:spcAft>
-                <a:spcPts val="0"/>
-              </a:spcAft>
-              <a:buClr>
-                <a:schemeClr val="dk1"/>
-              </a:buClr>
-              <a:buSzPts val="1800"/>
-              <a:buFont typeface="Poppins"/>
-              <a:buNone/>
-              <a:defRPr sz="1800" b="1" i="0" u="none" strike="noStrike" cap="none">
-                <a:solidFill>
-                  <a:schemeClr val="dk1"/>
-                </a:solidFill>
-                <a:latin typeface="Poppins"/>
-                <a:ea typeface="Poppins"/>
-                <a:cs typeface="Poppins"/>
-                <a:sym typeface="Poppins"/>
-              </a:defRPr>
-            </a:lvl5pPr>
-            <a:lvl6pPr marR="0" lvl="5" algn="l" rtl="0">
-              <a:lnSpc>
-                <a:spcPct val="100000"/>
-              </a:lnSpc>
-              <a:spcBef>
-                <a:spcPts val="0"/>
-              </a:spcBef>
-              <a:spcAft>
-                <a:spcPts val="0"/>
-              </a:spcAft>
-              <a:buClr>
-                <a:schemeClr val="dk1"/>
-              </a:buClr>
-              <a:buSzPts val="1800"/>
-              <a:buFont typeface="Poppins"/>
-              <a:buNone/>
-              <a:defRPr sz="1800" b="1" i="0" u="none" strike="noStrike" cap="none">
-                <a:solidFill>
-                  <a:schemeClr val="dk1"/>
-                </a:solidFill>
-                <a:latin typeface="Poppins"/>
-                <a:ea typeface="Poppins"/>
-                <a:cs typeface="Poppins"/>
-                <a:sym typeface="Poppins"/>
-              </a:defRPr>
-            </a:lvl6pPr>
-            <a:lvl7pPr marR="0" lvl="6" algn="l" rtl="0">
-              <a:lnSpc>
-                <a:spcPct val="100000"/>
-              </a:lnSpc>
-              <a:spcBef>
-                <a:spcPts val="0"/>
-              </a:spcBef>
-              <a:spcAft>
-                <a:spcPts val="0"/>
-              </a:spcAft>
-              <a:buClr>
-                <a:schemeClr val="dk1"/>
-              </a:buClr>
-              <a:buSzPts val="1800"/>
-              <a:buFont typeface="Poppins"/>
-              <a:buNone/>
-              <a:defRPr sz="1800" b="1" i="0" u="none" strike="noStrike" cap="none">
-                <a:solidFill>
-                  <a:schemeClr val="dk1"/>
-                </a:solidFill>
-                <a:latin typeface="Poppins"/>
-                <a:ea typeface="Poppins"/>
-                <a:cs typeface="Poppins"/>
-                <a:sym typeface="Poppins"/>
-              </a:defRPr>
-            </a:lvl7pPr>
-            <a:lvl8pPr marR="0" lvl="7" algn="l" rtl="0">
-              <a:lnSpc>
-                <a:spcPct val="100000"/>
-              </a:lnSpc>
-              <a:spcBef>
-                <a:spcPts val="0"/>
-              </a:spcBef>
-              <a:spcAft>
-                <a:spcPts val="0"/>
-              </a:spcAft>
-              <a:buClr>
-                <a:schemeClr val="dk1"/>
-              </a:buClr>
-              <a:buSzPts val="1800"/>
-              <a:buFont typeface="Poppins"/>
-              <a:buNone/>
-              <a:defRPr sz="1800" b="1" i="0" u="none" strike="noStrike" cap="none">
-                <a:solidFill>
-                  <a:schemeClr val="dk1"/>
-                </a:solidFill>
-                <a:latin typeface="Poppins"/>
-                <a:ea typeface="Poppins"/>
-                <a:cs typeface="Poppins"/>
-                <a:sym typeface="Poppins"/>
-              </a:defRPr>
-            </a:lvl8pPr>
-            <a:lvl9pPr marR="0" lvl="8" algn="l" rtl="0">
-              <a:lnSpc>
-                <a:spcPct val="100000"/>
-              </a:lnSpc>
-              <a:spcBef>
-                <a:spcPts val="0"/>
-              </a:spcBef>
-              <a:spcAft>
-                <a:spcPts val="0"/>
-              </a:spcAft>
-              <a:buClr>
-                <a:schemeClr val="dk1"/>
-              </a:buClr>
-              <a:buSzPts val="1800"/>
-              <a:buFont typeface="Poppins"/>
-              <a:buNone/>
-              <a:defRPr sz="1800" b="1" i="0" u="none" strike="noStrike" cap="none">
-                <a:solidFill>
-                  <a:schemeClr val="dk1"/>
-                </a:solidFill>
-                <a:latin typeface="Poppins"/>
-                <a:ea typeface="Poppins"/>
-                <a:cs typeface="Poppins"/>
-                <a:sym typeface="Poppins"/>
-              </a:defRPr>
-            </a:lvl9pPr>
-          </a:lstStyle>
-          <a:p>
-            <a:r>
-              <a:rPr lang="es-ES" sz="2400" dirty="0"/>
-              <a:t>M</a:t>
-            </a:r>
-            <a:r>
-              <a:rPr lang="es-ES" dirty="0"/>
-              <a:t>ETODOLOGÍA Y ARQUITECTURA</a:t>
-            </a:r>
-            <a:endParaRPr lang="es-ES" sz="1000" dirty="0"/>
-          </a:p>
-        </p:txBody>
-      </p:sp>
-    </p:spTree>
-  </p:cSld>
-  <p:clrMapOvr>
-    <a:masterClrMapping/>
-  </p:clrMapOvr>
-</p:sld>
-</file>
-
-<file path=ppt/slides/slide9.xml><?xml version="1.0" encoding="utf-8"?>
-<p:sld xmlns:a="http://schemas.openxmlformats.org/drawingml/2006/main" xmlns:r="http://schemas.openxmlformats.org/officeDocument/2006/relationships" xmlns:p="http://schemas.openxmlformats.org/presentationml/2006/main">
-  <p:cSld>
-    <p:bg>
-      <p:bgPr>
-        <a:gradFill>
-          <a:gsLst>
-            <a:gs pos="0">
-              <a:schemeClr val="bg1">
-                <a:lumMod val="95000"/>
-              </a:schemeClr>
-            </a:gs>
-            <a:gs pos="62000">
-              <a:schemeClr val="tx2">
-                <a:lumMod val="90000"/>
-              </a:schemeClr>
-            </a:gs>
-            <a:gs pos="100000">
-              <a:schemeClr val="accent2"/>
-            </a:gs>
-          </a:gsLst>
-          <a:path path="circle">
-            <a:fillToRect r="100000" b="100000"/>
-          </a:path>
-          <a:tileRect l="-100000" t="-100000"/>
-        </a:gradFill>
-        <a:effectLst/>
-      </p:bgPr>
-    </p:bg>
-    <p:spTree>
-      <p:nvGrpSpPr>
-        <p:cNvPr id="1" name="Shape 522"/>
-        <p:cNvGrpSpPr/>
-        <p:nvPr/>
-      </p:nvGrpSpPr>
-      <p:grpSpPr>
-        <a:xfrm>
-          <a:off x="0" y="0"/>
-          <a:ext cx="0" cy="0"/>
-          <a:chOff x="0" y="0"/>
-          <a:chExt cx="0" cy="0"/>
-        </a:xfrm>
-      </p:grpSpPr>
-      <p:sp>
-        <p:nvSpPr>
-          <p:cNvPr id="523" name="Google Shape;523;p31"/>
-          <p:cNvSpPr txBox="1">
-            <a:spLocks noGrp="1"/>
-          </p:cNvSpPr>
-          <p:nvPr>
-            <p:ph type="body" idx="4294967295"/>
-          </p:nvPr>
-        </p:nvSpPr>
-        <p:spPr>
-          <a:xfrm>
-            <a:off x="457200" y="959624"/>
-            <a:ext cx="3507748" cy="3393957"/>
-          </a:xfrm>
-          <a:prstGeom prst="rect">
-            <a:avLst/>
-          </a:prstGeom>
-        </p:spPr>
-        <p:txBody>
-          <a:bodyPr spcFirstLastPara="1" wrap="square" lIns="0" tIns="0" rIns="0" bIns="0" anchor="t" anchorCtr="0">
-            <a:noAutofit/>
-          </a:bodyPr>
-          <a:lstStyle/>
-          <a:p>
-            <a:pPr marL="0" lvl="0" indent="0" algn="l" rtl="0">
-              <a:spcBef>
-                <a:spcPts val="600"/>
-              </a:spcBef>
-              <a:spcAft>
-                <a:spcPts val="0"/>
-              </a:spcAft>
-              <a:buNone/>
-            </a:pPr>
-            <a:r>
-              <a:rPr lang="es-ES" sz="1800" b="1" dirty="0">
-                <a:latin typeface="Poppins"/>
-                <a:ea typeface="Poppins"/>
-                <a:cs typeface="Poppins"/>
-                <a:sym typeface="Poppins"/>
-              </a:rPr>
-              <a:t>Múltiples dispositivos I</a:t>
-            </a:r>
-            <a:endParaRPr sz="1800" b="1" dirty="0">
-              <a:latin typeface="Poppins"/>
-              <a:ea typeface="Poppins"/>
-              <a:cs typeface="Poppins"/>
-              <a:sym typeface="Poppins"/>
-            </a:endParaRPr>
-          </a:p>
-          <a:p>
-            <a:pPr marL="0" lvl="0" indent="0" algn="l" rtl="0">
-              <a:spcBef>
-                <a:spcPts val="600"/>
-              </a:spcBef>
-              <a:spcAft>
-                <a:spcPts val="0"/>
-              </a:spcAft>
-              <a:buNone/>
-            </a:pPr>
-            <a:r>
-              <a:rPr lang="es-ES" sz="1800" dirty="0"/>
-              <a:t>Puede ser visualizado en cualquier navegador, ya sea escritorio, móvil o tableta</a:t>
-            </a:r>
-            <a:r>
-              <a:rPr lang="en" sz="1800" dirty="0"/>
-              <a:t>. </a:t>
-            </a:r>
-            <a:r>
-              <a:rPr lang="es-ES" sz="1800" dirty="0"/>
-              <a:t>Además, en cualquier dispositivo de realidad virtual. </a:t>
-            </a:r>
-          </a:p>
-          <a:p>
-            <a:pPr marL="0" lvl="0" indent="0" algn="l" rtl="0">
-              <a:spcBef>
-                <a:spcPts val="600"/>
-              </a:spcBef>
-              <a:spcAft>
-                <a:spcPts val="0"/>
-              </a:spcAft>
-              <a:buNone/>
-            </a:pPr>
-            <a:endParaRPr lang="es-ES" sz="1200" dirty="0"/>
-          </a:p>
-          <a:p>
-            <a:pPr marL="0" lvl="0" indent="0" algn="l" rtl="0">
-              <a:spcBef>
-                <a:spcPts val="600"/>
-              </a:spcBef>
-              <a:spcAft>
-                <a:spcPts val="0"/>
-              </a:spcAft>
-              <a:buNone/>
-            </a:pPr>
-            <a:endParaRPr lang="es-ES" sz="1200" dirty="0"/>
-          </a:p>
-          <a:p>
-            <a:pPr marL="0" lvl="0" indent="0" algn="l" rtl="0">
-              <a:spcBef>
-                <a:spcPts val="600"/>
-              </a:spcBef>
-              <a:spcAft>
-                <a:spcPts val="0"/>
-              </a:spcAft>
-              <a:buNone/>
-            </a:pPr>
-            <a:r>
-              <a:rPr lang="es-ES" sz="1200" dirty="0"/>
-              <a:t>Android con Navegador Chrome</a:t>
-            </a:r>
-            <a:endParaRPr sz="1200" dirty="0"/>
-          </a:p>
-        </p:txBody>
-      </p:sp>
-      <p:sp>
-        <p:nvSpPr>
-          <p:cNvPr id="525" name="Google Shape;525;p31"/>
-          <p:cNvSpPr txBox="1">
-            <a:spLocks noGrp="1"/>
-          </p:cNvSpPr>
-          <p:nvPr>
-            <p:ph type="sldNum" idx="12"/>
-          </p:nvPr>
-        </p:nvSpPr>
-        <p:spPr>
-          <a:xfrm>
-            <a:off x="8729400" y="4734075"/>
-            <a:ext cx="414600" cy="409500"/>
-          </a:xfrm>
-          <a:prstGeom prst="rect">
-            <a:avLst/>
-          </a:prstGeom>
-        </p:spPr>
-        <p:txBody>
-          <a:bodyPr spcFirstLastPara="1" wrap="square" lIns="0" tIns="0" rIns="0" bIns="0" anchor="ctr" anchorCtr="0">
-            <a:noAutofit/>
-          </a:bodyPr>
-          <a:lstStyle/>
-          <a:p>
-            <a:pPr marL="0" lvl="0" indent="0" algn="ctr" rtl="0">
-              <a:spcBef>
-                <a:spcPts val="0"/>
-              </a:spcBef>
-              <a:spcAft>
-                <a:spcPts val="0"/>
-              </a:spcAft>
-              <a:buNone/>
-            </a:pPr>
-            <a:fld id="{00000000-1234-1234-1234-123412341234}" type="slidenum">
-              <a:rPr lang="en"/>
-              <a:t>9</a:t>
-            </a:fld>
-            <a:endParaRPr/>
-          </a:p>
-        </p:txBody>
-      </p:sp>
-      <p:grpSp>
-        <p:nvGrpSpPr>
-          <p:cNvPr id="526" name="Google Shape;526;p31"/>
-          <p:cNvGrpSpPr/>
-          <p:nvPr/>
-        </p:nvGrpSpPr>
-        <p:grpSpPr>
-          <a:xfrm>
-            <a:off x="4756238" y="368953"/>
-            <a:ext cx="1975330" cy="4097226"/>
-            <a:chOff x="2547150" y="238125"/>
-            <a:chExt cx="2525675" cy="5238750"/>
-          </a:xfrm>
-        </p:grpSpPr>
-        <p:sp>
-          <p:nvSpPr>
-            <p:cNvPr id="527" name="Google Shape;527;p31"/>
-            <p:cNvSpPr/>
-            <p:nvPr/>
-          </p:nvSpPr>
-          <p:spPr>
-            <a:xfrm>
-              <a:off x="2547150" y="238125"/>
-              <a:ext cx="2525675" cy="5238750"/>
-            </a:xfrm>
-            <a:custGeom>
-              <a:avLst/>
-              <a:gdLst/>
-              <a:ahLst/>
-              <a:cxnLst/>
-              <a:rect l="l" t="t" r="r" b="b"/>
-              <a:pathLst>
-                <a:path w="101027" h="209550" extrusionOk="0">
-                  <a:moveTo>
-                    <a:pt x="98629" y="18886"/>
-                  </a:moveTo>
-                  <a:lnTo>
-                    <a:pt x="98629" y="190364"/>
-                  </a:lnTo>
-                  <a:lnTo>
-                    <a:pt x="2398" y="190364"/>
-                  </a:lnTo>
-                  <a:lnTo>
-                    <a:pt x="2398" y="18886"/>
-                  </a:lnTo>
-                  <a:close/>
-                  <a:moveTo>
-                    <a:pt x="10343" y="0"/>
-                  </a:moveTo>
-                  <a:lnTo>
-                    <a:pt x="9293" y="75"/>
-                  </a:lnTo>
-                  <a:lnTo>
-                    <a:pt x="8244" y="225"/>
-                  </a:lnTo>
-                  <a:lnTo>
-                    <a:pt x="7270" y="450"/>
-                  </a:lnTo>
-                  <a:lnTo>
-                    <a:pt x="6295" y="824"/>
-                  </a:lnTo>
-                  <a:lnTo>
-                    <a:pt x="5396" y="1274"/>
-                  </a:lnTo>
-                  <a:lnTo>
-                    <a:pt x="4572" y="1799"/>
-                  </a:lnTo>
-                  <a:lnTo>
-                    <a:pt x="3747" y="2398"/>
-                  </a:lnTo>
-                  <a:lnTo>
-                    <a:pt x="2998" y="3073"/>
-                  </a:lnTo>
-                  <a:lnTo>
-                    <a:pt x="2323" y="3747"/>
-                  </a:lnTo>
-                  <a:lnTo>
-                    <a:pt x="1724" y="4572"/>
-                  </a:lnTo>
-                  <a:lnTo>
-                    <a:pt x="1199" y="5396"/>
-                  </a:lnTo>
-                  <a:lnTo>
-                    <a:pt x="824" y="6370"/>
-                  </a:lnTo>
-                  <a:lnTo>
-                    <a:pt x="450" y="7270"/>
-                  </a:lnTo>
-                  <a:lnTo>
-                    <a:pt x="225" y="8319"/>
-                  </a:lnTo>
-                  <a:lnTo>
-                    <a:pt x="0" y="9293"/>
-                  </a:lnTo>
-                  <a:lnTo>
-                    <a:pt x="0" y="10343"/>
-                  </a:lnTo>
-                  <a:lnTo>
-                    <a:pt x="0" y="199207"/>
-                  </a:lnTo>
-                  <a:lnTo>
-                    <a:pt x="0" y="200257"/>
-                  </a:lnTo>
-                  <a:lnTo>
-                    <a:pt x="225" y="201231"/>
-                  </a:lnTo>
-                  <a:lnTo>
-                    <a:pt x="450" y="202280"/>
-                  </a:lnTo>
-                  <a:lnTo>
-                    <a:pt x="824" y="203180"/>
-                  </a:lnTo>
-                  <a:lnTo>
-                    <a:pt x="1199" y="204154"/>
-                  </a:lnTo>
-                  <a:lnTo>
-                    <a:pt x="1724" y="204978"/>
-                  </a:lnTo>
-                  <a:lnTo>
-                    <a:pt x="2323" y="205803"/>
-                  </a:lnTo>
-                  <a:lnTo>
-                    <a:pt x="2998" y="206477"/>
-                  </a:lnTo>
-                  <a:lnTo>
-                    <a:pt x="3747" y="207152"/>
-                  </a:lnTo>
-                  <a:lnTo>
-                    <a:pt x="4572" y="207751"/>
-                  </a:lnTo>
-                  <a:lnTo>
-                    <a:pt x="5396" y="208276"/>
-                  </a:lnTo>
-                  <a:lnTo>
-                    <a:pt x="6295" y="208726"/>
-                  </a:lnTo>
-                  <a:lnTo>
-                    <a:pt x="7270" y="209100"/>
-                  </a:lnTo>
-                  <a:lnTo>
-                    <a:pt x="8244" y="209325"/>
-                  </a:lnTo>
-                  <a:lnTo>
-                    <a:pt x="9293" y="209475"/>
-                  </a:lnTo>
-                  <a:lnTo>
-                    <a:pt x="10343" y="209550"/>
-                  </a:lnTo>
-                  <a:lnTo>
-                    <a:pt x="90610" y="209550"/>
-                  </a:lnTo>
-                  <a:lnTo>
-                    <a:pt x="91659" y="209475"/>
-                  </a:lnTo>
-                  <a:lnTo>
-                    <a:pt x="92708" y="209325"/>
-                  </a:lnTo>
-                  <a:lnTo>
-                    <a:pt x="93682" y="209100"/>
-                  </a:lnTo>
-                  <a:lnTo>
-                    <a:pt x="94657" y="208726"/>
-                  </a:lnTo>
-                  <a:lnTo>
-                    <a:pt x="95556" y="208276"/>
-                  </a:lnTo>
-                  <a:lnTo>
-                    <a:pt x="96455" y="207751"/>
-                  </a:lnTo>
-                  <a:lnTo>
-                    <a:pt x="97205" y="207152"/>
-                  </a:lnTo>
-                  <a:lnTo>
-                    <a:pt x="97954" y="206477"/>
-                  </a:lnTo>
-                  <a:lnTo>
-                    <a:pt x="98629" y="205803"/>
-                  </a:lnTo>
-                  <a:lnTo>
-                    <a:pt x="99228" y="204978"/>
-                  </a:lnTo>
-                  <a:lnTo>
-                    <a:pt x="99753" y="204154"/>
-                  </a:lnTo>
-                  <a:lnTo>
-                    <a:pt x="100203" y="203180"/>
-                  </a:lnTo>
-                  <a:lnTo>
-                    <a:pt x="100577" y="202280"/>
-                  </a:lnTo>
-                  <a:lnTo>
-                    <a:pt x="100802" y="201231"/>
-                  </a:lnTo>
-                  <a:lnTo>
-                    <a:pt x="100952" y="200257"/>
-                  </a:lnTo>
-                  <a:lnTo>
-                    <a:pt x="101027" y="199207"/>
-                  </a:lnTo>
-                  <a:lnTo>
-                    <a:pt x="101027" y="10343"/>
-                  </a:lnTo>
-                  <a:lnTo>
-                    <a:pt x="100952" y="9293"/>
-                  </a:lnTo>
-                  <a:lnTo>
-                    <a:pt x="100802" y="8319"/>
-                  </a:lnTo>
-                  <a:lnTo>
-                    <a:pt x="100577" y="7270"/>
-                  </a:lnTo>
-                  <a:lnTo>
-                    <a:pt x="100203" y="6370"/>
-                  </a:lnTo>
-                  <a:lnTo>
-                    <a:pt x="99753" y="5396"/>
-                  </a:lnTo>
-                  <a:lnTo>
-                    <a:pt x="99228" y="4572"/>
-                  </a:lnTo>
-                  <a:lnTo>
-                    <a:pt x="98629" y="3747"/>
-                  </a:lnTo>
-                  <a:lnTo>
-                    <a:pt x="97954" y="3073"/>
-                  </a:lnTo>
-                  <a:lnTo>
-                    <a:pt x="97205" y="2398"/>
-                  </a:lnTo>
-                  <a:lnTo>
-                    <a:pt x="96455" y="1799"/>
-                  </a:lnTo>
-                  <a:lnTo>
-                    <a:pt x="95556" y="1274"/>
-                  </a:lnTo>
-                  <a:lnTo>
-                    <a:pt x="94657" y="824"/>
-                  </a:lnTo>
-                  <a:lnTo>
-                    <a:pt x="93682" y="450"/>
-                  </a:lnTo>
-                  <a:lnTo>
-                    <a:pt x="92708" y="225"/>
-                  </a:lnTo>
-                  <a:lnTo>
-                    <a:pt x="91659" y="75"/>
-                  </a:lnTo>
-                  <a:lnTo>
-                    <a:pt x="90610" y="0"/>
-                  </a:lnTo>
-                  <a:close/>
-                </a:path>
-              </a:pathLst>
-            </a:custGeom>
-            <a:solidFill>
-              <a:schemeClr val="dk1"/>
-            </a:solidFill>
-            <a:ln>
-              <a:noFill/>
-            </a:ln>
-            <a:effectLst>
-              <a:outerShdw blurRad="200025" dist="57150" dir="5400000" algn="bl" rotWithShape="0">
-                <a:schemeClr val="dk1">
-                  <a:alpha val="20000"/>
-                </a:schemeClr>
-              </a:outerShdw>
-            </a:effectLst>
-          </p:spPr>
-          <p:txBody>
-            <a:bodyPr spcFirstLastPara="1" wrap="square" lIns="91425" tIns="91425" rIns="91425" bIns="91425" anchor="ctr" anchorCtr="0">
-              <a:noAutofit/>
-            </a:bodyPr>
-            <a:lstStyle/>
-            <a:p>
-              <a:pPr marL="0" lvl="0" indent="0" algn="l" rtl="0">
-                <a:spcBef>
-                  <a:spcPts val="0"/>
-                </a:spcBef>
-                <a:spcAft>
-                  <a:spcPts val="0"/>
-                </a:spcAft>
-                <a:buNone/>
-              </a:pPr>
-              <a:endParaRPr/>
-            </a:p>
-          </p:txBody>
-        </p:sp>
-        <p:sp>
-          <p:nvSpPr>
-            <p:cNvPr id="528" name="Google Shape;528;p31"/>
-            <p:cNvSpPr/>
-            <p:nvPr/>
-          </p:nvSpPr>
-          <p:spPr>
-            <a:xfrm>
-              <a:off x="3557025" y="5147100"/>
-              <a:ext cx="504050" cy="179900"/>
-            </a:xfrm>
-            <a:custGeom>
-              <a:avLst/>
-              <a:gdLst/>
-              <a:ahLst/>
-              <a:cxnLst/>
-              <a:rect l="l" t="t" r="r" b="b"/>
-              <a:pathLst>
-                <a:path w="20162" h="7196" extrusionOk="0">
-                  <a:moveTo>
-                    <a:pt x="3598" y="0"/>
-                  </a:moveTo>
-                  <a:lnTo>
-                    <a:pt x="2849" y="75"/>
-                  </a:lnTo>
-                  <a:lnTo>
-                    <a:pt x="2174" y="300"/>
-                  </a:lnTo>
-                  <a:lnTo>
-                    <a:pt x="1575" y="600"/>
-                  </a:lnTo>
-                  <a:lnTo>
-                    <a:pt x="1050" y="1050"/>
-                  </a:lnTo>
-                  <a:lnTo>
-                    <a:pt x="600" y="1574"/>
-                  </a:lnTo>
-                  <a:lnTo>
-                    <a:pt x="301" y="2174"/>
-                  </a:lnTo>
-                  <a:lnTo>
-                    <a:pt x="76" y="2848"/>
-                  </a:lnTo>
-                  <a:lnTo>
-                    <a:pt x="1" y="3598"/>
-                  </a:lnTo>
-                  <a:lnTo>
-                    <a:pt x="76" y="4347"/>
-                  </a:lnTo>
-                  <a:lnTo>
-                    <a:pt x="301" y="5022"/>
-                  </a:lnTo>
-                  <a:lnTo>
-                    <a:pt x="600" y="5621"/>
-                  </a:lnTo>
-                  <a:lnTo>
-                    <a:pt x="1050" y="6146"/>
-                  </a:lnTo>
-                  <a:lnTo>
-                    <a:pt x="1575" y="6596"/>
-                  </a:lnTo>
-                  <a:lnTo>
-                    <a:pt x="2174" y="6896"/>
-                  </a:lnTo>
-                  <a:lnTo>
-                    <a:pt x="2849" y="7120"/>
-                  </a:lnTo>
-                  <a:lnTo>
-                    <a:pt x="3598" y="7195"/>
-                  </a:lnTo>
-                  <a:lnTo>
-                    <a:pt x="16639" y="7195"/>
-                  </a:lnTo>
-                  <a:lnTo>
-                    <a:pt x="17313" y="7120"/>
-                  </a:lnTo>
-                  <a:lnTo>
-                    <a:pt x="17988" y="6896"/>
-                  </a:lnTo>
-                  <a:lnTo>
-                    <a:pt x="18587" y="6596"/>
-                  </a:lnTo>
-                  <a:lnTo>
-                    <a:pt x="19112" y="6146"/>
-                  </a:lnTo>
-                  <a:lnTo>
-                    <a:pt x="19562" y="5621"/>
-                  </a:lnTo>
-                  <a:lnTo>
-                    <a:pt x="19861" y="5022"/>
-                  </a:lnTo>
-                  <a:lnTo>
-                    <a:pt x="20086" y="4347"/>
-                  </a:lnTo>
-                  <a:lnTo>
-                    <a:pt x="20161" y="3598"/>
-                  </a:lnTo>
-                  <a:lnTo>
-                    <a:pt x="20086" y="2848"/>
-                  </a:lnTo>
-                  <a:lnTo>
-                    <a:pt x="19861" y="2174"/>
-                  </a:lnTo>
-                  <a:lnTo>
-                    <a:pt x="19562" y="1574"/>
-                  </a:lnTo>
-                  <a:lnTo>
-                    <a:pt x="19112" y="1050"/>
-                  </a:lnTo>
-                  <a:lnTo>
-                    <a:pt x="18587" y="600"/>
-                  </a:lnTo>
-                  <a:lnTo>
-                    <a:pt x="17988" y="300"/>
-                  </a:lnTo>
-                  <a:lnTo>
-                    <a:pt x="17313" y="75"/>
-                  </a:lnTo>
-                  <a:lnTo>
-                    <a:pt x="16639" y="0"/>
-                  </a:lnTo>
-                  <a:close/>
-                </a:path>
-              </a:pathLst>
-            </a:custGeom>
-            <a:solidFill>
-              <a:schemeClr val="dk2"/>
-            </a:solidFill>
-            <a:ln>
-              <a:noFill/>
-            </a:ln>
-          </p:spPr>
-          <p:txBody>
-            <a:bodyPr spcFirstLastPara="1" wrap="square" lIns="91425" tIns="91425" rIns="91425" bIns="91425" anchor="ctr" anchorCtr="0">
-              <a:noAutofit/>
-            </a:bodyPr>
-            <a:lstStyle/>
-            <a:p>
-              <a:pPr marL="0" lvl="0" indent="0" algn="l" rtl="0">
-                <a:spcBef>
-                  <a:spcPts val="0"/>
-                </a:spcBef>
-                <a:spcAft>
-                  <a:spcPts val="0"/>
-                </a:spcAft>
-                <a:buNone/>
-              </a:pPr>
-              <a:endParaRPr/>
-            </a:p>
-          </p:txBody>
-        </p:sp>
-        <p:sp>
-          <p:nvSpPr>
-            <p:cNvPr id="529" name="Google Shape;529;p31"/>
-            <p:cNvSpPr/>
-            <p:nvPr/>
-          </p:nvSpPr>
-          <p:spPr>
-            <a:xfrm>
-              <a:off x="3008050" y="423600"/>
-              <a:ext cx="99325" cy="99325"/>
-            </a:xfrm>
-            <a:custGeom>
-              <a:avLst/>
-              <a:gdLst/>
-              <a:ahLst/>
-              <a:cxnLst/>
-              <a:rect l="l" t="t" r="r" b="b"/>
-              <a:pathLst>
-                <a:path w="3973" h="3973" extrusionOk="0">
-                  <a:moveTo>
-                    <a:pt x="2024" y="1"/>
-                  </a:moveTo>
-                  <a:lnTo>
-                    <a:pt x="1575" y="76"/>
-                  </a:lnTo>
-                  <a:lnTo>
-                    <a:pt x="1200" y="151"/>
-                  </a:lnTo>
-                  <a:lnTo>
-                    <a:pt x="900" y="375"/>
-                  </a:lnTo>
-                  <a:lnTo>
-                    <a:pt x="600" y="600"/>
-                  </a:lnTo>
-                  <a:lnTo>
-                    <a:pt x="375" y="900"/>
-                  </a:lnTo>
-                  <a:lnTo>
-                    <a:pt x="151" y="1200"/>
-                  </a:lnTo>
-                  <a:lnTo>
-                    <a:pt x="76" y="1575"/>
-                  </a:lnTo>
-                  <a:lnTo>
-                    <a:pt x="1" y="2024"/>
-                  </a:lnTo>
-                  <a:lnTo>
-                    <a:pt x="76" y="2399"/>
-                  </a:lnTo>
-                  <a:lnTo>
-                    <a:pt x="151" y="2774"/>
-                  </a:lnTo>
-                  <a:lnTo>
-                    <a:pt x="375" y="3073"/>
-                  </a:lnTo>
-                  <a:lnTo>
-                    <a:pt x="600" y="3373"/>
-                  </a:lnTo>
-                  <a:lnTo>
-                    <a:pt x="900" y="3673"/>
-                  </a:lnTo>
-                  <a:lnTo>
-                    <a:pt x="1200" y="3823"/>
-                  </a:lnTo>
-                  <a:lnTo>
-                    <a:pt x="1575" y="3973"/>
-                  </a:lnTo>
-                  <a:lnTo>
-                    <a:pt x="2399" y="3973"/>
-                  </a:lnTo>
-                  <a:lnTo>
-                    <a:pt x="2774" y="3823"/>
-                  </a:lnTo>
-                  <a:lnTo>
-                    <a:pt x="3073" y="3673"/>
-                  </a:lnTo>
-                  <a:lnTo>
-                    <a:pt x="3373" y="3373"/>
-                  </a:lnTo>
-                  <a:lnTo>
-                    <a:pt x="3598" y="3073"/>
-                  </a:lnTo>
-                  <a:lnTo>
-                    <a:pt x="3823" y="2774"/>
-                  </a:lnTo>
-                  <a:lnTo>
-                    <a:pt x="3898" y="2399"/>
-                  </a:lnTo>
-                  <a:lnTo>
-                    <a:pt x="3973" y="2024"/>
-                  </a:lnTo>
-                  <a:lnTo>
-                    <a:pt x="3898" y="1575"/>
-                  </a:lnTo>
-                  <a:lnTo>
-                    <a:pt x="3823" y="1200"/>
-                  </a:lnTo>
-                  <a:lnTo>
-                    <a:pt x="3598" y="900"/>
-                  </a:lnTo>
-                  <a:lnTo>
-                    <a:pt x="3373" y="600"/>
-                  </a:lnTo>
-                  <a:lnTo>
-                    <a:pt x="3073" y="375"/>
-                  </a:lnTo>
-                  <a:lnTo>
-                    <a:pt x="2774" y="151"/>
-                  </a:lnTo>
-                  <a:lnTo>
-                    <a:pt x="2399" y="76"/>
-                  </a:lnTo>
-                  <a:lnTo>
-                    <a:pt x="2024" y="1"/>
-                  </a:lnTo>
-                  <a:close/>
-                </a:path>
-              </a:pathLst>
-            </a:custGeom>
-            <a:solidFill>
-              <a:schemeClr val="dk2"/>
-            </a:solidFill>
-            <a:ln>
-              <a:noFill/>
-            </a:ln>
-          </p:spPr>
-          <p:txBody>
-            <a:bodyPr spcFirstLastPara="1" wrap="square" lIns="91425" tIns="91425" rIns="91425" bIns="91425" anchor="ctr" anchorCtr="0">
-              <a:noAutofit/>
-            </a:bodyPr>
-            <a:lstStyle/>
-            <a:p>
-              <a:pPr marL="0" lvl="0" indent="0" algn="l" rtl="0">
-                <a:spcBef>
-                  <a:spcPts val="0"/>
-                </a:spcBef>
-                <a:spcAft>
-                  <a:spcPts val="0"/>
-                </a:spcAft>
-                <a:buNone/>
-              </a:pPr>
-              <a:endParaRPr/>
-            </a:p>
-          </p:txBody>
-        </p:sp>
-        <p:sp>
-          <p:nvSpPr>
-            <p:cNvPr id="530" name="Google Shape;530;p31"/>
-            <p:cNvSpPr/>
-            <p:nvPr/>
-          </p:nvSpPr>
-          <p:spPr>
-            <a:xfrm>
-              <a:off x="3566400" y="434850"/>
-              <a:ext cx="487175" cy="76850"/>
-            </a:xfrm>
-            <a:custGeom>
-              <a:avLst/>
-              <a:gdLst/>
-              <a:ahLst/>
-              <a:cxnLst/>
-              <a:rect l="l" t="t" r="r" b="b"/>
-              <a:pathLst>
-                <a:path w="19487" h="3074" extrusionOk="0">
-                  <a:moveTo>
-                    <a:pt x="1275" y="0"/>
-                  </a:moveTo>
-                  <a:lnTo>
-                    <a:pt x="1050" y="75"/>
-                  </a:lnTo>
-                  <a:lnTo>
-                    <a:pt x="750" y="150"/>
-                  </a:lnTo>
-                  <a:lnTo>
-                    <a:pt x="525" y="300"/>
-                  </a:lnTo>
-                  <a:lnTo>
-                    <a:pt x="375" y="450"/>
-                  </a:lnTo>
-                  <a:lnTo>
-                    <a:pt x="225" y="675"/>
-                  </a:lnTo>
-                  <a:lnTo>
-                    <a:pt x="75" y="975"/>
-                  </a:lnTo>
-                  <a:lnTo>
-                    <a:pt x="1" y="1274"/>
-                  </a:lnTo>
-                  <a:lnTo>
-                    <a:pt x="1" y="1574"/>
-                  </a:lnTo>
-                  <a:lnTo>
-                    <a:pt x="1" y="1874"/>
-                  </a:lnTo>
-                  <a:lnTo>
-                    <a:pt x="75" y="2174"/>
-                  </a:lnTo>
-                  <a:lnTo>
-                    <a:pt x="225" y="2399"/>
-                  </a:lnTo>
-                  <a:lnTo>
-                    <a:pt x="375" y="2623"/>
-                  </a:lnTo>
-                  <a:lnTo>
-                    <a:pt x="525" y="2773"/>
-                  </a:lnTo>
-                  <a:lnTo>
-                    <a:pt x="750" y="2923"/>
-                  </a:lnTo>
-                  <a:lnTo>
-                    <a:pt x="1050" y="2998"/>
-                  </a:lnTo>
-                  <a:lnTo>
-                    <a:pt x="1275" y="3073"/>
-                  </a:lnTo>
-                  <a:lnTo>
-                    <a:pt x="18137" y="3073"/>
-                  </a:lnTo>
-                  <a:lnTo>
-                    <a:pt x="18437" y="2998"/>
-                  </a:lnTo>
-                  <a:lnTo>
-                    <a:pt x="18662" y="2923"/>
-                  </a:lnTo>
-                  <a:lnTo>
-                    <a:pt x="18887" y="2773"/>
-                  </a:lnTo>
-                  <a:lnTo>
-                    <a:pt x="19112" y="2623"/>
-                  </a:lnTo>
-                  <a:lnTo>
-                    <a:pt x="19262" y="2399"/>
-                  </a:lnTo>
-                  <a:lnTo>
-                    <a:pt x="19337" y="2174"/>
-                  </a:lnTo>
-                  <a:lnTo>
-                    <a:pt x="19412" y="1874"/>
-                  </a:lnTo>
-                  <a:lnTo>
-                    <a:pt x="19486" y="1574"/>
-                  </a:lnTo>
-                  <a:lnTo>
-                    <a:pt x="19412" y="1274"/>
-                  </a:lnTo>
-                  <a:lnTo>
-                    <a:pt x="19337" y="975"/>
-                  </a:lnTo>
-                  <a:lnTo>
-                    <a:pt x="19262" y="675"/>
-                  </a:lnTo>
-                  <a:lnTo>
-                    <a:pt x="19112" y="450"/>
-                  </a:lnTo>
-                  <a:lnTo>
-                    <a:pt x="18887" y="300"/>
-                  </a:lnTo>
-                  <a:lnTo>
-                    <a:pt x="18662" y="150"/>
-                  </a:lnTo>
-                  <a:lnTo>
-                    <a:pt x="18437" y="75"/>
-                  </a:lnTo>
-                  <a:lnTo>
-                    <a:pt x="18137" y="0"/>
-                  </a:lnTo>
-                  <a:close/>
-                </a:path>
-              </a:pathLst>
-            </a:custGeom>
-            <a:solidFill>
-              <a:schemeClr val="dk2"/>
-            </a:solidFill>
-            <a:ln>
-              <a:noFill/>
-            </a:ln>
-          </p:spPr>
-          <p:txBody>
-            <a:bodyPr spcFirstLastPara="1" wrap="square" lIns="91425" tIns="91425" rIns="91425" bIns="91425" anchor="ctr" anchorCtr="0">
-              <a:noAutofit/>
-            </a:bodyPr>
-            <a:lstStyle/>
-            <a:p>
-              <a:pPr marL="0" lvl="0" indent="0" algn="l" rtl="0">
-                <a:spcBef>
-                  <a:spcPts val="0"/>
-                </a:spcBef>
-                <a:spcAft>
-                  <a:spcPts val="0"/>
-                </a:spcAft>
-                <a:buNone/>
-              </a:pPr>
-              <a:endParaRPr/>
-            </a:p>
-          </p:txBody>
-        </p:sp>
-      </p:grpSp>
-      <p:pic>
-        <p:nvPicPr>
-          <p:cNvPr id="3" name="Imagen 2" descr="Imagen que contiene dibujo&#10;&#10;Descripción generada automáticamente">
-            <a:extLst>
-              <a:ext uri="{FF2B5EF4-FFF2-40B4-BE49-F238E27FC236}">
-                <a16:creationId xmlns:a16="http://schemas.microsoft.com/office/drawing/2014/main" id="{6293E412-3FF4-441A-8FC6-ED9CB125EE62}"/>
-              </a:ext>
-            </a:extLst>
-          </p:cNvPr>
-          <p:cNvPicPr>
-            <a:picLocks noChangeAspect="1"/>
-          </p:cNvPicPr>
-          <p:nvPr/>
-        </p:nvPicPr>
-        <p:blipFill>
-          <a:blip r:embed="rId3"/>
-          <a:stretch>
-            <a:fillRect/>
-          </a:stretch>
-        </p:blipFill>
-        <p:spPr>
-          <a:xfrm>
-            <a:off x="4812095" y="748967"/>
-            <a:ext cx="1870799" cy="3337197"/>
-          </a:xfrm>
-          <a:prstGeom prst="rect">
-            <a:avLst/>
-          </a:prstGeom>
-        </p:spPr>
-      </p:pic>
-      <p:pic>
-        <p:nvPicPr>
-          <p:cNvPr id="12" name="Imagen 11">
-            <a:extLst>
-              <a:ext uri="{FF2B5EF4-FFF2-40B4-BE49-F238E27FC236}">
-                <a16:creationId xmlns:a16="http://schemas.microsoft.com/office/drawing/2014/main" id="{5E7C90B0-86DB-47F2-8BDB-6302A77EAD3B}"/>
-              </a:ext>
-            </a:extLst>
-          </p:cNvPr>
-          <p:cNvPicPr>
-            <a:picLocks noChangeAspect="1"/>
-          </p:cNvPicPr>
-          <p:nvPr/>
-        </p:nvPicPr>
-        <p:blipFill>
-          <a:blip r:embed="rId4" cstate="email">
-            <a:extLst>
-              <a:ext uri="{28A0092B-C50C-407E-A947-70E740481C1C}">
-                <a14:useLocalDpi xmlns:a14="http://schemas.microsoft.com/office/drawing/2010/main" val="0"/>
-              </a:ext>
-            </a:extLst>
-          </a:blip>
-          <a:stretch>
-            <a:fillRect/>
-          </a:stretch>
-        </p:blipFill>
-        <p:spPr>
-          <a:xfrm>
-            <a:off x="6961843" y="4020421"/>
-            <a:ext cx="1974857" cy="753533"/>
+            <a:off x="7648014" y="4538387"/>
+            <a:ext cx="1322305" cy="504543"/>
           </a:xfrm>
           <a:prstGeom prst="rect">
             <a:avLst/>
@@ -20087,11 +21806,6 @@
         </p:spPr>
       </p:pic>
     </p:spTree>
-    <p:extLst>
-      <p:ext uri="{BB962C8B-B14F-4D97-AF65-F5344CB8AC3E}">
-        <p14:creationId xmlns:p14="http://schemas.microsoft.com/office/powerpoint/2010/main" val="3817581"/>
-      </p:ext>
-    </p:extLst>
   </p:cSld>
   <p:clrMapOvr>
     <a:masterClrMapping/>

--- a/PresentaciónTFG_Adrián_Pizarro_Serrano.pptx
+++ b/PresentaciónTFG_Adrián_Pizarro_Serrano.pptx
@@ -16,8 +16,8 @@
     <p:sldId id="273" r:id="rId7"/>
     <p:sldId id="289" r:id="rId8"/>
     <p:sldId id="290" r:id="rId9"/>
-    <p:sldId id="292" r:id="rId10"/>
-    <p:sldId id="293" r:id="rId11"/>
+    <p:sldId id="293" r:id="rId10"/>
+    <p:sldId id="292" r:id="rId11"/>
     <p:sldId id="272" r:id="rId12"/>
     <p:sldId id="285" r:id="rId13"/>
     <p:sldId id="287" r:id="rId14"/>
@@ -31,14 +31,14 @@
   <p:notesSz cx="6858000" cy="9144000"/>
   <p:embeddedFontLst>
     <p:embeddedFont>
-      <p:font typeface="Montserrat" panose="020B0604020202020204" charset="0"/>
+      <p:font typeface="Montserrat Light" panose="020B0604020202020204" charset="0"/>
       <p:regular r:id="rId21"/>
       <p:bold r:id="rId22"/>
       <p:italic r:id="rId23"/>
       <p:boldItalic r:id="rId24"/>
     </p:embeddedFont>
     <p:embeddedFont>
-      <p:font typeface="Montserrat Light" panose="020B0604020202020204" charset="0"/>
+      <p:font typeface="Montserrat" panose="020B0604020202020204" charset="0"/>
       <p:regular r:id="rId25"/>
       <p:bold r:id="rId26"/>
       <p:italic r:id="rId27"/>
@@ -10914,6 +10914,13 @@
   <p:clrMapOvr>
     <a:masterClrMapping/>
   </p:clrMapOvr>
+  <p:timing>
+    <p:tnLst>
+      <p:par>
+        <p:cTn id="1" dur="indefinite" restart="never" nodeType="tmRoot"/>
+      </p:par>
+    </p:tnLst>
+  </p:timing>
 </p:sld>
 </file>
 
@@ -10934,44 +10941,6 @@
           <a:chExt cx="0" cy="0"/>
         </a:xfrm>
       </p:grpSpPr>
-      <p:sp>
-        <p:nvSpPr>
-          <p:cNvPr id="372" name="Google Shape;372;p19"/>
-          <p:cNvSpPr txBox="1">
-            <a:spLocks noGrp="1"/>
-          </p:cNvSpPr>
-          <p:nvPr>
-            <p:ph type="body" idx="1"/>
-          </p:nvPr>
-        </p:nvSpPr>
-        <p:spPr>
-          <a:xfrm>
-            <a:off x="248544" y="688574"/>
-            <a:ext cx="3795550" cy="392165"/>
-          </a:xfrm>
-          <a:prstGeom prst="rect">
-            <a:avLst/>
-          </a:prstGeom>
-        </p:spPr>
-        <p:txBody>
-          <a:bodyPr spcFirstLastPara="1" wrap="square" lIns="0" tIns="0" rIns="0" bIns="0" anchor="t" anchorCtr="0">
-            <a:noAutofit/>
-          </a:bodyPr>
-          <a:lstStyle/>
-          <a:p>
-            <a:pPr marL="0" lvl="0" indent="0" algn="l" rtl="0">
-              <a:spcBef>
-                <a:spcPts val="600"/>
-              </a:spcBef>
-              <a:spcAft>
-                <a:spcPts val="0"/>
-              </a:spcAft>
-              <a:buNone/>
-            </a:pPr>
-            <a:endParaRPr sz="1600" dirty="0"/>
-          </a:p>
-        </p:txBody>
-      </p:sp>
       <p:pic>
         <p:nvPicPr>
           <p:cNvPr id="2" name="Imagen 1">
@@ -11024,7 +10993,7 @@
         </p:nvSpPr>
         <p:spPr>
           <a:xfrm>
-            <a:off x="947792" y="1670208"/>
+            <a:off x="243346" y="788934"/>
             <a:ext cx="3795550" cy="392165"/>
           </a:xfrm>
           <a:prstGeom prst="rect">
@@ -11288,42 +11257,13 @@
           </a:lstStyle>
           <a:p>
             <a:pPr marL="0" indent="0">
+              <a:buFont typeface="Montserrat Light"/>
               <a:buNone/>
             </a:pPr>
             <a:r>
               <a:rPr lang="es-ES" sz="1600" dirty="0"/>
-              <a:t>Debido a la gran cantidad de datos generados en la actualidad</a:t>
+              <a:t>HTML</a:t>
             </a:r>
-          </a:p>
-          <a:p>
-            <a:pPr marL="0" indent="0">
-              <a:buNone/>
-            </a:pPr>
-            <a:r>
-              <a:rPr lang="es-ES" sz="1600" dirty="0"/>
-              <a:t> nace el paradigma de cómo analizar dicha información, de manera clara,</a:t>
-            </a:r>
-          </a:p>
-          <a:p>
-            <a:pPr marL="0" indent="0">
-              <a:buNone/>
-            </a:pPr>
-            <a:r>
-              <a:rPr lang="es-ES" sz="1600" dirty="0"/>
-              <a:t> rápida y sencilla a través de visualizaciones.</a:t>
-            </a:r>
-          </a:p>
-          <a:p>
-            <a:pPr marL="0" indent="0">
-              <a:buNone/>
-            </a:pPr>
-            <a:endParaRPr lang="es-ES" sz="1600" dirty="0"/>
-          </a:p>
-          <a:p>
-            <a:pPr marL="0" indent="0">
-              <a:buNone/>
-            </a:pPr>
-            <a:endParaRPr lang="es-ES" sz="1600" dirty="0"/>
           </a:p>
         </p:txBody>
       </p:sp>
@@ -11343,7 +11283,7 @@
         </p:nvSpPr>
         <p:spPr>
           <a:xfrm>
-            <a:off x="5004443" y="1670209"/>
+            <a:off x="5348450" y="788933"/>
             <a:ext cx="3795550" cy="392165"/>
           </a:xfrm>
           <a:prstGeom prst="rect">
@@ -11607,37 +11547,13 @@
           </a:lstStyle>
           <a:p>
             <a:pPr marL="0" indent="0">
+              <a:buFont typeface="Montserrat Light"/>
               <a:buNone/>
             </a:pPr>
             <a:r>
               <a:rPr lang="es-ES" sz="1600" dirty="0"/>
-              <a:t>Consiste en generar un entorno de apariencia real mediante la tecnología.</a:t>
+              <a:t>Resultado</a:t>
             </a:r>
-          </a:p>
-          <a:p>
-            <a:pPr marL="0" indent="0">
-              <a:buNone/>
-            </a:pPr>
-            <a:r>
-              <a:rPr lang="es-ES" sz="1600" dirty="0"/>
-              <a:t>Tiene el fin de hacer sentir al usuario que está dentro del mismo </a:t>
-            </a:r>
-          </a:p>
-          <a:p>
-            <a:pPr marL="0" indent="0">
-              <a:buNone/>
-            </a:pPr>
-            <a:r>
-              <a:rPr lang="es-ES" sz="1600" dirty="0"/>
-              <a:t>y ofrecerle nuevas posibilidades.</a:t>
-            </a:r>
-          </a:p>
-          <a:p>
-            <a:pPr marL="0" indent="0">
-              <a:buFont typeface="Montserrat Light"/>
-              <a:buNone/>
-            </a:pPr>
-            <a:endParaRPr lang="es-ES" sz="1600" dirty="0"/>
           </a:p>
         </p:txBody>
       </p:sp>
@@ -11925,23 +11841,88 @@
               <a:t>A-Frame Charts </a:t>
             </a:r>
             <a:r>
-              <a:rPr lang="es-ES" sz="2400" dirty="0" err="1"/>
+              <a:rPr lang="es-ES" sz="2400" dirty="0" err="1" smtClean="0"/>
               <a:t>Component</a:t>
+            </a:r>
+            <a:r>
+              <a:rPr lang="es-ES" sz="2400" dirty="0" smtClean="0"/>
+              <a:t> (Escena)</a:t>
             </a:r>
             <a:endParaRPr lang="es-ES" sz="1000" dirty="0"/>
           </a:p>
         </p:txBody>
       </p:sp>
+      <p:pic>
+        <p:nvPicPr>
+          <p:cNvPr id="12" name="Imagen 11" descr="Imagen que contiene colorido, papalote, instrumento, vuelo&#10;&#10;Descripción generada automáticamente">
+            <a:extLst>
+              <a:ext uri="{FF2B5EF4-FFF2-40B4-BE49-F238E27FC236}">
+                <a16:creationId xmlns:a16="http://schemas.microsoft.com/office/drawing/2014/main" id="{50906602-82F4-4A8B-9DB6-0CEBB890C092}"/>
+              </a:ext>
+            </a:extLst>
+          </p:cNvPr>
+          <p:cNvPicPr>
+            <a:picLocks noChangeAspect="1"/>
+          </p:cNvPicPr>
+          <p:nvPr/>
+        </p:nvPicPr>
+        <p:blipFill>
+          <a:blip r:embed="rId4"/>
+          <a:stretch>
+            <a:fillRect/>
+          </a:stretch>
+        </p:blipFill>
+        <p:spPr>
+          <a:xfrm>
+            <a:off x="5192110" y="1249402"/>
+            <a:ext cx="3778209" cy="2696102"/>
+          </a:xfrm>
+          <a:prstGeom prst="rect">
+            <a:avLst/>
+          </a:prstGeom>
+        </p:spPr>
+      </p:pic>
+      <p:pic>
+        <p:nvPicPr>
+          <p:cNvPr id="9" name="Imagen 8"/>
+          <p:cNvPicPr>
+            <a:picLocks noChangeAspect="1"/>
+          </p:cNvPicPr>
+          <p:nvPr/>
+        </p:nvPicPr>
+        <p:blipFill>
+          <a:blip r:embed="rId5"/>
+          <a:stretch>
+            <a:fillRect/>
+          </a:stretch>
+        </p:blipFill>
+        <p:spPr>
+          <a:xfrm>
+            <a:off x="243346" y="1575223"/>
+            <a:ext cx="4771404" cy="2238375"/>
+          </a:xfrm>
+          <a:prstGeom prst="rect">
+            <a:avLst/>
+          </a:prstGeom>
+        </p:spPr>
+      </p:pic>
     </p:spTree>
     <p:extLst>
       <p:ext uri="{BB962C8B-B14F-4D97-AF65-F5344CB8AC3E}">
-        <p14:creationId xmlns:p14="http://schemas.microsoft.com/office/powerpoint/2010/main" val="4272809906"/>
+        <p14:creationId xmlns:p14="http://schemas.microsoft.com/office/powerpoint/2010/main" val="2635728096"/>
       </p:ext>
     </p:extLst>
   </p:cSld>
   <p:clrMapOvr>
     <a:masterClrMapping/>
   </p:clrMapOvr>
+  <p:timing>
+    <p:tnLst>
+      <p:par>
+        <p:cTn id="1" dur="indefinite" restart="never" nodeType="tmRoot"/>
+      </p:par>
+    </p:tnLst>
+  </p:timing>
 </p:sld>
 </file>
 
@@ -18478,6 +18459,13 @@
   <p:clrMapOvr>
     <a:masterClrMapping/>
   </p:clrMapOvr>
+  <p:timing>
+    <p:tnLst>
+      <p:par>
+        <p:cTn id="1" dur="indefinite" restart="never" nodeType="tmRoot"/>
+      </p:par>
+    </p:tnLst>
+  </p:timing>
 </p:sld>
 </file>
 
@@ -18925,6 +18913,13 @@
   <p:clrMapOvr>
     <a:masterClrMapping/>
   </p:clrMapOvr>
+  <p:timing>
+    <p:tnLst>
+      <p:par>
+        <p:cTn id="1" dur="indefinite" restart="never" nodeType="tmRoot"/>
+      </p:par>
+    </p:tnLst>
+  </p:timing>
 </p:sld>
 </file>
 
@@ -19365,6 +19360,13 @@
   <p:clrMapOvr>
     <a:masterClrMapping/>
   </p:clrMapOvr>
+  <p:timing>
+    <p:tnLst>
+      <p:par>
+        <p:cTn id="1" dur="indefinite" restart="never" nodeType="tmRoot"/>
+      </p:par>
+    </p:tnLst>
+  </p:timing>
 </p:sld>
 </file>
 
@@ -19854,6 +19856,13 @@
   <p:clrMapOvr>
     <a:masterClrMapping/>
   </p:clrMapOvr>
+  <p:timing>
+    <p:tnLst>
+      <p:par>
+        <p:cTn id="1" dur="indefinite" restart="never" nodeType="tmRoot"/>
+      </p:par>
+    </p:tnLst>
+  </p:timing>
 </p:sld>
 </file>
 
@@ -20719,36 +20728,6 @@
       </p:pic>
       <p:pic>
         <p:nvPicPr>
-          <p:cNvPr id="25" name="Imagen 24">
-            <a:extLst>
-              <a:ext uri="{FF2B5EF4-FFF2-40B4-BE49-F238E27FC236}">
-                <a16:creationId xmlns:a16="http://schemas.microsoft.com/office/drawing/2014/main" id="{02062FBF-97E4-4033-B6F4-02765DFDC081}"/>
-              </a:ext>
-            </a:extLst>
-          </p:cNvPr>
-          <p:cNvPicPr>
-            <a:picLocks noChangeAspect="1"/>
-          </p:cNvPicPr>
-          <p:nvPr/>
-        </p:nvPicPr>
-        <p:blipFill>
-          <a:blip r:embed="rId7"/>
-          <a:stretch>
-            <a:fillRect/>
-          </a:stretch>
-        </p:blipFill>
-        <p:spPr>
-          <a:xfrm>
-            <a:off x="688580" y="2571333"/>
-            <a:ext cx="1210431" cy="680481"/>
-          </a:xfrm>
-          <a:prstGeom prst="rect">
-            <a:avLst/>
-          </a:prstGeom>
-        </p:spPr>
-      </p:pic>
-      <p:pic>
-        <p:nvPicPr>
           <p:cNvPr id="27" name="Imagen 26" descr="Imagen que contiene dibujo, señal, tabla&#10;&#10;Descripción generada automáticamente">
             <a:extLst>
               <a:ext uri="{FF2B5EF4-FFF2-40B4-BE49-F238E27FC236}">
@@ -20762,7 +20741,7 @@
           <p:nvPr/>
         </p:nvPicPr>
         <p:blipFill>
-          <a:blip r:embed="rId8"/>
+          <a:blip r:embed="rId7"/>
           <a:stretch>
             <a:fillRect/>
           </a:stretch>
@@ -20792,7 +20771,7 @@
           <p:nvPr/>
         </p:nvPicPr>
         <p:blipFill>
-          <a:blip r:embed="rId9"/>
+          <a:blip r:embed="rId8"/>
           <a:stretch>
             <a:fillRect/>
           </a:stretch>
@@ -20807,11 +20786,48 @@
           </a:prstGeom>
         </p:spPr>
       </p:pic>
+      <p:pic>
+        <p:nvPicPr>
+          <p:cNvPr id="3" name="Imagen 2"/>
+          <p:cNvPicPr>
+            <a:picLocks noChangeAspect="1"/>
+          </p:cNvPicPr>
+          <p:nvPr/>
+        </p:nvPicPr>
+        <p:blipFill>
+          <a:blip r:embed="rId9">
+            <a:extLst>
+              <a:ext uri="{28A0092B-C50C-407E-A947-70E740481C1C}">
+                <a14:useLocalDpi xmlns:a14="http://schemas.microsoft.com/office/drawing/2010/main" val="0"/>
+              </a:ext>
+            </a:extLst>
+          </a:blip>
+          <a:stretch>
+            <a:fillRect/>
+          </a:stretch>
+        </p:blipFill>
+        <p:spPr>
+          <a:xfrm>
+            <a:off x="955791" y="2514740"/>
+            <a:ext cx="697008" cy="697008"/>
+          </a:xfrm>
+          <a:prstGeom prst="rect">
+            <a:avLst/>
+          </a:prstGeom>
+        </p:spPr>
+      </p:pic>
     </p:spTree>
   </p:cSld>
   <p:clrMapOvr>
     <a:masterClrMapping/>
   </p:clrMapOvr>
+  <p:timing>
+    <p:tnLst>
+      <p:par>
+        <p:cTn id="1" dur="indefinite" restart="never" nodeType="tmRoot"/>
+      </p:par>
+    </p:tnLst>
+  </p:timing>
 </p:sld>
 </file>
 
@@ -21353,7 +21369,7 @@
               <a:t>A-Frame Charts </a:t>
             </a:r>
             <a:r>
-              <a:rPr lang="es-ES" sz="2400" dirty="0" err="1"/>
+              <a:rPr lang="es-ES" sz="2400" dirty="0" err="1" smtClean="0"/>
               <a:t>Component</a:t>
             </a:r>
             <a:endParaRPr lang="es-ES" sz="1000" dirty="0"/>
@@ -21406,6 +21422,13 @@
   <p:clrMapOvr>
     <a:masterClrMapping/>
   </p:clrMapOvr>
+  <p:timing>
+    <p:tnLst>
+      <p:par>
+        <p:cTn id="1" dur="indefinite" restart="never" nodeType="tmRoot"/>
+      </p:par>
+    </p:tnLst>
+  </p:timing>
 </p:sld>
 </file>
 
@@ -22475,6 +22498,13 @@
   <p:clrMapOvr>
     <a:masterClrMapping/>
   </p:clrMapOvr>
+  <p:timing>
+    <p:tnLst>
+      <p:par>
+        <p:cTn id="1" dur="indefinite" restart="never" nodeType="tmRoot"/>
+      </p:par>
+    </p:tnLst>
+  </p:timing>
 </p:sld>
 </file>
 
@@ -22507,8 +22537,8 @@
         </p:nvSpPr>
         <p:spPr>
           <a:xfrm>
-            <a:off x="248544" y="688574"/>
-            <a:ext cx="3795550" cy="392165"/>
+            <a:off x="290586" y="1171113"/>
+            <a:ext cx="2410573" cy="499095"/>
           </a:xfrm>
           <a:prstGeom prst="rect">
             <a:avLst/>
@@ -22530,8 +22560,8 @@
               <a:buNone/>
             </a:pPr>
             <a:r>
-              <a:rPr lang="es-ES" sz="1600" dirty="0"/>
-              <a:t>Datos</a:t>
+              <a:rPr lang="es-ES" sz="1600" dirty="0" smtClean="0"/>
+              <a:t>Burbujas</a:t>
             </a:r>
             <a:endParaRPr sz="1600" dirty="0"/>
           </a:p>
@@ -22573,96 +22603,6 @@
           </a:prstGeom>
         </p:spPr>
       </p:pic>
-      <p:pic>
-        <p:nvPicPr>
-          <p:cNvPr id="4" name="Imagen 3">
-            <a:extLst>
-              <a:ext uri="{FF2B5EF4-FFF2-40B4-BE49-F238E27FC236}">
-                <a16:creationId xmlns:a16="http://schemas.microsoft.com/office/drawing/2014/main" id="{35CF7C43-6B0F-49AF-A332-BD4CA9EF7F07}"/>
-              </a:ext>
-            </a:extLst>
-          </p:cNvPr>
-          <p:cNvPicPr>
-            <a:picLocks noChangeAspect="1"/>
-          </p:cNvPicPr>
-          <p:nvPr/>
-        </p:nvPicPr>
-        <p:blipFill>
-          <a:blip r:embed="rId4"/>
-          <a:stretch>
-            <a:fillRect/>
-          </a:stretch>
-        </p:blipFill>
-        <p:spPr>
-          <a:xfrm>
-            <a:off x="104408" y="2951690"/>
-            <a:ext cx="5742211" cy="1737565"/>
-          </a:xfrm>
-          <a:prstGeom prst="rect">
-            <a:avLst/>
-          </a:prstGeom>
-        </p:spPr>
-      </p:pic>
-      <p:pic>
-        <p:nvPicPr>
-          <p:cNvPr id="5" name="Imagen 4">
-            <a:extLst>
-              <a:ext uri="{FF2B5EF4-FFF2-40B4-BE49-F238E27FC236}">
-                <a16:creationId xmlns:a16="http://schemas.microsoft.com/office/drawing/2014/main" id="{E572131E-F548-421C-A171-AA68B324474F}"/>
-              </a:ext>
-            </a:extLst>
-          </p:cNvPr>
-          <p:cNvPicPr>
-            <a:picLocks noChangeAspect="1"/>
-          </p:cNvPicPr>
-          <p:nvPr/>
-        </p:nvPicPr>
-        <p:blipFill>
-          <a:blip r:embed="rId5"/>
-          <a:stretch>
-            <a:fillRect/>
-          </a:stretch>
-        </p:blipFill>
-        <p:spPr>
-          <a:xfrm>
-            <a:off x="5990755" y="1181099"/>
-            <a:ext cx="3092272" cy="3065319"/>
-          </a:xfrm>
-          <a:prstGeom prst="rect">
-            <a:avLst/>
-          </a:prstGeom>
-        </p:spPr>
-      </p:pic>
-      <p:pic>
-        <p:nvPicPr>
-          <p:cNvPr id="6" name="Imagen 5">
-            <a:extLst>
-              <a:ext uri="{FF2B5EF4-FFF2-40B4-BE49-F238E27FC236}">
-                <a16:creationId xmlns:a16="http://schemas.microsoft.com/office/drawing/2014/main" id="{0415DB96-31C7-48FC-A4D1-179A95E5D4DA}"/>
-              </a:ext>
-            </a:extLst>
-          </p:cNvPr>
-          <p:cNvPicPr>
-            <a:picLocks noChangeAspect="1"/>
-          </p:cNvPicPr>
-          <p:nvPr/>
-        </p:nvPicPr>
-        <p:blipFill>
-          <a:blip r:embed="rId6"/>
-          <a:stretch>
-            <a:fillRect/>
-          </a:stretch>
-        </p:blipFill>
-        <p:spPr>
-          <a:xfrm>
-            <a:off x="104408" y="1181099"/>
-            <a:ext cx="4232065" cy="1209161"/>
-          </a:xfrm>
-          <a:prstGeom prst="rect">
-            <a:avLst/>
-          </a:prstGeom>
-        </p:spPr>
-      </p:pic>
       <p:sp>
         <p:nvSpPr>
           <p:cNvPr id="10" name="Google Shape;372;p19">
@@ -22679,7 +22619,7 @@
         </p:nvSpPr>
         <p:spPr>
           <a:xfrm>
-            <a:off x="248544" y="2559525"/>
+            <a:off x="2608426" y="1474125"/>
             <a:ext cx="3795550" cy="392165"/>
           </a:xfrm>
           <a:prstGeom prst="rect">
@@ -22943,13 +22883,15 @@
           </a:lstStyle>
           <a:p>
             <a:pPr marL="0" indent="0">
-              <a:buFont typeface="Montserrat Light"/>
               <a:buNone/>
             </a:pPr>
-            <a:r>
-              <a:rPr lang="es-ES" sz="1600" dirty="0"/>
-              <a:t>HTML</a:t>
-            </a:r>
+            <a:endParaRPr lang="es-ES" sz="1600" dirty="0"/>
+          </a:p>
+          <a:p>
+            <a:pPr marL="0" indent="0">
+              <a:buNone/>
+            </a:pPr>
+            <a:endParaRPr lang="es-ES" sz="1600" dirty="0"/>
           </a:p>
         </p:txBody>
       </p:sp>
@@ -22969,7 +22911,7 @@
         </p:nvSpPr>
         <p:spPr>
           <a:xfrm>
-            <a:off x="6212926" y="688574"/>
+            <a:off x="5004443" y="1670209"/>
             <a:ext cx="3795550" cy="392165"/>
           </a:xfrm>
           <a:prstGeom prst="rect">
@@ -23236,10 +23178,7 @@
               <a:buFont typeface="Montserrat Light"/>
               <a:buNone/>
             </a:pPr>
-            <a:r>
-              <a:rPr lang="es-ES" sz="1600" dirty="0"/>
-              <a:t>Resultado</a:t>
-            </a:r>
+            <a:endParaRPr lang="es-ES" sz="1600" dirty="0"/>
           </a:p>
         </p:txBody>
       </p:sp>
@@ -23527,23 +23466,214 @@
               <a:t>A-Frame Charts </a:t>
             </a:r>
             <a:r>
-              <a:rPr lang="es-ES" sz="2400" dirty="0" err="1"/>
+              <a:rPr lang="es-ES" sz="2400" dirty="0" err="1" smtClean="0"/>
               <a:t>Component</a:t>
+            </a:r>
+            <a:r>
+              <a:rPr lang="es-ES" sz="2400" dirty="0" smtClean="0"/>
+              <a:t> (Gráficos)</a:t>
             </a:r>
             <a:endParaRPr lang="es-ES" sz="1000" dirty="0"/>
           </a:p>
         </p:txBody>
       </p:sp>
+      <p:sp>
+        <p:nvSpPr>
+          <p:cNvPr id="7" name="Google Shape;372;p19"/>
+          <p:cNvSpPr txBox="1">
+            <a:spLocks noGrp="1"/>
+          </p:cNvSpPr>
+          <p:nvPr>
+            <p:ph type="body" idx="1"/>
+          </p:nvPr>
+        </p:nvSpPr>
+        <p:spPr>
+          <a:xfrm>
+            <a:off x="3070572" y="1171112"/>
+            <a:ext cx="2410573" cy="499095"/>
+          </a:xfrm>
+          <a:prstGeom prst="rect">
+            <a:avLst/>
+          </a:prstGeom>
+        </p:spPr>
+        <p:txBody>
+          <a:bodyPr spcFirstLastPara="1" wrap="square" lIns="0" tIns="0" rIns="0" bIns="0" anchor="t" anchorCtr="0">
+            <a:noAutofit/>
+          </a:bodyPr>
+          <a:lstStyle/>
+          <a:p>
+            <a:pPr marL="0" lvl="0" indent="0" algn="l" rtl="0">
+              <a:spcBef>
+                <a:spcPts val="600"/>
+              </a:spcBef>
+              <a:spcAft>
+                <a:spcPts val="0"/>
+              </a:spcAft>
+              <a:buNone/>
+            </a:pPr>
+            <a:r>
+              <a:rPr lang="es-ES" sz="1600" dirty="0" smtClean="0"/>
+              <a:t>       Tarta</a:t>
+            </a:r>
+            <a:endParaRPr sz="1600" dirty="0"/>
+          </a:p>
+        </p:txBody>
+      </p:sp>
+      <p:sp>
+        <p:nvSpPr>
+          <p:cNvPr id="9" name="Google Shape;372;p19"/>
+          <p:cNvSpPr txBox="1">
+            <a:spLocks noGrp="1"/>
+          </p:cNvSpPr>
+          <p:nvPr>
+            <p:ph type="body" idx="1"/>
+          </p:nvPr>
+        </p:nvSpPr>
+        <p:spPr>
+          <a:xfrm>
+            <a:off x="5995100" y="1141085"/>
+            <a:ext cx="2410573" cy="499095"/>
+          </a:xfrm>
+          <a:prstGeom prst="rect">
+            <a:avLst/>
+          </a:prstGeom>
+        </p:spPr>
+        <p:txBody>
+          <a:bodyPr spcFirstLastPara="1" wrap="square" lIns="0" tIns="0" rIns="0" bIns="0" anchor="t" anchorCtr="0">
+            <a:noAutofit/>
+          </a:bodyPr>
+          <a:lstStyle/>
+          <a:p>
+            <a:pPr marL="0" lvl="0" indent="0" algn="l" rtl="0">
+              <a:spcBef>
+                <a:spcPts val="600"/>
+              </a:spcBef>
+              <a:spcAft>
+                <a:spcPts val="0"/>
+              </a:spcAft>
+              <a:buNone/>
+            </a:pPr>
+            <a:r>
+              <a:rPr lang="es-ES" sz="1600" dirty="0" smtClean="0"/>
+              <a:t>Barras Cilíndricas</a:t>
+            </a:r>
+            <a:endParaRPr sz="1600" dirty="0"/>
+          </a:p>
+        </p:txBody>
+      </p:sp>
+      <p:pic>
+        <p:nvPicPr>
+          <p:cNvPr id="4" name="Imagen 3"/>
+          <p:cNvPicPr>
+            <a:picLocks noChangeAspect="1"/>
+          </p:cNvPicPr>
+          <p:nvPr/>
+        </p:nvPicPr>
+        <p:blipFill>
+          <a:blip r:embed="rId4"/>
+          <a:stretch>
+            <a:fillRect/>
+          </a:stretch>
+        </p:blipFill>
+        <p:spPr>
+          <a:xfrm>
+            <a:off x="547983" y="4090330"/>
+            <a:ext cx="6981825" cy="200025"/>
+          </a:xfrm>
+          <a:prstGeom prst="rect">
+            <a:avLst/>
+          </a:prstGeom>
+        </p:spPr>
+      </p:pic>
+      <p:pic>
+        <p:nvPicPr>
+          <p:cNvPr id="5" name="Imagen 4"/>
+          <p:cNvPicPr>
+            <a:picLocks noChangeAspect="1"/>
+          </p:cNvPicPr>
+          <p:nvPr/>
+        </p:nvPicPr>
+        <p:blipFill>
+          <a:blip r:embed="rId5"/>
+          <a:stretch>
+            <a:fillRect/>
+          </a:stretch>
+        </p:blipFill>
+        <p:spPr>
+          <a:xfrm>
+            <a:off x="2837016" y="1598799"/>
+            <a:ext cx="2681443" cy="2330516"/>
+          </a:xfrm>
+          <a:prstGeom prst="rect">
+            <a:avLst/>
+          </a:prstGeom>
+        </p:spPr>
+      </p:pic>
+      <p:pic>
+        <p:nvPicPr>
+          <p:cNvPr id="6" name="Imagen 5"/>
+          <p:cNvPicPr>
+            <a:picLocks noChangeAspect="1"/>
+          </p:cNvPicPr>
+          <p:nvPr/>
+        </p:nvPicPr>
+        <p:blipFill>
+          <a:blip r:embed="rId6"/>
+          <a:stretch>
+            <a:fillRect/>
+          </a:stretch>
+        </p:blipFill>
+        <p:spPr>
+          <a:xfrm>
+            <a:off x="126027" y="1598799"/>
+            <a:ext cx="2347323" cy="2330516"/>
+          </a:xfrm>
+          <a:prstGeom prst="rect">
+            <a:avLst/>
+          </a:prstGeom>
+        </p:spPr>
+      </p:pic>
+      <p:pic>
+        <p:nvPicPr>
+          <p:cNvPr id="12" name="Imagen 11"/>
+          <p:cNvPicPr>
+            <a:picLocks noChangeAspect="1"/>
+          </p:cNvPicPr>
+          <p:nvPr/>
+        </p:nvPicPr>
+        <p:blipFill>
+          <a:blip r:embed="rId7"/>
+          <a:stretch>
+            <a:fillRect/>
+          </a:stretch>
+        </p:blipFill>
+        <p:spPr>
+          <a:xfrm>
+            <a:off x="5995100" y="1566697"/>
+            <a:ext cx="2314066" cy="2412537"/>
+          </a:xfrm>
+          <a:prstGeom prst="rect">
+            <a:avLst/>
+          </a:prstGeom>
+        </p:spPr>
+      </p:pic>
     </p:spTree>
     <p:extLst>
       <p:ext uri="{BB962C8B-B14F-4D97-AF65-F5344CB8AC3E}">
-        <p14:creationId xmlns:p14="http://schemas.microsoft.com/office/powerpoint/2010/main" val="2635728096"/>
+        <p14:creationId xmlns:p14="http://schemas.microsoft.com/office/powerpoint/2010/main" val="4272809906"/>
       </p:ext>
     </p:extLst>
   </p:cSld>
   <p:clrMapOvr>
     <a:masterClrMapping/>
   </p:clrMapOvr>
+  <p:timing>
+    <p:tnLst>
+      <p:par>
+        <p:cTn id="1" dur="indefinite" restart="never" nodeType="tmRoot"/>
+      </p:par>
+    </p:tnLst>
+  </p:timing>
 </p:sld>
 </file>
 
